--- a/CAMS_Presentation.pptx
+++ b/CAMS_Presentation.pptx
@@ -13818,55 +13818,6 @@
           </a:p>
         </p:txBody>
       </p:sp>
-      <p:sp>
-        <p:nvSpPr>
-          <p:cNvPr id="2" name="CasellaDiTesto 1">
-            <a:extLst>
-              <a:ext uri="{FF2B5EF4-FFF2-40B4-BE49-F238E27FC236}">
-                <a16:creationId xmlns:a16="http://schemas.microsoft.com/office/drawing/2014/main" id="{6B038404-3DF9-5A4C-C2E8-235862A1632C}"/>
-              </a:ext>
-            </a:extLst>
-          </p:cNvPr>
-          <p:cNvSpPr txBox="1"/>
-          <p:nvPr/>
-        </p:nvSpPr>
-        <p:spPr>
-          <a:xfrm>
-            <a:off x="4515632" y="4231229"/>
-            <a:ext cx="4020670" cy="307777"/>
-          </a:xfrm>
-          <a:prstGeom prst="rect">
-            <a:avLst/>
-          </a:prstGeom>
-          <a:noFill/>
-        </p:spPr>
-        <p:txBody>
-          <a:bodyPr wrap="square" rtlCol="0">
-            <a:spAutoFit/>
-          </a:bodyPr>
-          <a:lstStyle/>
-          <a:p>
-            <a:r>
-              <a:rPr lang="it-IT" dirty="0">
-                <a:solidFill>
-                  <a:srgbClr val="6E0918"/>
-                </a:solidFill>
-                <a:latin typeface="Raleway" pitchFamily="2" charset="77"/>
-              </a:rPr>
-              <a:t>Strong </a:t>
-            </a:r>
-            <a:r>
-              <a:rPr lang="en-GB" dirty="0">
-                <a:solidFill>
-                  <a:srgbClr val="6E0918"/>
-                </a:solidFill>
-                <a:latin typeface="Raleway" pitchFamily="2" charset="77"/>
-              </a:rPr>
-              <a:t>result: bigger gamma-&gt; faster conv </a:t>
-            </a:r>
-          </a:p>
-        </p:txBody>
-      </p:sp>
     </p:spTree>
     <p:extLst>
       <p:ext uri="{BB962C8B-B14F-4D97-AF65-F5344CB8AC3E}">
@@ -14096,8 +14047,8 @@
           </a:prstGeom>
         </p:spPr>
       </p:pic>
-      <mc:AlternateContent xmlns:mc="http://schemas.openxmlformats.org/markup-compatibility/2006">
-        <mc:Choice xmlns:a14="http://schemas.microsoft.com/office/drawing/2010/main" Requires="a14">
+      <mc:AlternateContent xmlns:mc="http://schemas.openxmlformats.org/markup-compatibility/2006" xmlns:a14="http://schemas.microsoft.com/office/drawing/2010/main">
+        <mc:Choice Requires="a14">
           <p:sp>
             <p:nvSpPr>
               <p:cNvPr id="3" name="CasellaDiTesto 2">
@@ -14320,7 +14271,7 @@
             </p:txBody>
           </p:sp>
         </mc:Choice>
-        <mc:Fallback>
+        <mc:Fallback xmlns="">
           <p:sp>
             <p:nvSpPr>
               <p:cNvPr id="3" name="CasellaDiTesto 2">
@@ -14365,8 +14316,8 @@
           </p:sp>
         </mc:Fallback>
       </mc:AlternateContent>
-      <mc:AlternateContent xmlns:mc="http://schemas.openxmlformats.org/markup-compatibility/2006">
-        <mc:Choice xmlns:a14="http://schemas.microsoft.com/office/drawing/2010/main" Requires="a14">
+      <mc:AlternateContent xmlns:mc="http://schemas.openxmlformats.org/markup-compatibility/2006" xmlns:a14="http://schemas.microsoft.com/office/drawing/2010/main">
+        <mc:Choice Requires="a14">
           <p:sp>
             <p:nvSpPr>
               <p:cNvPr id="5" name="CasellaDiTesto 4">
@@ -14511,7 +14462,7 @@
             </p:txBody>
           </p:sp>
         </mc:Choice>
-        <mc:Fallback>
+        <mc:Fallback xmlns="">
           <p:sp>
             <p:nvSpPr>
               <p:cNvPr id="5" name="CasellaDiTesto 4">
@@ -14577,7 +14528,7 @@
         </p:blipFill>
         <p:spPr>
           <a:xfrm>
-            <a:off x="5436036" y="526569"/>
+            <a:off x="5544000" y="528601"/>
             <a:ext cx="2546132" cy="1953609"/>
           </a:xfrm>
           <a:prstGeom prst="rect">
@@ -14925,8 +14876,8 @@
           </a:prstGeom>
         </p:spPr>
       </p:pic>
-      <mc:AlternateContent xmlns:mc="http://schemas.openxmlformats.org/markup-compatibility/2006">
-        <mc:Choice xmlns:a14="http://schemas.microsoft.com/office/drawing/2010/main" Requires="a14">
+      <mc:AlternateContent xmlns:mc="http://schemas.openxmlformats.org/markup-compatibility/2006" xmlns:a14="http://schemas.microsoft.com/office/drawing/2010/main">
+        <mc:Choice Requires="a14">
           <p:sp>
             <p:nvSpPr>
               <p:cNvPr id="18" name="CasellaDiTesto 17">
@@ -14956,7 +14907,7 @@
               <a:lstStyle/>
               <a:p>
                 <a:r>
-                  <a:rPr lang="it-IT" sz="1050" b="1" dirty="0">
+                  <a:rPr lang="en-GB" sz="1050" b="1" dirty="0">
                     <a:solidFill>
                       <a:srgbClr val="6E0918"/>
                     </a:solidFill>
@@ -14964,7 +14915,7 @@
                   <a:t>Fig. 8</a:t>
                 </a:r>
                 <a:r>
-                  <a:rPr lang="it-IT" sz="1050" dirty="0">
+                  <a:rPr lang="en-GB" sz="1050" dirty="0">
                     <a:solidFill>
                       <a:srgbClr val="6E0918"/>
                     </a:solidFill>
@@ -14972,45 +14923,13 @@
                   <a:t>: </a:t>
                 </a:r>
                 <a:r>
-                  <a:rPr lang="it-IT" sz="1050" dirty="0"/>
-                  <a:t>Distributed </a:t>
-                </a:r>
-                <a:r>
-                  <a:rPr lang="it-IT" sz="1050" dirty="0" err="1"/>
-                  <a:t>Algorithm</a:t>
-                </a:r>
-                <a:r>
-                  <a:rPr lang="it-IT" sz="1050" dirty="0"/>
-                  <a:t> </a:t>
-                </a:r>
-                <a:r>
-                  <a:rPr lang="it-IT" sz="1050" dirty="0" err="1"/>
-                  <a:t>executions</a:t>
-                </a:r>
-                <a:r>
-                  <a:rPr lang="it-IT" sz="1050" dirty="0"/>
-                  <a:t> by </a:t>
-                </a:r>
-                <a:r>
-                  <a:rPr lang="it-IT" sz="1050" dirty="0" err="1"/>
-                  <a:t>varying</a:t>
-                </a:r>
-                <a:r>
-                  <a:rPr lang="it-IT" sz="1050" dirty="0"/>
-                  <a:t> </a:t>
-                </a:r>
-                <a:r>
-                  <a:rPr lang="it-IT" sz="1050" dirty="0" err="1"/>
-                  <a:t>parameter</a:t>
-                </a:r>
-                <a:r>
-                  <a:rPr lang="it-IT" sz="1050" dirty="0"/>
-                  <a:t> </a:t>
+                  <a:rPr lang="en-GB" sz="1050" dirty="0"/>
+                  <a:t>Distributed Algorithm executions by varying parameter </a:t>
                 </a:r>
                 <a14:m>
                   <m:oMath xmlns:m="http://schemas.openxmlformats.org/officeDocument/2006/math">
                     <m:r>
-                      <a:rPr lang="it-IT" sz="1050" i="1" smtClean="0">
+                      <a:rPr lang="en-GB" sz="1050" i="1" smtClean="0">
                         <a:latin typeface="Cambria Math" panose="02040503050406030204" pitchFamily="18" charset="0"/>
                         <a:ea typeface="Cambria Math" panose="02040503050406030204" pitchFamily="18" charset="0"/>
                       </a:rPr>
@@ -15019,28 +14938,20 @@
                   </m:oMath>
                 </a14:m>
                 <a:r>
-                  <a:rPr lang="it-IT" sz="1050" dirty="0"/>
-                  <a:t>, with </a:t>
-                </a:r>
-                <a:r>
-                  <a:rPr lang="it-IT" sz="1050" dirty="0" err="1"/>
-                  <a:t>fixed</a:t>
-                </a:r>
-                <a:r>
-                  <a:rPr lang="it-IT" sz="1050" dirty="0"/>
-                  <a:t> </a:t>
+                  <a:rPr lang="en-GB" sz="1050" dirty="0"/>
+                  <a:t>, with fixed </a:t>
                 </a:r>
                 <a14:m>
                   <m:oMath xmlns:m="http://schemas.openxmlformats.org/officeDocument/2006/math">
                     <m:r>
-                      <a:rPr lang="it-IT" sz="1050" i="1">
+                      <a:rPr lang="en-GB" sz="1050" i="1">
                         <a:latin typeface="Cambria Math" panose="02040503050406030204" pitchFamily="18" charset="0"/>
                         <a:ea typeface="Cambria Math" panose="02040503050406030204" pitchFamily="18" charset="0"/>
                       </a:rPr>
                       <m:t>𝜅</m:t>
                     </m:r>
                     <m:r>
-                      <a:rPr lang="it-IT" sz="1050" i="1">
+                      <a:rPr lang="en-GB" sz="1050" i="1">
                         <a:latin typeface="Cambria Math" panose="02040503050406030204" pitchFamily="18" charset="0"/>
                       </a:rPr>
                       <m:t>=20</m:t>
@@ -15048,19 +14959,19 @@
                   </m:oMath>
                 </a14:m>
                 <a:r>
-                  <a:rPr lang="it-IT" sz="1050" dirty="0"/>
+                  <a:rPr lang="en-GB" sz="1050" dirty="0"/>
                   <a:t> and </a:t>
                 </a:r>
                 <a14:m>
                   <m:oMath xmlns:m="http://schemas.openxmlformats.org/officeDocument/2006/math">
                     <m:r>
-                      <a:rPr lang="it-IT" sz="1050" i="1">
+                      <a:rPr lang="en-GB" sz="1050" i="1">
                         <a:latin typeface="Cambria Math" panose="02040503050406030204" pitchFamily="18" charset="0"/>
                       </a:rPr>
                       <m:t>𝑔</m:t>
                     </m:r>
                     <m:r>
-                      <a:rPr lang="it-IT" sz="1050" b="0" i="1" smtClean="0">
+                      <a:rPr lang="en-GB" sz="1050" b="0" i="1" smtClean="0">
                         <a:latin typeface="Cambria Math" panose="02040503050406030204" pitchFamily="18" charset="0"/>
                       </a:rPr>
                       <m:t>=1</m:t>
@@ -15068,14 +14979,14 @@
                   </m:oMath>
                 </a14:m>
                 <a:r>
-                  <a:rPr lang="it-IT" sz="1050" dirty="0"/>
+                  <a:rPr lang="en-GB" sz="1050" dirty="0"/>
                   <a:t> </a:t>
                 </a:r>
               </a:p>
             </p:txBody>
           </p:sp>
         </mc:Choice>
-        <mc:Fallback>
+        <mc:Fallback xmlns="">
           <p:sp>
             <p:nvSpPr>
               <p:cNvPr id="18" name="CasellaDiTesto 17">
@@ -15101,7 +15012,7 @@
               <a:blipFill>
                 <a:blip r:embed="rId6"/>
                 <a:stretch>
-                  <a:fillRect b="-9091"/>
+                  <a:fillRect r="-397" b="-9091"/>
                 </a:stretch>
               </a:blipFill>
             </p:spPr>
@@ -15974,10 +15885,124 @@
               <a:buNone/>
             </a:pPr>
             <a:r>
-              <a:rPr lang="it"/>
+              <a:rPr lang="it" dirty="0"/>
               <a:t>Thank you for the attention!</a:t>
             </a:r>
-            <a:endParaRPr/>
+            <a:endParaRPr dirty="0"/>
+          </a:p>
+        </p:txBody>
+      </p:sp>
+      <p:sp>
+        <p:nvSpPr>
+          <p:cNvPr id="2" name="CasellaDiTesto 1">
+            <a:extLst>
+              <a:ext uri="{FF2B5EF4-FFF2-40B4-BE49-F238E27FC236}">
+                <a16:creationId xmlns:a16="http://schemas.microsoft.com/office/drawing/2014/main" id="{C87FE398-752D-4D12-5D00-6610DA30F0BC}"/>
+              </a:ext>
+            </a:extLst>
+          </p:cNvPr>
+          <p:cNvSpPr txBox="1"/>
+          <p:nvPr/>
+        </p:nvSpPr>
+        <p:spPr>
+          <a:xfrm>
+            <a:off x="729450" y="2156604"/>
+            <a:ext cx="5521063" cy="738664"/>
+          </a:xfrm>
+          <a:prstGeom prst="rect">
+            <a:avLst/>
+          </a:prstGeom>
+          <a:noFill/>
+        </p:spPr>
+        <p:txBody>
+          <a:bodyPr wrap="none" rtlCol="0">
+            <a:spAutoFit/>
+          </a:bodyPr>
+          <a:lstStyle/>
+          <a:p>
+            <a:r>
+              <a:rPr lang="en-GB" dirty="0">
+                <a:latin typeface="Raleway" pitchFamily="2" charset="77"/>
+              </a:rPr>
+              <a:t>All My work and Simulations can be found on my GitHub Repo:</a:t>
+            </a:r>
+          </a:p>
+          <a:p>
+            <a:endParaRPr lang="en-GB" dirty="0">
+              <a:latin typeface="Raleway" pitchFamily="2" charset="77"/>
+            </a:endParaRPr>
+          </a:p>
+          <a:p>
+            <a:r>
+              <a:rPr lang="en-GB" dirty="0">
+                <a:solidFill>
+                  <a:srgbClr val="6E0918"/>
+                </a:solidFill>
+                <a:latin typeface="Raleway" pitchFamily="2" charset="77"/>
+                <a:hlinkClick r:id="rId3">
+                  <a:extLst>
+                    <a:ext uri="{A12FA001-AC4F-418D-AE19-62706E023703}">
+                      <ahyp:hlinkClr xmlns:ahyp="http://schemas.microsoft.com/office/drawing/2018/hyperlinkcolor" val="tx"/>
+                    </a:ext>
+                  </a:extLst>
+                </a:hlinkClick>
+              </a:rPr>
+              <a:t>https://</a:t>
+            </a:r>
+            <a:r>
+              <a:rPr lang="en-GB" dirty="0" err="1">
+                <a:solidFill>
+                  <a:srgbClr val="6E0918"/>
+                </a:solidFill>
+                <a:latin typeface="Raleway" pitchFamily="2" charset="77"/>
+                <a:hlinkClick r:id="rId3">
+                  <a:extLst>
+                    <a:ext uri="{A12FA001-AC4F-418D-AE19-62706E023703}">
+                      <ahyp:hlinkClr xmlns:ahyp="http://schemas.microsoft.com/office/drawing/2018/hyperlinkcolor" val="tx"/>
+                    </a:ext>
+                  </a:extLst>
+                </a:hlinkClick>
+              </a:rPr>
+              <a:t>github.com</a:t>
+            </a:r>
+            <a:r>
+              <a:rPr lang="en-GB" dirty="0">
+                <a:solidFill>
+                  <a:srgbClr val="6E0918"/>
+                </a:solidFill>
+                <a:latin typeface="Raleway" pitchFamily="2" charset="77"/>
+                <a:hlinkClick r:id="rId3">
+                  <a:extLst>
+                    <a:ext uri="{A12FA001-AC4F-418D-AE19-62706E023703}">
+                      <ahyp:hlinkClr xmlns:ahyp="http://schemas.microsoft.com/office/drawing/2018/hyperlinkcolor" val="tx"/>
+                    </a:ext>
+                  </a:extLst>
+                </a:hlinkClick>
+              </a:rPr>
+              <a:t>/StefanoF00/</a:t>
+            </a:r>
+            <a:r>
+              <a:rPr lang="en-GB" dirty="0" err="1">
+                <a:solidFill>
+                  <a:srgbClr val="6E0918"/>
+                </a:solidFill>
+                <a:latin typeface="Raleway" pitchFamily="2" charset="77"/>
+                <a:hlinkClick r:id="rId3">
+                  <a:extLst>
+                    <a:ext uri="{A12FA001-AC4F-418D-AE19-62706E023703}">
+                      <ahyp:hlinkClr xmlns:ahyp="http://schemas.microsoft.com/office/drawing/2018/hyperlinkcolor" val="tx"/>
+                    </a:ext>
+                  </a:extLst>
+                </a:hlinkClick>
+              </a:rPr>
+              <a:t>CAMS_distributed_protocol.git</a:t>
+            </a:r>
+            <a:endParaRPr lang="en-GB" dirty="0">
+              <a:solidFill>
+                <a:srgbClr val="6E0918"/>
+              </a:solidFill>
+              <a:latin typeface="Raleway" pitchFamily="2" charset="77"/>
+            </a:endParaRPr>
           </a:p>
         </p:txBody>
       </p:sp>
@@ -18163,7 +18188,7 @@
                 <a:cs typeface="Raleway"/>
                 <a:sym typeface="Raleway"/>
               </a:rPr>
-              <a:t>Simulations and results</a:t>
+              <a:t>Simulation results</a:t>
             </a:r>
             <a:endParaRPr sz="1800" dirty="0">
               <a:latin typeface="Raleway"/>
@@ -19235,7 +19260,7 @@
                   <a:rPr lang="it" sz="1600" dirty="0">
                     <a:latin typeface="Raleway" pitchFamily="2" charset="77"/>
                   </a:rPr>
-                  <a:t>N-agents system modeled as undirected graph </a:t>
+                  <a:t>N-agents system modeled as a graph </a:t>
                 </a:r>
                 <a14:m>
                   <m:oMath xmlns:m="http://schemas.openxmlformats.org/officeDocument/2006/math">
@@ -24736,8 +24761,8 @@
           </a:p>
         </p:txBody>
       </p:sp>
-      <mc:AlternateContent xmlns:mc="http://schemas.openxmlformats.org/markup-compatibility/2006" xmlns:a14="http://schemas.microsoft.com/office/drawing/2010/main">
-        <mc:Choice Requires="a14">
+      <mc:AlternateContent xmlns:mc="http://schemas.openxmlformats.org/markup-compatibility/2006">
+        <mc:Choice xmlns:a14="http://schemas.microsoft.com/office/drawing/2010/main" Requires="a14">
           <p:sp>
             <p:nvSpPr>
               <p:cNvPr id="82" name="Google Shape;82;p8"/>
@@ -25180,6 +25205,144 @@
                 </a:r>
                 <a14:m>
                   <m:oMath xmlns:m="http://schemas.openxmlformats.org/officeDocument/2006/math">
+                    <m:f>
+                      <m:fPr>
+                        <m:ctrlPr>
+                          <a:rPr lang="it-IT" sz="1600" i="1" dirty="0">
+                            <a:latin typeface="Cambria Math" panose="02040503050406030204" pitchFamily="18" charset="0"/>
+                            <a:ea typeface="Cambria Math" panose="02040503050406030204" pitchFamily="18" charset="0"/>
+                          </a:rPr>
+                        </m:ctrlPr>
+                      </m:fPr>
+                      <m:num>
+                        <m:r>
+                          <a:rPr lang="it-IT" sz="1600" i="1" dirty="0">
+                            <a:latin typeface="Cambria Math" panose="02040503050406030204" pitchFamily="18" charset="0"/>
+                            <a:ea typeface="Cambria Math" panose="02040503050406030204" pitchFamily="18" charset="0"/>
+                          </a:rPr>
+                          <m:t>1+</m:t>
+                        </m:r>
+                        <m:r>
+                          <a:rPr lang="it-IT" sz="1600" i="1">
+                            <a:latin typeface="Cambria Math" panose="02040503050406030204" pitchFamily="18" charset="0"/>
+                            <a:ea typeface="Cambria Math" panose="02040503050406030204" pitchFamily="18" charset="0"/>
+                          </a:rPr>
+                          <m:t>𝜅</m:t>
+                        </m:r>
+                        <m:d>
+                          <m:dPr>
+                            <m:ctrlPr>
+                              <a:rPr lang="it-IT" sz="1600" i="1" dirty="0">
+                                <a:latin typeface="Cambria Math" panose="02040503050406030204" pitchFamily="18" charset="0"/>
+                                <a:ea typeface="Cambria Math" panose="02040503050406030204" pitchFamily="18" charset="0"/>
+                              </a:rPr>
+                            </m:ctrlPr>
+                          </m:dPr>
+                          <m:e>
+                            <m:r>
+                              <a:rPr lang="it-IT" sz="1600" b="0" i="1" dirty="0" smtClean="0">
+                                <a:latin typeface="Cambria Math" panose="02040503050406030204" pitchFamily="18" charset="0"/>
+                                <a:ea typeface="Cambria Math" panose="02040503050406030204" pitchFamily="18" charset="0"/>
+                              </a:rPr>
+                              <m:t>1</m:t>
+                            </m:r>
+                            <m:r>
+                              <a:rPr lang="it-IT" sz="1600" i="1" dirty="0">
+                                <a:latin typeface="Cambria Math" panose="02040503050406030204" pitchFamily="18" charset="0"/>
+                                <a:ea typeface="Cambria Math" panose="02040503050406030204" pitchFamily="18" charset="0"/>
+                              </a:rPr>
+                              <m:t>−1</m:t>
+                            </m:r>
+                          </m:e>
+                        </m:d>
+                        <m:sSub>
+                          <m:sSubPr>
+                            <m:ctrlPr>
+                              <a:rPr lang="it-IT" sz="1600" i="1" dirty="0">
+                                <a:latin typeface="Cambria Math" panose="02040503050406030204" pitchFamily="18" charset="0"/>
+                                <a:ea typeface="Cambria Math" panose="02040503050406030204" pitchFamily="18" charset="0"/>
+                              </a:rPr>
+                            </m:ctrlPr>
+                          </m:sSubPr>
+                          <m:e>
+                            <m:r>
+                              <a:rPr lang="it-IT" sz="1600" i="1" dirty="0">
+                                <a:latin typeface="Cambria Math" panose="02040503050406030204" pitchFamily="18" charset="0"/>
+                                <a:ea typeface="Cambria Math" panose="02040503050406030204" pitchFamily="18" charset="0"/>
+                              </a:rPr>
+                              <m:t>𝜆</m:t>
+                            </m:r>
+                          </m:e>
+                          <m:sub>
+                            <m:r>
+                              <a:rPr lang="it-IT" sz="1600" i="1" dirty="0">
+                                <a:latin typeface="Cambria Math" panose="02040503050406030204" pitchFamily="18" charset="0"/>
+                                <a:ea typeface="Cambria Math" panose="02040503050406030204" pitchFamily="18" charset="0"/>
+                              </a:rPr>
+                              <m:t>𝑖</m:t>
+                            </m:r>
+                          </m:sub>
+                        </m:sSub>
+                      </m:num>
+                      <m:den>
+                        <m:r>
+                          <a:rPr lang="it-IT" sz="1600" i="1" dirty="0">
+                            <a:latin typeface="Cambria Math" panose="02040503050406030204" pitchFamily="18" charset="0"/>
+                            <a:ea typeface="Cambria Math" panose="02040503050406030204" pitchFamily="18" charset="0"/>
+                          </a:rPr>
+                          <m:t>1+</m:t>
+                        </m:r>
+                        <m:r>
+                          <a:rPr lang="it-IT" sz="1600" i="1">
+                            <a:latin typeface="Cambria Math" panose="02040503050406030204" pitchFamily="18" charset="0"/>
+                            <a:ea typeface="Cambria Math" panose="02040503050406030204" pitchFamily="18" charset="0"/>
+                          </a:rPr>
+                          <m:t>𝜅</m:t>
+                        </m:r>
+                        <m:sSub>
+                          <m:sSubPr>
+                            <m:ctrlPr>
+                              <a:rPr lang="it-IT" sz="1600" i="1" dirty="0">
+                                <a:latin typeface="Cambria Math" panose="02040503050406030204" pitchFamily="18" charset="0"/>
+                                <a:ea typeface="Cambria Math" panose="02040503050406030204" pitchFamily="18" charset="0"/>
+                              </a:rPr>
+                            </m:ctrlPr>
+                          </m:sSubPr>
+                          <m:e>
+                            <m:r>
+                              <a:rPr lang="it-IT" sz="1600" b="0" i="1" dirty="0" smtClean="0">
+                                <a:latin typeface="Cambria Math" panose="02040503050406030204" pitchFamily="18" charset="0"/>
+                                <a:ea typeface="Cambria Math" panose="02040503050406030204" pitchFamily="18" charset="0"/>
+                              </a:rPr>
+                              <m:t>1</m:t>
+                            </m:r>
+                            <m:r>
+                              <a:rPr lang="it-IT" sz="1600" i="1" dirty="0">
+                                <a:latin typeface="Cambria Math" panose="02040503050406030204" pitchFamily="18" charset="0"/>
+                                <a:ea typeface="Cambria Math" panose="02040503050406030204" pitchFamily="18" charset="0"/>
+                              </a:rPr>
+                              <m:t>𝜆</m:t>
+                            </m:r>
+                          </m:e>
+                          <m:sub>
+                            <m:r>
+                              <a:rPr lang="it-IT" sz="1600" i="1" dirty="0">
+                                <a:latin typeface="Cambria Math" panose="02040503050406030204" pitchFamily="18" charset="0"/>
+                                <a:ea typeface="Cambria Math" panose="02040503050406030204" pitchFamily="18" charset="0"/>
+                              </a:rPr>
+                              <m:t>𝑖</m:t>
+                            </m:r>
+                          </m:sub>
+                        </m:sSub>
+                      </m:den>
+                    </m:f>
+                    <m:r>
+                      <a:rPr lang="it-IT" sz="1600" b="0" i="1" dirty="0" smtClean="0">
+                        <a:latin typeface="Cambria Math" panose="02040503050406030204" pitchFamily="18" charset="0"/>
+                        <a:ea typeface="Cambria Math" panose="02040503050406030204" pitchFamily="18" charset="0"/>
+                      </a:rPr>
+                      <m:t>=</m:t>
+                    </m:r>
                     <m:f>
                       <m:fPr>
                         <m:ctrlPr>
@@ -25550,11 +25713,10 @@
                       </m:e>
                     </m:d>
                     <m:r>
-                      <a:rPr lang="it-IT" sz="1600" i="1">
+                      <a:rPr lang="it-IT" sz="1600" b="0" i="1" smtClean="0">
                         <a:latin typeface="Cambria Math" panose="02040503050406030204" pitchFamily="18" charset="0"/>
-                        <a:ea typeface="Cambria Math" panose="02040503050406030204" pitchFamily="18" charset="0"/>
                       </a:rPr>
-                      <m:t>≤</m:t>
+                      <m:t>=</m:t>
                     </m:r>
                     <m:sSub>
                       <m:sSubPr>
@@ -26043,11 +26205,10 @@
                       </m:e>
                     </m:d>
                     <m:r>
-                      <a:rPr lang="it-IT" sz="1200" i="1">
+                      <a:rPr lang="it-IT" sz="1200" b="0" i="1" smtClean="0">
                         <a:latin typeface="Cambria Math" panose="02040503050406030204" pitchFamily="18" charset="0"/>
-                        <a:ea typeface="Cambria Math" panose="02040503050406030204" pitchFamily="18" charset="0"/>
                       </a:rPr>
-                      <m:t>≤</m:t>
+                      <m:t>=</m:t>
                     </m:r>
                     <m:sSub>
                       <m:sSubPr>
@@ -26110,56 +26271,14 @@
                         <a:latin typeface="Cambria Math" panose="02040503050406030204" pitchFamily="18" charset="0"/>
                         <a:ea typeface="Cambria Math" panose="02040503050406030204" pitchFamily="18" charset="0"/>
                       </a:rPr>
-                      <m:t>−(</m:t>
+                      <m:t>−</m:t>
                     </m:r>
                     <m:r>
-                      <a:rPr lang="it-IT" sz="1200" i="1">
+                      <a:rPr lang="it-IT" sz="1200" i="1" smtClean="0">
                         <a:latin typeface="Cambria Math" panose="02040503050406030204" pitchFamily="18" charset="0"/>
                         <a:ea typeface="Cambria Math" panose="02040503050406030204" pitchFamily="18" charset="0"/>
                       </a:rPr>
-                      <m:t>𝑔</m:t>
-                    </m:r>
-                    <m:r>
-                      <a:rPr lang="it-IT" sz="1200" i="1">
-                        <a:latin typeface="Cambria Math" panose="02040503050406030204" pitchFamily="18" charset="0"/>
-                        <a:ea typeface="Cambria Math" panose="02040503050406030204" pitchFamily="18" charset="0"/>
-                      </a:rPr>
-                      <m:t>−</m:t>
-                    </m:r>
-                    <m:f>
-                      <m:fPr>
-                        <m:ctrlPr>
-                          <a:rPr lang="it-IT" sz="1200" i="1">
-                            <a:latin typeface="Cambria Math" panose="02040503050406030204" pitchFamily="18" charset="0"/>
-                            <a:ea typeface="Cambria Math" panose="02040503050406030204" pitchFamily="18" charset="0"/>
-                          </a:rPr>
-                        </m:ctrlPr>
-                      </m:fPr>
-                      <m:num>
-                        <m:r>
-                          <a:rPr lang="it-IT" sz="1200" i="1">
-                            <a:latin typeface="Cambria Math" panose="02040503050406030204" pitchFamily="18" charset="0"/>
-                            <a:ea typeface="Cambria Math" panose="02040503050406030204" pitchFamily="18" charset="0"/>
-                          </a:rPr>
-                          <m:t>1</m:t>
-                        </m:r>
-                      </m:num>
-                      <m:den>
-                        <m:r>
-                          <a:rPr lang="it-IT" sz="1200" i="1">
-                            <a:latin typeface="Cambria Math" panose="02040503050406030204" pitchFamily="18" charset="0"/>
-                            <a:ea typeface="Cambria Math" panose="02040503050406030204" pitchFamily="18" charset="0"/>
-                          </a:rPr>
-                          <m:t>2</m:t>
-                        </m:r>
-                      </m:den>
-                    </m:f>
-                    <m:r>
-                      <a:rPr lang="it-IT" sz="1200" i="1">
-                        <a:latin typeface="Cambria Math" panose="02040503050406030204" pitchFamily="18" charset="0"/>
-                        <a:ea typeface="Cambria Math" panose="02040503050406030204" pitchFamily="18" charset="0"/>
-                      </a:rPr>
-                      <m:t>)</m:t>
+                      <m:t>𝛿</m:t>
                     </m:r>
                     <m:sSubSup>
                       <m:sSubSupPr>
@@ -26198,6 +26317,88 @@
                         </m:r>
                       </m:sup>
                     </m:sSubSup>
+                    <m:r>
+                      <a:rPr lang="it-IT" sz="1200" b="0" i="1" smtClean="0">
+                        <a:latin typeface="Cambria Math" panose="02040503050406030204" pitchFamily="18" charset="0"/>
+                        <a:ea typeface="Cambria Math" panose="02040503050406030204" pitchFamily="18" charset="0"/>
+                      </a:rPr>
+                      <m:t>,   </m:t>
+                    </m:r>
+                    <m:r>
+                      <a:rPr lang="it-IT" sz="1200" b="0" i="1" smtClean="0">
+                        <a:latin typeface="Cambria Math" panose="02040503050406030204" pitchFamily="18" charset="0"/>
+                        <a:ea typeface="Cambria Math" panose="02040503050406030204" pitchFamily="18" charset="0"/>
+                      </a:rPr>
+                      <m:t>𝛿</m:t>
+                    </m:r>
+                    <m:r>
+                      <a:rPr lang="it-IT" sz="1200" b="0" i="1" smtClean="0">
+                        <a:latin typeface="Cambria Math" panose="02040503050406030204" pitchFamily="18" charset="0"/>
+                        <a:ea typeface="Cambria Math" panose="02040503050406030204" pitchFamily="18" charset="0"/>
+                      </a:rPr>
+                      <m:t>=</m:t>
+                    </m:r>
+                    <m:d>
+                      <m:dPr>
+                        <m:ctrlPr>
+                          <a:rPr lang="it-IT" sz="1200" b="0" i="1" smtClean="0">
+                            <a:latin typeface="Cambria Math" panose="02040503050406030204" pitchFamily="18" charset="0"/>
+                            <a:ea typeface="Cambria Math" panose="02040503050406030204" pitchFamily="18" charset="0"/>
+                          </a:rPr>
+                        </m:ctrlPr>
+                      </m:dPr>
+                      <m:e>
+                        <m:r>
+                          <a:rPr lang="it-IT" sz="1200" i="1">
+                            <a:latin typeface="Cambria Math" panose="02040503050406030204" pitchFamily="18" charset="0"/>
+                            <a:ea typeface="Cambria Math" panose="02040503050406030204" pitchFamily="18" charset="0"/>
+                          </a:rPr>
+                          <m:t>𝑔</m:t>
+                        </m:r>
+                        <m:r>
+                          <a:rPr lang="it-IT" sz="1200" i="1">
+                            <a:latin typeface="Cambria Math" panose="02040503050406030204" pitchFamily="18" charset="0"/>
+                            <a:ea typeface="Cambria Math" panose="02040503050406030204" pitchFamily="18" charset="0"/>
+                          </a:rPr>
+                          <m:t>−</m:t>
+                        </m:r>
+                        <m:f>
+                          <m:fPr>
+                            <m:ctrlPr>
+                              <a:rPr lang="it-IT" sz="1200" i="1">
+                                <a:latin typeface="Cambria Math" panose="02040503050406030204" pitchFamily="18" charset="0"/>
+                                <a:ea typeface="Cambria Math" panose="02040503050406030204" pitchFamily="18" charset="0"/>
+                              </a:rPr>
+                            </m:ctrlPr>
+                          </m:fPr>
+                          <m:num>
+                            <m:r>
+                              <a:rPr lang="it-IT" sz="1200" i="1">
+                                <a:latin typeface="Cambria Math" panose="02040503050406030204" pitchFamily="18" charset="0"/>
+                                <a:ea typeface="Cambria Math" panose="02040503050406030204" pitchFamily="18" charset="0"/>
+                              </a:rPr>
+                              <m:t>1</m:t>
+                            </m:r>
+                          </m:num>
+                          <m:den>
+                            <m:r>
+                              <a:rPr lang="it-IT" sz="1200" i="1">
+                                <a:latin typeface="Cambria Math" panose="02040503050406030204" pitchFamily="18" charset="0"/>
+                                <a:ea typeface="Cambria Math" panose="02040503050406030204" pitchFamily="18" charset="0"/>
+                              </a:rPr>
+                              <m:t>2</m:t>
+                            </m:r>
+                          </m:den>
+                        </m:f>
+                      </m:e>
+                    </m:d>
+                    <m:r>
+                      <a:rPr lang="it-IT" sz="1200" b="0" i="1" smtClean="0">
+                        <a:latin typeface="Cambria Math" panose="02040503050406030204" pitchFamily="18" charset="0"/>
+                        <a:ea typeface="Cambria Math" panose="02040503050406030204" pitchFamily="18" charset="0"/>
+                      </a:rPr>
+                      <m:t>&gt;0</m:t>
+                    </m:r>
                   </m:oMath>
                 </a14:m>
                 <a:endParaRPr lang="it" sz="1200" dirty="0">
@@ -26227,7 +26428,7 @@
             </p:txBody>
           </p:sp>
         </mc:Choice>
-        <mc:Fallback xmlns="">
+        <mc:Fallback>
           <p:sp>
             <p:nvSpPr>
               <p:cNvPr id="82" name="Google Shape;82;p8"/>
@@ -26751,36 +26952,6 @@
       </p:sp>
       <p:pic>
         <p:nvPicPr>
-          <p:cNvPr id="7" name="Immagine 6" descr="Immagine che contiene testo, diagramma, linea, Diagramma&#10;&#10;Descrizione generata automaticamente">
-            <a:extLst>
-              <a:ext uri="{FF2B5EF4-FFF2-40B4-BE49-F238E27FC236}">
-                <a16:creationId xmlns:a16="http://schemas.microsoft.com/office/drawing/2014/main" id="{68749F13-EE12-76A2-F407-914AC88350E1}"/>
-              </a:ext>
-            </a:extLst>
-          </p:cNvPr>
-          <p:cNvPicPr>
-            <a:picLocks noChangeAspect="1"/>
-          </p:cNvPicPr>
-          <p:nvPr/>
-        </p:nvPicPr>
-        <p:blipFill>
-          <a:blip r:embed="rId2"/>
-          <a:stretch>
-            <a:fillRect/>
-          </a:stretch>
-        </p:blipFill>
-        <p:spPr>
-          <a:xfrm>
-            <a:off x="927232" y="1337733"/>
-            <a:ext cx="2989955" cy="2907230"/>
-          </a:xfrm>
-          <a:prstGeom prst="rect">
-            <a:avLst/>
-          </a:prstGeom>
-        </p:spPr>
-      </p:pic>
-      <p:pic>
-        <p:nvPicPr>
           <p:cNvPr id="9" name="Immagine 8" descr="Immagine che contiene testo, diagramma, linea, Diagramma&#10;&#10;Descrizione generata automaticamente">
             <a:extLst>
               <a:ext uri="{FF2B5EF4-FFF2-40B4-BE49-F238E27FC236}">
@@ -26794,7 +26965,7 @@
           <p:nvPr/>
         </p:nvPicPr>
         <p:blipFill>
-          <a:blip r:embed="rId3"/>
+          <a:blip r:embed="rId2"/>
           <a:stretch>
             <a:fillRect/>
           </a:stretch>
@@ -27147,6 +27318,35 @@
           </a:p>
         </p:txBody>
       </p:sp>
+      <p:pic>
+        <p:nvPicPr>
+          <p:cNvPr id="3" name="Immagine 2" descr="Immagine che contiene testo, diagramma, linea, Diagramma&#10;&#10;Descrizione generata automaticamente">
+            <a:extLst>
+              <a:ext uri="{FF2B5EF4-FFF2-40B4-BE49-F238E27FC236}">
+                <a16:creationId xmlns:a16="http://schemas.microsoft.com/office/drawing/2014/main" id="{CF6042B1-108F-7697-2217-195DFAC2FBD1}"/>
+              </a:ext>
+            </a:extLst>
+          </p:cNvPr>
+          <p:cNvPicPr>
+            <a:picLocks noChangeAspect="1"/>
+          </p:cNvPicPr>
+          <p:nvPr/>
+        </p:nvPicPr>
+        <p:blipFill rotWithShape="1">
+          <a:blip r:embed="rId6"/>
+          <a:srcRect l="2704" t="10838" r="8303" b="4258"/>
+          <a:stretch/>
+        </p:blipFill>
+        <p:spPr>
+          <a:xfrm>
+            <a:off x="994926" y="1337733"/>
+            <a:ext cx="3047237" cy="2907230"/>
+          </a:xfrm>
+          <a:prstGeom prst="rect">
+            <a:avLst/>
+          </a:prstGeom>
+        </p:spPr>
+      </p:pic>
     </p:spTree>
     <p:extLst>
       <p:ext uri="{BB962C8B-B14F-4D97-AF65-F5344CB8AC3E}">
@@ -28974,7 +29174,7 @@
                     </a:solidFill>
                     <a:latin typeface="Raleway" pitchFamily="2" charset="77"/>
                   </a:rPr>
-                  <a:t>Produced </a:t>
+                  <a:t>The produced </a:t>
                 </a:r>
                 <a14:m>
                   <m:oMath xmlns:m="http://schemas.openxmlformats.org/officeDocument/2006/math">

--- a/CAMS_Presentation.pptx
+++ b/CAMS_Presentation.pptx
@@ -5,7 +5,7 @@
     <p:sldMasterId id="2147483652" r:id="rId1"/>
   </p:sldMasterIdLst>
   <p:notesMasterIdLst>
-    <p:notesMasterId r:id="rId20"/>
+    <p:notesMasterId r:id="rId17"/>
   </p:notesMasterIdLst>
   <p:sldIdLst>
     <p:sldId id="256" r:id="rId2"/>
@@ -20,32 +20,29 @@
     <p:sldId id="276" r:id="rId11"/>
     <p:sldId id="280" r:id="rId12"/>
     <p:sldId id="278" r:id="rId13"/>
-    <p:sldId id="277" r:id="rId14"/>
-    <p:sldId id="263" r:id="rId15"/>
-    <p:sldId id="275" r:id="rId16"/>
-    <p:sldId id="259" r:id="rId17"/>
-    <p:sldId id="261" r:id="rId18"/>
-    <p:sldId id="262" r:id="rId19"/>
+    <p:sldId id="281" r:id="rId14"/>
+    <p:sldId id="277" r:id="rId15"/>
+    <p:sldId id="263" r:id="rId16"/>
   </p:sldIdLst>
   <p:sldSz cx="9144000" cy="5143500" type="screen16x9"/>
   <p:notesSz cx="6858000" cy="9144000"/>
   <p:embeddedFontLst>
     <p:embeddedFont>
       <p:font typeface="Cambria Math" panose="02040503050406030204" pitchFamily="18" charset="0"/>
-      <p:regular r:id="rId21"/>
+      <p:regular r:id="rId18"/>
     </p:embeddedFont>
     <p:embeddedFont>
       <p:font typeface="Catamaran" pitchFamily="2" charset="77"/>
-      <p:regular r:id="rId22"/>
-      <p:bold r:id="rId22"/>
-      <p:italic r:id="rId23"/>
+      <p:regular r:id="rId19"/>
+      <p:bold r:id="rId19"/>
+      <p:italic r:id="rId19"/>
     </p:embeddedFont>
     <p:embeddedFont>
       <p:font typeface="Raleway" pitchFamily="2" charset="77"/>
-      <p:regular r:id="rId24"/>
-      <p:bold r:id="rId25"/>
-      <p:italic r:id="rId26"/>
-      <p:boldItalic r:id="rId27"/>
+      <p:regular r:id="rId20"/>
+      <p:bold r:id="rId21"/>
+      <p:italic r:id="rId22"/>
+      <p:boldItalic r:id="rId23"/>
     </p:embeddedFont>
   </p:embeddedFontLst>
   <p:defaultTextStyle>
@@ -1305,6 +1302,118 @@
               </a:spcAft>
               <a:buNone/>
             </a:pPr>
+            <a:endParaRPr/>
+          </a:p>
+        </p:txBody>
+      </p:sp>
+    </p:spTree>
+    <p:extLst>
+      <p:ext uri="{BB962C8B-B14F-4D97-AF65-F5344CB8AC3E}">
+        <p14:creationId xmlns:p14="http://schemas.microsoft.com/office/powerpoint/2010/main" val="241443239"/>
+      </p:ext>
+    </p:extLst>
+  </p:cSld>
+  <p:clrMapOvr>
+    <a:masterClrMapping/>
+  </p:clrMapOvr>
+</p:notes>
+</file>
+
+<file path=ppt/notesSlides/notesSlide13.xml><?xml version="1.0" encoding="utf-8"?>
+<p:notes xmlns:a="http://schemas.openxmlformats.org/drawingml/2006/main" xmlns:r="http://schemas.openxmlformats.org/officeDocument/2006/relationships" xmlns:p="http://schemas.openxmlformats.org/presentationml/2006/main" showMasterSp="0" showMasterPhAnim="0">
+  <p:cSld>
+    <p:spTree>
+      <p:nvGrpSpPr>
+        <p:cNvPr id="1" name="Shape 77"/>
+        <p:cNvGrpSpPr/>
+        <p:nvPr/>
+      </p:nvGrpSpPr>
+      <p:grpSpPr>
+        <a:xfrm>
+          <a:off x="0" y="0"/>
+          <a:ext cx="0" cy="0"/>
+          <a:chOff x="0" y="0"/>
+          <a:chExt cx="0" cy="0"/>
+        </a:xfrm>
+      </p:grpSpPr>
+      <p:sp>
+        <p:nvSpPr>
+          <p:cNvPr id="78" name="Google Shape;78;g12ade092b4f_0_5:notes"/>
+          <p:cNvSpPr>
+            <a:spLocks noGrp="1" noRot="1" noChangeAspect="1"/>
+          </p:cNvSpPr>
+          <p:nvPr>
+            <p:ph type="sldImg" idx="2"/>
+          </p:nvPr>
+        </p:nvSpPr>
+        <p:spPr>
+          <a:xfrm>
+            <a:off x="381000" y="685800"/>
+            <a:ext cx="6096000" cy="3429000"/>
+          </a:xfrm>
+          <a:custGeom>
+            <a:avLst/>
+            <a:gdLst/>
+            <a:ahLst/>
+            <a:cxnLst/>
+            <a:rect l="l" t="t" r="r" b="b"/>
+            <a:pathLst>
+              <a:path w="120000" h="120000" extrusionOk="0">
+                <a:moveTo>
+                  <a:pt x="0" y="0"/>
+                </a:moveTo>
+                <a:lnTo>
+                  <a:pt x="120000" y="0"/>
+                </a:lnTo>
+                <a:lnTo>
+                  <a:pt x="120000" y="120000"/>
+                </a:lnTo>
+                <a:lnTo>
+                  <a:pt x="0" y="120000"/>
+                </a:lnTo>
+                <a:close/>
+              </a:path>
+            </a:pathLst>
+          </a:custGeom>
+        </p:spPr>
+      </p:sp>
+      <p:sp>
+        <p:nvSpPr>
+          <p:cNvPr id="79" name="Google Shape;79;g12ade092b4f_0_5:notes"/>
+          <p:cNvSpPr txBox="1">
+            <a:spLocks noGrp="1"/>
+          </p:cNvSpPr>
+          <p:nvPr>
+            <p:ph type="body" idx="1"/>
+          </p:nvPr>
+        </p:nvSpPr>
+        <p:spPr>
+          <a:xfrm>
+            <a:off x="685800" y="4343400"/>
+            <a:ext cx="5486400" cy="4114800"/>
+          </a:xfrm>
+          <a:prstGeom prst="rect">
+            <a:avLst/>
+          </a:prstGeom>
+        </p:spPr>
+        <p:txBody>
+          <a:bodyPr spcFirstLastPara="1" wrap="square" lIns="91425" tIns="91425" rIns="91425" bIns="91425" anchor="t" anchorCtr="0">
+            <a:noAutofit/>
+          </a:bodyPr>
+          <a:lstStyle/>
+          <a:p>
+            <a:pPr marL="0" lvl="0" indent="0" algn="l" rtl="0">
+              <a:lnSpc>
+                <a:spcPct val="115000"/>
+              </a:lnSpc>
+              <a:spcBef>
+                <a:spcPts val="0"/>
+              </a:spcBef>
+              <a:spcAft>
+                <a:spcPts val="1600"/>
+              </a:spcAft>
+              <a:buNone/>
+            </a:pPr>
             <a:endParaRPr dirty="0"/>
           </a:p>
         </p:txBody>
@@ -1322,7 +1431,7 @@
 </p:notes>
 </file>
 
-<file path=ppt/notesSlides/notesSlide13.xml><?xml version="1.0" encoding="utf-8"?>
+<file path=ppt/notesSlides/notesSlide14.xml><?xml version="1.0" encoding="utf-8"?>
 <p:notes xmlns:a="http://schemas.openxmlformats.org/drawingml/2006/main" xmlns:r="http://schemas.openxmlformats.org/officeDocument/2006/relationships" xmlns:p="http://schemas.openxmlformats.org/presentationml/2006/main" showMasterSp="0" showMasterPhAnim="0">
   <p:cSld>
     <p:spTree>
@@ -1383,427 +1492,6 @@
       <p:sp>
         <p:nvSpPr>
           <p:cNvPr id="133" name="Google Shape;133;g95670f63ae_0_316:notes"/>
-          <p:cNvSpPr txBox="1">
-            <a:spLocks noGrp="1"/>
-          </p:cNvSpPr>
-          <p:nvPr>
-            <p:ph type="body" idx="1"/>
-          </p:nvPr>
-        </p:nvSpPr>
-        <p:spPr>
-          <a:xfrm>
-            <a:off x="685800" y="4343400"/>
-            <a:ext cx="5486400" cy="4114800"/>
-          </a:xfrm>
-          <a:prstGeom prst="rect">
-            <a:avLst/>
-          </a:prstGeom>
-        </p:spPr>
-        <p:txBody>
-          <a:bodyPr spcFirstLastPara="1" wrap="square" lIns="91425" tIns="91425" rIns="91425" bIns="91425" anchor="t" anchorCtr="0">
-            <a:noAutofit/>
-          </a:bodyPr>
-          <a:lstStyle/>
-          <a:p>
-            <a:pPr marL="0" lvl="0" indent="0" algn="l" rtl="0">
-              <a:spcBef>
-                <a:spcPts val="0"/>
-              </a:spcBef>
-              <a:spcAft>
-                <a:spcPts val="0"/>
-              </a:spcAft>
-              <a:buNone/>
-            </a:pPr>
-            <a:endParaRPr/>
-          </a:p>
-        </p:txBody>
-      </p:sp>
-    </p:spTree>
-  </p:cSld>
-  <p:clrMapOvr>
-    <a:masterClrMapping/>
-  </p:clrMapOvr>
-</p:notes>
-</file>
-
-<file path=ppt/notesSlides/notesSlide14.xml><?xml version="1.0" encoding="utf-8"?>
-<p:notes xmlns:a="http://schemas.openxmlformats.org/drawingml/2006/main" xmlns:r="http://schemas.openxmlformats.org/officeDocument/2006/relationships" xmlns:p="http://schemas.openxmlformats.org/presentationml/2006/main" showMasterSp="0" showMasterPhAnim="0">
-  <p:cSld>
-    <p:spTree>
-      <p:nvGrpSpPr>
-        <p:cNvPr id="1" name="Shape 97"/>
-        <p:cNvGrpSpPr/>
-        <p:nvPr/>
-      </p:nvGrpSpPr>
-      <p:grpSpPr>
-        <a:xfrm>
-          <a:off x="0" y="0"/>
-          <a:ext cx="0" cy="0"/>
-          <a:chOff x="0" y="0"/>
-          <a:chExt cx="0" cy="0"/>
-        </a:xfrm>
-      </p:grpSpPr>
-      <p:sp>
-        <p:nvSpPr>
-          <p:cNvPr id="98" name="Google Shape;98;g12df644b60b_0_98:notes"/>
-          <p:cNvSpPr>
-            <a:spLocks noGrp="1" noRot="1" noChangeAspect="1"/>
-          </p:cNvSpPr>
-          <p:nvPr>
-            <p:ph type="sldImg" idx="2"/>
-          </p:nvPr>
-        </p:nvSpPr>
-        <p:spPr>
-          <a:xfrm>
-            <a:off x="381000" y="685800"/>
-            <a:ext cx="6096000" cy="3429000"/>
-          </a:xfrm>
-          <a:custGeom>
-            <a:avLst/>
-            <a:gdLst/>
-            <a:ahLst/>
-            <a:cxnLst/>
-            <a:rect l="l" t="t" r="r" b="b"/>
-            <a:pathLst>
-              <a:path w="120000" h="120000" extrusionOk="0">
-                <a:moveTo>
-                  <a:pt x="0" y="0"/>
-                </a:moveTo>
-                <a:lnTo>
-                  <a:pt x="120000" y="0"/>
-                </a:lnTo>
-                <a:lnTo>
-                  <a:pt x="120000" y="120000"/>
-                </a:lnTo>
-                <a:lnTo>
-                  <a:pt x="0" y="120000"/>
-                </a:lnTo>
-                <a:close/>
-              </a:path>
-            </a:pathLst>
-          </a:custGeom>
-        </p:spPr>
-      </p:sp>
-      <p:sp>
-        <p:nvSpPr>
-          <p:cNvPr id="99" name="Google Shape;99;g12df644b60b_0_98:notes"/>
-          <p:cNvSpPr txBox="1">
-            <a:spLocks noGrp="1"/>
-          </p:cNvSpPr>
-          <p:nvPr>
-            <p:ph type="body" idx="1"/>
-          </p:nvPr>
-        </p:nvSpPr>
-        <p:spPr>
-          <a:xfrm>
-            <a:off x="685800" y="4343400"/>
-            <a:ext cx="5486400" cy="4114800"/>
-          </a:xfrm>
-          <a:prstGeom prst="rect">
-            <a:avLst/>
-          </a:prstGeom>
-        </p:spPr>
-        <p:txBody>
-          <a:bodyPr spcFirstLastPara="1" wrap="square" lIns="91425" tIns="91425" rIns="91425" bIns="91425" anchor="t" anchorCtr="0">
-            <a:noAutofit/>
-          </a:bodyPr>
-          <a:lstStyle/>
-          <a:p>
-            <a:pPr marL="0" lvl="0" indent="0" algn="l" rtl="0">
-              <a:spcBef>
-                <a:spcPts val="0"/>
-              </a:spcBef>
-              <a:spcAft>
-                <a:spcPts val="0"/>
-              </a:spcAft>
-              <a:buNone/>
-            </a:pPr>
-            <a:endParaRPr/>
-          </a:p>
-        </p:txBody>
-      </p:sp>
-    </p:spTree>
-    <p:extLst>
-      <p:ext uri="{BB962C8B-B14F-4D97-AF65-F5344CB8AC3E}">
-        <p14:creationId xmlns:p14="http://schemas.microsoft.com/office/powerpoint/2010/main" val="988636316"/>
-      </p:ext>
-    </p:extLst>
-  </p:cSld>
-  <p:clrMapOvr>
-    <a:masterClrMapping/>
-  </p:clrMapOvr>
-</p:notes>
-</file>
-
-<file path=ppt/notesSlides/notesSlide15.xml><?xml version="1.0" encoding="utf-8"?>
-<p:notes xmlns:a="http://schemas.openxmlformats.org/drawingml/2006/main" xmlns:r="http://schemas.openxmlformats.org/officeDocument/2006/relationships" xmlns:p="http://schemas.openxmlformats.org/presentationml/2006/main" showMasterSp="0" showMasterPhAnim="0">
-  <p:cSld>
-    <p:spTree>
-      <p:nvGrpSpPr>
-        <p:cNvPr id="1" name="Shape 85"/>
-        <p:cNvGrpSpPr/>
-        <p:nvPr/>
-      </p:nvGrpSpPr>
-      <p:grpSpPr>
-        <a:xfrm>
-          <a:off x="0" y="0"/>
-          <a:ext cx="0" cy="0"/>
-          <a:chOff x="0" y="0"/>
-          <a:chExt cx="0" cy="0"/>
-        </a:xfrm>
-      </p:grpSpPr>
-      <p:sp>
-        <p:nvSpPr>
-          <p:cNvPr id="86" name="Google Shape;86;g1289395c232_45_41:notes"/>
-          <p:cNvSpPr>
-            <a:spLocks noGrp="1" noRot="1" noChangeAspect="1"/>
-          </p:cNvSpPr>
-          <p:nvPr>
-            <p:ph type="sldImg" idx="2"/>
-          </p:nvPr>
-        </p:nvSpPr>
-        <p:spPr>
-          <a:xfrm>
-            <a:off x="381000" y="685800"/>
-            <a:ext cx="6096000" cy="3429000"/>
-          </a:xfrm>
-          <a:custGeom>
-            <a:avLst/>
-            <a:gdLst/>
-            <a:ahLst/>
-            <a:cxnLst/>
-            <a:rect l="l" t="t" r="r" b="b"/>
-            <a:pathLst>
-              <a:path w="120000" h="120000" extrusionOk="0">
-                <a:moveTo>
-                  <a:pt x="0" y="0"/>
-                </a:moveTo>
-                <a:lnTo>
-                  <a:pt x="120000" y="0"/>
-                </a:lnTo>
-                <a:lnTo>
-                  <a:pt x="120000" y="120000"/>
-                </a:lnTo>
-                <a:lnTo>
-                  <a:pt x="0" y="120000"/>
-                </a:lnTo>
-                <a:close/>
-              </a:path>
-            </a:pathLst>
-          </a:custGeom>
-        </p:spPr>
-      </p:sp>
-      <p:sp>
-        <p:nvSpPr>
-          <p:cNvPr id="87" name="Google Shape;87;g1289395c232_45_41:notes"/>
-          <p:cNvSpPr txBox="1">
-            <a:spLocks noGrp="1"/>
-          </p:cNvSpPr>
-          <p:nvPr>
-            <p:ph type="body" idx="1"/>
-          </p:nvPr>
-        </p:nvSpPr>
-        <p:spPr>
-          <a:xfrm>
-            <a:off x="685800" y="4343400"/>
-            <a:ext cx="5486400" cy="4114800"/>
-          </a:xfrm>
-          <a:prstGeom prst="rect">
-            <a:avLst/>
-          </a:prstGeom>
-        </p:spPr>
-        <p:txBody>
-          <a:bodyPr spcFirstLastPara="1" wrap="square" lIns="91425" tIns="91425" rIns="91425" bIns="91425" anchor="t" anchorCtr="0">
-            <a:noAutofit/>
-          </a:bodyPr>
-          <a:lstStyle/>
-          <a:p>
-            <a:pPr marL="0" lvl="0" indent="0" algn="l" rtl="0">
-              <a:spcBef>
-                <a:spcPts val="0"/>
-              </a:spcBef>
-              <a:spcAft>
-                <a:spcPts val="0"/>
-              </a:spcAft>
-              <a:buNone/>
-            </a:pPr>
-            <a:endParaRPr/>
-          </a:p>
-        </p:txBody>
-      </p:sp>
-    </p:spTree>
-  </p:cSld>
-  <p:clrMapOvr>
-    <a:masterClrMapping/>
-  </p:clrMapOvr>
-</p:notes>
-</file>
-
-<file path=ppt/notesSlides/notesSlide16.xml><?xml version="1.0" encoding="utf-8"?>
-<p:notes xmlns:a="http://schemas.openxmlformats.org/drawingml/2006/main" xmlns:r="http://schemas.openxmlformats.org/officeDocument/2006/relationships" xmlns:p="http://schemas.openxmlformats.org/presentationml/2006/main" showMasterSp="0" showMasterPhAnim="0">
-  <p:cSld>
-    <p:spTree>
-      <p:nvGrpSpPr>
-        <p:cNvPr id="1" name="Shape 106"/>
-        <p:cNvGrpSpPr/>
-        <p:nvPr/>
-      </p:nvGrpSpPr>
-      <p:grpSpPr>
-        <a:xfrm>
-          <a:off x="0" y="0"/>
-          <a:ext cx="0" cy="0"/>
-          <a:chOff x="0" y="0"/>
-          <a:chExt cx="0" cy="0"/>
-        </a:xfrm>
-      </p:grpSpPr>
-      <p:sp>
-        <p:nvSpPr>
-          <p:cNvPr id="107" name="Google Shape;107;g12df644b60b_0_108:notes"/>
-          <p:cNvSpPr>
-            <a:spLocks noGrp="1" noRot="1" noChangeAspect="1"/>
-          </p:cNvSpPr>
-          <p:nvPr>
-            <p:ph type="sldImg" idx="2"/>
-          </p:nvPr>
-        </p:nvSpPr>
-        <p:spPr>
-          <a:xfrm>
-            <a:off x="381000" y="685800"/>
-            <a:ext cx="6096000" cy="3429000"/>
-          </a:xfrm>
-          <a:custGeom>
-            <a:avLst/>
-            <a:gdLst/>
-            <a:ahLst/>
-            <a:cxnLst/>
-            <a:rect l="l" t="t" r="r" b="b"/>
-            <a:pathLst>
-              <a:path w="120000" h="120000" extrusionOk="0">
-                <a:moveTo>
-                  <a:pt x="0" y="0"/>
-                </a:moveTo>
-                <a:lnTo>
-                  <a:pt x="120000" y="0"/>
-                </a:lnTo>
-                <a:lnTo>
-                  <a:pt x="120000" y="120000"/>
-                </a:lnTo>
-                <a:lnTo>
-                  <a:pt x="0" y="120000"/>
-                </a:lnTo>
-                <a:close/>
-              </a:path>
-            </a:pathLst>
-          </a:custGeom>
-        </p:spPr>
-      </p:sp>
-      <p:sp>
-        <p:nvSpPr>
-          <p:cNvPr id="108" name="Google Shape;108;g12df644b60b_0_108:notes"/>
-          <p:cNvSpPr txBox="1">
-            <a:spLocks noGrp="1"/>
-          </p:cNvSpPr>
-          <p:nvPr>
-            <p:ph type="body" idx="1"/>
-          </p:nvPr>
-        </p:nvSpPr>
-        <p:spPr>
-          <a:xfrm>
-            <a:off x="685800" y="4343400"/>
-            <a:ext cx="5486400" cy="4114800"/>
-          </a:xfrm>
-          <a:prstGeom prst="rect">
-            <a:avLst/>
-          </a:prstGeom>
-        </p:spPr>
-        <p:txBody>
-          <a:bodyPr spcFirstLastPara="1" wrap="square" lIns="91425" tIns="91425" rIns="91425" bIns="91425" anchor="t" anchorCtr="0">
-            <a:noAutofit/>
-          </a:bodyPr>
-          <a:lstStyle/>
-          <a:p>
-            <a:pPr marL="0" lvl="0" indent="0" algn="l" rtl="0">
-              <a:spcBef>
-                <a:spcPts val="0"/>
-              </a:spcBef>
-              <a:spcAft>
-                <a:spcPts val="0"/>
-              </a:spcAft>
-              <a:buNone/>
-            </a:pPr>
-            <a:endParaRPr/>
-          </a:p>
-        </p:txBody>
-      </p:sp>
-    </p:spTree>
-  </p:cSld>
-  <p:clrMapOvr>
-    <a:masterClrMapping/>
-  </p:clrMapOvr>
-</p:notes>
-</file>
-
-<file path=ppt/notesSlides/notesSlide17.xml><?xml version="1.0" encoding="utf-8"?>
-<p:notes xmlns:a="http://schemas.openxmlformats.org/drawingml/2006/main" xmlns:r="http://schemas.openxmlformats.org/officeDocument/2006/relationships" xmlns:p="http://schemas.openxmlformats.org/presentationml/2006/main" showMasterSp="0" showMasterPhAnim="0">
-  <p:cSld>
-    <p:spTree>
-      <p:nvGrpSpPr>
-        <p:cNvPr id="1" name="Shape 123"/>
-        <p:cNvGrpSpPr/>
-        <p:nvPr/>
-      </p:nvGrpSpPr>
-      <p:grpSpPr>
-        <a:xfrm>
-          <a:off x="0" y="0"/>
-          <a:ext cx="0" cy="0"/>
-          <a:chOff x="0" y="0"/>
-          <a:chExt cx="0" cy="0"/>
-        </a:xfrm>
-      </p:grpSpPr>
-      <p:sp>
-        <p:nvSpPr>
-          <p:cNvPr id="124" name="Google Shape;124;g12a3e01eb3d_2_0:notes"/>
-          <p:cNvSpPr>
-            <a:spLocks noGrp="1" noRot="1" noChangeAspect="1"/>
-          </p:cNvSpPr>
-          <p:nvPr>
-            <p:ph type="sldImg" idx="2"/>
-          </p:nvPr>
-        </p:nvSpPr>
-        <p:spPr>
-          <a:xfrm>
-            <a:off x="381000" y="685800"/>
-            <a:ext cx="6096000" cy="3429000"/>
-          </a:xfrm>
-          <a:custGeom>
-            <a:avLst/>
-            <a:gdLst/>
-            <a:ahLst/>
-            <a:cxnLst/>
-            <a:rect l="l" t="t" r="r" b="b"/>
-            <a:pathLst>
-              <a:path w="120000" h="120000" extrusionOk="0">
-                <a:moveTo>
-                  <a:pt x="0" y="0"/>
-                </a:moveTo>
-                <a:lnTo>
-                  <a:pt x="120000" y="0"/>
-                </a:lnTo>
-                <a:lnTo>
-                  <a:pt x="120000" y="120000"/>
-                </a:lnTo>
-                <a:lnTo>
-                  <a:pt x="0" y="120000"/>
-                </a:lnTo>
-                <a:close/>
-              </a:path>
-            </a:pathLst>
-          </a:custGeom>
-        </p:spPr>
-      </p:sp>
-      <p:sp>
-        <p:nvSpPr>
-          <p:cNvPr id="125" name="Google Shape;125;g12a3e01eb3d_2_0:notes"/>
           <p:cNvSpPr txBox="1">
             <a:spLocks noGrp="1"/>
           </p:cNvSpPr>
@@ -8390,970 +8078,6 @@
           </a:p>
         </p:txBody>
       </p:sp>
-    </p:spTree>
-  </p:cSld>
-  <p:clrMapOvr>
-    <a:masterClrMapping/>
-  </p:clrMapOvr>
-</p:sldLayout>
-</file>
-
-<file path=ppt/slideLayouts/slideLayout4.xml><?xml version="1.0" encoding="utf-8"?>
-<p:sldLayout xmlns:a="http://schemas.openxmlformats.org/drawingml/2006/main" xmlns:r="http://schemas.openxmlformats.org/officeDocument/2006/relationships" xmlns:p="http://schemas.openxmlformats.org/presentationml/2006/main" matchingName="Section title and description">
-  <p:cSld name="SECTION_TITLE_AND_DESCRIPTION">
-    <p:spTree>
-      <p:nvGrpSpPr>
-        <p:cNvPr id="1" name="Shape 46"/>
-        <p:cNvGrpSpPr/>
-        <p:nvPr/>
-      </p:nvGrpSpPr>
-      <p:grpSpPr>
-        <a:xfrm>
-          <a:off x="0" y="0"/>
-          <a:ext cx="0" cy="0"/>
-          <a:chOff x="0" y="0"/>
-          <a:chExt cx="0" cy="0"/>
-        </a:xfrm>
-      </p:grpSpPr>
-      <p:sp>
-        <p:nvSpPr>
-          <p:cNvPr id="47" name="Google Shape;47;p5"/>
-          <p:cNvSpPr/>
-          <p:nvPr/>
-        </p:nvSpPr>
-        <p:spPr>
-          <a:xfrm>
-            <a:off x="0" y="0"/>
-            <a:ext cx="4572000" cy="5143500"/>
-          </a:xfrm>
-          <a:prstGeom prst="rect">
-            <a:avLst/>
-          </a:prstGeom>
-          <a:solidFill>
-            <a:schemeClr val="lt2"/>
-          </a:solidFill>
-          <a:ln>
-            <a:noFill/>
-          </a:ln>
-        </p:spPr>
-        <p:txBody>
-          <a:bodyPr spcFirstLastPara="1" wrap="square" lIns="91425" tIns="91425" rIns="91425" bIns="91425" anchor="ctr" anchorCtr="0">
-            <a:noAutofit/>
-          </a:bodyPr>
-          <a:lstStyle/>
-          <a:p>
-            <a:pPr marL="0" lvl="0" indent="0" algn="l" rtl="0">
-              <a:spcBef>
-                <a:spcPts val="0"/>
-              </a:spcBef>
-              <a:spcAft>
-                <a:spcPts val="0"/>
-              </a:spcAft>
-              <a:buNone/>
-            </a:pPr>
-            <a:endParaRPr/>
-          </a:p>
-        </p:txBody>
-      </p:sp>
-      <p:sp>
-        <p:nvSpPr>
-          <p:cNvPr id="48" name="Google Shape;48;p5"/>
-          <p:cNvSpPr txBox="1">
-            <a:spLocks noGrp="1"/>
-          </p:cNvSpPr>
-          <p:nvPr>
-            <p:ph type="title"/>
-          </p:nvPr>
-        </p:nvSpPr>
-        <p:spPr>
-          <a:xfrm>
-            <a:off x="770150" y="831575"/>
-            <a:ext cx="3300900" cy="1360800"/>
-          </a:xfrm>
-          <a:prstGeom prst="rect">
-            <a:avLst/>
-          </a:prstGeom>
-        </p:spPr>
-        <p:txBody>
-          <a:bodyPr spcFirstLastPara="1" wrap="square" lIns="91425" tIns="91425" rIns="91425" bIns="91425" anchor="t" anchorCtr="0">
-            <a:noAutofit/>
-          </a:bodyPr>
-          <a:lstStyle>
-            <a:lvl1pPr lvl="0">
-              <a:spcBef>
-                <a:spcPts val="0"/>
-              </a:spcBef>
-              <a:spcAft>
-                <a:spcPts val="0"/>
-              </a:spcAft>
-              <a:buClr>
-                <a:schemeClr val="dk2"/>
-              </a:buClr>
-              <a:buSzPts val="2600"/>
-              <a:buNone/>
-              <a:defRPr sz="2600">
-                <a:solidFill>
-                  <a:schemeClr val="dk2"/>
-                </a:solidFill>
-              </a:defRPr>
-            </a:lvl1pPr>
-            <a:lvl2pPr lvl="1">
-              <a:spcBef>
-                <a:spcPts val="0"/>
-              </a:spcBef>
-              <a:spcAft>
-                <a:spcPts val="0"/>
-              </a:spcAft>
-              <a:buClr>
-                <a:schemeClr val="dk2"/>
-              </a:buClr>
-              <a:buSzPts val="2600"/>
-              <a:buNone/>
-              <a:defRPr sz="2600">
-                <a:solidFill>
-                  <a:schemeClr val="dk2"/>
-                </a:solidFill>
-              </a:defRPr>
-            </a:lvl2pPr>
-            <a:lvl3pPr lvl="2">
-              <a:spcBef>
-                <a:spcPts val="0"/>
-              </a:spcBef>
-              <a:spcAft>
-                <a:spcPts val="0"/>
-              </a:spcAft>
-              <a:buClr>
-                <a:schemeClr val="dk2"/>
-              </a:buClr>
-              <a:buSzPts val="2600"/>
-              <a:buNone/>
-              <a:defRPr sz="2600">
-                <a:solidFill>
-                  <a:schemeClr val="dk2"/>
-                </a:solidFill>
-              </a:defRPr>
-            </a:lvl3pPr>
-            <a:lvl4pPr lvl="3">
-              <a:spcBef>
-                <a:spcPts val="0"/>
-              </a:spcBef>
-              <a:spcAft>
-                <a:spcPts val="0"/>
-              </a:spcAft>
-              <a:buClr>
-                <a:schemeClr val="dk2"/>
-              </a:buClr>
-              <a:buSzPts val="2600"/>
-              <a:buNone/>
-              <a:defRPr sz="2600">
-                <a:solidFill>
-                  <a:schemeClr val="dk2"/>
-                </a:solidFill>
-              </a:defRPr>
-            </a:lvl4pPr>
-            <a:lvl5pPr lvl="4">
-              <a:spcBef>
-                <a:spcPts val="0"/>
-              </a:spcBef>
-              <a:spcAft>
-                <a:spcPts val="0"/>
-              </a:spcAft>
-              <a:buClr>
-                <a:schemeClr val="dk2"/>
-              </a:buClr>
-              <a:buSzPts val="2600"/>
-              <a:buNone/>
-              <a:defRPr sz="2600">
-                <a:solidFill>
-                  <a:schemeClr val="dk2"/>
-                </a:solidFill>
-              </a:defRPr>
-            </a:lvl5pPr>
-            <a:lvl6pPr lvl="5">
-              <a:spcBef>
-                <a:spcPts val="0"/>
-              </a:spcBef>
-              <a:spcAft>
-                <a:spcPts val="0"/>
-              </a:spcAft>
-              <a:buClr>
-                <a:schemeClr val="dk2"/>
-              </a:buClr>
-              <a:buSzPts val="2600"/>
-              <a:buNone/>
-              <a:defRPr sz="2600">
-                <a:solidFill>
-                  <a:schemeClr val="dk2"/>
-                </a:solidFill>
-              </a:defRPr>
-            </a:lvl6pPr>
-            <a:lvl7pPr lvl="6">
-              <a:spcBef>
-                <a:spcPts val="0"/>
-              </a:spcBef>
-              <a:spcAft>
-                <a:spcPts val="0"/>
-              </a:spcAft>
-              <a:buClr>
-                <a:schemeClr val="dk2"/>
-              </a:buClr>
-              <a:buSzPts val="2600"/>
-              <a:buNone/>
-              <a:defRPr sz="2600">
-                <a:solidFill>
-                  <a:schemeClr val="dk2"/>
-                </a:solidFill>
-              </a:defRPr>
-            </a:lvl7pPr>
-            <a:lvl8pPr lvl="7">
-              <a:spcBef>
-                <a:spcPts val="0"/>
-              </a:spcBef>
-              <a:spcAft>
-                <a:spcPts val="0"/>
-              </a:spcAft>
-              <a:buClr>
-                <a:schemeClr val="dk2"/>
-              </a:buClr>
-              <a:buSzPts val="2600"/>
-              <a:buNone/>
-              <a:defRPr sz="2600">
-                <a:solidFill>
-                  <a:schemeClr val="dk2"/>
-                </a:solidFill>
-              </a:defRPr>
-            </a:lvl8pPr>
-            <a:lvl9pPr lvl="8">
-              <a:spcBef>
-                <a:spcPts val="0"/>
-              </a:spcBef>
-              <a:spcAft>
-                <a:spcPts val="0"/>
-              </a:spcAft>
-              <a:buClr>
-                <a:schemeClr val="dk2"/>
-              </a:buClr>
-              <a:buSzPts val="2600"/>
-              <a:buNone/>
-              <a:defRPr sz="2600">
-                <a:solidFill>
-                  <a:schemeClr val="dk2"/>
-                </a:solidFill>
-              </a:defRPr>
-            </a:lvl9pPr>
-          </a:lstStyle>
-          <a:p>
-            <a:endParaRPr/>
-          </a:p>
-        </p:txBody>
-      </p:sp>
-      <p:sp>
-        <p:nvSpPr>
-          <p:cNvPr id="49" name="Google Shape;49;p5"/>
-          <p:cNvSpPr txBox="1">
-            <a:spLocks noGrp="1"/>
-          </p:cNvSpPr>
-          <p:nvPr>
-            <p:ph type="subTitle" idx="1"/>
-          </p:nvPr>
-        </p:nvSpPr>
-        <p:spPr>
-          <a:xfrm>
-            <a:off x="770150" y="2192250"/>
-            <a:ext cx="3300900" cy="2404800"/>
-          </a:xfrm>
-          <a:prstGeom prst="rect">
-            <a:avLst/>
-          </a:prstGeom>
-        </p:spPr>
-        <p:txBody>
-          <a:bodyPr spcFirstLastPara="1" wrap="square" lIns="91425" tIns="91425" rIns="91425" bIns="91425" anchor="t" anchorCtr="0">
-            <a:noAutofit/>
-          </a:bodyPr>
-          <a:lstStyle>
-            <a:lvl1pPr lvl="0">
-              <a:lnSpc>
-                <a:spcPct val="100000"/>
-              </a:lnSpc>
-              <a:spcBef>
-                <a:spcPts val="0"/>
-              </a:spcBef>
-              <a:spcAft>
-                <a:spcPts val="0"/>
-              </a:spcAft>
-              <a:buSzPts val="1600"/>
-              <a:buNone/>
-              <a:defRPr sz="1600"/>
-            </a:lvl1pPr>
-            <a:lvl2pPr lvl="1">
-              <a:lnSpc>
-                <a:spcPct val="100000"/>
-              </a:lnSpc>
-              <a:spcBef>
-                <a:spcPts val="0"/>
-              </a:spcBef>
-              <a:spcAft>
-                <a:spcPts val="0"/>
-              </a:spcAft>
-              <a:buSzPts val="1600"/>
-              <a:buNone/>
-              <a:defRPr sz="1600"/>
-            </a:lvl2pPr>
-            <a:lvl3pPr lvl="2">
-              <a:lnSpc>
-                <a:spcPct val="100000"/>
-              </a:lnSpc>
-              <a:spcBef>
-                <a:spcPts val="0"/>
-              </a:spcBef>
-              <a:spcAft>
-                <a:spcPts val="0"/>
-              </a:spcAft>
-              <a:buSzPts val="1600"/>
-              <a:buNone/>
-              <a:defRPr sz="1600"/>
-            </a:lvl3pPr>
-            <a:lvl4pPr lvl="3">
-              <a:lnSpc>
-                <a:spcPct val="100000"/>
-              </a:lnSpc>
-              <a:spcBef>
-                <a:spcPts val="0"/>
-              </a:spcBef>
-              <a:spcAft>
-                <a:spcPts val="0"/>
-              </a:spcAft>
-              <a:buSzPts val="1600"/>
-              <a:buNone/>
-              <a:defRPr sz="1600"/>
-            </a:lvl4pPr>
-            <a:lvl5pPr lvl="4">
-              <a:lnSpc>
-                <a:spcPct val="100000"/>
-              </a:lnSpc>
-              <a:spcBef>
-                <a:spcPts val="0"/>
-              </a:spcBef>
-              <a:spcAft>
-                <a:spcPts val="0"/>
-              </a:spcAft>
-              <a:buSzPts val="1600"/>
-              <a:buNone/>
-              <a:defRPr sz="1600"/>
-            </a:lvl5pPr>
-            <a:lvl6pPr lvl="5">
-              <a:lnSpc>
-                <a:spcPct val="100000"/>
-              </a:lnSpc>
-              <a:spcBef>
-                <a:spcPts val="0"/>
-              </a:spcBef>
-              <a:spcAft>
-                <a:spcPts val="0"/>
-              </a:spcAft>
-              <a:buSzPts val="1600"/>
-              <a:buNone/>
-              <a:defRPr sz="1600"/>
-            </a:lvl6pPr>
-            <a:lvl7pPr lvl="6">
-              <a:lnSpc>
-                <a:spcPct val="100000"/>
-              </a:lnSpc>
-              <a:spcBef>
-                <a:spcPts val="0"/>
-              </a:spcBef>
-              <a:spcAft>
-                <a:spcPts val="0"/>
-              </a:spcAft>
-              <a:buSzPts val="1600"/>
-              <a:buNone/>
-              <a:defRPr sz="1600"/>
-            </a:lvl7pPr>
-            <a:lvl8pPr lvl="7">
-              <a:lnSpc>
-                <a:spcPct val="100000"/>
-              </a:lnSpc>
-              <a:spcBef>
-                <a:spcPts val="0"/>
-              </a:spcBef>
-              <a:spcAft>
-                <a:spcPts val="0"/>
-              </a:spcAft>
-              <a:buSzPts val="1600"/>
-              <a:buNone/>
-              <a:defRPr sz="1600"/>
-            </a:lvl8pPr>
-            <a:lvl9pPr lvl="8">
-              <a:lnSpc>
-                <a:spcPct val="100000"/>
-              </a:lnSpc>
-              <a:spcBef>
-                <a:spcPts val="0"/>
-              </a:spcBef>
-              <a:spcAft>
-                <a:spcPts val="0"/>
-              </a:spcAft>
-              <a:buSzPts val="1600"/>
-              <a:buNone/>
-              <a:defRPr sz="1600"/>
-            </a:lvl9pPr>
-          </a:lstStyle>
-          <a:p>
-            <a:endParaRPr dirty="0"/>
-          </a:p>
-        </p:txBody>
-      </p:sp>
-      <p:sp>
-        <p:nvSpPr>
-          <p:cNvPr id="50" name="Google Shape;50;p5"/>
-          <p:cNvSpPr txBox="1">
-            <a:spLocks noGrp="1"/>
-          </p:cNvSpPr>
-          <p:nvPr>
-            <p:ph type="body" idx="2"/>
-          </p:nvPr>
-        </p:nvSpPr>
-        <p:spPr>
-          <a:xfrm>
-            <a:off x="5161900" y="831575"/>
-            <a:ext cx="3374400" cy="3025500"/>
-          </a:xfrm>
-          <a:prstGeom prst="rect">
-            <a:avLst/>
-          </a:prstGeom>
-        </p:spPr>
-        <p:txBody>
-          <a:bodyPr spcFirstLastPara="1" wrap="square" lIns="91425" tIns="91425" rIns="91425" bIns="91425" anchor="t" anchorCtr="0">
-            <a:noAutofit/>
-          </a:bodyPr>
-          <a:lstStyle>
-            <a:lvl1pPr marL="457200" lvl="0" indent="-311150">
-              <a:spcBef>
-                <a:spcPts val="0"/>
-              </a:spcBef>
-              <a:spcAft>
-                <a:spcPts val="0"/>
-              </a:spcAft>
-              <a:buSzPts val="1300"/>
-              <a:buChar char="●"/>
-              <a:defRPr/>
-            </a:lvl1pPr>
-            <a:lvl2pPr marL="914400" lvl="1" indent="-298450">
-              <a:spcBef>
-                <a:spcPts val="1600"/>
-              </a:spcBef>
-              <a:spcAft>
-                <a:spcPts val="0"/>
-              </a:spcAft>
-              <a:buSzPts val="1100"/>
-              <a:buChar char="○"/>
-              <a:defRPr/>
-            </a:lvl2pPr>
-            <a:lvl3pPr marL="1371600" lvl="2" indent="-298450">
-              <a:spcBef>
-                <a:spcPts val="1600"/>
-              </a:spcBef>
-              <a:spcAft>
-                <a:spcPts val="0"/>
-              </a:spcAft>
-              <a:buSzPts val="1100"/>
-              <a:buChar char="■"/>
-              <a:defRPr/>
-            </a:lvl3pPr>
-            <a:lvl4pPr marL="1828800" lvl="3" indent="-298450">
-              <a:spcBef>
-                <a:spcPts val="1600"/>
-              </a:spcBef>
-              <a:spcAft>
-                <a:spcPts val="0"/>
-              </a:spcAft>
-              <a:buSzPts val="1100"/>
-              <a:buChar char="●"/>
-              <a:defRPr/>
-            </a:lvl4pPr>
-            <a:lvl5pPr marL="2286000" lvl="4" indent="-298450">
-              <a:spcBef>
-                <a:spcPts val="1600"/>
-              </a:spcBef>
-              <a:spcAft>
-                <a:spcPts val="0"/>
-              </a:spcAft>
-              <a:buSzPts val="1100"/>
-              <a:buChar char="○"/>
-              <a:defRPr/>
-            </a:lvl5pPr>
-            <a:lvl6pPr marL="2743200" lvl="5" indent="-298450">
-              <a:spcBef>
-                <a:spcPts val="1600"/>
-              </a:spcBef>
-              <a:spcAft>
-                <a:spcPts val="0"/>
-              </a:spcAft>
-              <a:buSzPts val="1100"/>
-              <a:buChar char="■"/>
-              <a:defRPr/>
-            </a:lvl6pPr>
-            <a:lvl7pPr marL="3200400" lvl="6" indent="-298450">
-              <a:spcBef>
-                <a:spcPts val="1600"/>
-              </a:spcBef>
-              <a:spcAft>
-                <a:spcPts val="0"/>
-              </a:spcAft>
-              <a:buSzPts val="1100"/>
-              <a:buChar char="●"/>
-              <a:defRPr/>
-            </a:lvl7pPr>
-            <a:lvl8pPr marL="3657600" lvl="7" indent="-298450">
-              <a:spcBef>
-                <a:spcPts val="1600"/>
-              </a:spcBef>
-              <a:spcAft>
-                <a:spcPts val="0"/>
-              </a:spcAft>
-              <a:buSzPts val="1100"/>
-              <a:buChar char="○"/>
-              <a:defRPr/>
-            </a:lvl8pPr>
-            <a:lvl9pPr marL="4114800" lvl="8" indent="-298450">
-              <a:spcBef>
-                <a:spcPts val="1600"/>
-              </a:spcBef>
-              <a:spcAft>
-                <a:spcPts val="1600"/>
-              </a:spcAft>
-              <a:buSzPts val="1100"/>
-              <a:buChar char="■"/>
-              <a:defRPr/>
-            </a:lvl9pPr>
-          </a:lstStyle>
-          <a:p>
-            <a:endParaRPr/>
-          </a:p>
-        </p:txBody>
-      </p:sp>
-      <p:sp>
-        <p:nvSpPr>
-          <p:cNvPr id="51" name="Google Shape;51;p5"/>
-          <p:cNvSpPr txBox="1">
-            <a:spLocks noGrp="1"/>
-          </p:cNvSpPr>
-          <p:nvPr>
-            <p:ph type="sldNum" idx="12"/>
-          </p:nvPr>
-        </p:nvSpPr>
-        <p:spPr>
-          <a:xfrm>
-            <a:off x="8536302" y="4749851"/>
-            <a:ext cx="548700" cy="393600"/>
-          </a:xfrm>
-          <a:prstGeom prst="rect">
-            <a:avLst/>
-          </a:prstGeom>
-        </p:spPr>
-        <p:txBody>
-          <a:bodyPr spcFirstLastPara="1" wrap="square" lIns="91425" tIns="91425" rIns="91425" bIns="91425" anchor="ctr" anchorCtr="0">
-            <a:noAutofit/>
-          </a:bodyPr>
-          <a:lstStyle>
-            <a:lvl1pPr lvl="0">
-              <a:buNone/>
-              <a:defRPr/>
-            </a:lvl1pPr>
-            <a:lvl2pPr lvl="1">
-              <a:buNone/>
-              <a:defRPr/>
-            </a:lvl2pPr>
-            <a:lvl3pPr lvl="2">
-              <a:buNone/>
-              <a:defRPr/>
-            </a:lvl3pPr>
-            <a:lvl4pPr lvl="3">
-              <a:buNone/>
-              <a:defRPr/>
-            </a:lvl4pPr>
-            <a:lvl5pPr lvl="4">
-              <a:buNone/>
-              <a:defRPr/>
-            </a:lvl5pPr>
-            <a:lvl6pPr lvl="5">
-              <a:buNone/>
-              <a:defRPr/>
-            </a:lvl6pPr>
-            <a:lvl7pPr lvl="6">
-              <a:buNone/>
-              <a:defRPr/>
-            </a:lvl7pPr>
-            <a:lvl8pPr lvl="7">
-              <a:buNone/>
-              <a:defRPr/>
-            </a:lvl8pPr>
-            <a:lvl9pPr lvl="8">
-              <a:buNone/>
-              <a:defRPr/>
-            </a:lvl9pPr>
-          </a:lstStyle>
-          <a:p>
-            <a:pPr marL="0" lvl="0" indent="0" algn="r" rtl="0">
-              <a:spcBef>
-                <a:spcPts val="0"/>
-              </a:spcBef>
-              <a:spcAft>
-                <a:spcPts val="0"/>
-              </a:spcAft>
-              <a:buNone/>
-            </a:pPr>
-            <a:fld id="{00000000-1234-1234-1234-123412341234}" type="slidenum">
-              <a:rPr lang="it"/>
-              <a:t>‹N›</a:t>
-            </a:fld>
-            <a:endParaRPr/>
-          </a:p>
-        </p:txBody>
-      </p:sp>
-      <p:sp>
-        <p:nvSpPr>
-          <p:cNvPr id="52" name="Google Shape;52;p5"/>
-          <p:cNvSpPr/>
-          <p:nvPr/>
-        </p:nvSpPr>
-        <p:spPr>
-          <a:xfrm>
-            <a:off x="0" y="4129750"/>
-            <a:ext cx="1327200" cy="1013700"/>
-          </a:xfrm>
-          <a:prstGeom prst="rtTriangle">
-            <a:avLst/>
-          </a:prstGeom>
-          <a:solidFill>
-            <a:srgbClr val="6F0A19"/>
-          </a:solidFill>
-          <a:ln>
-            <a:noFill/>
-          </a:ln>
-        </p:spPr>
-        <p:txBody>
-          <a:bodyPr spcFirstLastPara="1" wrap="square" lIns="91425" tIns="91425" rIns="91425" bIns="91425" anchor="ctr" anchorCtr="0">
-            <a:noAutofit/>
-          </a:bodyPr>
-          <a:lstStyle/>
-          <a:p>
-            <a:pPr marL="0" lvl="0" indent="0" algn="l" rtl="0">
-              <a:spcBef>
-                <a:spcPts val="0"/>
-              </a:spcBef>
-              <a:spcAft>
-                <a:spcPts val="0"/>
-              </a:spcAft>
-              <a:buNone/>
-            </a:pPr>
-            <a:endParaRPr/>
-          </a:p>
-        </p:txBody>
-      </p:sp>
-      <p:pic>
-        <p:nvPicPr>
-          <p:cNvPr id="53" name="Google Shape;53;p5"/>
-          <p:cNvPicPr preferRelativeResize="0"/>
-          <p:nvPr/>
-        </p:nvPicPr>
-        <p:blipFill rotWithShape="1">
-          <a:blip r:embed="rId2">
-            <a:alphaModFix/>
-          </a:blip>
-          <a:srcRect t="13651" b="17785"/>
-          <a:stretch/>
-        </p:blipFill>
-        <p:spPr>
-          <a:xfrm>
-            <a:off x="0" y="4597050"/>
-            <a:ext cx="607175" cy="487800"/>
-          </a:xfrm>
-          <a:prstGeom prst="rect">
-            <a:avLst/>
-          </a:prstGeom>
-          <a:noFill/>
-          <a:ln>
-            <a:noFill/>
-          </a:ln>
-        </p:spPr>
-      </p:pic>
-      <p:sp>
-        <p:nvSpPr>
-          <p:cNvPr id="54" name="Google Shape;54;p5"/>
-          <p:cNvSpPr/>
-          <p:nvPr/>
-        </p:nvSpPr>
-        <p:spPr>
-          <a:xfrm rot="10800000" flipH="1">
-            <a:off x="828588" y="734362"/>
-            <a:ext cx="372900" cy="45900"/>
-          </a:xfrm>
-          <a:prstGeom prst="rect">
-            <a:avLst/>
-          </a:prstGeom>
-          <a:solidFill>
-            <a:srgbClr val="006778"/>
-          </a:solidFill>
-          <a:ln>
-            <a:noFill/>
-          </a:ln>
-        </p:spPr>
-        <p:txBody>
-          <a:bodyPr spcFirstLastPara="1" wrap="square" lIns="91425" tIns="91425" rIns="91425" bIns="91425" anchor="ctr" anchorCtr="0">
-            <a:noAutofit/>
-          </a:bodyPr>
-          <a:lstStyle/>
-          <a:p>
-            <a:pPr marL="0" lvl="0" indent="0" algn="l" rtl="0">
-              <a:spcBef>
-                <a:spcPts val="0"/>
-              </a:spcBef>
-              <a:spcAft>
-                <a:spcPts val="0"/>
-              </a:spcAft>
-              <a:buNone/>
-            </a:pPr>
-            <a:endParaRPr/>
-          </a:p>
-        </p:txBody>
-      </p:sp>
-      <p:sp>
-        <p:nvSpPr>
-          <p:cNvPr id="55" name="Google Shape;55;p5"/>
-          <p:cNvSpPr/>
-          <p:nvPr/>
-        </p:nvSpPr>
-        <p:spPr>
-          <a:xfrm rot="10800000" flipH="1">
-            <a:off x="1201463" y="734362"/>
-            <a:ext cx="372900" cy="45900"/>
-          </a:xfrm>
-          <a:prstGeom prst="rect">
-            <a:avLst/>
-          </a:prstGeom>
-          <a:solidFill>
-            <a:srgbClr val="6F0A19"/>
-          </a:solidFill>
-          <a:ln>
-            <a:noFill/>
-          </a:ln>
-        </p:spPr>
-        <p:txBody>
-          <a:bodyPr spcFirstLastPara="1" wrap="square" lIns="91425" tIns="91425" rIns="91425" bIns="91425" anchor="ctr" anchorCtr="0">
-            <a:noAutofit/>
-          </a:bodyPr>
-          <a:lstStyle/>
-          <a:p>
-            <a:pPr marL="0" lvl="0" indent="0" algn="l" rtl="0">
-              <a:spcBef>
-                <a:spcPts val="0"/>
-              </a:spcBef>
-              <a:spcAft>
-                <a:spcPts val="0"/>
-              </a:spcAft>
-              <a:buNone/>
-            </a:pPr>
-            <a:endParaRPr/>
-          </a:p>
-        </p:txBody>
-      </p:sp>
-      <p:sp>
-        <p:nvSpPr>
-          <p:cNvPr id="56" name="Google Shape;56;p5"/>
-          <p:cNvSpPr txBox="1">
-            <a:spLocks noGrp="1"/>
-          </p:cNvSpPr>
-          <p:nvPr>
-            <p:ph type="subTitle" idx="3"/>
-          </p:nvPr>
-        </p:nvSpPr>
-        <p:spPr>
-          <a:xfrm>
-            <a:off x="1414800" y="4779100"/>
-            <a:ext cx="5854500" cy="335100"/>
-          </a:xfrm>
-          <a:prstGeom prst="rect">
-            <a:avLst/>
-          </a:prstGeom>
-        </p:spPr>
-        <p:txBody>
-          <a:bodyPr spcFirstLastPara="1" wrap="square" lIns="91425" tIns="91425" rIns="91425" bIns="91425" anchor="t" anchorCtr="0">
-            <a:noAutofit/>
-          </a:bodyPr>
-          <a:lstStyle>
-            <a:lvl1pPr lvl="0" rtl="0">
-              <a:spcBef>
-                <a:spcPts val="0"/>
-              </a:spcBef>
-              <a:spcAft>
-                <a:spcPts val="0"/>
-              </a:spcAft>
-              <a:buSzPts val="900"/>
-              <a:buNone/>
-              <a:defRPr sz="900"/>
-            </a:lvl1pPr>
-            <a:lvl2pPr lvl="1" rtl="0">
-              <a:spcBef>
-                <a:spcPts val="1600"/>
-              </a:spcBef>
-              <a:spcAft>
-                <a:spcPts val="0"/>
-              </a:spcAft>
-              <a:buSzPts val="1100"/>
-              <a:buNone/>
-              <a:defRPr/>
-            </a:lvl2pPr>
-            <a:lvl3pPr lvl="2" rtl="0">
-              <a:spcBef>
-                <a:spcPts val="1600"/>
-              </a:spcBef>
-              <a:spcAft>
-                <a:spcPts val="0"/>
-              </a:spcAft>
-              <a:buSzPts val="1100"/>
-              <a:buNone/>
-              <a:defRPr/>
-            </a:lvl3pPr>
-            <a:lvl4pPr lvl="3" rtl="0">
-              <a:spcBef>
-                <a:spcPts val="1600"/>
-              </a:spcBef>
-              <a:spcAft>
-                <a:spcPts val="0"/>
-              </a:spcAft>
-              <a:buSzPts val="1100"/>
-              <a:buNone/>
-              <a:defRPr/>
-            </a:lvl4pPr>
-            <a:lvl5pPr lvl="4" rtl="0">
-              <a:spcBef>
-                <a:spcPts val="1600"/>
-              </a:spcBef>
-              <a:spcAft>
-                <a:spcPts val="0"/>
-              </a:spcAft>
-              <a:buSzPts val="1100"/>
-              <a:buNone/>
-              <a:defRPr/>
-            </a:lvl5pPr>
-            <a:lvl6pPr lvl="5" rtl="0">
-              <a:spcBef>
-                <a:spcPts val="1600"/>
-              </a:spcBef>
-              <a:spcAft>
-                <a:spcPts val="0"/>
-              </a:spcAft>
-              <a:buSzPts val="1100"/>
-              <a:buNone/>
-              <a:defRPr/>
-            </a:lvl6pPr>
-            <a:lvl7pPr lvl="6" rtl="0">
-              <a:spcBef>
-                <a:spcPts val="1600"/>
-              </a:spcBef>
-              <a:spcAft>
-                <a:spcPts val="0"/>
-              </a:spcAft>
-              <a:buSzPts val="1100"/>
-              <a:buNone/>
-              <a:defRPr/>
-            </a:lvl7pPr>
-            <a:lvl8pPr lvl="7" rtl="0">
-              <a:spcBef>
-                <a:spcPts val="1600"/>
-              </a:spcBef>
-              <a:spcAft>
-                <a:spcPts val="0"/>
-              </a:spcAft>
-              <a:buSzPts val="1100"/>
-              <a:buNone/>
-              <a:defRPr/>
-            </a:lvl8pPr>
-            <a:lvl9pPr lvl="8" rtl="0">
-              <a:spcBef>
-                <a:spcPts val="1600"/>
-              </a:spcBef>
-              <a:spcAft>
-                <a:spcPts val="1600"/>
-              </a:spcAft>
-              <a:buSzPts val="1100"/>
-              <a:buNone/>
-              <a:defRPr/>
-            </a:lvl9pPr>
-          </a:lstStyle>
-          <a:p>
-            <a:endParaRPr/>
-          </a:p>
-        </p:txBody>
-      </p:sp>
-      <p:sp>
-        <p:nvSpPr>
-          <p:cNvPr id="57" name="Google Shape;57;p5"/>
-          <p:cNvSpPr/>
-          <p:nvPr/>
-        </p:nvSpPr>
-        <p:spPr>
-          <a:xfrm>
-            <a:off x="0" y="4129750"/>
-            <a:ext cx="1327200" cy="1013700"/>
-          </a:xfrm>
-          <a:prstGeom prst="rtTriangle">
-            <a:avLst/>
-          </a:prstGeom>
-          <a:solidFill>
-            <a:srgbClr val="6F0A19"/>
-          </a:solidFill>
-          <a:ln>
-            <a:noFill/>
-          </a:ln>
-        </p:spPr>
-        <p:txBody>
-          <a:bodyPr spcFirstLastPara="1" wrap="square" lIns="91425" tIns="91425" rIns="91425" bIns="91425" anchor="ctr" anchorCtr="0">
-            <a:noAutofit/>
-          </a:bodyPr>
-          <a:lstStyle/>
-          <a:p>
-            <a:pPr marL="0" lvl="0" indent="0" algn="l" rtl="0">
-              <a:spcBef>
-                <a:spcPts val="0"/>
-              </a:spcBef>
-              <a:spcAft>
-                <a:spcPts val="0"/>
-              </a:spcAft>
-              <a:buNone/>
-            </a:pPr>
-            <a:endParaRPr/>
-          </a:p>
-        </p:txBody>
-      </p:sp>
-      <p:pic>
-        <p:nvPicPr>
-          <p:cNvPr id="58" name="Google Shape;58;p5"/>
-          <p:cNvPicPr preferRelativeResize="0"/>
-          <p:nvPr/>
-        </p:nvPicPr>
-        <p:blipFill rotWithShape="1">
-          <a:blip r:embed="rId2">
-            <a:alphaModFix/>
-          </a:blip>
-          <a:srcRect l="7088" t="14912" r="9620" b="16523"/>
-          <a:stretch/>
-        </p:blipFill>
-        <p:spPr>
-          <a:xfrm>
-            <a:off x="99550" y="4626400"/>
-            <a:ext cx="505675" cy="487800"/>
-          </a:xfrm>
-          <a:prstGeom prst="rect">
-            <a:avLst/>
-          </a:prstGeom>
-          <a:noFill/>
-          <a:ln>
-            <a:noFill/>
-          </a:ln>
-        </p:spPr>
-      </p:pic>
     </p:spTree>
   </p:cSld>
   <p:clrMapOvr>
@@ -10004,7 +8728,6 @@
     <p:sldLayoutId id="2147483648" r:id="rId1"/>
     <p:sldLayoutId id="2147483649" r:id="rId2"/>
     <p:sldLayoutId id="2147483650" r:id="rId3"/>
-    <p:sldLayoutId id="2147483651" r:id="rId4"/>
   </p:sldLayoutIdLst>
   <p:hf hdr="0" ftr="0" dt="0"/>
   <p:txStyles>
@@ -14892,8 +13615,8 @@
             </p:nvSpPr>
             <p:spPr>
               <a:xfrm>
-                <a:off x="1317906" y="4355907"/>
-                <a:ext cx="3186675" cy="415498"/>
+                <a:off x="1317907" y="4355907"/>
+                <a:ext cx="3055686" cy="415498"/>
               </a:xfrm>
               <a:prstGeom prst="rect">
                 <a:avLst/>
@@ -14924,7 +13647,7 @@
                 </a:r>
                 <a:r>
                   <a:rPr lang="en-GB" sz="1050" dirty="0"/>
-                  <a:t>Distributed Algorithm executions by varying parameter </a:t>
+                  <a:t>Distributed Algorithm by varying parameter </a:t>
                 </a:r>
                 <a14:m>
                   <m:oMath xmlns:m="http://schemas.openxmlformats.org/officeDocument/2006/math">
@@ -15003,8 +13726,8 @@
             </p:nvSpPr>
             <p:spPr>
               <a:xfrm>
-                <a:off x="1317906" y="4355907"/>
-                <a:ext cx="3186675" cy="415498"/>
+                <a:off x="1317907" y="4355907"/>
+                <a:ext cx="3055686" cy="415498"/>
               </a:xfrm>
               <a:prstGeom prst="rect">
                 <a:avLst/>
@@ -15012,7 +13735,7 @@
               <a:blipFill>
                 <a:blip r:embed="rId6"/>
                 <a:stretch>
-                  <a:fillRect r="-397" b="-9091"/>
+                  <a:fillRect b="-9091"/>
                 </a:stretch>
               </a:blipFill>
             </p:spPr>
@@ -15121,15 +13844,7 @@
                 </a14:m>
                 <a:r>
                   <a:rPr lang="it-IT" sz="1100" dirty="0"/>
-                  <a:t>, with </a:t>
-                </a:r>
-                <a:r>
-                  <a:rPr lang="it-IT" sz="1100" dirty="0" err="1"/>
-                  <a:t>fixed</a:t>
-                </a:r>
-                <a:r>
-                  <a:rPr lang="it-IT" sz="1100" dirty="0"/>
-                  <a:t> </a:t>
+                  <a:t>, with fixed </a:t>
                 </a:r>
                 <a14:m>
                   <m:oMath xmlns:m="http://schemas.openxmlformats.org/officeDocument/2006/math">
@@ -15491,6 +14206,790 @@
           <a:chExt cx="0" cy="0"/>
         </a:xfrm>
       </p:grpSpPr>
+      <mc:AlternateContent xmlns:mc="http://schemas.openxmlformats.org/markup-compatibility/2006" xmlns:a14="http://schemas.microsoft.com/office/drawing/2010/main">
+        <mc:Choice Requires="a14">
+          <p:sp>
+            <p:nvSpPr>
+              <p:cNvPr id="81" name="Google Shape;81;p8"/>
+              <p:cNvSpPr txBox="1">
+                <a:spLocks noGrp="1"/>
+              </p:cNvSpPr>
+              <p:nvPr>
+                <p:ph type="title"/>
+              </p:nvPr>
+            </p:nvSpPr>
+            <p:spPr>
+              <a:xfrm>
+                <a:off x="727650" y="818437"/>
+                <a:ext cx="7688700" cy="535200"/>
+              </a:xfrm>
+              <a:prstGeom prst="rect">
+                <a:avLst/>
+              </a:prstGeom>
+            </p:spPr>
+            <p:txBody>
+              <a:bodyPr spcFirstLastPara="1" wrap="square" lIns="91425" tIns="91425" rIns="91425" bIns="91425" anchor="t" anchorCtr="0">
+                <a:noAutofit/>
+              </a:bodyPr>
+              <a:lstStyle/>
+              <a:p>
+                <a:pPr marL="0" lvl="0" indent="0" algn="l" rtl="0">
+                  <a:spcBef>
+                    <a:spcPts val="0"/>
+                  </a:spcBef>
+                  <a:spcAft>
+                    <a:spcPts val="0"/>
+                  </a:spcAft>
+                  <a:buNone/>
+                </a:pPr>
+                <a:r>
+                  <a:rPr lang="it" dirty="0">
+                    <a:latin typeface="Raleway" pitchFamily="2" charset="77"/>
+                  </a:rPr>
+                  <a:t>Simulation Results - Bigger </a:t>
+                </a:r>
+                <a14:m>
+                  <m:oMath xmlns:m="http://schemas.openxmlformats.org/officeDocument/2006/math">
+                    <m:r>
+                      <a:rPr lang="it" sz="2800" i="1" smtClean="0">
+                        <a:latin typeface="Cambria Math" panose="02040503050406030204" pitchFamily="18" charset="0"/>
+                        <a:ea typeface="Cambria Math" panose="02040503050406030204" pitchFamily="18" charset="0"/>
+                      </a:rPr>
+                      <m:t>ℊ</m:t>
+                    </m:r>
+                  </m:oMath>
+                </a14:m>
+                <a:endParaRPr dirty="0">
+                  <a:latin typeface="Raleway" pitchFamily="2" charset="77"/>
+                </a:endParaRPr>
+              </a:p>
+            </p:txBody>
+          </p:sp>
+        </mc:Choice>
+        <mc:Fallback xmlns="">
+          <p:sp>
+            <p:nvSpPr>
+              <p:cNvPr id="81" name="Google Shape;81;p8"/>
+              <p:cNvSpPr txBox="1">
+                <a:spLocks noGrp="1" noRot="1" noChangeAspect="1" noMove="1" noResize="1" noEditPoints="1" noAdjustHandles="1" noChangeArrowheads="1" noChangeShapeType="1" noTextEdit="1"/>
+              </p:cNvSpPr>
+              <p:nvPr>
+                <p:ph type="title"/>
+              </p:nvPr>
+            </p:nvSpPr>
+            <p:spPr>
+              <a:xfrm>
+                <a:off x="727650" y="818437"/>
+                <a:ext cx="7688700" cy="535200"/>
+              </a:xfrm>
+              <a:prstGeom prst="rect">
+                <a:avLst/>
+              </a:prstGeom>
+              <a:blipFill>
+                <a:blip r:embed="rId3"/>
+                <a:stretch>
+                  <a:fillRect l="-1485" b="-32558"/>
+                </a:stretch>
+              </a:blipFill>
+            </p:spPr>
+            <p:txBody>
+              <a:bodyPr/>
+              <a:lstStyle/>
+              <a:p>
+                <a:r>
+                  <a:rPr lang="en-GB">
+                    <a:noFill/>
+                  </a:rPr>
+                  <a:t> </a:t>
+                </a:r>
+              </a:p>
+            </p:txBody>
+          </p:sp>
+        </mc:Fallback>
+      </mc:AlternateContent>
+      <p:sp>
+        <p:nvSpPr>
+          <p:cNvPr id="83" name="Google Shape;83;p8"/>
+          <p:cNvSpPr txBox="1">
+            <a:spLocks noGrp="1"/>
+          </p:cNvSpPr>
+          <p:nvPr>
+            <p:ph type="sldNum" idx="12"/>
+          </p:nvPr>
+        </p:nvSpPr>
+        <p:spPr>
+          <a:xfrm>
+            <a:off x="8536302" y="4749851"/>
+            <a:ext cx="548700" cy="393600"/>
+          </a:xfrm>
+          <a:prstGeom prst="rect">
+            <a:avLst/>
+          </a:prstGeom>
+        </p:spPr>
+        <p:txBody>
+          <a:bodyPr spcFirstLastPara="1" wrap="square" lIns="91425" tIns="91425" rIns="91425" bIns="91425" anchor="ctr" anchorCtr="0">
+            <a:noAutofit/>
+          </a:bodyPr>
+          <a:lstStyle/>
+          <a:p>
+            <a:pPr marL="0" lvl="0" indent="0" algn="r" rtl="0">
+              <a:spcBef>
+                <a:spcPts val="0"/>
+              </a:spcBef>
+              <a:spcAft>
+                <a:spcPts val="0"/>
+              </a:spcAft>
+              <a:buNone/>
+            </a:pPr>
+            <a:fld id="{00000000-1234-1234-1234-123412341234}" type="slidenum">
+              <a:rPr lang="it"/>
+              <a:t>13</a:t>
+            </a:fld>
+            <a:endParaRPr/>
+          </a:p>
+        </p:txBody>
+      </p:sp>
+      <p:sp>
+        <p:nvSpPr>
+          <p:cNvPr id="84" name="Google Shape;84;p8"/>
+          <p:cNvSpPr txBox="1">
+            <a:spLocks noGrp="1"/>
+          </p:cNvSpPr>
+          <p:nvPr>
+            <p:ph type="subTitle" idx="2"/>
+          </p:nvPr>
+        </p:nvSpPr>
+        <p:spPr>
+          <a:xfrm>
+            <a:off x="1414800" y="4779100"/>
+            <a:ext cx="5854500" cy="335100"/>
+          </a:xfrm>
+          <a:prstGeom prst="rect">
+            <a:avLst/>
+          </a:prstGeom>
+        </p:spPr>
+        <p:txBody>
+          <a:bodyPr spcFirstLastPara="1" wrap="square" lIns="91425" tIns="91425" rIns="91425" bIns="91425" anchor="t" anchorCtr="0">
+            <a:noAutofit/>
+          </a:bodyPr>
+          <a:lstStyle/>
+          <a:p>
+            <a:pPr marL="0" lvl="0" indent="0" algn="l" rtl="0">
+              <a:spcBef>
+                <a:spcPts val="0"/>
+              </a:spcBef>
+              <a:spcAft>
+                <a:spcPts val="1600"/>
+              </a:spcAft>
+              <a:buNone/>
+            </a:pPr>
+            <a:r>
+              <a:rPr lang="it-IT" dirty="0">
+                <a:latin typeface="Raleway" pitchFamily="2" charset="77"/>
+              </a:rPr>
+              <a:t>Multi-Robot Systems presentation</a:t>
+            </a:r>
+            <a:r>
+              <a:rPr lang="it" sz="900" dirty="0">
+                <a:latin typeface="Raleway" pitchFamily="2" charset="77"/>
+              </a:rPr>
+              <a:t> – Felli Stefano</a:t>
+            </a:r>
+            <a:endParaRPr sz="900" dirty="0">
+              <a:latin typeface="Raleway" pitchFamily="2" charset="77"/>
+            </a:endParaRPr>
+          </a:p>
+        </p:txBody>
+      </p:sp>
+      <p:pic>
+        <p:nvPicPr>
+          <p:cNvPr id="12" name="Immagine 11">
+            <a:extLst>
+              <a:ext uri="{FF2B5EF4-FFF2-40B4-BE49-F238E27FC236}">
+                <a16:creationId xmlns:a16="http://schemas.microsoft.com/office/drawing/2014/main" id="{F49B70C8-F72F-7A60-45DF-1477FBC4ACBE}"/>
+              </a:ext>
+            </a:extLst>
+          </p:cNvPr>
+          <p:cNvPicPr>
+            <a:picLocks noChangeAspect="1"/>
+          </p:cNvPicPr>
+          <p:nvPr/>
+        </p:nvPicPr>
+        <p:blipFill rotWithShape="1">
+          <a:blip r:embed="rId4"/>
+          <a:srcRect t="15596" r="3121"/>
+          <a:stretch/>
+        </p:blipFill>
+        <p:spPr>
+          <a:xfrm>
+            <a:off x="0" y="4133461"/>
+            <a:ext cx="1317906" cy="1009990"/>
+          </a:xfrm>
+          <a:prstGeom prst="rect">
+            <a:avLst/>
+          </a:prstGeom>
+        </p:spPr>
+      </p:pic>
+      <mc:AlternateContent xmlns:mc="http://schemas.openxmlformats.org/markup-compatibility/2006" xmlns:a14="http://schemas.microsoft.com/office/drawing/2010/main">
+        <mc:Choice Requires="a14">
+          <p:sp>
+            <p:nvSpPr>
+              <p:cNvPr id="18" name="CasellaDiTesto 17">
+                <a:extLst>
+                  <a:ext uri="{FF2B5EF4-FFF2-40B4-BE49-F238E27FC236}">
+                    <a16:creationId xmlns:a16="http://schemas.microsoft.com/office/drawing/2014/main" id="{DFC33AAD-EBD5-B6B0-DF18-F89427381945}"/>
+                  </a:ext>
+                </a:extLst>
+              </p:cNvPr>
+              <p:cNvSpPr txBox="1"/>
+              <p:nvPr/>
+            </p:nvSpPr>
+            <p:spPr>
+              <a:xfrm>
+                <a:off x="6176670" y="3351893"/>
+                <a:ext cx="2908332" cy="577081"/>
+              </a:xfrm>
+              <a:prstGeom prst="rect">
+                <a:avLst/>
+              </a:prstGeom>
+              <a:noFill/>
+            </p:spPr>
+            <p:txBody>
+              <a:bodyPr wrap="square" rtlCol="0">
+                <a:spAutoFit/>
+              </a:bodyPr>
+              <a:lstStyle/>
+              <a:p>
+                <a:r>
+                  <a:rPr lang="en-GB" sz="1050" b="1" dirty="0">
+                    <a:solidFill>
+                      <a:srgbClr val="6E0918"/>
+                    </a:solidFill>
+                  </a:rPr>
+                  <a:t>Fig. 11</a:t>
+                </a:r>
+                <a:r>
+                  <a:rPr lang="en-GB" sz="1050" dirty="0">
+                    <a:solidFill>
+                      <a:srgbClr val="6E0918"/>
+                    </a:solidFill>
+                  </a:rPr>
+                  <a:t>: </a:t>
+                </a:r>
+                <a:r>
+                  <a:rPr lang="en-GB" sz="1050" dirty="0"/>
+                  <a:t>Distributed Algorithm for a di-graph with </a:t>
+                </a:r>
+                <a14:m>
+                  <m:oMath xmlns:m="http://schemas.openxmlformats.org/officeDocument/2006/math">
+                    <m:r>
+                      <a:rPr lang="it-IT" sz="1050" i="1">
+                        <a:latin typeface="Cambria Math" panose="02040503050406030204" pitchFamily="18" charset="0"/>
+                      </a:rPr>
+                      <m:t>𝑁</m:t>
+                    </m:r>
+                    <m:r>
+                      <a:rPr lang="it-IT" sz="1050" i="1">
+                        <a:latin typeface="Cambria Math" panose="02040503050406030204" pitchFamily="18" charset="0"/>
+                      </a:rPr>
+                      <m:t>=100</m:t>
+                    </m:r>
+                  </m:oMath>
+                </a14:m>
+                <a:r>
+                  <a:rPr lang="it-IT" sz="1050" dirty="0"/>
+                  <a:t> agents</a:t>
+                </a:r>
+                <a:r>
+                  <a:rPr lang="it-IT" sz="1050"/>
+                  <a:t>, </a:t>
+                </a:r>
+                <a:r>
+                  <a:rPr lang="en-GB" sz="1050" dirty="0"/>
+                  <a:t>showing also </a:t>
+                </a:r>
+                <a:r>
+                  <a:rPr lang="it-IT" sz="1050" dirty="0"/>
+                  <a:t>performances with </a:t>
+                </a:r>
+                <a14:m>
+                  <m:oMath xmlns:m="http://schemas.openxmlformats.org/officeDocument/2006/math">
+                    <m:r>
+                      <a:rPr lang="en-GB" sz="1050" i="1">
+                        <a:latin typeface="Cambria Math" panose="02040503050406030204" pitchFamily="18" charset="0"/>
+                        <a:ea typeface="Cambria Math" panose="02040503050406030204" pitchFamily="18" charset="0"/>
+                      </a:rPr>
+                      <m:t>𝛾</m:t>
+                    </m:r>
+                    <m:r>
+                      <a:rPr lang="it-IT" sz="1050" b="0" i="1" smtClean="0">
+                        <a:latin typeface="Cambria Math" panose="02040503050406030204" pitchFamily="18" charset="0"/>
+                        <a:ea typeface="Cambria Math" panose="02040503050406030204" pitchFamily="18" charset="0"/>
+                      </a:rPr>
+                      <m:t>=0</m:t>
+                    </m:r>
+                  </m:oMath>
+                </a14:m>
+                <a:endParaRPr lang="en-GB" sz="1050" dirty="0"/>
+              </a:p>
+            </p:txBody>
+          </p:sp>
+        </mc:Choice>
+        <mc:Fallback xmlns="">
+          <p:sp>
+            <p:nvSpPr>
+              <p:cNvPr id="18" name="CasellaDiTesto 17">
+                <a:extLst>
+                  <a:ext uri="{FF2B5EF4-FFF2-40B4-BE49-F238E27FC236}">
+                    <a16:creationId xmlns:a16="http://schemas.microsoft.com/office/drawing/2014/main" id="{DFC33AAD-EBD5-B6B0-DF18-F89427381945}"/>
+                  </a:ext>
+                </a:extLst>
+              </p:cNvPr>
+              <p:cNvSpPr txBox="1">
+                <a:spLocks noRot="1" noChangeAspect="1" noMove="1" noResize="1" noEditPoints="1" noAdjustHandles="1" noChangeArrowheads="1" noChangeShapeType="1" noTextEdit="1"/>
+              </p:cNvSpPr>
+              <p:nvPr/>
+            </p:nvSpPr>
+            <p:spPr>
+              <a:xfrm>
+                <a:off x="6176670" y="3351893"/>
+                <a:ext cx="2908332" cy="577081"/>
+              </a:xfrm>
+              <a:prstGeom prst="rect">
+                <a:avLst/>
+              </a:prstGeom>
+              <a:blipFill>
+                <a:blip r:embed="rId5"/>
+                <a:stretch>
+                  <a:fillRect b="-4348"/>
+                </a:stretch>
+              </a:blipFill>
+            </p:spPr>
+            <p:txBody>
+              <a:bodyPr/>
+              <a:lstStyle/>
+              <a:p>
+                <a:r>
+                  <a:rPr lang="en-GB">
+                    <a:noFill/>
+                  </a:rPr>
+                  <a:t> </a:t>
+                </a:r>
+              </a:p>
+            </p:txBody>
+          </p:sp>
+        </mc:Fallback>
+      </mc:AlternateContent>
+      <mc:AlternateContent xmlns:mc="http://schemas.openxmlformats.org/markup-compatibility/2006" xmlns:a14="http://schemas.microsoft.com/office/drawing/2010/main">
+        <mc:Choice Requires="a14">
+          <p:sp>
+            <p:nvSpPr>
+              <p:cNvPr id="20" name="CasellaDiTesto 19">
+                <a:extLst>
+                  <a:ext uri="{FF2B5EF4-FFF2-40B4-BE49-F238E27FC236}">
+                    <a16:creationId xmlns:a16="http://schemas.microsoft.com/office/drawing/2014/main" id="{02F5D594-B0C2-301C-8D88-D1DD3C30E5E7}"/>
+                  </a:ext>
+                </a:extLst>
+              </p:cNvPr>
+              <p:cNvSpPr txBox="1"/>
+              <p:nvPr/>
+            </p:nvSpPr>
+            <p:spPr>
+              <a:xfrm>
+                <a:off x="73779" y="3424991"/>
+                <a:ext cx="2914329" cy="430887"/>
+              </a:xfrm>
+              <a:prstGeom prst="rect">
+                <a:avLst/>
+              </a:prstGeom>
+              <a:noFill/>
+            </p:spPr>
+            <p:txBody>
+              <a:bodyPr wrap="square" rtlCol="0">
+                <a:spAutoFit/>
+              </a:bodyPr>
+              <a:lstStyle/>
+              <a:p>
+                <a:r>
+                  <a:rPr lang="it-IT" sz="1100" b="1" dirty="0">
+                    <a:solidFill>
+                      <a:srgbClr val="6E0918"/>
+                    </a:solidFill>
+                  </a:rPr>
+                  <a:t>Fig. 9</a:t>
+                </a:r>
+                <a:r>
+                  <a:rPr lang="it-IT" sz="1100" dirty="0">
+                    <a:solidFill>
+                      <a:srgbClr val="6E0918"/>
+                    </a:solidFill>
+                  </a:rPr>
+                  <a:t>: </a:t>
+                </a:r>
+                <a:r>
+                  <a:rPr lang="it-IT" sz="1100" dirty="0"/>
+                  <a:t>Standard </a:t>
+                </a:r>
+                <a:r>
+                  <a:rPr lang="en-GB" sz="1100" dirty="0"/>
+                  <a:t>Algorithm for a di-graph </a:t>
+                </a:r>
+                <a:r>
+                  <a:rPr lang="it-IT" sz="1100" dirty="0"/>
+                  <a:t>with </a:t>
+                </a:r>
+                <a14:m>
+                  <m:oMath xmlns:m="http://schemas.openxmlformats.org/officeDocument/2006/math">
+                    <m:r>
+                      <a:rPr lang="it-IT" sz="1100" i="1">
+                        <a:latin typeface="Cambria Math" panose="02040503050406030204" pitchFamily="18" charset="0"/>
+                      </a:rPr>
+                      <m:t>𝑁</m:t>
+                    </m:r>
+                    <m:r>
+                      <a:rPr lang="it-IT" sz="1100" i="1">
+                        <a:latin typeface="Cambria Math" panose="02040503050406030204" pitchFamily="18" charset="0"/>
+                      </a:rPr>
+                      <m:t>=100</m:t>
+                    </m:r>
+                  </m:oMath>
+                </a14:m>
+                <a:r>
+                  <a:rPr lang="it-IT" sz="1100" dirty="0"/>
+                  <a:t> agents and </a:t>
+                </a:r>
+                <a14:m>
+                  <m:oMath xmlns:m="http://schemas.openxmlformats.org/officeDocument/2006/math">
+                    <m:sSub>
+                      <m:sSubPr>
+                        <m:ctrlPr>
+                          <a:rPr lang="it-IT" sz="1100" i="1" smtClean="0">
+                            <a:latin typeface="Cambria Math" panose="02040503050406030204" pitchFamily="18" charset="0"/>
+                          </a:rPr>
+                        </m:ctrlPr>
+                      </m:sSubPr>
+                      <m:e>
+                        <m:r>
+                          <a:rPr lang="it-IT" sz="1100" i="1" smtClean="0">
+                            <a:latin typeface="Cambria Math" panose="02040503050406030204" pitchFamily="18" charset="0"/>
+                            <a:ea typeface="Cambria Math" panose="02040503050406030204" pitchFamily="18" charset="0"/>
+                          </a:rPr>
+                          <m:t>𝜆</m:t>
+                        </m:r>
+                      </m:e>
+                      <m:sub>
+                        <m:r>
+                          <a:rPr lang="it-IT" sz="1100" b="0" i="1" smtClean="0">
+                            <a:latin typeface="Cambria Math" panose="02040503050406030204" pitchFamily="18" charset="0"/>
+                          </a:rPr>
+                          <m:t>𝑚𝑎𝑥</m:t>
+                        </m:r>
+                      </m:sub>
+                    </m:sSub>
+                    <m:r>
+                      <a:rPr lang="it-IT" sz="1100" b="0" i="1" smtClean="0">
+                        <a:latin typeface="Cambria Math" panose="02040503050406030204" pitchFamily="18" charset="0"/>
+                      </a:rPr>
+                      <m:t>=3.843+0</m:t>
+                    </m:r>
+                    <m:r>
+                      <a:rPr lang="it-IT" sz="1100" b="0" i="1" smtClean="0">
+                        <a:latin typeface="Cambria Math" panose="02040503050406030204" pitchFamily="18" charset="0"/>
+                      </a:rPr>
+                      <m:t>𝑗</m:t>
+                    </m:r>
+                  </m:oMath>
+                </a14:m>
+                <a:endParaRPr lang="it-IT" sz="1100" dirty="0"/>
+              </a:p>
+            </p:txBody>
+          </p:sp>
+        </mc:Choice>
+        <mc:Fallback xmlns="">
+          <p:sp>
+            <p:nvSpPr>
+              <p:cNvPr id="20" name="CasellaDiTesto 19">
+                <a:extLst>
+                  <a:ext uri="{FF2B5EF4-FFF2-40B4-BE49-F238E27FC236}">
+                    <a16:creationId xmlns:a16="http://schemas.microsoft.com/office/drawing/2014/main" id="{02F5D594-B0C2-301C-8D88-D1DD3C30E5E7}"/>
+                  </a:ext>
+                </a:extLst>
+              </p:cNvPr>
+              <p:cNvSpPr txBox="1">
+                <a:spLocks noRot="1" noChangeAspect="1" noMove="1" noResize="1" noEditPoints="1" noAdjustHandles="1" noChangeArrowheads="1" noChangeShapeType="1" noTextEdit="1"/>
+              </p:cNvSpPr>
+              <p:nvPr/>
+            </p:nvSpPr>
+            <p:spPr>
+              <a:xfrm>
+                <a:off x="73779" y="3424991"/>
+                <a:ext cx="2914329" cy="430887"/>
+              </a:xfrm>
+              <a:prstGeom prst="rect">
+                <a:avLst/>
+              </a:prstGeom>
+              <a:blipFill>
+                <a:blip r:embed="rId6"/>
+                <a:stretch>
+                  <a:fillRect b="-11429"/>
+                </a:stretch>
+              </a:blipFill>
+            </p:spPr>
+            <p:txBody>
+              <a:bodyPr/>
+              <a:lstStyle/>
+              <a:p>
+                <a:r>
+                  <a:rPr lang="en-GB">
+                    <a:noFill/>
+                  </a:rPr>
+                  <a:t> </a:t>
+                </a:r>
+              </a:p>
+            </p:txBody>
+          </p:sp>
+        </mc:Fallback>
+      </mc:AlternateContent>
+      <p:pic>
+        <p:nvPicPr>
+          <p:cNvPr id="9" name="Immagine 8" descr="Immagine che contiene testo, Diagramma, linea, diagramma&#10;&#10;Descrizione generata automaticamente">
+            <a:extLst>
+              <a:ext uri="{FF2B5EF4-FFF2-40B4-BE49-F238E27FC236}">
+                <a16:creationId xmlns:a16="http://schemas.microsoft.com/office/drawing/2014/main" id="{8C3EB181-5192-62F4-7FFD-9C03353D0867}"/>
+              </a:ext>
+            </a:extLst>
+          </p:cNvPr>
+          <p:cNvPicPr>
+            <a:picLocks noChangeAspect="1"/>
+          </p:cNvPicPr>
+          <p:nvPr/>
+        </p:nvPicPr>
+        <p:blipFill>
+          <a:blip r:embed="rId7"/>
+          <a:stretch>
+            <a:fillRect/>
+          </a:stretch>
+        </p:blipFill>
+        <p:spPr>
+          <a:xfrm>
+            <a:off x="6023114" y="1492428"/>
+            <a:ext cx="3061888" cy="1837133"/>
+          </a:xfrm>
+          <a:prstGeom prst="rect">
+            <a:avLst/>
+          </a:prstGeom>
+        </p:spPr>
+      </p:pic>
+      <p:pic>
+        <p:nvPicPr>
+          <p:cNvPr id="11" name="Immagine 10" descr="Immagine che contiene testo, Diagramma, linea, diagramma&#10;&#10;Descrizione generata automaticamente">
+            <a:extLst>
+              <a:ext uri="{FF2B5EF4-FFF2-40B4-BE49-F238E27FC236}">
+                <a16:creationId xmlns:a16="http://schemas.microsoft.com/office/drawing/2014/main" id="{2E5A786F-DA08-B174-7ABE-53B5F567E037}"/>
+              </a:ext>
+            </a:extLst>
+          </p:cNvPr>
+          <p:cNvPicPr>
+            <a:picLocks noChangeAspect="1"/>
+          </p:cNvPicPr>
+          <p:nvPr/>
+        </p:nvPicPr>
+        <p:blipFill>
+          <a:blip r:embed="rId8"/>
+          <a:stretch>
+            <a:fillRect/>
+          </a:stretch>
+        </p:blipFill>
+        <p:spPr>
+          <a:xfrm>
+            <a:off x="2968789" y="1502977"/>
+            <a:ext cx="3054325" cy="2748893"/>
+          </a:xfrm>
+          <a:prstGeom prst="rect">
+            <a:avLst/>
+          </a:prstGeom>
+        </p:spPr>
+      </p:pic>
+      <p:pic>
+        <p:nvPicPr>
+          <p:cNvPr id="15" name="Immagine 14" descr="Immagine che contiene Diagramma, linea, testo, diagramma&#10;&#10;Descrizione generata automaticamente">
+            <a:extLst>
+              <a:ext uri="{FF2B5EF4-FFF2-40B4-BE49-F238E27FC236}">
+                <a16:creationId xmlns:a16="http://schemas.microsoft.com/office/drawing/2014/main" id="{D9590EED-9448-665C-86EC-91FA56ECF85B}"/>
+              </a:ext>
+            </a:extLst>
+          </p:cNvPr>
+          <p:cNvPicPr>
+            <a:picLocks noChangeAspect="1"/>
+          </p:cNvPicPr>
+          <p:nvPr/>
+        </p:nvPicPr>
+        <p:blipFill>
+          <a:blip r:embed="rId9"/>
+          <a:stretch>
+            <a:fillRect/>
+          </a:stretch>
+        </p:blipFill>
+        <p:spPr>
+          <a:xfrm>
+            <a:off x="0" y="1492429"/>
+            <a:ext cx="3061889" cy="1837133"/>
+          </a:xfrm>
+          <a:prstGeom prst="rect">
+            <a:avLst/>
+          </a:prstGeom>
+        </p:spPr>
+      </p:pic>
+      <mc:AlternateContent xmlns:mc="http://schemas.openxmlformats.org/markup-compatibility/2006" xmlns:a14="http://schemas.microsoft.com/office/drawing/2010/main">
+        <mc:Choice Requires="a14">
+          <p:sp>
+            <p:nvSpPr>
+              <p:cNvPr id="21" name="CasellaDiTesto 20">
+                <a:extLst>
+                  <a:ext uri="{FF2B5EF4-FFF2-40B4-BE49-F238E27FC236}">
+                    <a16:creationId xmlns:a16="http://schemas.microsoft.com/office/drawing/2014/main" id="{BA70D367-5403-8135-1D8C-3FAEEA70F7D1}"/>
+                  </a:ext>
+                </a:extLst>
+              </p:cNvPr>
+              <p:cNvSpPr txBox="1"/>
+              <p:nvPr/>
+            </p:nvSpPr>
+            <p:spPr>
+              <a:xfrm>
+                <a:off x="3061889" y="4251870"/>
+                <a:ext cx="2908332" cy="415498"/>
+              </a:xfrm>
+              <a:prstGeom prst="rect">
+                <a:avLst/>
+              </a:prstGeom>
+              <a:noFill/>
+            </p:spPr>
+            <p:txBody>
+              <a:bodyPr wrap="square" rtlCol="0">
+                <a:spAutoFit/>
+              </a:bodyPr>
+              <a:lstStyle/>
+              <a:p>
+                <a:r>
+                  <a:rPr lang="en-GB" sz="1050" b="1" dirty="0">
+                    <a:solidFill>
+                      <a:srgbClr val="6E0918"/>
+                    </a:solidFill>
+                  </a:rPr>
+                  <a:t>Fig. 10</a:t>
+                </a:r>
+                <a:r>
+                  <a:rPr lang="en-GB" sz="1050" dirty="0">
+                    <a:solidFill>
+                      <a:srgbClr val="6E0918"/>
+                    </a:solidFill>
+                  </a:rPr>
+                  <a:t>: </a:t>
+                </a:r>
+                <a:r>
+                  <a:rPr lang="en-GB" sz="1050" dirty="0"/>
+                  <a:t>Centralized Algorithm for a di-graph with </a:t>
+                </a:r>
+                <a14:m>
+                  <m:oMath xmlns:m="http://schemas.openxmlformats.org/officeDocument/2006/math">
+                    <m:r>
+                      <a:rPr lang="it-IT" sz="1050" i="1">
+                        <a:latin typeface="Cambria Math" panose="02040503050406030204" pitchFamily="18" charset="0"/>
+                      </a:rPr>
+                      <m:t>𝑁</m:t>
+                    </m:r>
+                    <m:r>
+                      <a:rPr lang="it-IT" sz="1050" i="1">
+                        <a:latin typeface="Cambria Math" panose="02040503050406030204" pitchFamily="18" charset="0"/>
+                      </a:rPr>
+                      <m:t>=100</m:t>
+                    </m:r>
+                  </m:oMath>
+                </a14:m>
+                <a:r>
+                  <a:rPr lang="it-IT" sz="1050" dirty="0"/>
+                  <a:t> agents</a:t>
+                </a:r>
+                <a:endParaRPr lang="en-GB" sz="1050" dirty="0"/>
+              </a:p>
+            </p:txBody>
+          </p:sp>
+        </mc:Choice>
+        <mc:Fallback xmlns="">
+          <p:sp>
+            <p:nvSpPr>
+              <p:cNvPr id="21" name="CasellaDiTesto 20">
+                <a:extLst>
+                  <a:ext uri="{FF2B5EF4-FFF2-40B4-BE49-F238E27FC236}">
+                    <a16:creationId xmlns:a16="http://schemas.microsoft.com/office/drawing/2014/main" id="{BA70D367-5403-8135-1D8C-3FAEEA70F7D1}"/>
+                  </a:ext>
+                </a:extLst>
+              </p:cNvPr>
+              <p:cNvSpPr txBox="1">
+                <a:spLocks noRot="1" noChangeAspect="1" noMove="1" noResize="1" noEditPoints="1" noAdjustHandles="1" noChangeArrowheads="1" noChangeShapeType="1" noTextEdit="1"/>
+              </p:cNvSpPr>
+              <p:nvPr/>
+            </p:nvSpPr>
+            <p:spPr>
+              <a:xfrm>
+                <a:off x="3061889" y="4251870"/>
+                <a:ext cx="2908332" cy="415498"/>
+              </a:xfrm>
+              <a:prstGeom prst="rect">
+                <a:avLst/>
+              </a:prstGeom>
+              <a:blipFill>
+                <a:blip r:embed="rId10"/>
+                <a:stretch>
+                  <a:fillRect b="-8824"/>
+                </a:stretch>
+              </a:blipFill>
+            </p:spPr>
+            <p:txBody>
+              <a:bodyPr/>
+              <a:lstStyle/>
+              <a:p>
+                <a:r>
+                  <a:rPr lang="en-GB">
+                    <a:noFill/>
+                  </a:rPr>
+                  <a:t> </a:t>
+                </a:r>
+              </a:p>
+            </p:txBody>
+          </p:sp>
+        </mc:Fallback>
+      </mc:AlternateContent>
+    </p:spTree>
+    <p:extLst>
+      <p:ext uri="{BB962C8B-B14F-4D97-AF65-F5344CB8AC3E}">
+        <p14:creationId xmlns:p14="http://schemas.microsoft.com/office/powerpoint/2010/main" val="597382124"/>
+      </p:ext>
+    </p:extLst>
+  </p:cSld>
+  <p:clrMapOvr>
+    <a:masterClrMapping/>
+  </p:clrMapOvr>
+</p:sld>
+</file>
+
+<file path=ppt/slides/slide14.xml><?xml version="1.0" encoding="utf-8"?>
+<p:sld xmlns:a="http://schemas.openxmlformats.org/drawingml/2006/main" xmlns:r="http://schemas.openxmlformats.org/officeDocument/2006/relationships" xmlns:p="http://schemas.openxmlformats.org/presentationml/2006/main">
+  <p:cSld>
+    <p:spTree>
+      <p:nvGrpSpPr>
+        <p:cNvPr id="1" name="Shape 80"/>
+        <p:cNvGrpSpPr/>
+        <p:nvPr/>
+      </p:nvGrpSpPr>
+      <p:grpSpPr>
+        <a:xfrm>
+          <a:off x="0" y="0"/>
+          <a:ext cx="0" cy="0"/>
+          <a:chOff x="0" y="0"/>
+          <a:chExt cx="0" cy="0"/>
+        </a:xfrm>
+      </p:grpSpPr>
       <p:sp>
         <p:nvSpPr>
           <p:cNvPr id="81" name="Google Shape;81;p8"/>
@@ -15762,7 +15261,7 @@
             </a:pPr>
             <a:fld id="{00000000-1234-1234-1234-123412341234}" type="slidenum">
               <a:rPr lang="it"/>
-              <a:t>13</a:t>
+              <a:t>14</a:t>
             </a:fld>
             <a:endParaRPr/>
           </a:p>
@@ -15833,7 +15332,7 @@
 </p:sld>
 </file>
 
-<file path=ppt/slides/slide14.xml><?xml version="1.0" encoding="utf-8"?>
+<file path=ppt/slides/slide15.xml><?xml version="1.0" encoding="utf-8"?>
 <p:sld xmlns:a="http://schemas.openxmlformats.org/drawingml/2006/main" xmlns:r="http://schemas.openxmlformats.org/officeDocument/2006/relationships" xmlns:p="http://schemas.openxmlformats.org/presentationml/2006/main">
   <p:cSld>
     <p:spTree>
@@ -16003,1832 +15502,6 @@
               </a:solidFill>
               <a:latin typeface="Raleway" pitchFamily="2" charset="77"/>
             </a:endParaRPr>
-          </a:p>
-        </p:txBody>
-      </p:sp>
-    </p:spTree>
-  </p:cSld>
-  <p:clrMapOvr>
-    <a:masterClrMapping/>
-  </p:clrMapOvr>
-</p:sld>
-</file>
-
-<file path=ppt/slides/slide15.xml><?xml version="1.0" encoding="utf-8"?>
-<p:sld xmlns:a="http://schemas.openxmlformats.org/drawingml/2006/main" xmlns:r="http://schemas.openxmlformats.org/officeDocument/2006/relationships" xmlns:p="http://schemas.openxmlformats.org/presentationml/2006/main">
-  <p:cSld>
-    <p:spTree>
-      <p:nvGrpSpPr>
-        <p:cNvPr id="1" name="Shape 100"/>
-        <p:cNvGrpSpPr/>
-        <p:nvPr/>
-      </p:nvGrpSpPr>
-      <p:grpSpPr>
-        <a:xfrm>
-          <a:off x="0" y="0"/>
-          <a:ext cx="0" cy="0"/>
-          <a:chOff x="0" y="0"/>
-          <a:chExt cx="0" cy="0"/>
-        </a:xfrm>
-      </p:grpSpPr>
-      <p:sp>
-        <p:nvSpPr>
-          <p:cNvPr id="101" name="Google Shape;101;p10"/>
-          <p:cNvSpPr txBox="1">
-            <a:spLocks noGrp="1"/>
-          </p:cNvSpPr>
-          <p:nvPr>
-            <p:ph type="title"/>
-          </p:nvPr>
-        </p:nvSpPr>
-        <p:spPr>
-          <a:xfrm>
-            <a:off x="727200" y="860768"/>
-            <a:ext cx="3629322" cy="1360800"/>
-          </a:xfrm>
-          <a:prstGeom prst="rect">
-            <a:avLst/>
-          </a:prstGeom>
-        </p:spPr>
-        <p:txBody>
-          <a:bodyPr spcFirstLastPara="1" wrap="square" lIns="91425" tIns="91425" rIns="91425" bIns="91425" anchor="t" anchorCtr="0">
-            <a:noAutofit/>
-          </a:bodyPr>
-          <a:lstStyle/>
-          <a:p>
-            <a:pPr marL="0" lvl="0" indent="0" algn="l" rtl="0">
-              <a:spcBef>
-                <a:spcPts val="0"/>
-              </a:spcBef>
-              <a:spcAft>
-                <a:spcPts val="0"/>
-              </a:spcAft>
-              <a:buNone/>
-            </a:pPr>
-            <a:r>
-              <a:rPr lang="it" dirty="0">
-                <a:latin typeface="Raleway" pitchFamily="2" charset="77"/>
-              </a:rPr>
-              <a:t>Simulations and Results	</a:t>
-            </a:r>
-            <a:endParaRPr dirty="0">
-              <a:latin typeface="Raleway" pitchFamily="2" charset="77"/>
-            </a:endParaRPr>
-          </a:p>
-        </p:txBody>
-      </p:sp>
-      <p:sp>
-        <p:nvSpPr>
-          <p:cNvPr id="102" name="Google Shape;102;p10"/>
-          <p:cNvSpPr txBox="1">
-            <a:spLocks noGrp="1"/>
-          </p:cNvSpPr>
-          <p:nvPr>
-            <p:ph type="subTitle" idx="1"/>
-          </p:nvPr>
-        </p:nvSpPr>
-        <p:spPr>
-          <a:xfrm>
-            <a:off x="770150" y="2192250"/>
-            <a:ext cx="3300900" cy="2404800"/>
-          </a:xfrm>
-          <a:prstGeom prst="rect">
-            <a:avLst/>
-          </a:prstGeom>
-        </p:spPr>
-        <p:txBody>
-          <a:bodyPr spcFirstLastPara="1" wrap="square" lIns="91425" tIns="91425" rIns="91425" bIns="91425" anchor="t" anchorCtr="0">
-            <a:noAutofit/>
-          </a:bodyPr>
-          <a:lstStyle/>
-          <a:p>
-            <a:pPr marL="0" lvl="0" indent="0" algn="l" rtl="0">
-              <a:spcBef>
-                <a:spcPts val="0"/>
-              </a:spcBef>
-              <a:spcAft>
-                <a:spcPts val="0"/>
-              </a:spcAft>
-              <a:buNone/>
-            </a:pPr>
-            <a:r>
-              <a:rPr lang="it" dirty="0">
-                <a:latin typeface="Raleway" pitchFamily="2" charset="77"/>
-              </a:rPr>
-              <a:t>Lorem ipsum dolor sit amet</a:t>
-            </a:r>
-            <a:endParaRPr dirty="0">
-              <a:latin typeface="Raleway" pitchFamily="2" charset="77"/>
-            </a:endParaRPr>
-          </a:p>
-        </p:txBody>
-      </p:sp>
-      <p:sp>
-        <p:nvSpPr>
-          <p:cNvPr id="103" name="Google Shape;103;p10"/>
-          <p:cNvSpPr txBox="1">
-            <a:spLocks noGrp="1"/>
-          </p:cNvSpPr>
-          <p:nvPr>
-            <p:ph type="body" idx="2"/>
-          </p:nvPr>
-        </p:nvSpPr>
-        <p:spPr>
-          <a:xfrm>
-            <a:off x="5161900" y="831575"/>
-            <a:ext cx="3374400" cy="3025500"/>
-          </a:xfrm>
-          <a:prstGeom prst="rect">
-            <a:avLst/>
-          </a:prstGeom>
-        </p:spPr>
-        <p:txBody>
-          <a:bodyPr spcFirstLastPara="1" wrap="square" lIns="91425" tIns="91425" rIns="91425" bIns="91425" anchor="t" anchorCtr="0">
-            <a:noAutofit/>
-          </a:bodyPr>
-          <a:lstStyle/>
-          <a:p>
-            <a:pPr marL="285750" indent="-285750">
-              <a:spcAft>
-                <a:spcPts val="1600"/>
-              </a:spcAft>
-            </a:pPr>
-            <a:r>
-              <a:rPr lang="it-IT" sz="1600" dirty="0" err="1">
-                <a:latin typeface="Raleway" pitchFamily="2" charset="77"/>
-              </a:rPr>
-              <a:t>Faster</a:t>
-            </a:r>
-            <a:r>
-              <a:rPr lang="it-IT" sz="1600" dirty="0">
-                <a:latin typeface="Raleway" pitchFamily="2" charset="77"/>
-              </a:rPr>
-              <a:t> consensus with </a:t>
-            </a:r>
-            <a:r>
-              <a:rPr lang="it-IT" sz="1600" dirty="0" err="1">
-                <a:latin typeface="Raleway" pitchFamily="2" charset="77"/>
-              </a:rPr>
-              <a:t>less</a:t>
-            </a:r>
-            <a:r>
-              <a:rPr lang="it-IT" sz="1600" dirty="0">
-                <a:latin typeface="Raleway" pitchFamily="2" charset="77"/>
-              </a:rPr>
-              <a:t> information </a:t>
-            </a:r>
-            <a:r>
-              <a:rPr lang="it-IT" sz="1600" dirty="0" err="1">
-                <a:latin typeface="Raleway" pitchFamily="2" charset="77"/>
-              </a:rPr>
-              <a:t>exchange</a:t>
-            </a:r>
-            <a:endParaRPr lang="it-IT" sz="1600" dirty="0">
-              <a:latin typeface="Raleway" pitchFamily="2" charset="77"/>
-            </a:endParaRPr>
-          </a:p>
-          <a:p>
-            <a:pPr marL="285750" indent="-285750">
-              <a:spcAft>
-                <a:spcPts val="1600"/>
-              </a:spcAft>
-            </a:pPr>
-            <a:r>
-              <a:rPr lang="it-IT" sz="1600" dirty="0" err="1">
-                <a:latin typeface="Raleway" pitchFamily="2" charset="77"/>
-              </a:rPr>
-              <a:t>Significant</a:t>
-            </a:r>
-            <a:r>
-              <a:rPr lang="it-IT" sz="1600" dirty="0">
-                <a:latin typeface="Raleway" pitchFamily="2" charset="77"/>
-              </a:rPr>
-              <a:t> performance </a:t>
-            </a:r>
-            <a:r>
-              <a:rPr lang="it-IT" sz="1600" dirty="0" err="1">
-                <a:latin typeface="Raleway" pitchFamily="2" charset="77"/>
-              </a:rPr>
-              <a:t>improvements</a:t>
-            </a:r>
-            <a:r>
-              <a:rPr lang="it-IT" sz="1600" dirty="0">
-                <a:latin typeface="Raleway" pitchFamily="2" charset="77"/>
-              </a:rPr>
-              <a:t> over standard </a:t>
-            </a:r>
-            <a:r>
-              <a:rPr lang="it-IT" sz="1600" dirty="0" err="1">
-                <a:latin typeface="Raleway" pitchFamily="2" charset="77"/>
-              </a:rPr>
-              <a:t>protocols</a:t>
-            </a:r>
-            <a:endParaRPr lang="it-IT" sz="1600" dirty="0">
-              <a:latin typeface="Raleway" pitchFamily="2" charset="77"/>
-            </a:endParaRPr>
-          </a:p>
-          <a:p>
-            <a:pPr marL="285750" indent="-285750">
-              <a:spcAft>
-                <a:spcPts val="1600"/>
-              </a:spcAft>
-            </a:pPr>
-            <a:endParaRPr lang="it-IT" sz="1600" dirty="0">
-              <a:latin typeface="Raleway" pitchFamily="2" charset="77"/>
-            </a:endParaRPr>
-          </a:p>
-        </p:txBody>
-      </p:sp>
-      <p:sp>
-        <p:nvSpPr>
-          <p:cNvPr id="104" name="Google Shape;104;p10"/>
-          <p:cNvSpPr txBox="1">
-            <a:spLocks noGrp="1"/>
-          </p:cNvSpPr>
-          <p:nvPr>
-            <p:ph type="sldNum" idx="12"/>
-          </p:nvPr>
-        </p:nvSpPr>
-        <p:spPr>
-          <a:xfrm>
-            <a:off x="8536302" y="4749851"/>
-            <a:ext cx="548700" cy="393600"/>
-          </a:xfrm>
-          <a:prstGeom prst="rect">
-            <a:avLst/>
-          </a:prstGeom>
-        </p:spPr>
-        <p:txBody>
-          <a:bodyPr spcFirstLastPara="1" wrap="square" lIns="91425" tIns="91425" rIns="91425" bIns="91425" anchor="ctr" anchorCtr="0">
-            <a:noAutofit/>
-          </a:bodyPr>
-          <a:lstStyle/>
-          <a:p>
-            <a:pPr marL="0" lvl="0" indent="0" algn="r" rtl="0">
-              <a:spcBef>
-                <a:spcPts val="0"/>
-              </a:spcBef>
-              <a:spcAft>
-                <a:spcPts val="0"/>
-              </a:spcAft>
-              <a:buNone/>
-            </a:pPr>
-            <a:fld id="{00000000-1234-1234-1234-123412341234}" type="slidenum">
-              <a:rPr lang="it"/>
-              <a:t>15</a:t>
-            </a:fld>
-            <a:endParaRPr/>
-          </a:p>
-        </p:txBody>
-      </p:sp>
-      <p:sp>
-        <p:nvSpPr>
-          <p:cNvPr id="105" name="Google Shape;105;p10"/>
-          <p:cNvSpPr txBox="1">
-            <a:spLocks noGrp="1"/>
-          </p:cNvSpPr>
-          <p:nvPr>
-            <p:ph type="subTitle" idx="3"/>
-          </p:nvPr>
-        </p:nvSpPr>
-        <p:spPr>
-          <a:xfrm>
-            <a:off x="1414800" y="4779100"/>
-            <a:ext cx="5854500" cy="335100"/>
-          </a:xfrm>
-          <a:prstGeom prst="rect">
-            <a:avLst/>
-          </a:prstGeom>
-        </p:spPr>
-        <p:txBody>
-          <a:bodyPr spcFirstLastPara="1" wrap="square" lIns="91425" tIns="91425" rIns="91425" bIns="91425" anchor="t" anchorCtr="0">
-            <a:noAutofit/>
-          </a:bodyPr>
-          <a:lstStyle/>
-          <a:p>
-            <a:pPr marL="0" lvl="0" indent="0" algn="l" rtl="0">
-              <a:spcBef>
-                <a:spcPts val="0"/>
-              </a:spcBef>
-              <a:spcAft>
-                <a:spcPts val="1600"/>
-              </a:spcAft>
-              <a:buNone/>
-            </a:pPr>
-            <a:r>
-              <a:rPr lang="it-IT" dirty="0">
-                <a:latin typeface="Raleway" pitchFamily="2" charset="77"/>
-              </a:rPr>
-              <a:t>Multi-Robot Systems presentation</a:t>
-            </a:r>
-            <a:r>
-              <a:rPr lang="it-IT" sz="900" dirty="0">
-                <a:latin typeface="Raleway" pitchFamily="2" charset="77"/>
-              </a:rPr>
-              <a:t> – Felli Stefano</a:t>
-            </a:r>
-          </a:p>
-        </p:txBody>
-      </p:sp>
-    </p:spTree>
-    <p:extLst>
-      <p:ext uri="{BB962C8B-B14F-4D97-AF65-F5344CB8AC3E}">
-        <p14:creationId xmlns:p14="http://schemas.microsoft.com/office/powerpoint/2010/main" val="414635355"/>
-      </p:ext>
-    </p:extLst>
-  </p:cSld>
-  <p:clrMapOvr>
-    <a:masterClrMapping/>
-  </p:clrMapOvr>
-</p:sld>
-</file>
-
-<file path=ppt/slides/slide16.xml><?xml version="1.0" encoding="utf-8"?>
-<p:sld xmlns:a="http://schemas.openxmlformats.org/drawingml/2006/main" xmlns:r="http://schemas.openxmlformats.org/officeDocument/2006/relationships" xmlns:p="http://schemas.openxmlformats.org/presentationml/2006/main">
-  <p:cSld>
-    <p:spTree>
-      <p:nvGrpSpPr>
-        <p:cNvPr id="1" name="Shape 88"/>
-        <p:cNvGrpSpPr/>
-        <p:nvPr/>
-      </p:nvGrpSpPr>
-      <p:grpSpPr>
-        <a:xfrm>
-          <a:off x="0" y="0"/>
-          <a:ext cx="0" cy="0"/>
-          <a:chOff x="0" y="0"/>
-          <a:chExt cx="0" cy="0"/>
-        </a:xfrm>
-      </p:grpSpPr>
-      <p:sp>
-        <p:nvSpPr>
-          <p:cNvPr id="89" name="Google Shape;89;p9"/>
-          <p:cNvSpPr txBox="1">
-            <a:spLocks noGrp="1"/>
-          </p:cNvSpPr>
-          <p:nvPr>
-            <p:ph type="title"/>
-          </p:nvPr>
-        </p:nvSpPr>
-        <p:spPr>
-          <a:xfrm>
-            <a:off x="727650" y="861800"/>
-            <a:ext cx="7688700" cy="535200"/>
-          </a:xfrm>
-          <a:prstGeom prst="rect">
-            <a:avLst/>
-          </a:prstGeom>
-        </p:spPr>
-        <p:txBody>
-          <a:bodyPr spcFirstLastPara="1" wrap="square" lIns="91425" tIns="91425" rIns="91425" bIns="91425" anchor="t" anchorCtr="0">
-            <a:noAutofit/>
-          </a:bodyPr>
-          <a:lstStyle/>
-          <a:p>
-            <a:pPr marL="0" lvl="0" indent="0" algn="l" rtl="0">
-              <a:spcBef>
-                <a:spcPts val="0"/>
-              </a:spcBef>
-              <a:spcAft>
-                <a:spcPts val="0"/>
-              </a:spcAft>
-              <a:buNone/>
-            </a:pPr>
-            <a:r>
-              <a:rPr lang="it">
-                <a:latin typeface="Raleway" pitchFamily="2" charset="77"/>
-              </a:rPr>
-              <a:t>Slide example 2</a:t>
-            </a:r>
-            <a:endParaRPr>
-              <a:latin typeface="Raleway" pitchFamily="2" charset="77"/>
-            </a:endParaRPr>
-          </a:p>
-        </p:txBody>
-      </p:sp>
-      <p:sp>
-        <p:nvSpPr>
-          <p:cNvPr id="90" name="Google Shape;90;p9"/>
-          <p:cNvSpPr txBox="1">
-            <a:spLocks noGrp="1"/>
-          </p:cNvSpPr>
-          <p:nvPr>
-            <p:ph type="sldNum" idx="12"/>
-          </p:nvPr>
-        </p:nvSpPr>
-        <p:spPr>
-          <a:xfrm>
-            <a:off x="8536302" y="4749851"/>
-            <a:ext cx="548700" cy="393600"/>
-          </a:xfrm>
-          <a:prstGeom prst="rect">
-            <a:avLst/>
-          </a:prstGeom>
-        </p:spPr>
-        <p:txBody>
-          <a:bodyPr spcFirstLastPara="1" wrap="square" lIns="91425" tIns="91425" rIns="91425" bIns="91425" anchor="ctr" anchorCtr="0">
-            <a:noAutofit/>
-          </a:bodyPr>
-          <a:lstStyle/>
-          <a:p>
-            <a:pPr marL="0" lvl="0" indent="0" algn="r" rtl="0">
-              <a:spcBef>
-                <a:spcPts val="0"/>
-              </a:spcBef>
-              <a:spcAft>
-                <a:spcPts val="0"/>
-              </a:spcAft>
-              <a:buNone/>
-            </a:pPr>
-            <a:fld id="{00000000-1234-1234-1234-123412341234}" type="slidenum">
-              <a:rPr lang="it"/>
-              <a:t>16</a:t>
-            </a:fld>
-            <a:endParaRPr/>
-          </a:p>
-        </p:txBody>
-      </p:sp>
-      <p:sp>
-        <p:nvSpPr>
-          <p:cNvPr id="91" name="Google Shape;91;p9"/>
-          <p:cNvSpPr txBox="1">
-            <a:spLocks noGrp="1"/>
-          </p:cNvSpPr>
-          <p:nvPr>
-            <p:ph type="body" idx="1"/>
-          </p:nvPr>
-        </p:nvSpPr>
-        <p:spPr>
-          <a:xfrm>
-            <a:off x="727650" y="1622025"/>
-            <a:ext cx="7853100" cy="1571400"/>
-          </a:xfrm>
-          <a:prstGeom prst="rect">
-            <a:avLst/>
-          </a:prstGeom>
-        </p:spPr>
-        <p:txBody>
-          <a:bodyPr spcFirstLastPara="1" wrap="square" lIns="91425" tIns="91425" rIns="91425" bIns="91425" anchor="t" anchorCtr="0">
-            <a:noAutofit/>
-          </a:bodyPr>
-          <a:lstStyle/>
-          <a:p>
-            <a:pPr marL="0" lvl="0" indent="0" algn="l" rtl="0">
-              <a:spcBef>
-                <a:spcPts val="0"/>
-              </a:spcBef>
-              <a:spcAft>
-                <a:spcPts val="1600"/>
-              </a:spcAft>
-              <a:buNone/>
-            </a:pPr>
-            <a:r>
-              <a:rPr lang="it">
-                <a:latin typeface="Raleway" pitchFamily="2" charset="77"/>
-              </a:rPr>
-              <a:t>Lorem ipsum dolor sit amet, consectetur adipisci elit, sed eiusmod tempor incidunt ut labore et dolore magna aliqua. Ut enim ad minim veniam, quis nostrum exercitationem ullam corporis suscipit laboriosam, nisi ut aliquid ex ea commodi consequatur. Quis aute iure reprehenderit in voluptate velit esse cillum dolore eu fugiat nulla pariatur. Excepteur sint obcaecat cupiditat non proident, sunt in culpa qui officia deserunt mollit anim id est laborum.</a:t>
-            </a:r>
-            <a:endParaRPr b="1">
-              <a:latin typeface="Raleway" pitchFamily="2" charset="77"/>
-            </a:endParaRPr>
-          </a:p>
-        </p:txBody>
-      </p:sp>
-      <p:sp>
-        <p:nvSpPr>
-          <p:cNvPr id="92" name="Google Shape;92;p9"/>
-          <p:cNvSpPr/>
-          <p:nvPr/>
-        </p:nvSpPr>
-        <p:spPr>
-          <a:xfrm>
-            <a:off x="1285925" y="3531750"/>
-            <a:ext cx="3185100" cy="1007700"/>
-          </a:xfrm>
-          <a:prstGeom prst="roundRect">
-            <a:avLst>
-              <a:gd name="adj" fmla="val 16667"/>
-            </a:avLst>
-          </a:prstGeom>
-          <a:solidFill>
-            <a:srgbClr val="6F0A19">
-              <a:alpha val="30050"/>
-            </a:srgbClr>
-          </a:solidFill>
-          <a:ln w="9525" cap="flat" cmpd="sng">
-            <a:solidFill>
-              <a:srgbClr val="6F0A19"/>
-            </a:solidFill>
-            <a:prstDash val="solid"/>
-            <a:round/>
-            <a:headEnd type="none" w="sm" len="sm"/>
-            <a:tailEnd type="none" w="sm" len="sm"/>
-          </a:ln>
-        </p:spPr>
-        <p:txBody>
-          <a:bodyPr spcFirstLastPara="1" wrap="square" lIns="91425" tIns="91425" rIns="91425" bIns="91425" anchor="t" anchorCtr="0">
-            <a:noAutofit/>
-          </a:bodyPr>
-          <a:lstStyle/>
-          <a:p>
-            <a:pPr marL="0" lvl="0" indent="0" algn="ctr" rtl="0">
-              <a:lnSpc>
-                <a:spcPct val="115000"/>
-              </a:lnSpc>
-              <a:spcBef>
-                <a:spcPts val="0"/>
-              </a:spcBef>
-              <a:spcAft>
-                <a:spcPts val="1600"/>
-              </a:spcAft>
-              <a:buNone/>
-            </a:pPr>
-            <a:r>
-              <a:rPr lang="it" sz="1200" dirty="0">
-                <a:solidFill>
-                  <a:schemeClr val="accent1"/>
-                </a:solidFill>
-                <a:latin typeface="Raleway" pitchFamily="2" charset="77"/>
-                <a:ea typeface="Catamaran"/>
-                <a:cs typeface="Catamaran"/>
-                <a:sym typeface="Catamaran"/>
-              </a:rPr>
-              <a:t>Lorem ipsum dolor sit amet, consectetur adipisci elit, sed eiusmod tempor incidunt ut labore et dolore magna aliqua. </a:t>
-            </a:r>
-            <a:endParaRPr sz="1300" dirty="0">
-              <a:latin typeface="Raleway" pitchFamily="2" charset="77"/>
-            </a:endParaRPr>
-          </a:p>
-        </p:txBody>
-      </p:sp>
-      <p:sp>
-        <p:nvSpPr>
-          <p:cNvPr id="93" name="Google Shape;93;p9"/>
-          <p:cNvSpPr/>
-          <p:nvPr/>
-        </p:nvSpPr>
-        <p:spPr>
-          <a:xfrm>
-            <a:off x="4572000" y="3531750"/>
-            <a:ext cx="3494100" cy="1056300"/>
-          </a:xfrm>
-          <a:prstGeom prst="roundRect">
-            <a:avLst>
-              <a:gd name="adj" fmla="val 16667"/>
-            </a:avLst>
-          </a:prstGeom>
-          <a:solidFill>
-            <a:srgbClr val="006778">
-              <a:alpha val="44260"/>
-            </a:srgbClr>
-          </a:solidFill>
-          <a:ln w="9525" cap="flat" cmpd="sng">
-            <a:solidFill>
-              <a:srgbClr val="006778"/>
-            </a:solidFill>
-            <a:prstDash val="solid"/>
-            <a:round/>
-            <a:headEnd type="none" w="sm" len="sm"/>
-            <a:tailEnd type="none" w="sm" len="sm"/>
-          </a:ln>
-        </p:spPr>
-        <p:txBody>
-          <a:bodyPr spcFirstLastPara="1" wrap="square" lIns="91425" tIns="91425" rIns="91425" bIns="91425" anchor="t" anchorCtr="0">
-            <a:noAutofit/>
-          </a:bodyPr>
-          <a:lstStyle/>
-          <a:p>
-            <a:pPr marL="0" lvl="0" indent="0" algn="ctr" rtl="0">
-              <a:lnSpc>
-                <a:spcPct val="115000"/>
-              </a:lnSpc>
-              <a:spcBef>
-                <a:spcPts val="0"/>
-              </a:spcBef>
-              <a:spcAft>
-                <a:spcPts val="1600"/>
-              </a:spcAft>
-              <a:buNone/>
-            </a:pPr>
-            <a:r>
-              <a:rPr lang="it" sz="1200" dirty="0">
-                <a:solidFill>
-                  <a:schemeClr val="accent1"/>
-                </a:solidFill>
-                <a:latin typeface="Raleway" pitchFamily="2" charset="77"/>
-                <a:ea typeface="Catamaran"/>
-                <a:cs typeface="Catamaran"/>
-                <a:sym typeface="Catamaran"/>
-              </a:rPr>
-              <a:t>Ut enim ad minim veniam, quis nostrum exercitationem ullam corporis suscipit laboriosam, nisi ut aliquid ex ea commodi consequatur.</a:t>
-            </a:r>
-            <a:endParaRPr sz="1200" dirty="0">
-              <a:latin typeface="Raleway" pitchFamily="2" charset="77"/>
-            </a:endParaRPr>
-          </a:p>
-        </p:txBody>
-      </p:sp>
-      <p:sp>
-        <p:nvSpPr>
-          <p:cNvPr id="94" name="Google Shape;94;p9"/>
-          <p:cNvSpPr/>
-          <p:nvPr/>
-        </p:nvSpPr>
-        <p:spPr>
-          <a:xfrm>
-            <a:off x="1789700" y="3344850"/>
-            <a:ext cx="2316000" cy="186900"/>
-          </a:xfrm>
-          <a:prstGeom prst="roundRect">
-            <a:avLst>
-              <a:gd name="adj" fmla="val 16667"/>
-            </a:avLst>
-          </a:prstGeom>
-          <a:solidFill>
-            <a:schemeClr val="lt2"/>
-          </a:solidFill>
-          <a:ln w="9525" cap="flat" cmpd="sng">
-            <a:solidFill>
-              <a:srgbClr val="6F0A19"/>
-            </a:solidFill>
-            <a:prstDash val="solid"/>
-            <a:round/>
-            <a:headEnd type="none" w="sm" len="sm"/>
-            <a:tailEnd type="none" w="sm" len="sm"/>
-          </a:ln>
-        </p:spPr>
-        <p:txBody>
-          <a:bodyPr spcFirstLastPara="1" wrap="square" lIns="91425" tIns="91425" rIns="91425" bIns="91425" anchor="ctr" anchorCtr="0">
-            <a:noAutofit/>
-          </a:bodyPr>
-          <a:lstStyle/>
-          <a:p>
-            <a:pPr marL="0" lvl="0" indent="0" algn="ctr" rtl="0">
-              <a:spcBef>
-                <a:spcPts val="0"/>
-              </a:spcBef>
-              <a:spcAft>
-                <a:spcPts val="0"/>
-              </a:spcAft>
-              <a:buNone/>
-            </a:pPr>
-            <a:r>
-              <a:rPr lang="it" sz="1300">
-                <a:solidFill>
-                  <a:schemeClr val="accent1"/>
-                </a:solidFill>
-                <a:latin typeface="Raleway" pitchFamily="2" charset="77"/>
-                <a:ea typeface="Catamaran"/>
-                <a:cs typeface="Catamaran"/>
-                <a:sym typeface="Catamaran"/>
-              </a:rPr>
-              <a:t>Bad</a:t>
-            </a:r>
-            <a:endParaRPr sz="1300">
-              <a:solidFill>
-                <a:schemeClr val="accent1"/>
-              </a:solidFill>
-              <a:latin typeface="Raleway" pitchFamily="2" charset="77"/>
-              <a:ea typeface="Catamaran"/>
-              <a:cs typeface="Catamaran"/>
-              <a:sym typeface="Catamaran"/>
-            </a:endParaRPr>
-          </a:p>
-        </p:txBody>
-      </p:sp>
-      <p:sp>
-        <p:nvSpPr>
-          <p:cNvPr id="95" name="Google Shape;95;p9"/>
-          <p:cNvSpPr/>
-          <p:nvPr/>
-        </p:nvSpPr>
-        <p:spPr>
-          <a:xfrm>
-            <a:off x="5161050" y="3344850"/>
-            <a:ext cx="2316000" cy="186900"/>
-          </a:xfrm>
-          <a:prstGeom prst="roundRect">
-            <a:avLst>
-              <a:gd name="adj" fmla="val 16667"/>
-            </a:avLst>
-          </a:prstGeom>
-          <a:solidFill>
-            <a:schemeClr val="lt2"/>
-          </a:solidFill>
-          <a:ln w="9525" cap="flat" cmpd="sng">
-            <a:solidFill>
-              <a:srgbClr val="006778"/>
-            </a:solidFill>
-            <a:prstDash val="solid"/>
-            <a:round/>
-            <a:headEnd type="none" w="sm" len="sm"/>
-            <a:tailEnd type="none" w="sm" len="sm"/>
-          </a:ln>
-        </p:spPr>
-        <p:txBody>
-          <a:bodyPr spcFirstLastPara="1" wrap="square" lIns="91425" tIns="91425" rIns="91425" bIns="91425" anchor="ctr" anchorCtr="0">
-            <a:noAutofit/>
-          </a:bodyPr>
-          <a:lstStyle/>
-          <a:p>
-            <a:pPr marL="0" lvl="0" indent="0" algn="ctr" rtl="0">
-              <a:spcBef>
-                <a:spcPts val="0"/>
-              </a:spcBef>
-              <a:spcAft>
-                <a:spcPts val="0"/>
-              </a:spcAft>
-              <a:buNone/>
-            </a:pPr>
-            <a:r>
-              <a:rPr lang="it" sz="1300">
-                <a:solidFill>
-                  <a:schemeClr val="accent1"/>
-                </a:solidFill>
-                <a:latin typeface="Raleway" pitchFamily="2" charset="77"/>
-                <a:ea typeface="Catamaran"/>
-                <a:cs typeface="Catamaran"/>
-                <a:sym typeface="Catamaran"/>
-              </a:rPr>
-              <a:t>Good</a:t>
-            </a:r>
-            <a:endParaRPr sz="1300">
-              <a:solidFill>
-                <a:schemeClr val="accent1"/>
-              </a:solidFill>
-              <a:latin typeface="Raleway" pitchFamily="2" charset="77"/>
-              <a:ea typeface="Catamaran"/>
-              <a:cs typeface="Catamaran"/>
-              <a:sym typeface="Catamaran"/>
-            </a:endParaRPr>
-          </a:p>
-        </p:txBody>
-      </p:sp>
-      <p:sp>
-        <p:nvSpPr>
-          <p:cNvPr id="96" name="Google Shape;96;p9"/>
-          <p:cNvSpPr txBox="1">
-            <a:spLocks noGrp="1"/>
-          </p:cNvSpPr>
-          <p:nvPr>
-            <p:ph type="subTitle" idx="2"/>
-          </p:nvPr>
-        </p:nvSpPr>
-        <p:spPr>
-          <a:xfrm>
-            <a:off x="1414800" y="4779100"/>
-            <a:ext cx="5854500" cy="335100"/>
-          </a:xfrm>
-          <a:prstGeom prst="rect">
-            <a:avLst/>
-          </a:prstGeom>
-        </p:spPr>
-        <p:txBody>
-          <a:bodyPr spcFirstLastPara="1" wrap="square" lIns="91425" tIns="91425" rIns="91425" bIns="91425" anchor="t" anchorCtr="0">
-            <a:noAutofit/>
-          </a:bodyPr>
-          <a:lstStyle/>
-          <a:p>
-            <a:pPr marL="0" lvl="0" indent="0" algn="l" rtl="0">
-              <a:spcBef>
-                <a:spcPts val="0"/>
-              </a:spcBef>
-              <a:spcAft>
-                <a:spcPts val="1600"/>
-              </a:spcAft>
-              <a:buNone/>
-            </a:pPr>
-            <a:r>
-              <a:rPr lang="it-IT" dirty="0">
-                <a:latin typeface="Raleway" pitchFamily="2" charset="77"/>
-              </a:rPr>
-              <a:t>Multi-Robot Systems presentation</a:t>
-            </a:r>
-            <a:r>
-              <a:rPr lang="it-IT" sz="900" dirty="0">
-                <a:latin typeface="Raleway" pitchFamily="2" charset="77"/>
-              </a:rPr>
-              <a:t> – Felli Stefano</a:t>
-            </a:r>
-          </a:p>
-        </p:txBody>
-      </p:sp>
-    </p:spTree>
-  </p:cSld>
-  <p:clrMapOvr>
-    <a:masterClrMapping/>
-  </p:clrMapOvr>
-</p:sld>
-</file>
-
-<file path=ppt/slides/slide17.xml><?xml version="1.0" encoding="utf-8"?>
-<p:sld xmlns:a="http://schemas.openxmlformats.org/drawingml/2006/main" xmlns:r="http://schemas.openxmlformats.org/officeDocument/2006/relationships" xmlns:p="http://schemas.openxmlformats.org/presentationml/2006/main">
-  <p:cSld>
-    <p:spTree>
-      <p:nvGrpSpPr>
-        <p:cNvPr id="1" name="Shape 109"/>
-        <p:cNvGrpSpPr/>
-        <p:nvPr/>
-      </p:nvGrpSpPr>
-      <p:grpSpPr>
-        <a:xfrm>
-          <a:off x="0" y="0"/>
-          <a:ext cx="0" cy="0"/>
-          <a:chOff x="0" y="0"/>
-          <a:chExt cx="0" cy="0"/>
-        </a:xfrm>
-      </p:grpSpPr>
-      <p:sp>
-        <p:nvSpPr>
-          <p:cNvPr id="110" name="Google Shape;110;p11"/>
-          <p:cNvSpPr txBox="1">
-            <a:spLocks noGrp="1"/>
-          </p:cNvSpPr>
-          <p:nvPr>
-            <p:ph type="sldNum" idx="12"/>
-          </p:nvPr>
-        </p:nvSpPr>
-        <p:spPr>
-          <a:xfrm>
-            <a:off x="8536302" y="4749851"/>
-            <a:ext cx="548700" cy="393600"/>
-          </a:xfrm>
-          <a:prstGeom prst="rect">
-            <a:avLst/>
-          </a:prstGeom>
-        </p:spPr>
-        <p:txBody>
-          <a:bodyPr spcFirstLastPara="1" wrap="square" lIns="91425" tIns="91425" rIns="91425" bIns="91425" anchor="ctr" anchorCtr="0">
-            <a:noAutofit/>
-          </a:bodyPr>
-          <a:lstStyle/>
-          <a:p>
-            <a:pPr marL="0" lvl="0" indent="0" algn="r" rtl="0">
-              <a:spcBef>
-                <a:spcPts val="0"/>
-              </a:spcBef>
-              <a:spcAft>
-                <a:spcPts val="0"/>
-              </a:spcAft>
-              <a:buNone/>
-            </a:pPr>
-            <a:fld id="{00000000-1234-1234-1234-123412341234}" type="slidenum">
-              <a:rPr lang="it"/>
-              <a:t>17</a:t>
-            </a:fld>
-            <a:endParaRPr/>
-          </a:p>
-        </p:txBody>
-      </p:sp>
-      <p:sp>
-        <p:nvSpPr>
-          <p:cNvPr id="111" name="Google Shape;111;p11"/>
-          <p:cNvSpPr txBox="1">
-            <a:spLocks noGrp="1"/>
-          </p:cNvSpPr>
-          <p:nvPr>
-            <p:ph type="subTitle" idx="2"/>
-          </p:nvPr>
-        </p:nvSpPr>
-        <p:spPr>
-          <a:xfrm>
-            <a:off x="1414800" y="4779100"/>
-            <a:ext cx="5854500" cy="335100"/>
-          </a:xfrm>
-          <a:prstGeom prst="rect">
-            <a:avLst/>
-          </a:prstGeom>
-        </p:spPr>
-        <p:txBody>
-          <a:bodyPr spcFirstLastPara="1" wrap="square" lIns="91425" tIns="91425" rIns="91425" bIns="91425" anchor="t" anchorCtr="0">
-            <a:noAutofit/>
-          </a:bodyPr>
-          <a:lstStyle/>
-          <a:p>
-            <a:pPr marL="0" lvl="0" indent="0" algn="l" rtl="0">
-              <a:spcBef>
-                <a:spcPts val="0"/>
-              </a:spcBef>
-              <a:spcAft>
-                <a:spcPts val="1600"/>
-              </a:spcAft>
-              <a:buNone/>
-            </a:pPr>
-            <a:r>
-              <a:rPr lang="it-IT" dirty="0">
-                <a:latin typeface="Raleway" pitchFamily="2" charset="77"/>
-              </a:rPr>
-              <a:t>Multi-Robot Systems presentation</a:t>
-            </a:r>
-            <a:r>
-              <a:rPr lang="it-IT" sz="900" dirty="0">
-                <a:latin typeface="Raleway" pitchFamily="2" charset="77"/>
-              </a:rPr>
-              <a:t> – Felli Stefano</a:t>
-            </a:r>
-          </a:p>
-        </p:txBody>
-      </p:sp>
-      <p:sp>
-        <p:nvSpPr>
-          <p:cNvPr id="112" name="Google Shape;112;p11"/>
-          <p:cNvSpPr txBox="1"/>
-          <p:nvPr/>
-        </p:nvSpPr>
-        <p:spPr>
-          <a:xfrm>
-            <a:off x="727650" y="861800"/>
-            <a:ext cx="7688700" cy="535200"/>
-          </a:xfrm>
-          <a:prstGeom prst="rect">
-            <a:avLst/>
-          </a:prstGeom>
-          <a:noFill/>
-          <a:ln>
-            <a:noFill/>
-          </a:ln>
-        </p:spPr>
-        <p:txBody>
-          <a:bodyPr spcFirstLastPara="1" wrap="square" lIns="91425" tIns="91425" rIns="91425" bIns="91425" anchor="t" anchorCtr="0">
-            <a:noAutofit/>
-          </a:bodyPr>
-          <a:lstStyle/>
-          <a:p>
-            <a:pPr marL="0" lvl="0" indent="0" algn="l" rtl="0">
-              <a:spcBef>
-                <a:spcPts val="0"/>
-              </a:spcBef>
-              <a:spcAft>
-                <a:spcPts val="0"/>
-              </a:spcAft>
-              <a:buNone/>
-            </a:pPr>
-            <a:r>
-              <a:rPr lang="it" sz="2600" b="1">
-                <a:solidFill>
-                  <a:srgbClr val="1A1A1A"/>
-                </a:solidFill>
-                <a:latin typeface="Raleway" pitchFamily="2" charset="77"/>
-                <a:ea typeface="Catamaran"/>
-                <a:cs typeface="Catamaran"/>
-                <a:sym typeface="Catamaran"/>
-              </a:rPr>
-              <a:t>Slide example with timeline</a:t>
-            </a:r>
-            <a:endParaRPr sz="2600" b="1">
-              <a:solidFill>
-                <a:srgbClr val="1A1A1A"/>
-              </a:solidFill>
-              <a:latin typeface="Raleway" pitchFamily="2" charset="77"/>
-              <a:ea typeface="Catamaran"/>
-              <a:cs typeface="Catamaran"/>
-              <a:sym typeface="Catamaran"/>
-            </a:endParaRPr>
-          </a:p>
-        </p:txBody>
-      </p:sp>
-      <p:sp>
-        <p:nvSpPr>
-          <p:cNvPr id="113" name="Google Shape;113;p11"/>
-          <p:cNvSpPr txBox="1"/>
-          <p:nvPr/>
-        </p:nvSpPr>
-        <p:spPr>
-          <a:xfrm>
-            <a:off x="1853025" y="1971000"/>
-            <a:ext cx="1836900" cy="572700"/>
-          </a:xfrm>
-          <a:prstGeom prst="rect">
-            <a:avLst/>
-          </a:prstGeom>
-          <a:noFill/>
-          <a:ln>
-            <a:noFill/>
-          </a:ln>
-        </p:spPr>
-        <p:txBody>
-          <a:bodyPr spcFirstLastPara="1" wrap="square" lIns="91425" tIns="91425" rIns="91425" bIns="91425" anchor="t" anchorCtr="0">
-            <a:noAutofit/>
-          </a:bodyPr>
-          <a:lstStyle/>
-          <a:p>
-            <a:pPr marL="0" lvl="0" indent="0" algn="ctr" rtl="0">
-              <a:spcBef>
-                <a:spcPts val="0"/>
-              </a:spcBef>
-              <a:spcAft>
-                <a:spcPts val="1600"/>
-              </a:spcAft>
-              <a:buNone/>
-            </a:pPr>
-            <a:r>
-              <a:rPr lang="it" sz="1300">
-                <a:solidFill>
-                  <a:srgbClr val="595959"/>
-                </a:solidFill>
-                <a:latin typeface="Raleway" pitchFamily="2" charset="77"/>
-                <a:ea typeface="Catamaran"/>
-                <a:cs typeface="Catamaran"/>
-                <a:sym typeface="Catamaran"/>
-              </a:rPr>
-              <a:t>Lorem ipsum dolor sit amet</a:t>
-            </a:r>
-            <a:endParaRPr sz="1300">
-              <a:solidFill>
-                <a:srgbClr val="595959"/>
-              </a:solidFill>
-              <a:latin typeface="Raleway" pitchFamily="2" charset="77"/>
-              <a:ea typeface="Catamaran"/>
-              <a:cs typeface="Catamaran"/>
-              <a:sym typeface="Catamaran"/>
-            </a:endParaRPr>
-          </a:p>
-        </p:txBody>
-      </p:sp>
-      <p:sp>
-        <p:nvSpPr>
-          <p:cNvPr id="114" name="Google Shape;114;p11"/>
-          <p:cNvSpPr txBox="1"/>
-          <p:nvPr/>
-        </p:nvSpPr>
-        <p:spPr>
-          <a:xfrm>
-            <a:off x="1581075" y="1556800"/>
-            <a:ext cx="2380800" cy="388800"/>
-          </a:xfrm>
-          <a:prstGeom prst="rect">
-            <a:avLst/>
-          </a:prstGeom>
-          <a:noFill/>
-          <a:ln>
-            <a:noFill/>
-          </a:ln>
-        </p:spPr>
-        <p:txBody>
-          <a:bodyPr spcFirstLastPara="1" wrap="square" lIns="91425" tIns="91425" rIns="91425" bIns="91425" anchor="t" anchorCtr="0">
-            <a:noAutofit/>
-          </a:bodyPr>
-          <a:lstStyle/>
-          <a:p>
-            <a:pPr marL="0" lvl="0" indent="0" algn="ctr" rtl="0">
-              <a:spcBef>
-                <a:spcPts val="0"/>
-              </a:spcBef>
-              <a:spcAft>
-                <a:spcPts val="1600"/>
-              </a:spcAft>
-              <a:buNone/>
-            </a:pPr>
-            <a:r>
-              <a:rPr lang="it" sz="1800" dirty="0">
-                <a:latin typeface="Raleway" pitchFamily="2" charset="77"/>
-                <a:ea typeface="Catamaran"/>
-                <a:cs typeface="Catamaran"/>
-                <a:sym typeface="Catamaran"/>
-              </a:rPr>
-              <a:t>Time 1</a:t>
-            </a:r>
-            <a:endParaRPr sz="1800" dirty="0">
-              <a:latin typeface="Raleway" pitchFamily="2" charset="77"/>
-              <a:ea typeface="Catamaran"/>
-              <a:cs typeface="Catamaran"/>
-              <a:sym typeface="Catamaran"/>
-            </a:endParaRPr>
-          </a:p>
-        </p:txBody>
-      </p:sp>
-      <p:sp>
-        <p:nvSpPr>
-          <p:cNvPr id="115" name="Google Shape;115;p11"/>
-          <p:cNvSpPr txBox="1"/>
-          <p:nvPr/>
-        </p:nvSpPr>
-        <p:spPr>
-          <a:xfrm>
-            <a:off x="5048625" y="1971000"/>
-            <a:ext cx="1836900" cy="711000"/>
-          </a:xfrm>
-          <a:prstGeom prst="rect">
-            <a:avLst/>
-          </a:prstGeom>
-          <a:noFill/>
-          <a:ln>
-            <a:noFill/>
-          </a:ln>
-        </p:spPr>
-        <p:txBody>
-          <a:bodyPr spcFirstLastPara="1" wrap="square" lIns="91425" tIns="91425" rIns="91425" bIns="91425" anchor="t" anchorCtr="0">
-            <a:noAutofit/>
-          </a:bodyPr>
-          <a:lstStyle/>
-          <a:p>
-            <a:pPr marL="0" lvl="0" indent="0" algn="ctr" rtl="0">
-              <a:spcBef>
-                <a:spcPts val="0"/>
-              </a:spcBef>
-              <a:spcAft>
-                <a:spcPts val="0"/>
-              </a:spcAft>
-              <a:buNone/>
-            </a:pPr>
-            <a:r>
-              <a:rPr lang="it" sz="1300">
-                <a:solidFill>
-                  <a:srgbClr val="595959"/>
-                </a:solidFill>
-                <a:latin typeface="Raleway" pitchFamily="2" charset="77"/>
-                <a:ea typeface="Catamaran"/>
-                <a:cs typeface="Catamaran"/>
-                <a:sym typeface="Catamaran"/>
-              </a:rPr>
-              <a:t>Quis aute iure reprehenderit</a:t>
-            </a:r>
-            <a:endParaRPr sz="1300">
-              <a:solidFill>
-                <a:srgbClr val="595959"/>
-              </a:solidFill>
-              <a:latin typeface="Raleway" pitchFamily="2" charset="77"/>
-              <a:ea typeface="Lato"/>
-              <a:cs typeface="Lato"/>
-              <a:sym typeface="Lato"/>
-            </a:endParaRPr>
-          </a:p>
-          <a:p>
-            <a:pPr marL="0" lvl="0" indent="0" algn="ctr" rtl="0">
-              <a:spcBef>
-                <a:spcPts val="1600"/>
-              </a:spcBef>
-              <a:spcAft>
-                <a:spcPts val="1600"/>
-              </a:spcAft>
-              <a:buNone/>
-            </a:pPr>
-            <a:endParaRPr sz="1300">
-              <a:solidFill>
-                <a:srgbClr val="595959"/>
-              </a:solidFill>
-              <a:latin typeface="Raleway" pitchFamily="2" charset="77"/>
-              <a:ea typeface="Lato"/>
-              <a:cs typeface="Lato"/>
-              <a:sym typeface="Lato"/>
-            </a:endParaRPr>
-          </a:p>
-        </p:txBody>
-      </p:sp>
-      <p:sp>
-        <p:nvSpPr>
-          <p:cNvPr id="116" name="Google Shape;116;p11"/>
-          <p:cNvSpPr txBox="1"/>
-          <p:nvPr/>
-        </p:nvSpPr>
-        <p:spPr>
-          <a:xfrm>
-            <a:off x="4643175" y="1556800"/>
-            <a:ext cx="2647800" cy="388800"/>
-          </a:xfrm>
-          <a:prstGeom prst="rect">
-            <a:avLst/>
-          </a:prstGeom>
-          <a:noFill/>
-          <a:ln>
-            <a:noFill/>
-          </a:ln>
-        </p:spPr>
-        <p:txBody>
-          <a:bodyPr spcFirstLastPara="1" wrap="square" lIns="91425" tIns="91425" rIns="91425" bIns="91425" anchor="t" anchorCtr="0">
-            <a:noAutofit/>
-          </a:bodyPr>
-          <a:lstStyle/>
-          <a:p>
-            <a:pPr marL="0" lvl="0" indent="0" algn="ctr" rtl="0">
-              <a:spcBef>
-                <a:spcPts val="0"/>
-              </a:spcBef>
-              <a:spcAft>
-                <a:spcPts val="1600"/>
-              </a:spcAft>
-              <a:buNone/>
-            </a:pPr>
-            <a:r>
-              <a:rPr lang="it" sz="1800">
-                <a:latin typeface="Raleway" pitchFamily="2" charset="77"/>
-                <a:ea typeface="Catamaran"/>
-                <a:cs typeface="Catamaran"/>
-                <a:sym typeface="Catamaran"/>
-              </a:rPr>
-              <a:t>Time 3</a:t>
-            </a:r>
-            <a:endParaRPr sz="1800">
-              <a:latin typeface="Raleway" pitchFamily="2" charset="77"/>
-              <a:ea typeface="Catamaran"/>
-              <a:cs typeface="Catamaran"/>
-              <a:sym typeface="Catamaran"/>
-            </a:endParaRPr>
-          </a:p>
-        </p:txBody>
-      </p:sp>
-      <p:sp>
-        <p:nvSpPr>
-          <p:cNvPr id="117" name="Google Shape;117;p11"/>
-          <p:cNvSpPr txBox="1"/>
-          <p:nvPr/>
-        </p:nvSpPr>
-        <p:spPr>
-          <a:xfrm>
-            <a:off x="2557725" y="4131500"/>
-            <a:ext cx="3654900" cy="535200"/>
-          </a:xfrm>
-          <a:prstGeom prst="rect">
-            <a:avLst/>
-          </a:prstGeom>
-          <a:noFill/>
-          <a:ln>
-            <a:noFill/>
-          </a:ln>
-        </p:spPr>
-        <p:txBody>
-          <a:bodyPr spcFirstLastPara="1" wrap="square" lIns="91425" tIns="91425" rIns="91425" bIns="91425" anchor="t" anchorCtr="0">
-            <a:noAutofit/>
-          </a:bodyPr>
-          <a:lstStyle/>
-          <a:p>
-            <a:pPr marL="0" lvl="0" indent="0" algn="ctr" rtl="0">
-              <a:spcBef>
-                <a:spcPts val="0"/>
-              </a:spcBef>
-              <a:spcAft>
-                <a:spcPts val="1600"/>
-              </a:spcAft>
-              <a:buNone/>
-            </a:pPr>
-            <a:r>
-              <a:rPr lang="it" sz="1300">
-                <a:solidFill>
-                  <a:srgbClr val="595959"/>
-                </a:solidFill>
-                <a:latin typeface="Raleway" pitchFamily="2" charset="77"/>
-                <a:ea typeface="Catamaran"/>
-                <a:cs typeface="Catamaran"/>
-                <a:sym typeface="Catamaran"/>
-              </a:rPr>
-              <a:t>Ut enim ad minim veniam, quis nostrum exercitationem ullam corporis suscipit laboriosam</a:t>
-            </a:r>
-            <a:endParaRPr sz="1300">
-              <a:solidFill>
-                <a:srgbClr val="595959"/>
-              </a:solidFill>
-              <a:latin typeface="Raleway" pitchFamily="2" charset="77"/>
-              <a:ea typeface="Lato"/>
-              <a:cs typeface="Lato"/>
-              <a:sym typeface="Lato"/>
-            </a:endParaRPr>
-          </a:p>
-        </p:txBody>
-      </p:sp>
-      <p:sp>
-        <p:nvSpPr>
-          <p:cNvPr id="118" name="Google Shape;118;p11"/>
-          <p:cNvSpPr txBox="1"/>
-          <p:nvPr/>
-        </p:nvSpPr>
-        <p:spPr>
-          <a:xfrm>
-            <a:off x="3061275" y="3742700"/>
-            <a:ext cx="2647800" cy="388800"/>
-          </a:xfrm>
-          <a:prstGeom prst="rect">
-            <a:avLst/>
-          </a:prstGeom>
-          <a:noFill/>
-          <a:ln>
-            <a:noFill/>
-          </a:ln>
-        </p:spPr>
-        <p:txBody>
-          <a:bodyPr spcFirstLastPara="1" wrap="square" lIns="91425" tIns="91425" rIns="91425" bIns="91425" anchor="t" anchorCtr="0">
-            <a:noAutofit/>
-          </a:bodyPr>
-          <a:lstStyle/>
-          <a:p>
-            <a:pPr marL="0" lvl="0" indent="0" algn="ctr" rtl="0">
-              <a:spcBef>
-                <a:spcPts val="0"/>
-              </a:spcBef>
-              <a:spcAft>
-                <a:spcPts val="1600"/>
-              </a:spcAft>
-              <a:buNone/>
-            </a:pPr>
-            <a:r>
-              <a:rPr lang="it" sz="1800">
-                <a:latin typeface="Raleway" pitchFamily="2" charset="77"/>
-                <a:ea typeface="Catamaran"/>
-                <a:cs typeface="Catamaran"/>
-                <a:sym typeface="Catamaran"/>
-              </a:rPr>
-              <a:t>Time 2</a:t>
-            </a:r>
-            <a:endParaRPr sz="1800">
-              <a:latin typeface="Raleway" pitchFamily="2" charset="77"/>
-              <a:ea typeface="Catamaran"/>
-              <a:cs typeface="Catamaran"/>
-              <a:sym typeface="Catamaran"/>
-            </a:endParaRPr>
-          </a:p>
-        </p:txBody>
-      </p:sp>
-      <p:sp>
-        <p:nvSpPr>
-          <p:cNvPr id="119" name="Google Shape;119;p11"/>
-          <p:cNvSpPr/>
-          <p:nvPr/>
-        </p:nvSpPr>
-        <p:spPr>
-          <a:xfrm>
-            <a:off x="1884825" y="3084400"/>
-            <a:ext cx="5000700" cy="117600"/>
-          </a:xfrm>
-          <a:prstGeom prst="rect">
-            <a:avLst/>
-          </a:prstGeom>
-          <a:solidFill>
-            <a:srgbClr val="595959"/>
-          </a:solidFill>
-          <a:ln>
-            <a:noFill/>
-          </a:ln>
-        </p:spPr>
-        <p:txBody>
-          <a:bodyPr spcFirstLastPara="1" wrap="square" lIns="91425" tIns="91425" rIns="91425" bIns="91425" anchor="ctr" anchorCtr="0">
-            <a:noAutofit/>
-          </a:bodyPr>
-          <a:lstStyle/>
-          <a:p>
-            <a:pPr marL="0" lvl="0" indent="0" algn="l" rtl="0">
-              <a:spcBef>
-                <a:spcPts val="0"/>
-              </a:spcBef>
-              <a:spcAft>
-                <a:spcPts val="0"/>
-              </a:spcAft>
-              <a:buNone/>
-            </a:pPr>
-            <a:endParaRPr/>
-          </a:p>
-        </p:txBody>
-      </p:sp>
-      <p:sp>
-        <p:nvSpPr>
-          <p:cNvPr id="120" name="Google Shape;120;p11"/>
-          <p:cNvSpPr/>
-          <p:nvPr/>
-        </p:nvSpPr>
-        <p:spPr>
-          <a:xfrm>
-            <a:off x="2371425" y="2684075"/>
-            <a:ext cx="800100" cy="800100"/>
-          </a:xfrm>
-          <a:prstGeom prst="blockArc">
-            <a:avLst>
-              <a:gd name="adj1" fmla="val 10800000"/>
-              <a:gd name="adj2" fmla="val 0"/>
-              <a:gd name="adj3" fmla="val 25000"/>
-            </a:avLst>
-          </a:prstGeom>
-          <a:solidFill>
-            <a:srgbClr val="6F0A19"/>
-          </a:solidFill>
-          <a:ln>
-            <a:noFill/>
-          </a:ln>
-        </p:spPr>
-        <p:txBody>
-          <a:bodyPr spcFirstLastPara="1" wrap="square" lIns="91425" tIns="91425" rIns="91425" bIns="91425" anchor="ctr" anchorCtr="0">
-            <a:noAutofit/>
-          </a:bodyPr>
-          <a:lstStyle/>
-          <a:p>
-            <a:pPr marL="0" lvl="0" indent="0" algn="l" rtl="0">
-              <a:spcBef>
-                <a:spcPts val="0"/>
-              </a:spcBef>
-              <a:spcAft>
-                <a:spcPts val="0"/>
-              </a:spcAft>
-              <a:buNone/>
-            </a:pPr>
-            <a:endParaRPr/>
-          </a:p>
-        </p:txBody>
-      </p:sp>
-      <p:sp>
-        <p:nvSpPr>
-          <p:cNvPr id="121" name="Google Shape;121;p11"/>
-          <p:cNvSpPr/>
-          <p:nvPr/>
-        </p:nvSpPr>
-        <p:spPr>
-          <a:xfrm>
-            <a:off x="5567025" y="2684075"/>
-            <a:ext cx="800100" cy="800100"/>
-          </a:xfrm>
-          <a:prstGeom prst="blockArc">
-            <a:avLst>
-              <a:gd name="adj1" fmla="val 10800000"/>
-              <a:gd name="adj2" fmla="val 0"/>
-              <a:gd name="adj3" fmla="val 25000"/>
-            </a:avLst>
-          </a:prstGeom>
-          <a:solidFill>
-            <a:srgbClr val="6F0A19"/>
-          </a:solidFill>
-          <a:ln>
-            <a:noFill/>
-          </a:ln>
-        </p:spPr>
-        <p:txBody>
-          <a:bodyPr spcFirstLastPara="1" wrap="square" lIns="91425" tIns="91425" rIns="91425" bIns="91425" anchor="ctr" anchorCtr="0">
-            <a:noAutofit/>
-          </a:bodyPr>
-          <a:lstStyle/>
-          <a:p>
-            <a:pPr marL="0" lvl="0" indent="0" algn="l" rtl="0">
-              <a:spcBef>
-                <a:spcPts val="0"/>
-              </a:spcBef>
-              <a:spcAft>
-                <a:spcPts val="0"/>
-              </a:spcAft>
-              <a:buNone/>
-            </a:pPr>
-            <a:endParaRPr/>
-          </a:p>
-        </p:txBody>
-      </p:sp>
-      <p:sp>
-        <p:nvSpPr>
-          <p:cNvPr id="122" name="Google Shape;122;p11"/>
-          <p:cNvSpPr/>
-          <p:nvPr/>
-        </p:nvSpPr>
-        <p:spPr>
-          <a:xfrm rot="10800000" flipH="1">
-            <a:off x="3969225" y="2802075"/>
-            <a:ext cx="800100" cy="800100"/>
-          </a:xfrm>
-          <a:prstGeom prst="blockArc">
-            <a:avLst>
-              <a:gd name="adj1" fmla="val 10800000"/>
-              <a:gd name="adj2" fmla="val 0"/>
-              <a:gd name="adj3" fmla="val 25000"/>
-            </a:avLst>
-          </a:prstGeom>
-          <a:solidFill>
-            <a:srgbClr val="006778"/>
-          </a:solidFill>
-          <a:ln>
-            <a:noFill/>
-          </a:ln>
-        </p:spPr>
-        <p:txBody>
-          <a:bodyPr spcFirstLastPara="1" wrap="square" lIns="91425" tIns="91425" rIns="91425" bIns="91425" anchor="ctr" anchorCtr="0">
-            <a:noAutofit/>
-          </a:bodyPr>
-          <a:lstStyle/>
-          <a:p>
-            <a:pPr marL="0" lvl="0" indent="0" algn="l" rtl="0">
-              <a:spcBef>
-                <a:spcPts val="0"/>
-              </a:spcBef>
-              <a:spcAft>
-                <a:spcPts val="0"/>
-              </a:spcAft>
-              <a:buNone/>
-            </a:pPr>
-            <a:endParaRPr/>
-          </a:p>
-        </p:txBody>
-      </p:sp>
-    </p:spTree>
-  </p:cSld>
-  <p:clrMapOvr>
-    <a:masterClrMapping/>
-  </p:clrMapOvr>
-</p:sld>
-</file>
-
-<file path=ppt/slides/slide18.xml><?xml version="1.0" encoding="utf-8"?>
-<p:sld xmlns:a="http://schemas.openxmlformats.org/drawingml/2006/main" xmlns:r="http://schemas.openxmlformats.org/officeDocument/2006/relationships" xmlns:p="http://schemas.openxmlformats.org/presentationml/2006/main">
-  <p:cSld>
-    <p:spTree>
-      <p:nvGrpSpPr>
-        <p:cNvPr id="1" name="Shape 126"/>
-        <p:cNvGrpSpPr/>
-        <p:nvPr/>
-      </p:nvGrpSpPr>
-      <p:grpSpPr>
-        <a:xfrm>
-          <a:off x="0" y="0"/>
-          <a:ext cx="0" cy="0"/>
-          <a:chOff x="0" y="0"/>
-          <a:chExt cx="0" cy="0"/>
-        </a:xfrm>
-      </p:grpSpPr>
-      <p:sp>
-        <p:nvSpPr>
-          <p:cNvPr id="127" name="Google Shape;127;p12"/>
-          <p:cNvSpPr txBox="1">
-            <a:spLocks noGrp="1"/>
-          </p:cNvSpPr>
-          <p:nvPr>
-            <p:ph type="title"/>
-          </p:nvPr>
-        </p:nvSpPr>
-        <p:spPr>
-          <a:xfrm>
-            <a:off x="727650" y="861800"/>
-            <a:ext cx="7688700" cy="535200"/>
-          </a:xfrm>
-          <a:prstGeom prst="rect">
-            <a:avLst/>
-          </a:prstGeom>
-        </p:spPr>
-        <p:txBody>
-          <a:bodyPr spcFirstLastPara="1" wrap="square" lIns="91425" tIns="91425" rIns="91425" bIns="91425" anchor="t" anchorCtr="0">
-            <a:noAutofit/>
-          </a:bodyPr>
-          <a:lstStyle/>
-          <a:p>
-            <a:pPr marL="0" lvl="0" indent="0" algn="l" rtl="0">
-              <a:spcBef>
-                <a:spcPts val="0"/>
-              </a:spcBef>
-              <a:spcAft>
-                <a:spcPts val="0"/>
-              </a:spcAft>
-              <a:buNone/>
-            </a:pPr>
-            <a:r>
-              <a:rPr lang="it">
-                <a:latin typeface="Raleway" pitchFamily="2" charset="77"/>
-              </a:rPr>
-              <a:t>References</a:t>
-            </a:r>
-            <a:endParaRPr>
-              <a:latin typeface="Raleway" pitchFamily="2" charset="77"/>
-            </a:endParaRPr>
-          </a:p>
-        </p:txBody>
-      </p:sp>
-      <p:sp>
-        <p:nvSpPr>
-          <p:cNvPr id="128" name="Google Shape;128;p12"/>
-          <p:cNvSpPr txBox="1">
-            <a:spLocks noGrp="1"/>
-          </p:cNvSpPr>
-          <p:nvPr>
-            <p:ph type="body" idx="1"/>
-          </p:nvPr>
-        </p:nvSpPr>
-        <p:spPr>
-          <a:xfrm>
-            <a:off x="727650" y="1397000"/>
-            <a:ext cx="7688700" cy="3778800"/>
-          </a:xfrm>
-          <a:prstGeom prst="rect">
-            <a:avLst/>
-          </a:prstGeom>
-        </p:spPr>
-        <p:txBody>
-          <a:bodyPr spcFirstLastPara="1" wrap="square" lIns="91425" tIns="91425" rIns="91425" bIns="91425" anchor="t" anchorCtr="0">
-            <a:noAutofit/>
-          </a:bodyPr>
-          <a:lstStyle/>
-          <a:p>
-            <a:pPr marL="457200" lvl="0" indent="-311150" algn="l" rtl="0">
-              <a:spcBef>
-                <a:spcPts val="0"/>
-              </a:spcBef>
-              <a:spcAft>
-                <a:spcPts val="0"/>
-              </a:spcAft>
-              <a:buSzPts val="1300"/>
-              <a:buChar char="-"/>
-            </a:pPr>
-            <a:r>
-              <a:rPr lang="it" sz="1100" b="1" dirty="0">
-                <a:latin typeface="Raleway" pitchFamily="2" charset="77"/>
-              </a:rPr>
-              <a:t>Papers:</a:t>
-            </a:r>
-            <a:endParaRPr sz="1100" b="1" dirty="0">
-              <a:latin typeface="Raleway" pitchFamily="2" charset="77"/>
-            </a:endParaRPr>
-          </a:p>
-          <a:p>
-            <a:pPr marL="914400" lvl="1" indent="-298450" algn="l" rtl="0">
-              <a:spcBef>
-                <a:spcPts val="0"/>
-              </a:spcBef>
-              <a:spcAft>
-                <a:spcPts val="0"/>
-              </a:spcAft>
-              <a:buSzPts val="1100"/>
-              <a:buChar char="-"/>
-            </a:pPr>
-            <a:endParaRPr sz="1100" dirty="0">
-              <a:latin typeface="Raleway" pitchFamily="2" charset="77"/>
-            </a:endParaRPr>
-          </a:p>
-          <a:p>
-            <a:pPr marL="457200" lvl="0" indent="-298450" algn="l" rtl="0">
-              <a:spcBef>
-                <a:spcPts val="0"/>
-              </a:spcBef>
-              <a:spcAft>
-                <a:spcPts val="0"/>
-              </a:spcAft>
-              <a:buSzPts val="1100"/>
-              <a:buChar char="-"/>
-            </a:pPr>
-            <a:r>
-              <a:rPr lang="it" sz="1100" b="1" dirty="0">
-                <a:latin typeface="Raleway" pitchFamily="2" charset="77"/>
-              </a:rPr>
-              <a:t>Images:</a:t>
-            </a:r>
-            <a:endParaRPr sz="1100" b="1" dirty="0">
-              <a:latin typeface="Raleway" pitchFamily="2" charset="77"/>
-            </a:endParaRPr>
-          </a:p>
-          <a:p>
-            <a:pPr marL="914400" lvl="1" indent="-298450" algn="l" rtl="0">
-              <a:spcBef>
-                <a:spcPts val="0"/>
-              </a:spcBef>
-              <a:spcAft>
-                <a:spcPts val="0"/>
-              </a:spcAft>
-              <a:buSzPts val="1100"/>
-              <a:buChar char="-"/>
-            </a:pPr>
-            <a:endParaRPr sz="1100" dirty="0">
-              <a:latin typeface="Raleway" pitchFamily="2" charset="77"/>
-            </a:endParaRPr>
-          </a:p>
-          <a:p>
-            <a:pPr marL="457200" lvl="0" indent="-298450" algn="l" rtl="0">
-              <a:spcBef>
-                <a:spcPts val="0"/>
-              </a:spcBef>
-              <a:spcAft>
-                <a:spcPts val="0"/>
-              </a:spcAft>
-              <a:buSzPts val="1100"/>
-              <a:buChar char="-"/>
-            </a:pPr>
-            <a:r>
-              <a:rPr lang="it" sz="1100" b="1" dirty="0">
-                <a:latin typeface="Raleway" pitchFamily="2" charset="77"/>
-              </a:rPr>
-              <a:t>Slides: </a:t>
-            </a:r>
-            <a:endParaRPr sz="1100" b="1" dirty="0">
-              <a:latin typeface="Raleway" pitchFamily="2" charset="77"/>
-            </a:endParaRPr>
-          </a:p>
-          <a:p>
-            <a:pPr marL="914400" lvl="1" indent="-298450" algn="l" rtl="0">
-              <a:spcBef>
-                <a:spcPts val="0"/>
-              </a:spcBef>
-              <a:spcAft>
-                <a:spcPts val="0"/>
-              </a:spcAft>
-              <a:buSzPts val="1100"/>
-              <a:buChar char="-"/>
-            </a:pPr>
-            <a:r>
-              <a:rPr lang="it" sz="1100" u="sng" dirty="0">
-                <a:solidFill>
-                  <a:schemeClr val="hlink"/>
-                </a:solidFill>
-                <a:latin typeface="Raleway" pitchFamily="2" charset="77"/>
-                <a:hlinkClick r:id="rId3"/>
-              </a:rPr>
-              <a:t>https://github.com/pietro-nardelli/sapienza-ppt-template</a:t>
-            </a:r>
-            <a:r>
-              <a:rPr lang="it" sz="1100" dirty="0">
-                <a:latin typeface="Raleway" pitchFamily="2" charset="77"/>
-              </a:rPr>
-              <a:t> </a:t>
-            </a:r>
-            <a:br>
-              <a:rPr lang="it" sz="1100" dirty="0">
-                <a:latin typeface="Raleway" pitchFamily="2" charset="77"/>
-              </a:rPr>
-            </a:br>
-            <a:r>
-              <a:rPr lang="it" sz="1100" i="1" dirty="0">
-                <a:latin typeface="Raleway" pitchFamily="2" charset="77"/>
-              </a:rPr>
-              <a:t>[Attribution-NonCommercial-ShareAlike 4.0 International (CC BY-NC-SA 4.0)]</a:t>
-            </a:r>
-            <a:endParaRPr sz="1100" i="1" dirty="0">
-              <a:latin typeface="Raleway" pitchFamily="2" charset="77"/>
-            </a:endParaRPr>
-          </a:p>
-        </p:txBody>
-      </p:sp>
-      <p:sp>
-        <p:nvSpPr>
-          <p:cNvPr id="129" name="Google Shape;129;p12"/>
-          <p:cNvSpPr txBox="1">
-            <a:spLocks noGrp="1"/>
-          </p:cNvSpPr>
-          <p:nvPr>
-            <p:ph type="sldNum" idx="12"/>
-          </p:nvPr>
-        </p:nvSpPr>
-        <p:spPr>
-          <a:xfrm>
-            <a:off x="8536302" y="4749851"/>
-            <a:ext cx="548700" cy="393600"/>
-          </a:xfrm>
-          <a:prstGeom prst="rect">
-            <a:avLst/>
-          </a:prstGeom>
-        </p:spPr>
-        <p:txBody>
-          <a:bodyPr spcFirstLastPara="1" wrap="square" lIns="91425" tIns="91425" rIns="91425" bIns="91425" anchor="ctr" anchorCtr="0">
-            <a:noAutofit/>
-          </a:bodyPr>
-          <a:lstStyle/>
-          <a:p>
-            <a:pPr marL="0" lvl="0" indent="0" algn="r" rtl="0">
-              <a:spcBef>
-                <a:spcPts val="0"/>
-              </a:spcBef>
-              <a:spcAft>
-                <a:spcPts val="0"/>
-              </a:spcAft>
-              <a:buNone/>
-            </a:pPr>
-            <a:fld id="{00000000-1234-1234-1234-123412341234}" type="slidenum">
-              <a:rPr lang="it"/>
-              <a:t>18</a:t>
-            </a:fld>
-            <a:endParaRPr/>
-          </a:p>
-        </p:txBody>
-      </p:sp>
-      <p:sp>
-        <p:nvSpPr>
-          <p:cNvPr id="130" name="Google Shape;130;p12"/>
-          <p:cNvSpPr txBox="1">
-            <a:spLocks noGrp="1"/>
-          </p:cNvSpPr>
-          <p:nvPr>
-            <p:ph type="subTitle" idx="2"/>
-          </p:nvPr>
-        </p:nvSpPr>
-        <p:spPr>
-          <a:xfrm>
-            <a:off x="1414800" y="4779100"/>
-            <a:ext cx="5854500" cy="335100"/>
-          </a:xfrm>
-          <a:prstGeom prst="rect">
-            <a:avLst/>
-          </a:prstGeom>
-        </p:spPr>
-        <p:txBody>
-          <a:bodyPr spcFirstLastPara="1" wrap="square" lIns="91425" tIns="91425" rIns="91425" bIns="91425" anchor="t" anchorCtr="0">
-            <a:noAutofit/>
-          </a:bodyPr>
-          <a:lstStyle/>
-          <a:p>
-            <a:pPr marL="0" lvl="0" indent="0" algn="l" rtl="0">
-              <a:spcBef>
-                <a:spcPts val="0"/>
-              </a:spcBef>
-              <a:spcAft>
-                <a:spcPts val="1600"/>
-              </a:spcAft>
-              <a:buNone/>
-            </a:pPr>
-            <a:r>
-              <a:rPr lang="it-IT" dirty="0">
-                <a:latin typeface="Raleway" pitchFamily="2" charset="77"/>
-              </a:rPr>
-              <a:t>Multi-Robot Systems presentation</a:t>
-            </a:r>
-            <a:r>
-              <a:rPr lang="it-IT" sz="900" dirty="0">
-                <a:latin typeface="Raleway" pitchFamily="2" charset="77"/>
-              </a:rPr>
-              <a:t> – Felli Stefano</a:t>
-            </a:r>
           </a:p>
         </p:txBody>
       </p:sp>
@@ -24761,8 +22434,8 @@
           </a:p>
         </p:txBody>
       </p:sp>
-      <mc:AlternateContent xmlns:mc="http://schemas.openxmlformats.org/markup-compatibility/2006">
-        <mc:Choice xmlns:a14="http://schemas.microsoft.com/office/drawing/2010/main" Requires="a14">
+      <mc:AlternateContent xmlns:mc="http://schemas.openxmlformats.org/markup-compatibility/2006" xmlns:a14="http://schemas.microsoft.com/office/drawing/2010/main">
+        <mc:Choice Requires="a14">
           <p:sp>
             <p:nvSpPr>
               <p:cNvPr id="82" name="Google Shape;82;p8"/>
@@ -26428,7 +24101,7 @@
             </p:txBody>
           </p:sp>
         </mc:Choice>
-        <mc:Fallback>
+        <mc:Fallback xmlns="">
           <p:sp>
             <p:nvSpPr>
               <p:cNvPr id="82" name="Google Shape;82;p8"/>

--- a/CAMS_Presentation.pptx
+++ b/CAMS_Presentation.pptx
@@ -5,7 +5,7 @@
     <p:sldMasterId id="2147483652" r:id="rId1"/>
   </p:sldMasterIdLst>
   <p:notesMasterIdLst>
-    <p:notesMasterId r:id="rId17"/>
+    <p:notesMasterId r:id="rId16"/>
   </p:notesMasterIdLst>
   <p:sldIdLst>
     <p:sldId id="256" r:id="rId2"/>
@@ -21,28 +21,27 @@
     <p:sldId id="280" r:id="rId12"/>
     <p:sldId id="278" r:id="rId13"/>
     <p:sldId id="281" r:id="rId14"/>
-    <p:sldId id="277" r:id="rId15"/>
-    <p:sldId id="263" r:id="rId16"/>
+    <p:sldId id="263" r:id="rId15"/>
   </p:sldIdLst>
   <p:sldSz cx="9144000" cy="5143500" type="screen16x9"/>
   <p:notesSz cx="6858000" cy="9144000"/>
   <p:embeddedFontLst>
     <p:embeddedFont>
       <p:font typeface="Cambria Math" panose="02040503050406030204" pitchFamily="18" charset="0"/>
-      <p:regular r:id="rId18"/>
+      <p:regular r:id="rId17"/>
     </p:embeddedFont>
     <p:embeddedFont>
       <p:font typeface="Catamaran" pitchFamily="2" charset="77"/>
-      <p:regular r:id="rId19"/>
-      <p:bold r:id="rId19"/>
-      <p:italic r:id="rId19"/>
+      <p:regular r:id="rId18"/>
+      <p:bold r:id="rId18"/>
+      <p:italic r:id="rId18"/>
     </p:embeddedFont>
     <p:embeddedFont>
       <p:font typeface="Raleway" pitchFamily="2" charset="77"/>
-      <p:regular r:id="rId20"/>
-      <p:bold r:id="rId21"/>
-      <p:italic r:id="rId22"/>
-      <p:boldItalic r:id="rId23"/>
+      <p:regular r:id="rId19"/>
+      <p:bold r:id="rId20"/>
+      <p:italic r:id="rId21"/>
+      <p:boldItalic r:id="rId22"/>
     </p:embeddedFont>
   </p:embeddedFontLst>
   <p:defaultTextStyle>
@@ -826,151 +825,6 @@
               </a:spcAft>
               <a:buNone/>
             </a:pPr>
-            <a:r>
-              <a:rPr lang="it-IT" dirty="0"/>
-              <a:t>Good </a:t>
-            </a:r>
-            <a:r>
-              <a:rPr lang="it-IT" dirty="0" err="1"/>
-              <a:t>morning</a:t>
-            </a:r>
-            <a:r>
-              <a:rPr lang="it-IT" dirty="0"/>
-              <a:t>. </a:t>
-            </a:r>
-          </a:p>
-          <a:p>
-            <a:pPr marL="0" lvl="0" indent="0" algn="l" rtl="0">
-              <a:spcBef>
-                <a:spcPts val="0"/>
-              </a:spcBef>
-              <a:spcAft>
-                <a:spcPts val="0"/>
-              </a:spcAft>
-              <a:buNone/>
-            </a:pPr>
-            <a:r>
-              <a:rPr lang="it-IT" dirty="0"/>
-              <a:t>Today, I </a:t>
-            </a:r>
-            <a:r>
-              <a:rPr lang="it-IT" dirty="0" err="1"/>
-              <a:t>will</a:t>
-            </a:r>
-            <a:r>
-              <a:rPr lang="it-IT" dirty="0"/>
-              <a:t> be </a:t>
-            </a:r>
-            <a:r>
-              <a:rPr lang="it-IT" dirty="0" err="1"/>
-              <a:t>presenting</a:t>
-            </a:r>
-            <a:r>
-              <a:rPr lang="it-IT" dirty="0"/>
-              <a:t> the </a:t>
-            </a:r>
-            <a:r>
-              <a:rPr lang="it-IT" dirty="0" err="1"/>
-              <a:t>research</a:t>
-            </a:r>
-            <a:r>
-              <a:rPr lang="it-IT" dirty="0"/>
-              <a:t> paper </a:t>
-            </a:r>
-            <a:r>
-              <a:rPr lang="it-IT" dirty="0" err="1"/>
-              <a:t>titled</a:t>
-            </a:r>
-            <a:r>
-              <a:rPr lang="it-IT" dirty="0"/>
-              <a:t> 'A New Distributed </a:t>
-            </a:r>
-            <a:r>
-              <a:rPr lang="it-IT" dirty="0" err="1"/>
-              <a:t>Protocol</a:t>
-            </a:r>
-            <a:r>
-              <a:rPr lang="it-IT" dirty="0"/>
-              <a:t> for Consensus of Discrete-Time Systems.' </a:t>
-            </a:r>
-          </a:p>
-          <a:p>
-            <a:pPr marL="0" lvl="0" indent="0" algn="l" rtl="0">
-              <a:spcBef>
-                <a:spcPts val="0"/>
-              </a:spcBef>
-              <a:spcAft>
-                <a:spcPts val="0"/>
-              </a:spcAft>
-              <a:buNone/>
-            </a:pPr>
-            <a:r>
-              <a:rPr lang="it-IT" dirty="0" err="1"/>
-              <a:t>This</a:t>
-            </a:r>
-            <a:r>
-              <a:rPr lang="it-IT" dirty="0"/>
-              <a:t> work </a:t>
-            </a:r>
-            <a:r>
-              <a:rPr lang="it-IT" dirty="0" err="1"/>
-              <a:t>is</a:t>
-            </a:r>
-            <a:r>
-              <a:rPr lang="it-IT" dirty="0"/>
-              <a:t> </a:t>
-            </a:r>
-            <a:r>
-              <a:rPr lang="it-IT" dirty="0" err="1"/>
-              <a:t>authored</a:t>
-            </a:r>
-            <a:r>
-              <a:rPr lang="it-IT" dirty="0"/>
-              <a:t> by Filippo Cacace, Mattia Mattioni, Salvatore Monaco, and </a:t>
-            </a:r>
-            <a:r>
-              <a:rPr lang="it-IT" dirty="0" err="1"/>
-              <a:t>Dorothée</a:t>
-            </a:r>
-            <a:r>
-              <a:rPr lang="it-IT" dirty="0"/>
-              <a:t> </a:t>
-            </a:r>
-            <a:r>
-              <a:rPr lang="it-IT" dirty="0" err="1"/>
-              <a:t>Normand-Cyrot</a:t>
-            </a:r>
-            <a:r>
-              <a:rPr lang="it-IT" dirty="0"/>
-              <a:t>, and </a:t>
-            </a:r>
-            <a:r>
-              <a:rPr lang="it-IT" dirty="0" err="1"/>
-              <a:t>published</a:t>
-            </a:r>
-            <a:r>
-              <a:rPr lang="it-IT" dirty="0"/>
-              <a:t> in the </a:t>
-            </a:r>
-            <a:r>
-              <a:rPr lang="it-IT" dirty="0" err="1"/>
-              <a:t>European</a:t>
-            </a:r>
-            <a:r>
-              <a:rPr lang="it-IT" dirty="0"/>
-              <a:t> Journal of Control in 2023.</a:t>
-            </a:r>
-          </a:p>
-          <a:p>
-            <a:pPr marL="0" lvl="0" indent="0" algn="l" rtl="0">
-              <a:spcBef>
-                <a:spcPts val="0"/>
-              </a:spcBef>
-              <a:spcAft>
-                <a:spcPts val="0"/>
-              </a:spcAft>
-              <a:buNone/>
-            </a:pPr>
             <a:endParaRPr dirty="0"/>
           </a:p>
         </p:txBody>
@@ -1324,118 +1178,6 @@
   <p:cSld>
     <p:spTree>
       <p:nvGrpSpPr>
-        <p:cNvPr id="1" name="Shape 77"/>
-        <p:cNvGrpSpPr/>
-        <p:nvPr/>
-      </p:nvGrpSpPr>
-      <p:grpSpPr>
-        <a:xfrm>
-          <a:off x="0" y="0"/>
-          <a:ext cx="0" cy="0"/>
-          <a:chOff x="0" y="0"/>
-          <a:chExt cx="0" cy="0"/>
-        </a:xfrm>
-      </p:grpSpPr>
-      <p:sp>
-        <p:nvSpPr>
-          <p:cNvPr id="78" name="Google Shape;78;g12ade092b4f_0_5:notes"/>
-          <p:cNvSpPr>
-            <a:spLocks noGrp="1" noRot="1" noChangeAspect="1"/>
-          </p:cNvSpPr>
-          <p:nvPr>
-            <p:ph type="sldImg" idx="2"/>
-          </p:nvPr>
-        </p:nvSpPr>
-        <p:spPr>
-          <a:xfrm>
-            <a:off x="381000" y="685800"/>
-            <a:ext cx="6096000" cy="3429000"/>
-          </a:xfrm>
-          <a:custGeom>
-            <a:avLst/>
-            <a:gdLst/>
-            <a:ahLst/>
-            <a:cxnLst/>
-            <a:rect l="l" t="t" r="r" b="b"/>
-            <a:pathLst>
-              <a:path w="120000" h="120000" extrusionOk="0">
-                <a:moveTo>
-                  <a:pt x="0" y="0"/>
-                </a:moveTo>
-                <a:lnTo>
-                  <a:pt x="120000" y="0"/>
-                </a:lnTo>
-                <a:lnTo>
-                  <a:pt x="120000" y="120000"/>
-                </a:lnTo>
-                <a:lnTo>
-                  <a:pt x="0" y="120000"/>
-                </a:lnTo>
-                <a:close/>
-              </a:path>
-            </a:pathLst>
-          </a:custGeom>
-        </p:spPr>
-      </p:sp>
-      <p:sp>
-        <p:nvSpPr>
-          <p:cNvPr id="79" name="Google Shape;79;g12ade092b4f_0_5:notes"/>
-          <p:cNvSpPr txBox="1">
-            <a:spLocks noGrp="1"/>
-          </p:cNvSpPr>
-          <p:nvPr>
-            <p:ph type="body" idx="1"/>
-          </p:nvPr>
-        </p:nvSpPr>
-        <p:spPr>
-          <a:xfrm>
-            <a:off x="685800" y="4343400"/>
-            <a:ext cx="5486400" cy="4114800"/>
-          </a:xfrm>
-          <a:prstGeom prst="rect">
-            <a:avLst/>
-          </a:prstGeom>
-        </p:spPr>
-        <p:txBody>
-          <a:bodyPr spcFirstLastPara="1" wrap="square" lIns="91425" tIns="91425" rIns="91425" bIns="91425" anchor="t" anchorCtr="0">
-            <a:noAutofit/>
-          </a:bodyPr>
-          <a:lstStyle/>
-          <a:p>
-            <a:pPr marL="0" lvl="0" indent="0" algn="l" rtl="0">
-              <a:lnSpc>
-                <a:spcPct val="115000"/>
-              </a:lnSpc>
-              <a:spcBef>
-                <a:spcPts val="0"/>
-              </a:spcBef>
-              <a:spcAft>
-                <a:spcPts val="1600"/>
-              </a:spcAft>
-              <a:buNone/>
-            </a:pPr>
-            <a:endParaRPr dirty="0"/>
-          </a:p>
-        </p:txBody>
-      </p:sp>
-    </p:spTree>
-    <p:extLst>
-      <p:ext uri="{BB962C8B-B14F-4D97-AF65-F5344CB8AC3E}">
-        <p14:creationId xmlns:p14="http://schemas.microsoft.com/office/powerpoint/2010/main" val="1753161678"/>
-      </p:ext>
-    </p:extLst>
-  </p:cSld>
-  <p:clrMapOvr>
-    <a:masterClrMapping/>
-  </p:clrMapOvr>
-</p:notes>
-</file>
-
-<file path=ppt/notesSlides/notesSlide14.xml><?xml version="1.0" encoding="utf-8"?>
-<p:notes xmlns:a="http://schemas.openxmlformats.org/drawingml/2006/main" xmlns:r="http://schemas.openxmlformats.org/officeDocument/2006/relationships" xmlns:p="http://schemas.openxmlformats.org/presentationml/2006/main" showMasterSp="0" showMasterPhAnim="0">
-  <p:cSld>
-    <p:spTree>
-      <p:nvGrpSpPr>
         <p:cNvPr id="1" name="Shape 131"/>
         <p:cNvGrpSpPr/>
         <p:nvPr/>
@@ -1734,723 +1476,6 @@
               </a:spcAft>
               <a:buNone/>
             </a:pPr>
-            <a:r>
-              <a:rPr lang="it-IT" dirty="0" err="1"/>
-              <a:t>As</a:t>
-            </a:r>
-            <a:r>
-              <a:rPr lang="it-IT" dirty="0"/>
-              <a:t> the paper </a:t>
-            </a:r>
-            <a:r>
-              <a:rPr lang="it-IT" dirty="0" err="1"/>
-              <a:t>title</a:t>
-            </a:r>
-            <a:r>
-              <a:rPr lang="it-IT" dirty="0"/>
-              <a:t> </a:t>
-            </a:r>
-            <a:r>
-              <a:rPr lang="it-IT" dirty="0" err="1"/>
-              <a:t>suggests</a:t>
-            </a:r>
-            <a:r>
-              <a:rPr lang="it-IT" dirty="0"/>
-              <a:t>, the </a:t>
-            </a:r>
-            <a:r>
-              <a:rPr lang="it-IT" dirty="0" err="1"/>
-              <a:t>main</a:t>
-            </a:r>
-            <a:r>
-              <a:rPr lang="it-IT" dirty="0"/>
-              <a:t> </a:t>
-            </a:r>
-            <a:r>
-              <a:rPr lang="it-IT" dirty="0" err="1"/>
-              <a:t>topic</a:t>
-            </a:r>
-            <a:r>
-              <a:rPr lang="it-IT" dirty="0"/>
-              <a:t> </a:t>
-            </a:r>
-            <a:r>
-              <a:rPr lang="it-IT" dirty="0" err="1"/>
-              <a:t>is</a:t>
-            </a:r>
-            <a:r>
-              <a:rPr lang="it-IT" dirty="0"/>
-              <a:t> consensus </a:t>
-            </a:r>
-            <a:r>
-              <a:rPr lang="it-IT" dirty="0" err="1"/>
-              <a:t>protocol</a:t>
-            </a:r>
-            <a:endParaRPr lang="it-IT" dirty="0"/>
-          </a:p>
-          <a:p>
-            <a:pPr marL="0" lvl="0" indent="0" algn="l" rtl="0">
-              <a:lnSpc>
-                <a:spcPct val="115000"/>
-              </a:lnSpc>
-              <a:spcBef>
-                <a:spcPts val="0"/>
-              </a:spcBef>
-              <a:spcAft>
-                <a:spcPts val="1600"/>
-              </a:spcAft>
-              <a:buNone/>
-            </a:pPr>
-            <a:r>
-              <a:rPr lang="it-IT" dirty="0"/>
-              <a:t>Consensus </a:t>
-            </a:r>
-            <a:r>
-              <a:rPr lang="it-IT" dirty="0" err="1"/>
-              <a:t>protocol</a:t>
-            </a:r>
-            <a:r>
-              <a:rPr lang="it-IT" dirty="0"/>
-              <a:t> </a:t>
-            </a:r>
-            <a:r>
-              <a:rPr lang="it-IT" dirty="0" err="1"/>
-              <a:t>is</a:t>
-            </a:r>
-            <a:r>
-              <a:rPr lang="it-IT" dirty="0"/>
-              <a:t> a </a:t>
-            </a:r>
-            <a:r>
-              <a:rPr lang="it-IT" dirty="0" err="1"/>
-              <a:t>foundational</a:t>
-            </a:r>
-            <a:r>
-              <a:rPr lang="it-IT" dirty="0"/>
-              <a:t> technique </a:t>
-            </a:r>
-            <a:r>
-              <a:rPr lang="it-IT" dirty="0" err="1"/>
-              <a:t>that</a:t>
-            </a:r>
-            <a:r>
-              <a:rPr lang="it-IT" dirty="0"/>
-              <a:t> drives the dynamics of multiple agents of a system in a </a:t>
-            </a:r>
-            <a:r>
-              <a:rPr lang="it-IT" dirty="0" err="1"/>
-              <a:t>reliable</a:t>
-            </a:r>
-            <a:r>
-              <a:rPr lang="it-IT" dirty="0"/>
-              <a:t>, </a:t>
-            </a:r>
-            <a:r>
-              <a:rPr lang="it-IT" dirty="0" err="1"/>
-              <a:t>efficient</a:t>
-            </a:r>
-            <a:r>
-              <a:rPr lang="it-IT" dirty="0"/>
-              <a:t> and secure way to a common </a:t>
-            </a:r>
-            <a:r>
-              <a:rPr lang="it-IT" dirty="0" err="1"/>
-              <a:t>behavior</a:t>
-            </a:r>
-            <a:r>
-              <a:rPr lang="it-IT" dirty="0"/>
-              <a:t>.</a:t>
-            </a:r>
-          </a:p>
-          <a:p>
-            <a:pPr marL="0" lvl="0" indent="0" algn="l" rtl="0">
-              <a:lnSpc>
-                <a:spcPct val="115000"/>
-              </a:lnSpc>
-              <a:spcBef>
-                <a:spcPts val="0"/>
-              </a:spcBef>
-              <a:spcAft>
-                <a:spcPts val="1600"/>
-              </a:spcAft>
-              <a:buNone/>
-            </a:pPr>
-            <a:endParaRPr lang="it-IT" dirty="0"/>
-          </a:p>
-          <a:p>
-            <a:pPr marL="0" lvl="0" indent="0" algn="l" rtl="0">
-              <a:lnSpc>
-                <a:spcPct val="115000"/>
-              </a:lnSpc>
-              <a:spcBef>
-                <a:spcPts val="0"/>
-              </a:spcBef>
-              <a:spcAft>
-                <a:spcPts val="1600"/>
-              </a:spcAft>
-              <a:buNone/>
-            </a:pPr>
-            <a:r>
-              <a:rPr lang="it-IT" dirty="0" err="1"/>
-              <a:t>Centralized</a:t>
-            </a:r>
-            <a:r>
-              <a:rPr lang="it-IT" dirty="0"/>
-              <a:t> </a:t>
-            </a:r>
-            <a:r>
-              <a:rPr lang="it-IT" dirty="0" err="1"/>
-              <a:t>protocol</a:t>
-            </a:r>
-            <a:r>
-              <a:rPr lang="it-IT" dirty="0"/>
-              <a:t>: a </a:t>
-            </a:r>
-            <a:r>
-              <a:rPr lang="it-IT" dirty="0" err="1"/>
-              <a:t>central</a:t>
-            </a:r>
-            <a:r>
-              <a:rPr lang="it-IT" dirty="0"/>
-              <a:t> </a:t>
-            </a:r>
-            <a:r>
-              <a:rPr lang="it-IT" dirty="0" err="1"/>
-              <a:t>entity</a:t>
-            </a:r>
-            <a:r>
-              <a:rPr lang="it-IT" dirty="0"/>
-              <a:t> </a:t>
-            </a:r>
-            <a:r>
-              <a:rPr lang="it-IT" dirty="0" err="1"/>
-              <a:t>collects</a:t>
-            </a:r>
-            <a:r>
-              <a:rPr lang="it-IT" dirty="0"/>
-              <a:t> </a:t>
-            </a:r>
-            <a:r>
-              <a:rPr lang="it-IT" dirty="0" err="1"/>
-              <a:t>all</a:t>
-            </a:r>
-            <a:r>
-              <a:rPr lang="it-IT" dirty="0"/>
-              <a:t> the information and </a:t>
-            </a:r>
-            <a:r>
-              <a:rPr lang="it-IT" dirty="0" err="1"/>
-              <a:t>calculates</a:t>
-            </a:r>
-            <a:r>
-              <a:rPr lang="it-IT" dirty="0"/>
-              <a:t> the control action for </a:t>
-            </a:r>
-            <a:r>
-              <a:rPr lang="it-IT" dirty="0" err="1"/>
-              <a:t>all</a:t>
-            </a:r>
-            <a:r>
-              <a:rPr lang="it-IT" dirty="0"/>
-              <a:t> agents​​.</a:t>
-            </a:r>
-          </a:p>
-          <a:p>
-            <a:pPr marL="0" lvl="0" indent="0" algn="l" rtl="0">
-              <a:lnSpc>
-                <a:spcPct val="115000"/>
-              </a:lnSpc>
-              <a:spcBef>
-                <a:spcPts val="0"/>
-              </a:spcBef>
-              <a:spcAft>
-                <a:spcPts val="1600"/>
-              </a:spcAft>
-              <a:buNone/>
-            </a:pPr>
-            <a:r>
-              <a:rPr lang="it-IT" dirty="0"/>
-              <a:t>PRO: </a:t>
-            </a:r>
-            <a:r>
-              <a:rPr lang="it-IT" dirty="0" err="1"/>
-              <a:t>centralized</a:t>
-            </a:r>
-            <a:r>
-              <a:rPr lang="it-IT" dirty="0"/>
-              <a:t> </a:t>
-            </a:r>
-            <a:r>
-              <a:rPr lang="it-IT" dirty="0" err="1"/>
-              <a:t>protocol</a:t>
-            </a:r>
-            <a:r>
-              <a:rPr lang="it-IT" dirty="0"/>
-              <a:t> can </a:t>
-            </a:r>
-            <a:r>
-              <a:rPr lang="it-IT" dirty="0" err="1"/>
-              <a:t>offer</a:t>
-            </a:r>
-            <a:r>
-              <a:rPr lang="it-IT" dirty="0"/>
-              <a:t> </a:t>
-            </a:r>
-            <a:r>
-              <a:rPr lang="it-IT" dirty="0" err="1"/>
-              <a:t>faster</a:t>
-            </a:r>
-            <a:r>
-              <a:rPr lang="it-IT" dirty="0"/>
-              <a:t> and more </a:t>
-            </a:r>
-            <a:r>
-              <a:rPr lang="it-IT" dirty="0" err="1"/>
-              <a:t>deterministic</a:t>
-            </a:r>
-            <a:r>
-              <a:rPr lang="it-IT" dirty="0"/>
-              <a:t> </a:t>
-            </a:r>
-            <a:r>
-              <a:rPr lang="it-IT" dirty="0" err="1"/>
-              <a:t>convergence</a:t>
-            </a:r>
-            <a:r>
-              <a:rPr lang="it-IT" dirty="0"/>
-              <a:t> in </a:t>
-            </a:r>
-            <a:r>
-              <a:rPr lang="it-IT" dirty="0" err="1"/>
-              <a:t>smaller</a:t>
-            </a:r>
-            <a:r>
-              <a:rPr lang="it-IT" dirty="0"/>
-              <a:t> networks.</a:t>
-            </a:r>
-          </a:p>
-          <a:p>
-            <a:pPr marL="0" lvl="0" indent="0" algn="l" rtl="0">
-              <a:lnSpc>
-                <a:spcPct val="115000"/>
-              </a:lnSpc>
-              <a:spcBef>
-                <a:spcPts val="0"/>
-              </a:spcBef>
-              <a:spcAft>
-                <a:spcPts val="1600"/>
-              </a:spcAft>
-              <a:buNone/>
-            </a:pPr>
-            <a:r>
-              <a:rPr lang="it-IT" dirty="0"/>
-              <a:t>CON: limited </a:t>
-            </a:r>
-            <a:r>
-              <a:rPr lang="it-IT" dirty="0" err="1"/>
-              <a:t>Scalability</a:t>
-            </a:r>
-            <a:r>
-              <a:rPr lang="it-IT" dirty="0"/>
-              <a:t>. Central </a:t>
-            </a:r>
-            <a:r>
-              <a:rPr lang="it-IT" dirty="0" err="1"/>
-              <a:t>collection</a:t>
-            </a:r>
-            <a:r>
-              <a:rPr lang="it-IT" dirty="0"/>
-              <a:t> can </a:t>
-            </a:r>
-            <a:r>
-              <a:rPr lang="it-IT" dirty="0" err="1"/>
-              <a:t>become</a:t>
-            </a:r>
-            <a:r>
-              <a:rPr lang="it-IT" dirty="0"/>
-              <a:t> </a:t>
-            </a:r>
-            <a:r>
-              <a:rPr lang="it-IT" dirty="0" err="1"/>
-              <a:t>inefficient</a:t>
-            </a:r>
-            <a:r>
-              <a:rPr lang="it-IT" dirty="0"/>
-              <a:t> for large networks​​</a:t>
-            </a:r>
-          </a:p>
-          <a:p>
-            <a:pPr marL="0" lvl="0" indent="0" algn="l" rtl="0">
-              <a:lnSpc>
-                <a:spcPct val="115000"/>
-              </a:lnSpc>
-              <a:spcBef>
-                <a:spcPts val="0"/>
-              </a:spcBef>
-              <a:spcAft>
-                <a:spcPts val="1600"/>
-              </a:spcAft>
-              <a:buNone/>
-            </a:pPr>
-            <a:endParaRPr lang="it-IT" dirty="0"/>
-          </a:p>
-          <a:p>
-            <a:pPr marL="0" lvl="0" indent="0" algn="l" rtl="0">
-              <a:lnSpc>
-                <a:spcPct val="115000"/>
-              </a:lnSpc>
-              <a:spcBef>
-                <a:spcPts val="0"/>
-              </a:spcBef>
-              <a:spcAft>
-                <a:spcPts val="1600"/>
-              </a:spcAft>
-              <a:buNone/>
-            </a:pPr>
-            <a:r>
-              <a:rPr lang="it-IT" dirty="0" err="1"/>
-              <a:t>Decentralized</a:t>
-            </a:r>
-            <a:r>
-              <a:rPr lang="it-IT" dirty="0"/>
-              <a:t> </a:t>
-            </a:r>
-            <a:r>
-              <a:rPr lang="it-IT" dirty="0" err="1"/>
-              <a:t>protocol</a:t>
-            </a:r>
-            <a:r>
-              <a:rPr lang="it-IT" dirty="0"/>
-              <a:t>: control action </a:t>
-            </a:r>
-            <a:r>
-              <a:rPr lang="it-IT" dirty="0" err="1"/>
-              <a:t>calculated</a:t>
-            </a:r>
-            <a:r>
-              <a:rPr lang="it-IT" dirty="0"/>
-              <a:t> </a:t>
-            </a:r>
-            <a:r>
-              <a:rPr lang="it-IT" dirty="0" err="1"/>
-              <a:t>locally</a:t>
-            </a:r>
-            <a:r>
-              <a:rPr lang="it-IT" dirty="0"/>
-              <a:t> by </a:t>
-            </a:r>
-            <a:r>
-              <a:rPr lang="it-IT" dirty="0" err="1"/>
-              <a:t>each</a:t>
-            </a:r>
-            <a:r>
-              <a:rPr lang="it-IT" dirty="0"/>
-              <a:t> agent </a:t>
-            </a:r>
-            <a:r>
-              <a:rPr lang="it-IT" dirty="0" err="1"/>
-              <a:t>using</a:t>
-            </a:r>
-            <a:r>
-              <a:rPr lang="it-IT" dirty="0"/>
-              <a:t> </a:t>
-            </a:r>
-            <a:r>
-              <a:rPr lang="it-IT" dirty="0" err="1"/>
-              <a:t>only</a:t>
-            </a:r>
-            <a:r>
-              <a:rPr lang="it-IT" dirty="0"/>
-              <a:t> the </a:t>
-            </a:r>
-            <a:r>
-              <a:rPr lang="it-IT" dirty="0" err="1"/>
-              <a:t>locally</a:t>
-            </a:r>
-            <a:r>
-              <a:rPr lang="it-IT" dirty="0"/>
-              <a:t> </a:t>
-            </a:r>
-            <a:r>
-              <a:rPr lang="it-IT" dirty="0" err="1"/>
-              <a:t>available</a:t>
-            </a:r>
-            <a:r>
-              <a:rPr lang="it-IT" dirty="0"/>
-              <a:t> information. </a:t>
-            </a:r>
-          </a:p>
-          <a:p>
-            <a:pPr marL="0" lvl="0" indent="0" algn="l" rtl="0">
-              <a:lnSpc>
-                <a:spcPct val="115000"/>
-              </a:lnSpc>
-              <a:spcBef>
-                <a:spcPts val="0"/>
-              </a:spcBef>
-              <a:spcAft>
-                <a:spcPts val="1600"/>
-              </a:spcAft>
-              <a:buNone/>
-            </a:pPr>
-            <a:r>
-              <a:rPr lang="it-IT" dirty="0" err="1"/>
-              <a:t>This</a:t>
-            </a:r>
-            <a:r>
-              <a:rPr lang="it-IT" dirty="0"/>
-              <a:t> </a:t>
-            </a:r>
-            <a:r>
-              <a:rPr lang="it-IT" dirty="0" err="1"/>
-              <a:t>is</a:t>
-            </a:r>
-            <a:r>
-              <a:rPr lang="it-IT" dirty="0"/>
-              <a:t> </a:t>
-            </a:r>
-            <a:r>
-              <a:rPr lang="it-IT" dirty="0" err="1"/>
-              <a:t>done</a:t>
-            </a:r>
-            <a:r>
-              <a:rPr lang="it-IT" dirty="0"/>
-              <a:t> </a:t>
-            </a:r>
-            <a:r>
-              <a:rPr lang="it-IT" dirty="0" err="1"/>
-              <a:t>through</a:t>
-            </a:r>
-            <a:r>
-              <a:rPr lang="it-IT" dirty="0"/>
-              <a:t> multiple consensus </a:t>
-            </a:r>
-            <a:r>
-              <a:rPr lang="it-IT" dirty="0" err="1"/>
-              <a:t>iterations</a:t>
-            </a:r>
-            <a:r>
-              <a:rPr lang="it-IT" dirty="0"/>
-              <a:t>. </a:t>
-            </a:r>
-            <a:r>
-              <a:rPr lang="it-IT" dirty="0" err="1"/>
-              <a:t>Need</a:t>
-            </a:r>
-            <a:r>
-              <a:rPr lang="it-IT" dirty="0"/>
-              <a:t> to </a:t>
-            </a:r>
-            <a:r>
-              <a:rPr lang="it-IT" dirty="0" err="1"/>
-              <a:t>define</a:t>
-            </a:r>
-            <a:r>
-              <a:rPr lang="it-IT" dirty="0"/>
-              <a:t> a </a:t>
-            </a:r>
-            <a:r>
-              <a:rPr lang="it-IT" dirty="0" err="1"/>
-              <a:t>topology</a:t>
-            </a:r>
-            <a:r>
-              <a:rPr lang="it-IT" dirty="0"/>
-              <a:t>.</a:t>
-            </a:r>
-          </a:p>
-          <a:p>
-            <a:pPr marL="0" lvl="0" indent="0" algn="l" rtl="0">
-              <a:lnSpc>
-                <a:spcPct val="115000"/>
-              </a:lnSpc>
-              <a:spcBef>
-                <a:spcPts val="0"/>
-              </a:spcBef>
-              <a:spcAft>
-                <a:spcPts val="1600"/>
-              </a:spcAft>
-              <a:buNone/>
-            </a:pPr>
-            <a:r>
-              <a:rPr lang="it-IT" dirty="0"/>
-              <a:t>PRO: more </a:t>
-            </a:r>
-            <a:r>
-              <a:rPr lang="it-IT" dirty="0" err="1"/>
-              <a:t>suitable</a:t>
-            </a:r>
-            <a:r>
-              <a:rPr lang="it-IT" dirty="0"/>
-              <a:t> for large networks due to </a:t>
-            </a:r>
-            <a:r>
-              <a:rPr lang="it-IT" dirty="0" err="1"/>
-              <a:t>its</a:t>
-            </a:r>
-            <a:r>
-              <a:rPr lang="it-IT" dirty="0"/>
-              <a:t> </a:t>
-            </a:r>
-            <a:r>
-              <a:rPr lang="it-IT" dirty="0" err="1"/>
-              <a:t>scalable</a:t>
-            </a:r>
-            <a:r>
-              <a:rPr lang="it-IT" dirty="0"/>
-              <a:t> nature and </a:t>
-            </a:r>
-            <a:r>
-              <a:rPr lang="it-IT" dirty="0" err="1"/>
-              <a:t>local</a:t>
-            </a:r>
-            <a:r>
-              <a:rPr lang="it-IT" dirty="0"/>
-              <a:t> </a:t>
-            </a:r>
-            <a:r>
-              <a:rPr lang="it-IT" dirty="0" err="1"/>
-              <a:t>calculations</a:t>
-            </a:r>
-            <a:endParaRPr lang="it-IT" dirty="0"/>
-          </a:p>
-          <a:p>
-            <a:pPr marL="0" lvl="0" indent="0" algn="l" rtl="0">
-              <a:lnSpc>
-                <a:spcPct val="115000"/>
-              </a:lnSpc>
-              <a:spcBef>
-                <a:spcPts val="0"/>
-              </a:spcBef>
-              <a:spcAft>
-                <a:spcPts val="1600"/>
-              </a:spcAft>
-              <a:buNone/>
-            </a:pPr>
-            <a:r>
-              <a:rPr lang="it-IT" dirty="0"/>
-              <a:t>CON: </a:t>
-            </a:r>
-            <a:r>
-              <a:rPr lang="it-IT" dirty="0" err="1"/>
-              <a:t>potentially</a:t>
-            </a:r>
-            <a:r>
-              <a:rPr lang="it-IT" dirty="0"/>
-              <a:t> </a:t>
-            </a:r>
-            <a:r>
-              <a:rPr lang="it-IT" dirty="0" err="1"/>
-              <a:t>slower</a:t>
-            </a:r>
-            <a:r>
-              <a:rPr lang="it-IT" dirty="0"/>
-              <a:t> and more iterative </a:t>
-            </a:r>
-            <a:r>
-              <a:rPr lang="it-IT" dirty="0" err="1"/>
-              <a:t>convergence</a:t>
-            </a:r>
-            <a:r>
-              <a:rPr lang="it-IT" dirty="0"/>
-              <a:t>.</a:t>
-            </a:r>
-          </a:p>
-          <a:p>
-            <a:pPr marL="0" lvl="0" indent="0" algn="l" rtl="0">
-              <a:lnSpc>
-                <a:spcPct val="115000"/>
-              </a:lnSpc>
-              <a:spcBef>
-                <a:spcPts val="0"/>
-              </a:spcBef>
-              <a:spcAft>
-                <a:spcPts val="1600"/>
-              </a:spcAft>
-              <a:buNone/>
-            </a:pPr>
-            <a:endParaRPr lang="it-IT" dirty="0"/>
-          </a:p>
-          <a:p>
-            <a:pPr marL="0" lvl="0" indent="0" algn="l" rtl="0">
-              <a:lnSpc>
-                <a:spcPct val="115000"/>
-              </a:lnSpc>
-              <a:spcBef>
-                <a:spcPts val="0"/>
-              </a:spcBef>
-              <a:spcAft>
-                <a:spcPts val="1600"/>
-              </a:spcAft>
-              <a:buNone/>
-            </a:pPr>
-            <a:r>
-              <a:rPr lang="it-IT" dirty="0"/>
-              <a:t>Consensus </a:t>
-            </a:r>
-            <a:r>
-              <a:rPr lang="it-IT" dirty="0" err="1"/>
-              <a:t>protocols</a:t>
-            </a:r>
-            <a:r>
-              <a:rPr lang="it-IT" dirty="0"/>
-              <a:t> are </a:t>
-            </a:r>
-            <a:r>
-              <a:rPr lang="it-IT" dirty="0" err="1"/>
-              <a:t>crucial</a:t>
-            </a:r>
-            <a:r>
-              <a:rPr lang="it-IT" dirty="0"/>
-              <a:t> in </a:t>
-            </a:r>
-            <a:r>
-              <a:rPr lang="it-IT" dirty="0" err="1"/>
-              <a:t>various</a:t>
-            </a:r>
-            <a:r>
-              <a:rPr lang="it-IT" dirty="0"/>
-              <a:t> </a:t>
-            </a:r>
-            <a:r>
-              <a:rPr lang="it-IT" dirty="0" err="1"/>
-              <a:t>applications</a:t>
-            </a:r>
-            <a:r>
-              <a:rPr lang="it-IT" dirty="0"/>
-              <a:t>, </a:t>
-            </a:r>
-            <a:r>
-              <a:rPr lang="it-IT" dirty="0" err="1"/>
-              <a:t>including</a:t>
-            </a:r>
-            <a:r>
-              <a:rPr lang="it-IT" dirty="0"/>
-              <a:t> opinion dynamics, network </a:t>
-            </a:r>
-            <a:r>
-              <a:rPr lang="it-IT" dirty="0" err="1"/>
-              <a:t>routing</a:t>
-            </a:r>
-            <a:r>
-              <a:rPr lang="it-IT" dirty="0"/>
-              <a:t>, and </a:t>
-            </a:r>
-            <a:r>
-              <a:rPr lang="it-IT" dirty="0" err="1"/>
-              <a:t>federated</a:t>
-            </a:r>
-            <a:r>
-              <a:rPr lang="it-IT" dirty="0"/>
-              <a:t> learning </a:t>
-            </a:r>
-            <a:r>
-              <a:rPr lang="it-IT" dirty="0" err="1"/>
-              <a:t>problems</a:t>
-            </a:r>
-            <a:r>
-              <a:rPr lang="it-IT" dirty="0"/>
-              <a:t>.</a:t>
-            </a:r>
             <a:endParaRPr dirty="0"/>
           </a:p>
         </p:txBody>
@@ -2558,250 +1583,6 @@
               </a:spcAft>
               <a:buNone/>
             </a:pPr>
-            <a:r>
-              <a:rPr lang="it-IT" dirty="0" err="1"/>
-              <a:t>Sys</a:t>
-            </a:r>
-            <a:r>
-              <a:rPr lang="it-IT" dirty="0"/>
-              <a:t> </a:t>
-            </a:r>
-            <a:r>
-              <a:rPr lang="it-IT" dirty="0" err="1"/>
-              <a:t>modeled</a:t>
-            </a:r>
-            <a:r>
-              <a:rPr lang="it-IT" dirty="0"/>
-              <a:t> </a:t>
-            </a:r>
-            <a:r>
-              <a:rPr lang="it-IT" dirty="0" err="1"/>
-              <a:t>as</a:t>
-            </a:r>
-            <a:r>
-              <a:rPr lang="it-IT" dirty="0"/>
-              <a:t> a </a:t>
-            </a:r>
-            <a:r>
-              <a:rPr lang="it-IT" dirty="0" err="1"/>
-              <a:t>graph</a:t>
-            </a:r>
-            <a:r>
-              <a:rPr lang="it-IT" dirty="0"/>
-              <a:t> </a:t>
-            </a:r>
-            <a:r>
-              <a:rPr lang="it-IT" dirty="0" err="1"/>
-              <a:t>undirected</a:t>
-            </a:r>
-            <a:r>
-              <a:rPr lang="it-IT" dirty="0"/>
-              <a:t>, with set of </a:t>
-            </a:r>
-            <a:r>
-              <a:rPr lang="it-IT" dirty="0" err="1"/>
-              <a:t>vertexes</a:t>
-            </a:r>
-            <a:r>
-              <a:rPr lang="it-IT" dirty="0"/>
-              <a:t> and set of </a:t>
-            </a:r>
-            <a:r>
-              <a:rPr lang="it-IT" dirty="0" err="1"/>
-              <a:t>edges</a:t>
-            </a:r>
-            <a:r>
-              <a:rPr lang="it-IT" dirty="0"/>
-              <a:t>.</a:t>
-            </a:r>
-          </a:p>
-          <a:p>
-            <a:pPr marL="0" lvl="0" indent="0" algn="l" rtl="0">
-              <a:lnSpc>
-                <a:spcPct val="115000"/>
-              </a:lnSpc>
-              <a:spcBef>
-                <a:spcPts val="0"/>
-              </a:spcBef>
-              <a:spcAft>
-                <a:spcPts val="1600"/>
-              </a:spcAft>
-              <a:buNone/>
-            </a:pPr>
-            <a:r>
-              <a:rPr lang="it-IT" dirty="0"/>
-              <a:t>Dynamics discrete time -&gt; INTEGRATOR: Nell'equazione continua </a:t>
-            </a:r>
-            <a:r>
-              <a:rPr lang="it-IT" dirty="0" err="1"/>
-              <a:t>x_dot</a:t>
-            </a:r>
-            <a:r>
-              <a:rPr lang="it-IT" dirty="0"/>
-              <a:t> = u, </a:t>
-            </a:r>
-            <a:r>
-              <a:rPr lang="it-IT" dirty="0" err="1"/>
-              <a:t>x_dot</a:t>
-            </a:r>
-            <a:r>
-              <a:rPr lang="it-IT" dirty="0"/>
-              <a:t> rappresenta la derivata di x rispetto al tempo, </a:t>
-            </a:r>
-          </a:p>
-          <a:p>
-            <a:pPr marL="0" lvl="0" indent="0" algn="l" rtl="0">
-              <a:lnSpc>
-                <a:spcPct val="115000"/>
-              </a:lnSpc>
-              <a:spcBef>
-                <a:spcPts val="0"/>
-              </a:spcBef>
-              <a:spcAft>
-                <a:spcPts val="1600"/>
-              </a:spcAft>
-              <a:buNone/>
-            </a:pPr>
-            <a:r>
-              <a:rPr lang="it-IT" dirty="0"/>
-              <a:t>che può essere approssimata come la differenza tra i valori di x in due istanti di tempo successivi nel dominio discreto. Così, possiamo scrivere:</a:t>
-            </a:r>
-          </a:p>
-          <a:p>
-            <a:pPr marL="0" lvl="0" indent="0" algn="l" rtl="0">
-              <a:lnSpc>
-                <a:spcPct val="115000"/>
-              </a:lnSpc>
-              <a:spcBef>
-                <a:spcPts val="0"/>
-              </a:spcBef>
-              <a:spcAft>
-                <a:spcPts val="1600"/>
-              </a:spcAft>
-              <a:buNone/>
-            </a:pPr>
-            <a:r>
-              <a:rPr lang="it-IT" dirty="0" err="1"/>
-              <a:t>x_dot</a:t>
-            </a:r>
-            <a:r>
-              <a:rPr lang="it-IT" dirty="0"/>
-              <a:t> = x(t+1)-x(t) =&gt; ecco che abbiamo x(t+1)-x(t)=u(t) -&gt; x(t+1)=x(t)+u(t)</a:t>
-            </a:r>
-          </a:p>
-          <a:p>
-            <a:pPr marL="0" lvl="0" indent="0" algn="l" rtl="0">
-              <a:lnSpc>
-                <a:spcPct val="115000"/>
-              </a:lnSpc>
-              <a:spcBef>
-                <a:spcPts val="0"/>
-              </a:spcBef>
-              <a:spcAft>
-                <a:spcPts val="1600"/>
-              </a:spcAft>
-              <a:buNone/>
-            </a:pPr>
-            <a:r>
-              <a:rPr lang="it-IT" dirty="0" err="1"/>
-              <a:t>Std</a:t>
-            </a:r>
-            <a:r>
-              <a:rPr lang="it-IT" dirty="0"/>
-              <a:t> </a:t>
-            </a:r>
-            <a:r>
-              <a:rPr lang="it-IT" dirty="0" err="1"/>
-              <a:t>protocol</a:t>
-            </a:r>
-            <a:r>
-              <a:rPr lang="it-IT" dirty="0"/>
-              <a:t>, </a:t>
-            </a:r>
-            <a:r>
-              <a:rPr lang="it-IT" dirty="0" err="1"/>
-              <a:t>where</a:t>
-            </a:r>
-            <a:r>
-              <a:rPr lang="it-IT" dirty="0"/>
-              <a:t> </a:t>
-            </a:r>
-            <a:r>
-              <a:rPr lang="it-IT" dirty="0" err="1"/>
-              <a:t>N_i</a:t>
-            </a:r>
-            <a:r>
-              <a:rPr lang="it-IT" dirty="0"/>
-              <a:t> </a:t>
-            </a:r>
-            <a:r>
-              <a:rPr lang="it-IT" dirty="0" err="1"/>
-              <a:t>is</a:t>
-            </a:r>
-            <a:r>
-              <a:rPr lang="it-IT" dirty="0"/>
-              <a:t> set of </a:t>
-            </a:r>
-            <a:r>
-              <a:rPr lang="it-IT" dirty="0" err="1"/>
-              <a:t>neighbors</a:t>
-            </a:r>
-            <a:r>
-              <a:rPr lang="it-IT" dirty="0"/>
-              <a:t> -&gt; </a:t>
-            </a:r>
-            <a:r>
-              <a:rPr lang="it-IT" dirty="0" err="1"/>
-              <a:t>nw</a:t>
-            </a:r>
-            <a:r>
-              <a:rPr lang="it-IT" dirty="0"/>
-              <a:t> dynamics </a:t>
-            </a:r>
-            <a:r>
-              <a:rPr lang="it-IT" dirty="0" err="1"/>
-              <a:t>is</a:t>
-            </a:r>
-            <a:r>
-              <a:rPr lang="it-IT" dirty="0"/>
-              <a:t>... with </a:t>
-            </a:r>
-            <a:r>
-              <a:rPr lang="it-IT" dirty="0" err="1"/>
-              <a:t>dynamic</a:t>
-            </a:r>
-            <a:r>
-              <a:rPr lang="it-IT" dirty="0"/>
-              <a:t> </a:t>
-            </a:r>
-            <a:r>
-              <a:rPr lang="it-IT" dirty="0" err="1"/>
-              <a:t>matrix</a:t>
-            </a:r>
-            <a:r>
-              <a:rPr lang="it-IT" dirty="0"/>
-              <a:t> (A) : </a:t>
-            </a:r>
-            <a:r>
-              <a:rPr lang="it-IT" dirty="0" err="1"/>
-              <a:t>eigenvalues</a:t>
-            </a:r>
-            <a:r>
-              <a:rPr lang="it-IT" dirty="0"/>
-              <a:t> </a:t>
-            </a:r>
-            <a:r>
-              <a:rPr lang="it-IT" dirty="0" err="1"/>
-              <a:t>mu_i</a:t>
-            </a:r>
-            <a:r>
-              <a:rPr lang="it-IT" dirty="0"/>
-              <a:t> = 1 -K*</a:t>
-            </a:r>
-            <a:r>
-              <a:rPr lang="it-IT" dirty="0" err="1"/>
-              <a:t>l_i</a:t>
-            </a:r>
             <a:endParaRPr dirty="0"/>
           </a:p>
         </p:txBody>
@@ -2914,882 +1695,6 @@
               </a:spcAft>
               <a:buNone/>
             </a:pPr>
-            <a:r>
-              <a:rPr lang="it-IT" dirty="0" err="1"/>
-              <a:t>Centralized</a:t>
-            </a:r>
-            <a:r>
-              <a:rPr lang="it-IT" dirty="0"/>
-              <a:t> </a:t>
-            </a:r>
-            <a:r>
-              <a:rPr lang="it-IT" dirty="0" err="1"/>
-              <a:t>protocols</a:t>
-            </a:r>
-            <a:r>
-              <a:rPr lang="it-IT" dirty="0"/>
-              <a:t>:</a:t>
-            </a:r>
-          </a:p>
-          <a:p>
-            <a:pPr marL="0" lvl="0" indent="0" algn="l" rtl="0">
-              <a:lnSpc>
-                <a:spcPct val="115000"/>
-              </a:lnSpc>
-              <a:spcBef>
-                <a:spcPts val="0"/>
-              </a:spcBef>
-              <a:spcAft>
-                <a:spcPts val="1600"/>
-              </a:spcAft>
-              <a:buNone/>
-            </a:pPr>
-            <a:r>
-              <a:rPr lang="it-IT" dirty="0" err="1"/>
-              <a:t>require</a:t>
-            </a:r>
-            <a:r>
-              <a:rPr lang="it-IT" dirty="0"/>
-              <a:t> </a:t>
-            </a:r>
-            <a:r>
-              <a:rPr lang="it-IT" dirty="0" err="1"/>
-              <a:t>restrictive</a:t>
-            </a:r>
-            <a:r>
-              <a:rPr lang="it-IT" dirty="0"/>
-              <a:t> </a:t>
-            </a:r>
-            <a:r>
-              <a:rPr lang="it-IT" dirty="0" err="1"/>
-              <a:t>conditions</a:t>
-            </a:r>
-            <a:r>
-              <a:rPr lang="it-IT" dirty="0"/>
-              <a:t> on the </a:t>
-            </a:r>
-            <a:r>
-              <a:rPr lang="it-IT" dirty="0" err="1"/>
-              <a:t>coupling</a:t>
-            </a:r>
-            <a:r>
-              <a:rPr lang="it-IT" dirty="0"/>
-              <a:t> gain K, </a:t>
-            </a:r>
-            <a:r>
-              <a:rPr lang="it-IT" dirty="0" err="1"/>
-              <a:t>that</a:t>
-            </a:r>
-            <a:r>
-              <a:rPr lang="it-IT" dirty="0"/>
-              <a:t> </a:t>
-            </a:r>
-            <a:r>
-              <a:rPr lang="it-IT" dirty="0" err="1"/>
-              <a:t>determines</a:t>
-            </a:r>
-            <a:r>
-              <a:rPr lang="it-IT" dirty="0"/>
-              <a:t> the </a:t>
-            </a:r>
-            <a:r>
-              <a:rPr lang="it-IT" dirty="0" err="1"/>
-              <a:t>mutual</a:t>
-            </a:r>
-            <a:r>
-              <a:rPr lang="it-IT" dirty="0"/>
-              <a:t> </a:t>
-            </a:r>
-            <a:r>
-              <a:rPr lang="it-IT" dirty="0" err="1"/>
-              <a:t>influence</a:t>
-            </a:r>
-            <a:r>
-              <a:rPr lang="it-IT" dirty="0"/>
-              <a:t> </a:t>
-            </a:r>
-            <a:r>
-              <a:rPr lang="it-IT" dirty="0" err="1"/>
-              <a:t>between</a:t>
-            </a:r>
-            <a:r>
-              <a:rPr lang="it-IT" dirty="0"/>
-              <a:t> </a:t>
-            </a:r>
-            <a:r>
-              <a:rPr lang="it-IT" dirty="0" err="1"/>
-              <a:t>nodes</a:t>
-            </a:r>
-            <a:r>
-              <a:rPr lang="it-IT" dirty="0"/>
-              <a:t>.</a:t>
-            </a:r>
-          </a:p>
-          <a:p>
-            <a:pPr marL="0" lvl="0" indent="0" algn="l" rtl="0">
-              <a:lnSpc>
-                <a:spcPct val="115000"/>
-              </a:lnSpc>
-              <a:spcBef>
-                <a:spcPts val="0"/>
-              </a:spcBef>
-              <a:spcAft>
-                <a:spcPts val="1600"/>
-              </a:spcAft>
-              <a:buNone/>
-            </a:pPr>
-            <a:r>
-              <a:rPr lang="it-IT" dirty="0" err="1"/>
-              <a:t>Convergence</a:t>
-            </a:r>
-            <a:r>
-              <a:rPr lang="it-IT" dirty="0"/>
-              <a:t> </a:t>
-            </a:r>
-            <a:r>
-              <a:rPr lang="it-IT" dirty="0" err="1"/>
-              <a:t>ensured</a:t>
-            </a:r>
-            <a:r>
-              <a:rPr lang="it-IT" dirty="0"/>
-              <a:t> </a:t>
-            </a:r>
-            <a:r>
-              <a:rPr lang="it-IT" dirty="0" err="1"/>
-              <a:t>only</a:t>
-            </a:r>
-            <a:r>
-              <a:rPr lang="it-IT" dirty="0"/>
-              <a:t> </a:t>
-            </a:r>
-            <a:r>
-              <a:rPr lang="it-IT" dirty="0" err="1"/>
-              <a:t>if</a:t>
-            </a:r>
-            <a:r>
-              <a:rPr lang="it-IT" dirty="0"/>
-              <a:t> K&lt;=1/</a:t>
-            </a:r>
-            <a:r>
-              <a:rPr lang="it-IT" dirty="0" err="1"/>
-              <a:t>l_max</a:t>
-            </a:r>
-            <a:endParaRPr lang="it-IT" dirty="0"/>
-          </a:p>
-          <a:p>
-            <a:pPr marL="0" lvl="0" indent="0" algn="l" rtl="0">
-              <a:lnSpc>
-                <a:spcPct val="115000"/>
-              </a:lnSpc>
-              <a:spcBef>
-                <a:spcPts val="0"/>
-              </a:spcBef>
-              <a:spcAft>
-                <a:spcPts val="1600"/>
-              </a:spcAft>
-              <a:buNone/>
-            </a:pPr>
-            <a:r>
-              <a:rPr lang="it-IT" dirty="0"/>
-              <a:t>K small =&gt; k*</a:t>
-            </a:r>
-            <a:r>
-              <a:rPr lang="it-IT" dirty="0" err="1"/>
-              <a:t>l_i</a:t>
-            </a:r>
-            <a:r>
-              <a:rPr lang="it-IT" dirty="0"/>
-              <a:t> small =&gt; </a:t>
-            </a:r>
-            <a:r>
-              <a:rPr lang="it-IT" dirty="0" err="1"/>
-              <a:t>eigenvalues</a:t>
-            </a:r>
-            <a:r>
-              <a:rPr lang="it-IT" dirty="0"/>
-              <a:t> </a:t>
-            </a:r>
-            <a:r>
-              <a:rPr lang="it-IT" dirty="0" err="1"/>
-              <a:t>mu_i</a:t>
-            </a:r>
-            <a:r>
-              <a:rPr lang="it-IT" dirty="0"/>
-              <a:t> stay close to 1 (</a:t>
-            </a:r>
-            <a:r>
-              <a:rPr lang="it-IT" dirty="0" err="1"/>
-              <a:t>unitary</a:t>
-            </a:r>
-            <a:r>
-              <a:rPr lang="it-IT" dirty="0"/>
-              <a:t> </a:t>
-            </a:r>
-            <a:r>
-              <a:rPr lang="it-IT" dirty="0" err="1"/>
-              <a:t>circle</a:t>
-            </a:r>
-            <a:r>
-              <a:rPr lang="it-IT" dirty="0"/>
-              <a:t> </a:t>
-            </a:r>
-            <a:r>
-              <a:rPr lang="it-IT" dirty="0" err="1"/>
-              <a:t>boundary</a:t>
-            </a:r>
-            <a:r>
-              <a:rPr lang="it-IT" dirty="0"/>
-              <a:t>) =&gt;slow </a:t>
-            </a:r>
-            <a:r>
-              <a:rPr lang="it-IT" dirty="0" err="1"/>
-              <a:t>convergence</a:t>
-            </a:r>
-            <a:r>
-              <a:rPr lang="it-IT" dirty="0"/>
-              <a:t> rates </a:t>
-            </a:r>
-          </a:p>
-          <a:p>
-            <a:pPr marL="0" lvl="0" indent="0" algn="l" rtl="0">
-              <a:lnSpc>
-                <a:spcPct val="115000"/>
-              </a:lnSpc>
-              <a:spcBef>
-                <a:spcPts val="0"/>
-              </a:spcBef>
-              <a:spcAft>
-                <a:spcPts val="1600"/>
-              </a:spcAft>
-              <a:buNone/>
-            </a:pPr>
-            <a:r>
-              <a:rPr lang="it-IT" dirty="0" err="1"/>
-              <a:t>Consequently</a:t>
-            </a:r>
-            <a:r>
-              <a:rPr lang="it-IT" dirty="0"/>
-              <a:t>, </a:t>
-            </a:r>
-            <a:r>
-              <a:rPr lang="it-IT" dirty="0" err="1"/>
-              <a:t>this</a:t>
-            </a:r>
-            <a:r>
-              <a:rPr lang="it-IT" dirty="0"/>
-              <a:t> leads to </a:t>
-            </a:r>
-            <a:r>
-              <a:rPr lang="it-IT" dirty="0" err="1"/>
-              <a:t>slower</a:t>
-            </a:r>
-            <a:r>
-              <a:rPr lang="it-IT" dirty="0"/>
-              <a:t> </a:t>
-            </a:r>
-            <a:r>
-              <a:rPr lang="it-IT" dirty="0" err="1"/>
-              <a:t>convergence</a:t>
-            </a:r>
-            <a:r>
-              <a:rPr lang="it-IT" dirty="0"/>
-              <a:t> rates and </a:t>
-            </a:r>
-            <a:r>
-              <a:rPr lang="it-IT" dirty="0" err="1"/>
-              <a:t>higher</a:t>
-            </a:r>
-            <a:r>
-              <a:rPr lang="it-IT" dirty="0"/>
-              <a:t> </a:t>
-            </a:r>
-            <a:r>
-              <a:rPr lang="it-IT" dirty="0" err="1"/>
-              <a:t>communication</a:t>
-            </a:r>
-            <a:r>
-              <a:rPr lang="it-IT" dirty="0"/>
-              <a:t> overhead. </a:t>
-            </a:r>
-          </a:p>
-          <a:p>
-            <a:pPr marL="0" lvl="0" indent="0" algn="l" rtl="0">
-              <a:lnSpc>
-                <a:spcPct val="115000"/>
-              </a:lnSpc>
-              <a:spcBef>
-                <a:spcPts val="0"/>
-              </a:spcBef>
-              <a:spcAft>
-                <a:spcPts val="1600"/>
-              </a:spcAft>
-              <a:buNone/>
-            </a:pPr>
-            <a:endParaRPr lang="it-IT" dirty="0"/>
-          </a:p>
-          <a:p>
-            <a:pPr marL="0" lvl="0" indent="0" algn="l" rtl="0">
-              <a:lnSpc>
-                <a:spcPct val="115000"/>
-              </a:lnSpc>
-              <a:spcBef>
-                <a:spcPts val="0"/>
-              </a:spcBef>
-              <a:spcAft>
-                <a:spcPts val="1600"/>
-              </a:spcAft>
-              <a:buNone/>
-            </a:pPr>
-            <a:r>
-              <a:rPr lang="it-IT" dirty="0" err="1"/>
-              <a:t>Decentralized</a:t>
-            </a:r>
-            <a:r>
-              <a:rPr lang="it-IT" dirty="0"/>
-              <a:t> </a:t>
-            </a:r>
-            <a:r>
-              <a:rPr lang="it-IT" dirty="0" err="1"/>
-              <a:t>protocols</a:t>
-            </a:r>
-            <a:r>
-              <a:rPr lang="it-IT" dirty="0"/>
-              <a:t>:</a:t>
-            </a:r>
-          </a:p>
-          <a:p>
-            <a:pPr marL="0" lvl="0" indent="0" algn="l" rtl="0">
-              <a:lnSpc>
-                <a:spcPct val="115000"/>
-              </a:lnSpc>
-              <a:spcBef>
-                <a:spcPts val="0"/>
-              </a:spcBef>
-              <a:spcAft>
-                <a:spcPts val="1600"/>
-              </a:spcAft>
-              <a:buNone/>
-            </a:pPr>
-            <a:r>
-              <a:rPr lang="it-IT" dirty="0"/>
-              <a:t>* </a:t>
-            </a:r>
-            <a:r>
-              <a:rPr lang="it-IT" dirty="0" err="1"/>
-              <a:t>Practical</a:t>
-            </a:r>
-            <a:r>
-              <a:rPr lang="it-IT" dirty="0"/>
-              <a:t> </a:t>
-            </a:r>
-            <a:r>
-              <a:rPr lang="it-IT" dirty="0" err="1"/>
-              <a:t>limitation</a:t>
-            </a:r>
-            <a:r>
-              <a:rPr lang="it-IT" dirty="0"/>
-              <a:t> due to the </a:t>
-            </a:r>
-            <a:r>
-              <a:rPr lang="it-IT" dirty="0" err="1"/>
-              <a:t>need</a:t>
-            </a:r>
-            <a:r>
-              <a:rPr lang="it-IT" dirty="0"/>
-              <a:t> for </a:t>
-            </a:r>
-            <a:r>
-              <a:rPr lang="it-IT" dirty="0" err="1"/>
-              <a:t>each</a:t>
-            </a:r>
-            <a:r>
-              <a:rPr lang="it-IT" dirty="0"/>
-              <a:t> </a:t>
-            </a:r>
-            <a:r>
-              <a:rPr lang="it-IT" dirty="0" err="1"/>
-              <a:t>node</a:t>
-            </a:r>
-            <a:r>
-              <a:rPr lang="it-IT" dirty="0"/>
-              <a:t> to </a:t>
-            </a:r>
-            <a:r>
-              <a:rPr lang="it-IT" dirty="0" err="1"/>
-              <a:t>have</a:t>
-            </a:r>
-            <a:r>
-              <a:rPr lang="it-IT" dirty="0"/>
-              <a:t> the precise knowledge of the network </a:t>
-            </a:r>
-            <a:r>
-              <a:rPr lang="it-IT" dirty="0" err="1"/>
-              <a:t>topology</a:t>
-            </a:r>
-            <a:r>
-              <a:rPr lang="it-IT" dirty="0"/>
-              <a:t> </a:t>
-            </a:r>
-          </a:p>
-          <a:p>
-            <a:pPr marL="0" lvl="0" indent="0" algn="l" rtl="0">
-              <a:lnSpc>
-                <a:spcPct val="115000"/>
-              </a:lnSpc>
-              <a:spcBef>
-                <a:spcPts val="0"/>
-              </a:spcBef>
-              <a:spcAft>
-                <a:spcPts val="1600"/>
-              </a:spcAft>
-              <a:buNone/>
-            </a:pPr>
-            <a:r>
-              <a:rPr lang="it-IT" dirty="0"/>
-              <a:t>* </a:t>
-            </a:r>
-            <a:r>
-              <a:rPr lang="it-IT" dirty="0" err="1"/>
-              <a:t>Absence</a:t>
-            </a:r>
-            <a:r>
-              <a:rPr lang="it-IT" dirty="0"/>
-              <a:t> of a </a:t>
-            </a:r>
-            <a:r>
-              <a:rPr lang="it-IT" dirty="0" err="1"/>
-              <a:t>central</a:t>
-            </a:r>
-            <a:r>
-              <a:rPr lang="it-IT" dirty="0"/>
-              <a:t> </a:t>
-            </a:r>
-            <a:r>
-              <a:rPr lang="it-IT" dirty="0" err="1"/>
-              <a:t>entity</a:t>
-            </a:r>
-            <a:r>
-              <a:rPr lang="it-IT" dirty="0"/>
-              <a:t>:</a:t>
-            </a:r>
-          </a:p>
-          <a:p>
-            <a:pPr marL="0" lvl="0" indent="0" algn="l" rtl="0">
-              <a:lnSpc>
-                <a:spcPct val="115000"/>
-              </a:lnSpc>
-              <a:spcBef>
-                <a:spcPts val="0"/>
-              </a:spcBef>
-              <a:spcAft>
-                <a:spcPts val="1600"/>
-              </a:spcAft>
-              <a:buNone/>
-            </a:pPr>
-            <a:r>
-              <a:rPr lang="it-IT" dirty="0"/>
-              <a:t>	</a:t>
-            </a:r>
-            <a:r>
-              <a:rPr lang="it-IT" dirty="0" err="1"/>
-              <a:t>Each</a:t>
-            </a:r>
-            <a:r>
-              <a:rPr lang="it-IT" dirty="0"/>
-              <a:t> </a:t>
-            </a:r>
-            <a:r>
-              <a:rPr lang="it-IT" dirty="0" err="1"/>
-              <a:t>node</a:t>
-            </a:r>
-            <a:r>
-              <a:rPr lang="it-IT" dirty="0"/>
-              <a:t> </a:t>
-            </a:r>
-            <a:r>
-              <a:rPr lang="it-IT" dirty="0" err="1"/>
-              <a:t>now</a:t>
-            </a:r>
-            <a:r>
-              <a:rPr lang="it-IT" dirty="0"/>
-              <a:t> </a:t>
-            </a:r>
-            <a:r>
-              <a:rPr lang="it-IT" dirty="0" err="1"/>
-              <a:t>has</a:t>
-            </a:r>
-            <a:r>
-              <a:rPr lang="it-IT" dirty="0"/>
-              <a:t> </a:t>
-            </a:r>
-            <a:r>
-              <a:rPr lang="it-IT" dirty="0" err="1"/>
-              <a:t>only</a:t>
-            </a:r>
-            <a:r>
-              <a:rPr lang="it-IT" dirty="0"/>
-              <a:t> </a:t>
-            </a:r>
-            <a:r>
-              <a:rPr lang="it-IT" dirty="0" err="1"/>
-              <a:t>local</a:t>
-            </a:r>
-            <a:r>
-              <a:rPr lang="it-IT" dirty="0"/>
-              <a:t> information from </a:t>
-            </a:r>
-            <a:r>
-              <a:rPr lang="it-IT" dirty="0" err="1"/>
-              <a:t>its</a:t>
-            </a:r>
-            <a:r>
-              <a:rPr lang="it-IT" dirty="0"/>
-              <a:t> </a:t>
-            </a:r>
-            <a:r>
-              <a:rPr lang="it-IT" dirty="0" err="1"/>
-              <a:t>neighbors</a:t>
-            </a:r>
-            <a:r>
-              <a:rPr lang="it-IT" dirty="0"/>
-              <a:t> (&amp; </a:t>
-            </a:r>
-            <a:r>
-              <a:rPr lang="it-IT" dirty="0" err="1"/>
-              <a:t>possibly</a:t>
-            </a:r>
-            <a:r>
-              <a:rPr lang="it-IT" dirty="0"/>
-              <a:t> some </a:t>
-            </a:r>
-            <a:r>
-              <a:rPr lang="it-IT" dirty="0" err="1"/>
-              <a:t>additional</a:t>
-            </a:r>
-            <a:r>
-              <a:rPr lang="it-IT" dirty="0"/>
-              <a:t> information from </a:t>
-            </a:r>
-            <a:r>
-              <a:rPr lang="it-IT" dirty="0" err="1"/>
-              <a:t>previous</a:t>
-            </a:r>
-            <a:r>
-              <a:rPr lang="it-IT" dirty="0"/>
-              <a:t> time steps)</a:t>
-            </a:r>
-          </a:p>
-          <a:p>
-            <a:pPr marL="0" lvl="0" indent="0" algn="l" rtl="0">
-              <a:lnSpc>
-                <a:spcPct val="115000"/>
-              </a:lnSpc>
-              <a:spcBef>
-                <a:spcPts val="0"/>
-              </a:spcBef>
-              <a:spcAft>
-                <a:spcPts val="1600"/>
-              </a:spcAft>
-              <a:buNone/>
-            </a:pPr>
-            <a:r>
-              <a:rPr lang="it-IT" dirty="0"/>
-              <a:t>	So </a:t>
-            </a:r>
-            <a:r>
-              <a:rPr lang="it-IT" dirty="0" err="1"/>
-              <a:t>all</a:t>
-            </a:r>
-            <a:r>
-              <a:rPr lang="it-IT" dirty="0"/>
-              <a:t> </a:t>
-            </a:r>
-            <a:r>
-              <a:rPr lang="it-IT" dirty="0" err="1"/>
-              <a:t>necessary</a:t>
-            </a:r>
-            <a:r>
-              <a:rPr lang="it-IT" dirty="0"/>
-              <a:t> information </a:t>
-            </a:r>
-            <a:r>
-              <a:rPr lang="it-IT" dirty="0" err="1"/>
-              <a:t>is</a:t>
-            </a:r>
-            <a:r>
-              <a:rPr lang="it-IT" dirty="0"/>
-              <a:t> </a:t>
-            </a:r>
-            <a:r>
-              <a:rPr lang="it-IT" dirty="0" err="1"/>
-              <a:t>not</a:t>
-            </a:r>
-            <a:r>
-              <a:rPr lang="it-IT" dirty="0"/>
-              <a:t> </a:t>
-            </a:r>
-            <a:r>
-              <a:rPr lang="it-IT" dirty="0" err="1"/>
-              <a:t>available</a:t>
-            </a:r>
-            <a:r>
-              <a:rPr lang="it-IT" dirty="0"/>
-              <a:t> in a single step</a:t>
-            </a:r>
-          </a:p>
-          <a:p>
-            <a:pPr marL="0" lvl="0" indent="0" algn="l" rtl="0">
-              <a:lnSpc>
-                <a:spcPct val="115000"/>
-              </a:lnSpc>
-              <a:spcBef>
-                <a:spcPts val="0"/>
-              </a:spcBef>
-              <a:spcAft>
-                <a:spcPts val="1600"/>
-              </a:spcAft>
-              <a:buNone/>
-            </a:pPr>
-            <a:r>
-              <a:rPr lang="it-IT" dirty="0"/>
-              <a:t>	</a:t>
-            </a:r>
-            <a:r>
-              <a:rPr lang="it-IT" dirty="0" err="1"/>
-              <a:t>Nodes</a:t>
-            </a:r>
-            <a:r>
-              <a:rPr lang="it-IT" dirty="0"/>
-              <a:t> </a:t>
-            </a:r>
-            <a:r>
-              <a:rPr lang="it-IT" dirty="0" err="1"/>
-              <a:t>require</a:t>
-            </a:r>
-            <a:r>
-              <a:rPr lang="it-IT" dirty="0"/>
-              <a:t> more steps to </a:t>
-            </a:r>
-            <a:r>
-              <a:rPr lang="it-IT" dirty="0" err="1"/>
-              <a:t>communicate</a:t>
-            </a:r>
-            <a:r>
-              <a:rPr lang="it-IT" dirty="0"/>
-              <a:t> with </a:t>
-            </a:r>
-            <a:r>
-              <a:rPr lang="it-IT" dirty="0" err="1"/>
-              <a:t>others</a:t>
-            </a:r>
-            <a:r>
-              <a:rPr lang="it-IT" dirty="0"/>
-              <a:t> and </a:t>
-            </a:r>
-            <a:r>
-              <a:rPr lang="it-IT" dirty="0" err="1"/>
-              <a:t>exchange</a:t>
-            </a:r>
-            <a:r>
-              <a:rPr lang="it-IT" dirty="0"/>
-              <a:t> information</a:t>
-            </a:r>
-          </a:p>
-          <a:p>
-            <a:pPr marL="0" lvl="0" indent="0" algn="l" rtl="0">
-              <a:lnSpc>
-                <a:spcPct val="115000"/>
-              </a:lnSpc>
-              <a:spcBef>
-                <a:spcPts val="0"/>
-              </a:spcBef>
-              <a:spcAft>
-                <a:spcPts val="1600"/>
-              </a:spcAft>
-              <a:buNone/>
-            </a:pPr>
-            <a:r>
-              <a:rPr lang="it-IT" dirty="0"/>
-              <a:t>	=&gt; </a:t>
-            </a:r>
-            <a:r>
-              <a:rPr lang="it-IT" dirty="0" err="1"/>
-              <a:t>This</a:t>
-            </a:r>
-            <a:r>
-              <a:rPr lang="it-IT" dirty="0"/>
-              <a:t> </a:t>
-            </a:r>
-            <a:r>
-              <a:rPr lang="it-IT" dirty="0" err="1"/>
-              <a:t>communication</a:t>
-            </a:r>
-            <a:r>
-              <a:rPr lang="it-IT" dirty="0"/>
-              <a:t> </a:t>
-            </a:r>
-            <a:r>
-              <a:rPr lang="it-IT" dirty="0" err="1"/>
-              <a:t>is</a:t>
-            </a:r>
-            <a:r>
-              <a:rPr lang="it-IT" dirty="0"/>
-              <a:t> </a:t>
-            </a:r>
-            <a:r>
-              <a:rPr lang="it-IT" dirty="0" err="1"/>
-              <a:t>subject</a:t>
-            </a:r>
-            <a:r>
-              <a:rPr lang="it-IT" dirty="0"/>
-              <a:t> to delays due to the finite speed of information transfer.</a:t>
-            </a:r>
-          </a:p>
-          <a:p>
-            <a:pPr marL="0" lvl="0" indent="0" algn="l" rtl="0">
-              <a:lnSpc>
-                <a:spcPct val="115000"/>
-              </a:lnSpc>
-              <a:spcBef>
-                <a:spcPts val="0"/>
-              </a:spcBef>
-              <a:spcAft>
-                <a:spcPts val="1600"/>
-              </a:spcAft>
-              <a:buNone/>
-            </a:pPr>
-            <a:endParaRPr lang="it-IT" dirty="0"/>
-          </a:p>
-          <a:p>
-            <a:pPr marL="0" lvl="0" indent="0" algn="l" rtl="0">
-              <a:lnSpc>
-                <a:spcPct val="115000"/>
-              </a:lnSpc>
-              <a:spcBef>
-                <a:spcPts val="0"/>
-              </a:spcBef>
-              <a:spcAft>
-                <a:spcPts val="1600"/>
-              </a:spcAft>
-              <a:buNone/>
-            </a:pPr>
-            <a:r>
-              <a:rPr lang="it-IT" dirty="0"/>
-              <a:t>Common </a:t>
-            </a:r>
-            <a:r>
-              <a:rPr lang="it-IT" dirty="0" err="1"/>
-              <a:t>problem</a:t>
-            </a:r>
-            <a:r>
-              <a:rPr lang="it-IT" dirty="0"/>
-              <a:t>: </a:t>
-            </a:r>
-            <a:r>
-              <a:rPr lang="it-IT" dirty="0" err="1"/>
-              <a:t>Convergence</a:t>
-            </a:r>
-            <a:r>
-              <a:rPr lang="it-IT" dirty="0"/>
-              <a:t> rate </a:t>
-            </a:r>
-            <a:r>
-              <a:rPr lang="it-IT" dirty="0" err="1"/>
-              <a:t>cannot</a:t>
-            </a:r>
-            <a:r>
-              <a:rPr lang="it-IT" dirty="0"/>
-              <a:t> be </a:t>
-            </a:r>
-            <a:r>
-              <a:rPr lang="it-IT" dirty="0" err="1"/>
-              <a:t>fixed</a:t>
-            </a:r>
-            <a:r>
-              <a:rPr lang="it-IT" dirty="0"/>
-              <a:t> </a:t>
-            </a:r>
-            <a:r>
-              <a:rPr lang="it-IT" dirty="0" err="1"/>
-              <a:t>arbitrarily</a:t>
-            </a:r>
-            <a:r>
-              <a:rPr lang="it-IT" dirty="0"/>
-              <a:t> </a:t>
-            </a:r>
-          </a:p>
-          <a:p>
-            <a:pPr marL="0" lvl="0" indent="0" algn="l" rtl="0">
-              <a:lnSpc>
-                <a:spcPct val="115000"/>
-              </a:lnSpc>
-              <a:spcBef>
-                <a:spcPts val="0"/>
-              </a:spcBef>
-              <a:spcAft>
-                <a:spcPts val="1600"/>
-              </a:spcAft>
-              <a:buNone/>
-            </a:pPr>
-            <a:endParaRPr lang="it-IT" dirty="0"/>
-          </a:p>
-          <a:p>
-            <a:pPr marL="0" lvl="0" indent="0" algn="l" rtl="0">
-              <a:lnSpc>
-                <a:spcPct val="115000"/>
-              </a:lnSpc>
-              <a:spcBef>
-                <a:spcPts val="0"/>
-              </a:spcBef>
-              <a:spcAft>
-                <a:spcPts val="1600"/>
-              </a:spcAft>
-              <a:buNone/>
-            </a:pPr>
-            <a:r>
-              <a:rPr lang="it-IT" dirty="0"/>
-              <a:t>The following </a:t>
-            </a:r>
-            <a:r>
-              <a:rPr lang="it-IT" dirty="0" err="1"/>
-              <a:t>research</a:t>
-            </a:r>
-            <a:r>
-              <a:rPr lang="it-IT" dirty="0"/>
-              <a:t> </a:t>
-            </a:r>
-            <a:r>
-              <a:rPr lang="it-IT" dirty="0" err="1"/>
-              <a:t>aims</a:t>
-            </a:r>
-            <a:r>
-              <a:rPr lang="it-IT" dirty="0"/>
-              <a:t> to </a:t>
-            </a:r>
-            <a:r>
-              <a:rPr lang="it-IT" dirty="0" err="1"/>
-              <a:t>overcome</a:t>
-            </a:r>
-            <a:r>
-              <a:rPr lang="it-IT" dirty="0"/>
-              <a:t> </a:t>
-            </a:r>
-            <a:r>
-              <a:rPr lang="it-IT" dirty="0" err="1"/>
-              <a:t>these</a:t>
-            </a:r>
-            <a:r>
-              <a:rPr lang="it-IT" dirty="0"/>
-              <a:t> </a:t>
-            </a:r>
-            <a:r>
-              <a:rPr lang="it-IT" dirty="0" err="1"/>
-              <a:t>limitations</a:t>
-            </a:r>
-            <a:r>
-              <a:rPr lang="it-IT" dirty="0"/>
-              <a:t>.</a:t>
-            </a:r>
             <a:endParaRPr dirty="0"/>
           </a:p>
         </p:txBody>
@@ -3889,564 +1794,6 @@
             <a:noAutofit/>
           </a:bodyPr>
           <a:lstStyle/>
-          <a:p>
-            <a:pPr marL="0" lvl="0" indent="0" algn="l" rtl="0">
-              <a:lnSpc>
-                <a:spcPct val="115000"/>
-              </a:lnSpc>
-              <a:spcBef>
-                <a:spcPts val="0"/>
-              </a:spcBef>
-              <a:spcAft>
-                <a:spcPts val="1600"/>
-              </a:spcAft>
-              <a:buNone/>
-            </a:pPr>
-            <a:r>
-              <a:rPr lang="it-IT" dirty="0"/>
-              <a:t>Extension of the Mattioni et al. work</a:t>
-            </a:r>
-          </a:p>
-          <a:p>
-            <a:pPr marL="0" lvl="0" indent="0" algn="l" rtl="0">
-              <a:lnSpc>
-                <a:spcPct val="115000"/>
-              </a:lnSpc>
-              <a:spcBef>
-                <a:spcPts val="0"/>
-              </a:spcBef>
-              <a:spcAft>
-                <a:spcPts val="1600"/>
-              </a:spcAft>
-              <a:buNone/>
-            </a:pPr>
-            <a:r>
-              <a:rPr lang="it-IT" dirty="0"/>
-              <a:t>Local controls</a:t>
-            </a:r>
-          </a:p>
-          <a:p>
-            <a:pPr marL="0" lvl="0" indent="0" algn="l" rtl="0">
-              <a:lnSpc>
-                <a:spcPct val="115000"/>
-              </a:lnSpc>
-              <a:spcBef>
-                <a:spcPts val="0"/>
-              </a:spcBef>
-              <a:spcAft>
-                <a:spcPts val="1600"/>
-              </a:spcAft>
-              <a:buNone/>
-            </a:pPr>
-            <a:r>
-              <a:rPr lang="it-IT" dirty="0" err="1"/>
-              <a:t>Centralized</a:t>
-            </a:r>
-            <a:r>
-              <a:rPr lang="it-IT" dirty="0"/>
-              <a:t> control </a:t>
-            </a:r>
-            <a:r>
-              <a:rPr lang="it-IT" dirty="0" err="1"/>
-              <a:t>vector</a:t>
-            </a:r>
-            <a:r>
-              <a:rPr lang="it-IT" dirty="0"/>
-              <a:t>: </a:t>
-            </a:r>
-            <a:r>
-              <a:rPr lang="it-IT" dirty="0" err="1"/>
-              <a:t>Weighted</a:t>
-            </a:r>
-            <a:r>
-              <a:rPr lang="it-IT" dirty="0"/>
-              <a:t> </a:t>
-            </a:r>
-            <a:r>
-              <a:rPr lang="it-IT" dirty="0" err="1"/>
-              <a:t>Laplatian</a:t>
-            </a:r>
-            <a:r>
-              <a:rPr lang="it-IT" dirty="0"/>
-              <a:t> </a:t>
-            </a:r>
-            <a:r>
-              <a:rPr lang="it-IT" dirty="0" err="1"/>
-              <a:t>W</a:t>
-            </a:r>
-            <a:r>
-              <a:rPr lang="it-IT" dirty="0"/>
-              <a:t>, </a:t>
-            </a:r>
-            <a:r>
-              <a:rPr lang="it-IT" dirty="0" err="1"/>
-              <a:t>associated</a:t>
-            </a:r>
-            <a:r>
-              <a:rPr lang="it-IT" dirty="0"/>
-              <a:t> to a new dummy network. </a:t>
-            </a:r>
-            <a:r>
-              <a:rPr lang="it-IT" dirty="0" err="1"/>
-              <a:t>W</a:t>
-            </a:r>
-            <a:r>
-              <a:rPr lang="it-IT" dirty="0"/>
-              <a:t> </a:t>
-            </a:r>
-            <a:r>
-              <a:rPr lang="it-IT" dirty="0" err="1"/>
-              <a:t>depends</a:t>
-            </a:r>
-            <a:r>
-              <a:rPr lang="it-IT" dirty="0"/>
-              <a:t> on L, </a:t>
-            </a:r>
-            <a:r>
-              <a:rPr lang="it-IT" dirty="0" err="1"/>
-              <a:t>that</a:t>
-            </a:r>
-            <a:r>
-              <a:rPr lang="it-IT" dirty="0"/>
-              <a:t> can be </a:t>
-            </a:r>
-            <a:r>
-              <a:rPr lang="it-IT" dirty="0" err="1"/>
-              <a:t>computed</a:t>
-            </a:r>
-            <a:r>
-              <a:rPr lang="it-IT" dirty="0"/>
-              <a:t> </a:t>
-            </a:r>
-            <a:r>
-              <a:rPr lang="it-IT" dirty="0" err="1"/>
-              <a:t>locally</a:t>
-            </a:r>
-            <a:r>
-              <a:rPr lang="it-IT" dirty="0"/>
-              <a:t> </a:t>
-            </a:r>
-            <a:r>
-              <a:rPr lang="it-IT" dirty="0" err="1"/>
-              <a:t>only</a:t>
-            </a:r>
-            <a:r>
-              <a:rPr lang="it-IT" dirty="0"/>
-              <a:t> </a:t>
-            </a:r>
-            <a:r>
-              <a:rPr lang="it-IT" dirty="0" err="1"/>
-              <a:t>if</a:t>
-            </a:r>
-            <a:r>
-              <a:rPr lang="it-IT" dirty="0"/>
-              <a:t> agents know the </a:t>
-            </a:r>
-            <a:r>
-              <a:rPr lang="it-IT" dirty="0" err="1"/>
-              <a:t>topology</a:t>
-            </a:r>
-            <a:r>
-              <a:rPr lang="it-IT" dirty="0"/>
-              <a:t>.</a:t>
-            </a:r>
-          </a:p>
-          <a:p>
-            <a:pPr marL="0" lvl="0" indent="0" algn="l" rtl="0">
-              <a:lnSpc>
-                <a:spcPct val="115000"/>
-              </a:lnSpc>
-              <a:spcBef>
-                <a:spcPts val="0"/>
-              </a:spcBef>
-              <a:spcAft>
-                <a:spcPts val="1600"/>
-              </a:spcAft>
-              <a:buNone/>
-            </a:pPr>
-            <a:r>
-              <a:rPr lang="it-IT" dirty="0"/>
-              <a:t>New </a:t>
-            </a:r>
-            <a:r>
-              <a:rPr lang="it-IT" dirty="0" err="1"/>
-              <a:t>eigenvalues</a:t>
-            </a:r>
-            <a:endParaRPr lang="it-IT" dirty="0"/>
-          </a:p>
-          <a:p>
-            <a:pPr marL="0" lvl="0" indent="0" algn="l" rtl="0">
-              <a:lnSpc>
-                <a:spcPct val="115000"/>
-              </a:lnSpc>
-              <a:spcBef>
-                <a:spcPts val="0"/>
-              </a:spcBef>
-              <a:spcAft>
-                <a:spcPts val="1600"/>
-              </a:spcAft>
-              <a:buNone/>
-            </a:pPr>
-            <a:endParaRPr lang="it-IT" dirty="0"/>
-          </a:p>
-          <a:p>
-            <a:pPr marL="0" lvl="0" indent="0" algn="l" rtl="0">
-              <a:lnSpc>
-                <a:spcPct val="115000"/>
-              </a:lnSpc>
-              <a:spcBef>
-                <a:spcPts val="0"/>
-              </a:spcBef>
-              <a:spcAft>
-                <a:spcPts val="1600"/>
-              </a:spcAft>
-              <a:buNone/>
-            </a:pPr>
-            <a:r>
-              <a:rPr lang="it-IT" dirty="0"/>
-              <a:t>Recall </a:t>
-            </a:r>
-            <a:r>
-              <a:rPr lang="it-IT" dirty="0" err="1"/>
-              <a:t>Passivity</a:t>
-            </a:r>
-            <a:r>
-              <a:rPr lang="it-IT" dirty="0"/>
-              <a:t>: </a:t>
-            </a:r>
-            <a:r>
-              <a:rPr lang="it-IT" dirty="0" err="1"/>
-              <a:t>defined</a:t>
-            </a:r>
-            <a:r>
-              <a:rPr lang="it-IT" dirty="0"/>
-              <a:t> storage </a:t>
-            </a:r>
-            <a:r>
-              <a:rPr lang="it-IT" dirty="0" err="1"/>
-              <a:t>function</a:t>
-            </a:r>
-            <a:r>
-              <a:rPr lang="it-IT" dirty="0"/>
-              <a:t> </a:t>
-            </a:r>
-            <a:r>
-              <a:rPr lang="it-IT" dirty="0" err="1"/>
-              <a:t>S</a:t>
-            </a:r>
-            <a:r>
-              <a:rPr lang="it-IT" dirty="0"/>
-              <a:t>(x) = 0.5x(t)^2</a:t>
-            </a:r>
-          </a:p>
-          <a:p>
-            <a:pPr marL="0" lvl="0" indent="0" algn="l" rtl="0">
-              <a:lnSpc>
-                <a:spcPct val="115000"/>
-              </a:lnSpc>
-              <a:spcBef>
-                <a:spcPts val="0"/>
-              </a:spcBef>
-              <a:spcAft>
-                <a:spcPts val="1600"/>
-              </a:spcAft>
-              <a:buNone/>
-            </a:pPr>
-            <a:r>
-              <a:rPr lang="it-IT" dirty="0"/>
-              <a:t>	</a:t>
-            </a:r>
-            <a:r>
-              <a:rPr lang="it-IT" dirty="0" err="1"/>
-              <a:t>lets</a:t>
-            </a:r>
-            <a:r>
-              <a:rPr lang="it-IT" dirty="0"/>
-              <a:t> compute </a:t>
-            </a:r>
-            <a:r>
-              <a:rPr lang="it-IT" dirty="0" err="1"/>
-              <a:t>increment</a:t>
-            </a:r>
-            <a:r>
-              <a:rPr lang="it-IT" dirty="0"/>
-              <a:t> </a:t>
-            </a:r>
-            <a:r>
-              <a:rPr lang="it-IT" dirty="0" err="1"/>
-              <a:t>delta_S</a:t>
-            </a:r>
-            <a:r>
-              <a:rPr lang="it-IT" dirty="0"/>
-              <a:t>=</a:t>
-            </a:r>
-            <a:r>
-              <a:rPr lang="it-IT" dirty="0" err="1"/>
-              <a:t>S</a:t>
-            </a:r>
-            <a:r>
-              <a:rPr lang="it-IT" dirty="0"/>
-              <a:t>(x(t+1))-</a:t>
-            </a:r>
-            <a:r>
-              <a:rPr lang="it-IT" dirty="0" err="1"/>
-              <a:t>S</a:t>
-            </a:r>
-            <a:r>
-              <a:rPr lang="it-IT" dirty="0"/>
-              <a:t>(x(t))</a:t>
-            </a:r>
-          </a:p>
-          <a:p>
-            <a:pPr marL="0" lvl="0" indent="0" algn="l" rtl="0">
-              <a:lnSpc>
-                <a:spcPct val="115000"/>
-              </a:lnSpc>
-              <a:spcBef>
-                <a:spcPts val="0"/>
-              </a:spcBef>
-              <a:spcAft>
-                <a:spcPts val="1600"/>
-              </a:spcAft>
-              <a:buNone/>
-            </a:pPr>
-            <a:r>
-              <a:rPr lang="it-IT" dirty="0"/>
-              <a:t>	</a:t>
-            </a:r>
-            <a:r>
-              <a:rPr lang="it-IT" dirty="0" err="1"/>
-              <a:t>substitute</a:t>
-            </a:r>
-            <a:r>
-              <a:rPr lang="it-IT" dirty="0"/>
-              <a:t> x(t+1) = x(t) + u(t) in the </a:t>
-            </a:r>
-            <a:r>
-              <a:rPr lang="it-IT" dirty="0" err="1"/>
-              <a:t>increment</a:t>
-            </a:r>
-            <a:endParaRPr lang="it-IT" dirty="0"/>
-          </a:p>
-          <a:p>
-            <a:pPr marL="0" lvl="0" indent="0" algn="l" rtl="0">
-              <a:lnSpc>
-                <a:spcPct val="115000"/>
-              </a:lnSpc>
-              <a:spcBef>
-                <a:spcPts val="0"/>
-              </a:spcBef>
-              <a:spcAft>
-                <a:spcPts val="1600"/>
-              </a:spcAft>
-              <a:buNone/>
-            </a:pPr>
-            <a:r>
-              <a:rPr lang="it-IT" dirty="0"/>
-              <a:t>	</a:t>
-            </a:r>
-            <a:r>
-              <a:rPr lang="it-IT" dirty="0" err="1"/>
-              <a:t>inn</a:t>
-            </a:r>
-            <a:r>
-              <a:rPr lang="it-IT" dirty="0"/>
-              <a:t> the </a:t>
-            </a:r>
-            <a:r>
-              <a:rPr lang="it-IT" dirty="0" err="1"/>
-              <a:t>increment</a:t>
-            </a:r>
-            <a:r>
-              <a:rPr lang="it-IT" dirty="0"/>
-              <a:t>, express x in </a:t>
-            </a:r>
-            <a:r>
-              <a:rPr lang="it-IT" dirty="0" err="1"/>
-              <a:t>terms</a:t>
-            </a:r>
-            <a:r>
-              <a:rPr lang="it-IT" dirty="0"/>
-              <a:t> of the output and input: y = </a:t>
-            </a:r>
-            <a:r>
-              <a:rPr lang="it-IT" dirty="0" err="1"/>
-              <a:t>x+gu</a:t>
-            </a:r>
-            <a:r>
-              <a:rPr lang="it-IT" dirty="0"/>
-              <a:t> -&gt; x=y-</a:t>
-            </a:r>
-            <a:r>
-              <a:rPr lang="it-IT" dirty="0" err="1"/>
-              <a:t>gu</a:t>
-            </a:r>
-            <a:endParaRPr lang="it-IT" dirty="0"/>
-          </a:p>
-          <a:p>
-            <a:pPr marL="0" lvl="0" indent="0" algn="l" rtl="0">
-              <a:lnSpc>
-                <a:spcPct val="115000"/>
-              </a:lnSpc>
-              <a:spcBef>
-                <a:spcPts val="0"/>
-              </a:spcBef>
-              <a:spcAft>
-                <a:spcPts val="1600"/>
-              </a:spcAft>
-              <a:buNone/>
-            </a:pPr>
-            <a:r>
-              <a:rPr lang="it-IT" dirty="0"/>
-              <a:t>g=1/2: </a:t>
-            </a:r>
-            <a:r>
-              <a:rPr lang="it-IT" dirty="0" err="1"/>
-              <a:t>Loseless</a:t>
-            </a:r>
-            <a:r>
-              <a:rPr lang="it-IT" dirty="0"/>
-              <a:t>: the energy </a:t>
-            </a:r>
-            <a:r>
-              <a:rPr lang="it-IT" dirty="0" err="1"/>
-              <a:t>provided</a:t>
-            </a:r>
-            <a:r>
-              <a:rPr lang="it-IT" dirty="0"/>
-              <a:t> by the input </a:t>
-            </a:r>
-            <a:r>
-              <a:rPr lang="it-IT" dirty="0" err="1"/>
-              <a:t>exactly</a:t>
-            </a:r>
-            <a:r>
-              <a:rPr lang="it-IT" dirty="0"/>
-              <a:t> matches the </a:t>
-            </a:r>
-            <a:r>
-              <a:rPr lang="it-IT" dirty="0" err="1"/>
-              <a:t>change</a:t>
-            </a:r>
-            <a:r>
-              <a:rPr lang="it-IT" dirty="0"/>
-              <a:t> in </a:t>
-            </a:r>
-            <a:r>
-              <a:rPr lang="it-IT" dirty="0" err="1"/>
-              <a:t>stored</a:t>
-            </a:r>
-            <a:r>
-              <a:rPr lang="it-IT" dirty="0"/>
-              <a:t> energy, with no </a:t>
-            </a:r>
-            <a:r>
-              <a:rPr lang="it-IT" dirty="0" err="1"/>
-              <a:t>additional</a:t>
-            </a:r>
-            <a:r>
-              <a:rPr lang="it-IT" dirty="0"/>
-              <a:t> energy </a:t>
-            </a:r>
-            <a:r>
-              <a:rPr lang="it-IT" dirty="0" err="1"/>
-              <a:t>dissipation</a:t>
-            </a:r>
-            <a:r>
-              <a:rPr lang="it-IT" dirty="0"/>
-              <a:t>. The system </a:t>
-            </a:r>
-            <a:r>
-              <a:rPr lang="it-IT" dirty="0" err="1"/>
-              <a:t>does</a:t>
-            </a:r>
-            <a:r>
-              <a:rPr lang="it-IT" dirty="0"/>
-              <a:t> </a:t>
-            </a:r>
-            <a:r>
-              <a:rPr lang="it-IT" dirty="0" err="1"/>
-              <a:t>not</a:t>
-            </a:r>
-            <a:r>
-              <a:rPr lang="it-IT" dirty="0"/>
-              <a:t> generate or dissipate extra energy.</a:t>
-            </a:r>
-          </a:p>
-          <a:p>
-            <a:pPr marL="0" lvl="0" indent="0" algn="l" rtl="0">
-              <a:lnSpc>
-                <a:spcPct val="115000"/>
-              </a:lnSpc>
-              <a:spcBef>
-                <a:spcPts val="0"/>
-              </a:spcBef>
-              <a:spcAft>
-                <a:spcPts val="1600"/>
-              </a:spcAft>
-              <a:buNone/>
-            </a:pPr>
-            <a:r>
-              <a:rPr lang="it-IT" dirty="0"/>
-              <a:t>g&gt;1/2: input-</a:t>
-            </a:r>
-            <a:r>
-              <a:rPr lang="it-IT" dirty="0" err="1"/>
-              <a:t>strictly</a:t>
-            </a:r>
-            <a:r>
-              <a:rPr lang="it-IT" dirty="0"/>
-              <a:t> passive: agents dissipate a </a:t>
-            </a:r>
-            <a:r>
-              <a:rPr lang="it-IT" dirty="0" err="1"/>
-              <a:t>certain</a:t>
-            </a:r>
-            <a:r>
-              <a:rPr lang="it-IT" dirty="0"/>
-              <a:t> </a:t>
-            </a:r>
-            <a:r>
-              <a:rPr lang="it-IT" dirty="0" err="1"/>
-              <a:t>amount</a:t>
-            </a:r>
-            <a:r>
-              <a:rPr lang="it-IT" dirty="0"/>
-              <a:t> of energy, </a:t>
-            </a:r>
-            <a:r>
-              <a:rPr lang="it-IT" dirty="0" err="1"/>
-              <a:t>contributing</a:t>
-            </a:r>
-            <a:r>
-              <a:rPr lang="it-IT" dirty="0"/>
-              <a:t> to </a:t>
-            </a:r>
-            <a:r>
-              <a:rPr lang="it-IT" dirty="0" err="1"/>
-              <a:t>enhanced</a:t>
-            </a:r>
-            <a:r>
-              <a:rPr lang="it-IT" dirty="0"/>
-              <a:t> </a:t>
-            </a:r>
-            <a:r>
-              <a:rPr lang="it-IT" dirty="0" err="1"/>
-              <a:t>stability</a:t>
-            </a:r>
-            <a:r>
-              <a:rPr lang="it-IT" dirty="0"/>
-              <a:t> and </a:t>
-            </a:r>
-            <a:r>
-              <a:rPr lang="it-IT" dirty="0" err="1"/>
-              <a:t>robustness</a:t>
-            </a:r>
-            <a:r>
-              <a:rPr lang="it-IT" dirty="0"/>
-              <a:t>.</a:t>
-            </a:r>
-          </a:p>
           <a:p>
             <a:pPr marL="0" lvl="0" indent="0" algn="l" rtl="0">
               <a:lnSpc>
@@ -4684,753 +2031,6 @@
               </a:spcAft>
               <a:buNone/>
             </a:pPr>
-            <a:r>
-              <a:rPr lang="it-IT" dirty="0"/>
-              <a:t>Local control </a:t>
-            </a:r>
-            <a:r>
-              <a:rPr lang="it-IT" dirty="0" err="1"/>
-              <a:t>laws</a:t>
-            </a:r>
-            <a:r>
-              <a:rPr lang="it-IT" dirty="0"/>
-              <a:t> are </a:t>
-            </a:r>
-            <a:r>
-              <a:rPr lang="it-IT" dirty="0" err="1"/>
-              <a:t>obtained</a:t>
-            </a:r>
-            <a:r>
-              <a:rPr lang="it-IT" dirty="0"/>
-              <a:t> by </a:t>
-            </a:r>
-            <a:r>
-              <a:rPr lang="it-IT" dirty="0" err="1"/>
-              <a:t>explicating</a:t>
-            </a:r>
-            <a:r>
-              <a:rPr lang="it-IT" dirty="0"/>
-              <a:t> </a:t>
-            </a:r>
-            <a:r>
-              <a:rPr lang="it-IT" dirty="0" err="1"/>
-              <a:t>u_i</a:t>
-            </a:r>
-            <a:r>
-              <a:rPr lang="it-IT" dirty="0"/>
-              <a:t> from the </a:t>
-            </a:r>
-            <a:r>
-              <a:rPr lang="it-IT" dirty="0" err="1"/>
-              <a:t>centralized</a:t>
-            </a:r>
-            <a:r>
-              <a:rPr lang="it-IT" dirty="0"/>
-              <a:t> one </a:t>
-            </a:r>
-            <a:r>
-              <a:rPr lang="it-IT" dirty="0" err="1"/>
-              <a:t>previously</a:t>
-            </a:r>
-            <a:r>
-              <a:rPr lang="it-IT" dirty="0"/>
-              <a:t> </a:t>
-            </a:r>
-            <a:r>
-              <a:rPr lang="it-IT" dirty="0" err="1"/>
-              <a:t>defined</a:t>
-            </a:r>
-            <a:r>
-              <a:rPr lang="it-IT" dirty="0"/>
-              <a:t>, </a:t>
-            </a:r>
-            <a:r>
-              <a:rPr lang="it-IT" dirty="0" err="1"/>
-              <a:t>such</a:t>
-            </a:r>
-            <a:r>
-              <a:rPr lang="it-IT" dirty="0"/>
-              <a:t> </a:t>
-            </a:r>
-            <a:r>
-              <a:rPr lang="it-IT" dirty="0" err="1"/>
-              <a:t>that</a:t>
-            </a:r>
-            <a:r>
-              <a:rPr lang="it-IT" dirty="0"/>
-              <a:t> </a:t>
-            </a:r>
-            <a:r>
-              <a:rPr lang="it-IT" dirty="0" err="1"/>
-              <a:t>it</a:t>
-            </a:r>
-            <a:r>
-              <a:rPr lang="it-IT" dirty="0"/>
-              <a:t> </a:t>
-            </a:r>
-            <a:r>
-              <a:rPr lang="it-IT" dirty="0" err="1"/>
-              <a:t>is</a:t>
-            </a:r>
-            <a:r>
-              <a:rPr lang="it-IT" dirty="0"/>
-              <a:t> </a:t>
-            </a:r>
-            <a:r>
-              <a:rPr lang="it-IT" dirty="0" err="1"/>
-              <a:t>composed</a:t>
-            </a:r>
-            <a:r>
-              <a:rPr lang="it-IT" dirty="0"/>
-              <a:t> by </a:t>
-            </a:r>
-            <a:r>
-              <a:rPr lang="it-IT" dirty="0" err="1"/>
-              <a:t>two</a:t>
-            </a:r>
-            <a:r>
-              <a:rPr lang="it-IT" dirty="0"/>
-              <a:t> </a:t>
-            </a:r>
-            <a:r>
-              <a:rPr lang="it-IT" dirty="0" err="1"/>
-              <a:t>main</a:t>
-            </a:r>
-            <a:r>
-              <a:rPr lang="it-IT" dirty="0"/>
-              <a:t> </a:t>
-            </a:r>
-            <a:r>
-              <a:rPr lang="it-IT" dirty="0" err="1"/>
-              <a:t>terms</a:t>
-            </a:r>
-            <a:r>
-              <a:rPr lang="it-IT" dirty="0"/>
-              <a:t>:</a:t>
-            </a:r>
-          </a:p>
-          <a:p>
-            <a:pPr marL="0" lvl="0" indent="0" algn="l" rtl="0">
-              <a:lnSpc>
-                <a:spcPct val="115000"/>
-              </a:lnSpc>
-              <a:spcBef>
-                <a:spcPts val="0"/>
-              </a:spcBef>
-              <a:spcAft>
-                <a:spcPts val="1600"/>
-              </a:spcAft>
-              <a:buNone/>
-            </a:pPr>
-            <a:r>
-              <a:rPr lang="it-IT" dirty="0"/>
-              <a:t>	</a:t>
-            </a:r>
-            <a:r>
-              <a:rPr lang="it-IT" dirty="0" err="1"/>
-              <a:t>term</a:t>
-            </a:r>
-            <a:r>
-              <a:rPr lang="it-IT" dirty="0"/>
-              <a:t> 1: </a:t>
-            </a:r>
-            <a:r>
-              <a:rPr lang="it-IT" dirty="0" err="1"/>
-              <a:t>dependent</a:t>
-            </a:r>
-            <a:r>
-              <a:rPr lang="it-IT" dirty="0"/>
-              <a:t> </a:t>
-            </a:r>
-            <a:r>
-              <a:rPr lang="it-IT" dirty="0" err="1"/>
-              <a:t>only</a:t>
-            </a:r>
-            <a:r>
-              <a:rPr lang="it-IT" dirty="0"/>
-              <a:t> on </a:t>
-            </a:r>
-            <a:r>
-              <a:rPr lang="it-IT" dirty="0" err="1"/>
-              <a:t>states</a:t>
-            </a:r>
-            <a:r>
-              <a:rPr lang="it-IT" dirty="0"/>
-              <a:t> </a:t>
-            </a:r>
-            <a:r>
-              <a:rPr lang="it-IT" dirty="0" err="1"/>
-              <a:t>x_i</a:t>
-            </a:r>
-            <a:r>
-              <a:rPr lang="it-IT" dirty="0"/>
-              <a:t> and </a:t>
-            </a:r>
-            <a:r>
-              <a:rPr lang="it-IT" dirty="0" err="1"/>
-              <a:t>x_j</a:t>
-            </a:r>
-            <a:r>
-              <a:rPr lang="it-IT" dirty="0"/>
-              <a:t>: </a:t>
-            </a:r>
-            <a:r>
-              <a:rPr lang="it-IT" dirty="0" err="1"/>
-              <a:t>available</a:t>
-            </a:r>
-            <a:r>
-              <a:rPr lang="it-IT" dirty="0"/>
-              <a:t> </a:t>
-            </a:r>
-            <a:r>
-              <a:rPr lang="it-IT" dirty="0" err="1"/>
-              <a:t>at</a:t>
-            </a:r>
-            <a:r>
-              <a:rPr lang="it-IT" dirty="0"/>
-              <a:t> </a:t>
-            </a:r>
-            <a:r>
-              <a:rPr lang="it-IT" dirty="0" err="1"/>
-              <a:t>each</a:t>
-            </a:r>
-            <a:r>
-              <a:rPr lang="it-IT" dirty="0"/>
-              <a:t> time step t</a:t>
-            </a:r>
-          </a:p>
-          <a:p>
-            <a:pPr marL="0" lvl="0" indent="0" algn="l" rtl="0">
-              <a:lnSpc>
-                <a:spcPct val="115000"/>
-              </a:lnSpc>
-              <a:spcBef>
-                <a:spcPts val="0"/>
-              </a:spcBef>
-              <a:spcAft>
-                <a:spcPts val="1600"/>
-              </a:spcAft>
-              <a:buNone/>
-            </a:pPr>
-            <a:r>
-              <a:rPr lang="it-IT" dirty="0"/>
-              <a:t>	</a:t>
-            </a:r>
-            <a:r>
-              <a:rPr lang="it-IT" dirty="0" err="1"/>
-              <a:t>term</a:t>
-            </a:r>
-            <a:r>
-              <a:rPr lang="it-IT" dirty="0"/>
-              <a:t> 2: </a:t>
-            </a:r>
-            <a:r>
-              <a:rPr lang="it-IT" dirty="0" err="1"/>
-              <a:t>neighbors</a:t>
-            </a:r>
-            <a:r>
-              <a:rPr lang="it-IT" dirty="0"/>
-              <a:t> controls </a:t>
-            </a:r>
-            <a:r>
-              <a:rPr lang="it-IT" dirty="0" err="1"/>
-              <a:t>dependent</a:t>
-            </a:r>
-            <a:r>
-              <a:rPr lang="it-IT" dirty="0"/>
-              <a:t>: </a:t>
-            </a:r>
-            <a:r>
-              <a:rPr lang="it-IT" dirty="0" err="1"/>
-              <a:t>need</a:t>
-            </a:r>
-            <a:r>
-              <a:rPr lang="it-IT" dirty="0"/>
-              <a:t> to estimate </a:t>
-            </a:r>
-            <a:r>
-              <a:rPr lang="it-IT" dirty="0" err="1"/>
-              <a:t>them</a:t>
-            </a:r>
-            <a:r>
-              <a:rPr lang="it-IT" dirty="0"/>
-              <a:t>, </a:t>
-            </a:r>
-            <a:r>
-              <a:rPr lang="it-IT" dirty="0" err="1"/>
-              <a:t>because</a:t>
-            </a:r>
-            <a:r>
-              <a:rPr lang="it-IT" dirty="0"/>
-              <a:t> </a:t>
-            </a:r>
-            <a:r>
-              <a:rPr lang="it-IT" dirty="0" err="1"/>
-              <a:t>if</a:t>
-            </a:r>
-            <a:r>
-              <a:rPr lang="it-IT" dirty="0"/>
-              <a:t> </a:t>
-            </a:r>
-            <a:r>
-              <a:rPr lang="it-IT" dirty="0" err="1"/>
-              <a:t>there</a:t>
-            </a:r>
-            <a:r>
-              <a:rPr lang="it-IT" dirty="0"/>
-              <a:t> are </a:t>
-            </a:r>
-            <a:r>
-              <a:rPr lang="it-IT" dirty="0" err="1"/>
-              <a:t>communication</a:t>
-            </a:r>
-            <a:r>
-              <a:rPr lang="it-IT" dirty="0"/>
-              <a:t> delays, agent I-</a:t>
-            </a:r>
-            <a:r>
-              <a:rPr lang="it-IT" dirty="0" err="1"/>
-              <a:t>th</a:t>
-            </a:r>
-            <a:r>
-              <a:rPr lang="it-IT" dirty="0"/>
-              <a:t> works in </a:t>
-            </a:r>
-            <a:r>
-              <a:rPr lang="it-IT" dirty="0" err="1"/>
-              <a:t>outdated</a:t>
-            </a:r>
-            <a:r>
-              <a:rPr lang="it-IT" dirty="0"/>
-              <a:t> information</a:t>
-            </a:r>
-          </a:p>
-          <a:p>
-            <a:pPr marL="0" lvl="0" indent="0" algn="l" rtl="0">
-              <a:lnSpc>
-                <a:spcPct val="115000"/>
-              </a:lnSpc>
-              <a:spcBef>
-                <a:spcPts val="0"/>
-              </a:spcBef>
-              <a:spcAft>
-                <a:spcPts val="1600"/>
-              </a:spcAft>
-              <a:buNone/>
-            </a:pPr>
-            <a:r>
-              <a:rPr lang="it-IT" dirty="0"/>
-              <a:t>Time scale </a:t>
-            </a:r>
-            <a:r>
-              <a:rPr lang="it-IT" dirty="0" err="1"/>
-              <a:t>separation</a:t>
-            </a:r>
-            <a:r>
-              <a:rPr lang="it-IT" dirty="0"/>
-              <a:t> </a:t>
-            </a:r>
-            <a:r>
-              <a:rPr lang="it-IT" dirty="0" err="1"/>
-              <a:t>involves</a:t>
-            </a:r>
-            <a:r>
-              <a:rPr lang="it-IT" dirty="0"/>
-              <a:t> </a:t>
-            </a:r>
-            <a:r>
-              <a:rPr lang="it-IT" dirty="0" err="1"/>
-              <a:t>separating</a:t>
-            </a:r>
-            <a:r>
-              <a:rPr lang="it-IT" dirty="0"/>
-              <a:t> the </a:t>
-            </a:r>
-            <a:r>
-              <a:rPr lang="it-IT" dirty="0" err="1"/>
-              <a:t>rapid</a:t>
-            </a:r>
-            <a:r>
-              <a:rPr lang="it-IT" dirty="0"/>
-              <a:t> </a:t>
-            </a:r>
-            <a:r>
-              <a:rPr lang="it-IT" dirty="0" err="1"/>
-              <a:t>exchange</a:t>
-            </a:r>
-            <a:r>
-              <a:rPr lang="it-IT" dirty="0"/>
-              <a:t> of </a:t>
-            </a:r>
-            <a:r>
-              <a:rPr lang="it-IT" dirty="0" err="1"/>
-              <a:t>local</a:t>
-            </a:r>
-            <a:r>
-              <a:rPr lang="it-IT" dirty="0"/>
-              <a:t> information </a:t>
-            </a:r>
-            <a:r>
-              <a:rPr lang="it-IT" dirty="0" err="1"/>
-              <a:t>between</a:t>
-            </a:r>
-            <a:r>
-              <a:rPr lang="it-IT" dirty="0"/>
-              <a:t> </a:t>
-            </a:r>
-            <a:r>
-              <a:rPr lang="it-IT" dirty="0" err="1"/>
-              <a:t>nodes</a:t>
-            </a:r>
-            <a:r>
-              <a:rPr lang="it-IT" dirty="0"/>
-              <a:t> (fast dynamics) from the </a:t>
-            </a:r>
-            <a:r>
-              <a:rPr lang="it-IT" dirty="0" err="1"/>
-              <a:t>slower</a:t>
-            </a:r>
-            <a:r>
-              <a:rPr lang="it-IT" dirty="0"/>
-              <a:t> updates of the overall system state (slow dynamics).</a:t>
-            </a:r>
-          </a:p>
-          <a:p>
-            <a:pPr marL="0" lvl="0" indent="0" algn="l" rtl="0">
-              <a:lnSpc>
-                <a:spcPct val="115000"/>
-              </a:lnSpc>
-              <a:spcBef>
-                <a:spcPts val="0"/>
-              </a:spcBef>
-              <a:spcAft>
-                <a:spcPts val="1600"/>
-              </a:spcAft>
-              <a:buNone/>
-            </a:pPr>
-            <a:r>
-              <a:rPr lang="it-IT" dirty="0" err="1"/>
-              <a:t>Algorithm</a:t>
-            </a:r>
-            <a:r>
-              <a:rPr lang="it-IT" dirty="0"/>
-              <a:t> for a </a:t>
-            </a:r>
-            <a:r>
-              <a:rPr lang="it-IT" dirty="0" err="1"/>
-              <a:t>generic</a:t>
-            </a:r>
-            <a:r>
-              <a:rPr lang="it-IT" dirty="0"/>
-              <a:t> time </a:t>
-            </a:r>
-            <a:r>
-              <a:rPr lang="it-IT" dirty="0" err="1"/>
-              <a:t>unit</a:t>
-            </a:r>
-            <a:r>
-              <a:rPr lang="it-IT" dirty="0"/>
-              <a:t> t:</a:t>
-            </a:r>
-          </a:p>
-          <a:p>
-            <a:pPr marL="0" lvl="0" indent="0" algn="l" rtl="0">
-              <a:lnSpc>
-                <a:spcPct val="115000"/>
-              </a:lnSpc>
-              <a:spcBef>
-                <a:spcPts val="0"/>
-              </a:spcBef>
-              <a:spcAft>
-                <a:spcPts val="1600"/>
-              </a:spcAft>
-              <a:buNone/>
-            </a:pPr>
-            <a:r>
-              <a:rPr lang="it-IT" dirty="0"/>
-              <a:t>	</a:t>
-            </a:r>
-            <a:r>
-              <a:rPr lang="it-IT" dirty="0" err="1"/>
-              <a:t>initial</a:t>
-            </a:r>
-            <a:r>
-              <a:rPr lang="it-IT" dirty="0"/>
-              <a:t> </a:t>
-            </a:r>
-            <a:r>
-              <a:rPr lang="it-IT" dirty="0" err="1"/>
-              <a:t>estimates</a:t>
-            </a:r>
-            <a:r>
-              <a:rPr lang="it-IT" dirty="0"/>
-              <a:t> </a:t>
-            </a:r>
-            <a:r>
-              <a:rPr lang="it-IT" dirty="0" err="1"/>
-              <a:t>v_i</a:t>
-            </a:r>
-            <a:r>
-              <a:rPr lang="it-IT" dirty="0"/>
-              <a:t>(t,0) are </a:t>
-            </a:r>
-            <a:r>
-              <a:rPr lang="it-IT" dirty="0" err="1"/>
-              <a:t>computed</a:t>
-            </a:r>
-            <a:r>
-              <a:rPr lang="it-IT" dirty="0"/>
-              <a:t> for </a:t>
-            </a:r>
-            <a:r>
-              <a:rPr lang="it-IT" dirty="0" err="1"/>
-              <a:t>each</a:t>
-            </a:r>
-            <a:r>
-              <a:rPr lang="it-IT" dirty="0"/>
-              <a:t> agent</a:t>
-            </a:r>
-          </a:p>
-          <a:p>
-            <a:pPr marL="0" lvl="0" indent="0" algn="l" rtl="0">
-              <a:lnSpc>
-                <a:spcPct val="115000"/>
-              </a:lnSpc>
-              <a:spcBef>
-                <a:spcPts val="0"/>
-              </a:spcBef>
-              <a:spcAft>
-                <a:spcPts val="1600"/>
-              </a:spcAft>
-              <a:buNone/>
-            </a:pPr>
-            <a:r>
-              <a:rPr lang="it-IT" dirty="0"/>
-              <a:t>	</a:t>
-            </a:r>
-            <a:r>
-              <a:rPr lang="it-IT" dirty="0" err="1"/>
-              <a:t>estimates</a:t>
-            </a:r>
-            <a:r>
-              <a:rPr lang="it-IT" dirty="0"/>
-              <a:t> are </a:t>
-            </a:r>
-            <a:r>
-              <a:rPr lang="it-IT" dirty="0" err="1"/>
-              <a:t>updated</a:t>
-            </a:r>
-            <a:r>
-              <a:rPr lang="it-IT" dirty="0"/>
-              <a:t> </a:t>
-            </a:r>
-            <a:r>
-              <a:rPr lang="it-IT" dirty="0" err="1"/>
-              <a:t>through</a:t>
-            </a:r>
-            <a:r>
-              <a:rPr lang="it-IT" dirty="0"/>
-              <a:t> \gamma intra-consensus </a:t>
-            </a:r>
-            <a:r>
-              <a:rPr lang="it-IT" dirty="0" err="1"/>
-              <a:t>iterations</a:t>
-            </a:r>
-            <a:r>
-              <a:rPr lang="it-IT" dirty="0"/>
-              <a:t>: for h=0...\gamma:</a:t>
-            </a:r>
-          </a:p>
-          <a:p>
-            <a:pPr marL="0" lvl="0" indent="0" algn="l" rtl="0">
-              <a:lnSpc>
-                <a:spcPct val="115000"/>
-              </a:lnSpc>
-              <a:spcBef>
-                <a:spcPts val="0"/>
-              </a:spcBef>
-              <a:spcAft>
-                <a:spcPts val="1600"/>
-              </a:spcAft>
-              <a:buNone/>
-            </a:pPr>
-            <a:r>
-              <a:rPr lang="it-IT" dirty="0"/>
-              <a:t>		</a:t>
-            </a:r>
-            <a:r>
-              <a:rPr lang="it-IT" dirty="0" err="1"/>
-              <a:t>v_i</a:t>
-            </a:r>
-            <a:r>
-              <a:rPr lang="it-IT" dirty="0"/>
-              <a:t>(</a:t>
-            </a:r>
-            <a:r>
-              <a:rPr lang="it-IT" dirty="0" err="1"/>
-              <a:t>t,h</a:t>
-            </a:r>
-            <a:r>
-              <a:rPr lang="it-IT" dirty="0"/>
-              <a:t>) </a:t>
-            </a:r>
-            <a:r>
-              <a:rPr lang="it-IT" dirty="0" err="1"/>
-              <a:t>is</a:t>
-            </a:r>
-            <a:r>
-              <a:rPr lang="it-IT" dirty="0"/>
-              <a:t> </a:t>
-            </a:r>
-            <a:r>
-              <a:rPr lang="it-IT" dirty="0" err="1"/>
-              <a:t>propagated</a:t>
-            </a:r>
-            <a:r>
-              <a:rPr lang="it-IT" dirty="0"/>
-              <a:t> to the </a:t>
-            </a:r>
-            <a:r>
-              <a:rPr lang="it-IT" dirty="0" err="1"/>
-              <a:t>neighbors</a:t>
-            </a:r>
-            <a:endParaRPr lang="it-IT" dirty="0"/>
-          </a:p>
-          <a:p>
-            <a:pPr marL="0" lvl="0" indent="0" algn="l" rtl="0">
-              <a:lnSpc>
-                <a:spcPct val="115000"/>
-              </a:lnSpc>
-              <a:spcBef>
-                <a:spcPts val="0"/>
-              </a:spcBef>
-              <a:spcAft>
-                <a:spcPts val="1600"/>
-              </a:spcAft>
-              <a:buNone/>
-            </a:pPr>
-            <a:r>
-              <a:rPr lang="it-IT" dirty="0"/>
-              <a:t>		</a:t>
-            </a:r>
-            <a:r>
-              <a:rPr lang="it-IT" dirty="0" err="1"/>
-              <a:t>v_i</a:t>
-            </a:r>
-            <a:r>
-              <a:rPr lang="it-IT" dirty="0"/>
-              <a:t>(t,h+1) </a:t>
-            </a:r>
-            <a:r>
-              <a:rPr lang="it-IT" dirty="0" err="1"/>
-              <a:t>is</a:t>
-            </a:r>
-            <a:r>
-              <a:rPr lang="it-IT" dirty="0"/>
-              <a:t> </a:t>
-            </a:r>
-            <a:r>
-              <a:rPr lang="it-IT" dirty="0" err="1"/>
-              <a:t>computed</a:t>
-            </a:r>
-            <a:r>
-              <a:rPr lang="it-IT" dirty="0"/>
-              <a:t>, </a:t>
-            </a:r>
-            <a:r>
-              <a:rPr lang="it-IT" dirty="0" err="1"/>
-              <a:t>using</a:t>
-            </a:r>
-            <a:r>
-              <a:rPr lang="it-IT" dirty="0"/>
-              <a:t> </a:t>
-            </a:r>
-            <a:r>
-              <a:rPr lang="it-IT" dirty="0" err="1"/>
-              <a:t>v_j</a:t>
-            </a:r>
-            <a:r>
-              <a:rPr lang="it-IT" dirty="0"/>
-              <a:t>(</a:t>
-            </a:r>
-            <a:r>
-              <a:rPr lang="it-IT" dirty="0" err="1"/>
-              <a:t>t,h</a:t>
-            </a:r>
-            <a:r>
-              <a:rPr lang="it-IT" dirty="0"/>
-              <a:t>)</a:t>
-            </a:r>
-          </a:p>
-          <a:p>
-            <a:pPr marL="0" lvl="0" indent="0" algn="l" rtl="0">
-              <a:lnSpc>
-                <a:spcPct val="115000"/>
-              </a:lnSpc>
-              <a:spcBef>
-                <a:spcPts val="0"/>
-              </a:spcBef>
-              <a:spcAft>
-                <a:spcPts val="1600"/>
-              </a:spcAft>
-              <a:buNone/>
-            </a:pPr>
-            <a:r>
-              <a:rPr lang="it-IT" dirty="0" err="1"/>
-              <a:t>Algorithm</a:t>
-            </a:r>
-            <a:r>
-              <a:rPr lang="it-IT" dirty="0"/>
-              <a:t> </a:t>
-            </a:r>
-            <a:r>
-              <a:rPr lang="it-IT" dirty="0" err="1"/>
-              <a:t>produces</a:t>
-            </a:r>
-            <a:r>
-              <a:rPr lang="it-IT" dirty="0"/>
-              <a:t> </a:t>
-            </a:r>
-            <a:r>
-              <a:rPr lang="it-IT" dirty="0" err="1"/>
-              <a:t>v_i</a:t>
-            </a:r>
-            <a:r>
-              <a:rPr lang="it-IT" dirty="0"/>
-              <a:t>(t,\gamma) </a:t>
-            </a:r>
-            <a:r>
-              <a:rPr lang="it-IT" dirty="0" err="1"/>
-              <a:t>that</a:t>
-            </a:r>
-            <a:r>
-              <a:rPr lang="it-IT" dirty="0"/>
-              <a:t> </a:t>
-            </a:r>
-            <a:r>
-              <a:rPr lang="it-IT" dirty="0" err="1"/>
-              <a:t>is</a:t>
-            </a:r>
-            <a:r>
-              <a:rPr lang="it-IT" dirty="0"/>
-              <a:t> an </a:t>
-            </a:r>
-            <a:r>
-              <a:rPr lang="it-IT" dirty="0" err="1"/>
-              <a:t>estimation</a:t>
-            </a:r>
-            <a:r>
-              <a:rPr lang="it-IT" dirty="0"/>
-              <a:t> of </a:t>
-            </a:r>
-            <a:r>
-              <a:rPr lang="it-IT" dirty="0" err="1"/>
-              <a:t>u_i</a:t>
-            </a:r>
-            <a:r>
-              <a:rPr lang="it-IT" dirty="0"/>
-              <a:t>(t)</a:t>
-            </a:r>
             <a:endParaRPr dirty="0"/>
           </a:p>
         </p:txBody>
@@ -9971,8 +6571,8 @@
           </a:p>
         </p:txBody>
       </p:sp>
-      <mc:AlternateContent xmlns:mc="http://schemas.openxmlformats.org/markup-compatibility/2006" xmlns:a14="http://schemas.microsoft.com/office/drawing/2010/main">
-        <mc:Choice Requires="a14">
+      <mc:AlternateContent xmlns:mc="http://schemas.openxmlformats.org/markup-compatibility/2006">
+        <mc:Choice xmlns:a14="http://schemas.microsoft.com/office/drawing/2010/main" Requires="a14">
           <p:sp>
             <p:nvSpPr>
               <p:cNvPr id="82" name="Google Shape;82;p8"/>
@@ -12028,7 +8628,14 @@
                           <a:rPr lang="it-IT" sz="1400" i="1">
                             <a:latin typeface="Cambria Math" panose="02040503050406030204" pitchFamily="18" charset="0"/>
                           </a:rPr>
-                          <m:t>,0</m:t>
+                          <m:t>,</m:t>
+                        </m:r>
+                        <m:r>
+                          <a:rPr lang="en-GB" sz="1400" i="1">
+                            <a:latin typeface="Cambria Math" panose="02040503050406030204" pitchFamily="18" charset="0"/>
+                            <a:ea typeface="Cambria Math" panose="02040503050406030204" pitchFamily="18" charset="0"/>
+                          </a:rPr>
+                          <m:t>𝛾</m:t>
                         </m:r>
                       </m:e>
                     </m:d>
@@ -12132,7 +8739,7 @@
             </p:txBody>
           </p:sp>
         </mc:Choice>
-        <mc:Fallback xmlns="">
+        <mc:Fallback>
           <p:sp>
             <p:nvSpPr>
               <p:cNvPr id="82" name="Google Shape;82;p8"/>
@@ -14978,365 +11585,6 @@
   <p:cSld>
     <p:spTree>
       <p:nvGrpSpPr>
-        <p:cNvPr id="1" name="Shape 80"/>
-        <p:cNvGrpSpPr/>
-        <p:nvPr/>
-      </p:nvGrpSpPr>
-      <p:grpSpPr>
-        <a:xfrm>
-          <a:off x="0" y="0"/>
-          <a:ext cx="0" cy="0"/>
-          <a:chOff x="0" y="0"/>
-          <a:chExt cx="0" cy="0"/>
-        </a:xfrm>
-      </p:grpSpPr>
-      <p:sp>
-        <p:nvSpPr>
-          <p:cNvPr id="81" name="Google Shape;81;p8"/>
-          <p:cNvSpPr txBox="1">
-            <a:spLocks noGrp="1"/>
-          </p:cNvSpPr>
-          <p:nvPr>
-            <p:ph type="title"/>
-          </p:nvPr>
-        </p:nvSpPr>
-        <p:spPr>
-          <a:xfrm>
-            <a:off x="727650" y="861800"/>
-            <a:ext cx="7688700" cy="535200"/>
-          </a:xfrm>
-          <a:prstGeom prst="rect">
-            <a:avLst/>
-          </a:prstGeom>
-        </p:spPr>
-        <p:txBody>
-          <a:bodyPr spcFirstLastPara="1" wrap="square" lIns="91425" tIns="91425" rIns="91425" bIns="91425" anchor="t" anchorCtr="0">
-            <a:noAutofit/>
-          </a:bodyPr>
-          <a:lstStyle/>
-          <a:p>
-            <a:pPr marL="0" lvl="0" indent="0" algn="l" rtl="0">
-              <a:spcBef>
-                <a:spcPts val="0"/>
-              </a:spcBef>
-              <a:spcAft>
-                <a:spcPts val="0"/>
-              </a:spcAft>
-              <a:buNone/>
-            </a:pPr>
-            <a:r>
-              <a:rPr lang="it" dirty="0">
-                <a:latin typeface="Raleway" pitchFamily="2" charset="77"/>
-              </a:rPr>
-              <a:t>Conclusions and future work</a:t>
-            </a:r>
-            <a:endParaRPr dirty="0">
-              <a:latin typeface="Raleway" pitchFamily="2" charset="77"/>
-            </a:endParaRPr>
-          </a:p>
-        </p:txBody>
-      </p:sp>
-      <mc:AlternateContent xmlns:mc="http://schemas.openxmlformats.org/markup-compatibility/2006" xmlns:a14="http://schemas.microsoft.com/office/drawing/2010/main">
-        <mc:Choice Requires="a14">
-          <p:sp>
-            <p:nvSpPr>
-              <p:cNvPr id="82" name="Google Shape;82;p8"/>
-              <p:cNvSpPr txBox="1">
-                <a:spLocks noGrp="1"/>
-              </p:cNvSpPr>
-              <p:nvPr>
-                <p:ph type="body" idx="1"/>
-              </p:nvPr>
-            </p:nvSpPr>
-            <p:spPr>
-              <a:xfrm>
-                <a:off x="727650" y="1492265"/>
-                <a:ext cx="7688700" cy="3111049"/>
-              </a:xfrm>
-              <a:prstGeom prst="rect">
-                <a:avLst/>
-              </a:prstGeom>
-            </p:spPr>
-            <p:txBody>
-              <a:bodyPr spcFirstLastPara="1" wrap="square" lIns="91425" tIns="91425" rIns="91425" bIns="91425" anchor="t" anchorCtr="0">
-                <a:noAutofit/>
-              </a:bodyPr>
-              <a:lstStyle/>
-              <a:p>
-                <a:pPr marL="285750" indent="-285750">
-                  <a:spcAft>
-                    <a:spcPts val="1600"/>
-                  </a:spcAft>
-                </a:pPr>
-                <a:r>
-                  <a:rPr lang="en-GB" sz="1500" dirty="0">
-                    <a:latin typeface="Raleway" pitchFamily="2" charset="77"/>
-                  </a:rPr>
-                  <a:t>Finite time convergence in discrete domain</a:t>
-                </a:r>
-              </a:p>
-              <a:p>
-                <a:pPr marL="285750" indent="-285750">
-                  <a:spcAft>
-                    <a:spcPts val="1600"/>
-                  </a:spcAft>
-                </a:pPr>
-                <a:r>
-                  <a:rPr lang="en-GB" sz="1500" dirty="0">
-                    <a:latin typeface="Raleway" pitchFamily="2" charset="77"/>
-                  </a:rPr>
-                  <a:t>Topology-independent distributed approach</a:t>
-                </a:r>
-              </a:p>
-              <a:p>
-                <a:pPr marL="285750" indent="-285750">
-                  <a:spcAft>
-                    <a:spcPts val="1600"/>
-                  </a:spcAft>
-                </a:pPr>
-                <a:r>
-                  <a:rPr lang="en-GB" sz="1500" dirty="0">
-                    <a:latin typeface="Raleway" pitchFamily="2" charset="77"/>
-                  </a:rPr>
-                  <a:t>Reduced delays of information exchange</a:t>
-                </a:r>
-              </a:p>
-              <a:p>
-                <a:pPr marL="285750" indent="-285750">
-                  <a:spcAft>
-                    <a:spcPts val="1600"/>
-                  </a:spcAft>
-                </a:pPr>
-                <a:r>
-                  <a:rPr lang="en-GB" sz="1500" dirty="0">
-                    <a:latin typeface="Raleway" pitchFamily="2" charset="77"/>
-                  </a:rPr>
-                  <a:t>Application in my Master Thesis:</a:t>
-                </a:r>
-              </a:p>
-              <a:p>
-                <a:pPr marL="742950" lvl="1" indent="-285750">
-                  <a:spcBef>
-                    <a:spcPts val="400"/>
-                  </a:spcBef>
-                  <a:spcAft>
-                    <a:spcPts val="1600"/>
-                  </a:spcAft>
-                </a:pPr>
-                <a:r>
-                  <a:rPr lang="en-GB" sz="1300" dirty="0">
-                    <a:latin typeface="Raleway" pitchFamily="2" charset="77"/>
-                  </a:rPr>
-                  <a:t>Estimation of Lyapunov functions for complex systems with Physics-Informed Neural Networks (PINNs)</a:t>
-                </a:r>
-              </a:p>
-              <a:p>
-                <a:pPr marL="742950" lvl="1" indent="-285750">
-                  <a:lnSpc>
-                    <a:spcPct val="100000"/>
-                  </a:lnSpc>
-                  <a:spcBef>
-                    <a:spcPts val="400"/>
-                  </a:spcBef>
-                  <a:spcAft>
-                    <a:spcPts val="400"/>
-                  </a:spcAft>
-                </a:pPr>
-                <a:r>
-                  <a:rPr lang="en-GB" sz="1300" dirty="0">
-                    <a:latin typeface="Raleway" pitchFamily="2" charset="77"/>
-                  </a:rPr>
-                  <a:t>Development of a Continuous Domain-based approach</a:t>
-                </a:r>
-                <a:r>
-                  <a:rPr lang="it" sz="1400" dirty="0">
-                    <a:ea typeface="Cambria Math" panose="02040503050406030204" pitchFamily="18" charset="0"/>
-                  </a:rPr>
-                  <a:t> </a:t>
-                </a:r>
-                <a14:m>
-                  <m:oMath xmlns:m="http://schemas.openxmlformats.org/officeDocument/2006/math">
-                    <m:r>
-                      <a:rPr lang="it" sz="1400" dirty="0" smtClean="0">
-                        <a:latin typeface="Cambria Math" panose="02040503050406030204" pitchFamily="18" charset="0"/>
-                        <a:ea typeface="Cambria Math" panose="02040503050406030204" pitchFamily="18" charset="0"/>
-                      </a:rPr>
-                      <m:t>⟹</m:t>
-                    </m:r>
-                  </m:oMath>
-                </a14:m>
-                <a:r>
-                  <a:rPr lang="en-GB" sz="1300" dirty="0">
-                    <a:latin typeface="Raleway" pitchFamily="2" charset="77"/>
-                  </a:rPr>
-                  <a:t> </a:t>
-                </a:r>
-                <a:r>
-                  <a:rPr lang="en-GB" sz="1300" dirty="0">
-                    <a:solidFill>
-                      <a:srgbClr val="6E0918"/>
-                    </a:solidFill>
-                    <a:latin typeface="Raleway" pitchFamily="2" charset="77"/>
-                  </a:rPr>
-                  <a:t>improving efficiency</a:t>
-                </a:r>
-              </a:p>
-            </p:txBody>
-          </p:sp>
-        </mc:Choice>
-        <mc:Fallback xmlns="">
-          <p:sp>
-            <p:nvSpPr>
-              <p:cNvPr id="82" name="Google Shape;82;p8"/>
-              <p:cNvSpPr txBox="1">
-                <a:spLocks noGrp="1" noRot="1" noChangeAspect="1" noMove="1" noResize="1" noEditPoints="1" noAdjustHandles="1" noChangeArrowheads="1" noChangeShapeType="1" noTextEdit="1"/>
-              </p:cNvSpPr>
-              <p:nvPr>
-                <p:ph type="body" idx="1"/>
-              </p:nvPr>
-            </p:nvSpPr>
-            <p:spPr>
-              <a:xfrm>
-                <a:off x="727650" y="1492265"/>
-                <a:ext cx="7688700" cy="3111049"/>
-              </a:xfrm>
-              <a:prstGeom prst="rect">
-                <a:avLst/>
-              </a:prstGeom>
-              <a:blipFill>
-                <a:blip r:embed="rId3"/>
-                <a:stretch>
-                  <a:fillRect/>
-                </a:stretch>
-              </a:blipFill>
-            </p:spPr>
-            <p:txBody>
-              <a:bodyPr/>
-              <a:lstStyle/>
-              <a:p>
-                <a:r>
-                  <a:rPr lang="en-GB">
-                    <a:noFill/>
-                  </a:rPr>
-                  <a:t> </a:t>
-                </a:r>
-              </a:p>
-            </p:txBody>
-          </p:sp>
-        </mc:Fallback>
-      </mc:AlternateContent>
-      <p:sp>
-        <p:nvSpPr>
-          <p:cNvPr id="83" name="Google Shape;83;p8"/>
-          <p:cNvSpPr txBox="1">
-            <a:spLocks noGrp="1"/>
-          </p:cNvSpPr>
-          <p:nvPr>
-            <p:ph type="sldNum" idx="12"/>
-          </p:nvPr>
-        </p:nvSpPr>
-        <p:spPr>
-          <a:xfrm>
-            <a:off x="8536302" y="4749851"/>
-            <a:ext cx="548700" cy="393600"/>
-          </a:xfrm>
-          <a:prstGeom prst="rect">
-            <a:avLst/>
-          </a:prstGeom>
-        </p:spPr>
-        <p:txBody>
-          <a:bodyPr spcFirstLastPara="1" wrap="square" lIns="91425" tIns="91425" rIns="91425" bIns="91425" anchor="ctr" anchorCtr="0">
-            <a:noAutofit/>
-          </a:bodyPr>
-          <a:lstStyle/>
-          <a:p>
-            <a:pPr marL="0" lvl="0" indent="0" algn="r" rtl="0">
-              <a:spcBef>
-                <a:spcPts val="0"/>
-              </a:spcBef>
-              <a:spcAft>
-                <a:spcPts val="0"/>
-              </a:spcAft>
-              <a:buNone/>
-            </a:pPr>
-            <a:fld id="{00000000-1234-1234-1234-123412341234}" type="slidenum">
-              <a:rPr lang="it"/>
-              <a:t>14</a:t>
-            </a:fld>
-            <a:endParaRPr/>
-          </a:p>
-        </p:txBody>
-      </p:sp>
-      <p:sp>
-        <p:nvSpPr>
-          <p:cNvPr id="84" name="Google Shape;84;p8"/>
-          <p:cNvSpPr txBox="1">
-            <a:spLocks noGrp="1"/>
-          </p:cNvSpPr>
-          <p:nvPr>
-            <p:ph type="subTitle" idx="2"/>
-          </p:nvPr>
-        </p:nvSpPr>
-        <p:spPr>
-          <a:xfrm>
-            <a:off x="1414800" y="4779100"/>
-            <a:ext cx="5854500" cy="335100"/>
-          </a:xfrm>
-          <a:prstGeom prst="rect">
-            <a:avLst/>
-          </a:prstGeom>
-        </p:spPr>
-        <p:txBody>
-          <a:bodyPr spcFirstLastPara="1" wrap="square" lIns="91425" tIns="91425" rIns="91425" bIns="91425" anchor="t" anchorCtr="0">
-            <a:noAutofit/>
-          </a:bodyPr>
-          <a:lstStyle/>
-          <a:p>
-            <a:pPr marL="0" lvl="0" indent="0" algn="l" rtl="0">
-              <a:spcBef>
-                <a:spcPts val="0"/>
-              </a:spcBef>
-              <a:spcAft>
-                <a:spcPts val="1600"/>
-              </a:spcAft>
-              <a:buNone/>
-            </a:pPr>
-            <a:r>
-              <a:rPr lang="it-IT" dirty="0">
-                <a:latin typeface="Raleway" pitchFamily="2" charset="77"/>
-              </a:rPr>
-              <a:t>Multi-Robot Systems presentation</a:t>
-            </a:r>
-            <a:r>
-              <a:rPr lang="it" sz="900" dirty="0">
-                <a:latin typeface="Raleway" pitchFamily="2" charset="77"/>
-              </a:rPr>
-              <a:t> – Felli Stefano</a:t>
-            </a:r>
-            <a:endParaRPr sz="900" dirty="0">
-              <a:latin typeface="Raleway" pitchFamily="2" charset="77"/>
-            </a:endParaRPr>
-          </a:p>
-        </p:txBody>
-      </p:sp>
-    </p:spTree>
-    <p:extLst>
-      <p:ext uri="{BB962C8B-B14F-4D97-AF65-F5344CB8AC3E}">
-        <p14:creationId xmlns:p14="http://schemas.microsoft.com/office/powerpoint/2010/main" val="3376380192"/>
-      </p:ext>
-    </p:extLst>
-  </p:cSld>
-  <p:clrMapOvr>
-    <a:masterClrMapping/>
-  </p:clrMapOvr>
-</p:sld>
-</file>
-
-<file path=ppt/slides/slide15.xml><?xml version="1.0" encoding="utf-8"?>
-<p:sld xmlns:a="http://schemas.openxmlformats.org/drawingml/2006/main" xmlns:r="http://schemas.openxmlformats.org/officeDocument/2006/relationships" xmlns:p="http://schemas.openxmlformats.org/presentationml/2006/main">
-  <p:cSld>
-    <p:spTree>
-      <p:nvGrpSpPr>
         <p:cNvPr id="1" name="Shape 134"/>
         <p:cNvGrpSpPr/>
         <p:nvPr/>
@@ -16125,26 +12373,11 @@
             </a:r>
           </a:p>
           <a:p>
-            <a:pPr marL="285750" indent="-285750">
-              <a:lnSpc>
-                <a:spcPct val="100000"/>
-              </a:lnSpc>
+            <a:pPr marL="0" indent="0">
               <a:spcAft>
                 <a:spcPts val="1600"/>
               </a:spcAft>
-            </a:pPr>
-            <a:r>
-              <a:rPr lang="it" sz="1600" dirty="0">
-                <a:latin typeface="Raleway" pitchFamily="2" charset="77"/>
-              </a:rPr>
-              <a:t>Applications: opinion dynamics, sensor networks, decentralized federated learning.</a:t>
-            </a:r>
-          </a:p>
-          <a:p>
-            <a:pPr marL="285750" indent="-285750">
-              <a:spcAft>
-                <a:spcPts val="1600"/>
-              </a:spcAft>
+              <a:buNone/>
             </a:pPr>
             <a:endParaRPr lang="it" sz="1600" dirty="0">
               <a:latin typeface="Raleway" pitchFamily="2" charset="77"/>
@@ -18523,8 +14756,8 @@
           </a:p>
         </p:txBody>
       </p:sp>
-      <mc:AlternateContent xmlns:mc="http://schemas.openxmlformats.org/markup-compatibility/2006" xmlns:a14="http://schemas.microsoft.com/office/drawing/2010/main">
-        <mc:Choice Requires="a14">
+      <mc:AlternateContent xmlns:mc="http://schemas.openxmlformats.org/markup-compatibility/2006">
+        <mc:Choice xmlns:a14="http://schemas.microsoft.com/office/drawing/2010/main" Requires="a14">
           <p:sp>
             <p:nvSpPr>
               <p:cNvPr id="82" name="Google Shape;82;p8"/>
@@ -19113,11 +15346,27 @@
                   <a:t>Slow convergence  </a:t>
                 </a:r>
                 <a:r>
-                  <a:rPr lang="en-GB" sz="1300" dirty="0">
+                  <a:rPr lang="en-GB" sz="1600" b="1" dirty="0">
+                    <a:solidFill>
+                      <a:srgbClr val="016778"/>
+                    </a:solidFill>
                     <a:latin typeface="Raleway" pitchFamily="2" charset="77"/>
+                    <a:hlinkClick r:id="rId3" action="ppaction://hlinksldjump">
+                      <a:extLst>
+                        <a:ext uri="{A12FA001-AC4F-418D-AE19-62706E023703}">
+                          <ahyp:hlinkClr xmlns:ahyp="http://schemas.microsoft.com/office/drawing/2018/hyperlinkcolor" val="tx"/>
+                        </a:ext>
+                      </a:extLst>
+                    </a:hlinkClick>
                   </a:rPr>
                   <a:t>[Fig. 3]</a:t>
                 </a:r>
+                <a:endParaRPr lang="en-GB" sz="1600" b="1" dirty="0">
+                  <a:solidFill>
+                    <a:srgbClr val="016778"/>
+                  </a:solidFill>
+                  <a:latin typeface="Raleway" pitchFamily="2" charset="77"/>
+                </a:endParaRPr>
               </a:p>
               <a:p>
                 <a:pPr marL="742950" lvl="1" indent="-285750">
@@ -19251,64 +15500,6 @@
                     <a:latin typeface="Raleway" pitchFamily="2" charset="77"/>
                   </a:rPr>
                   <a:t>Existing decentralized methods:</a:t>
-                </a:r>
-              </a:p>
-              <a:p>
-                <a:pPr marL="742950" lvl="1" indent="-285750">
-                  <a:spcBef>
-                    <a:spcPts val="400"/>
-                  </a:spcBef>
-                  <a:spcAft>
-                    <a:spcPts val="400"/>
-                  </a:spcAft>
-                </a:pPr>
-                <a:r>
-                  <a:rPr lang="en-GB" sz="1300" dirty="0">
-                    <a:latin typeface="Raleway" pitchFamily="2" charset="77"/>
-                  </a:rPr>
-                  <a:t>Require knowledge of topology </a:t>
-                </a:r>
-                <a14:m>
-                  <m:oMath xmlns:m="http://schemas.openxmlformats.org/officeDocument/2006/math">
-                    <m:r>
-                      <a:rPr lang="en-GB" sz="1300" b="0" i="1" smtClean="0">
-                        <a:latin typeface="Cambria Math" panose="02040503050406030204" pitchFamily="18" charset="0"/>
-                      </a:rPr>
-                      <m:t>𝐿</m:t>
-                    </m:r>
-                  </m:oMath>
-                </a14:m>
-                <a:r>
-                  <a:rPr lang="en-GB" sz="1300" dirty="0">
-                    <a:latin typeface="Raleway" pitchFamily="2" charset="77"/>
-                  </a:rPr>
-                  <a:t> </a:t>
-                </a:r>
-                <a14:m>
-                  <m:oMath xmlns:m="http://schemas.openxmlformats.org/officeDocument/2006/math">
-                    <m:r>
-                      <a:rPr lang="en-GB" sz="1300" i="1" smtClean="0">
-                        <a:latin typeface="Cambria Math" panose="02040503050406030204" pitchFamily="18" charset="0"/>
-                        <a:ea typeface="Cambria Math" panose="02040503050406030204" pitchFamily="18" charset="0"/>
-                      </a:rPr>
-                      <m:t>⇒</m:t>
-                    </m:r>
-                  </m:oMath>
-                </a14:m>
-                <a:r>
-                  <a:rPr lang="en-GB" sz="1300" dirty="0">
-                    <a:latin typeface="Raleway" pitchFamily="2" charset="77"/>
-                  </a:rPr>
-                  <a:t> </a:t>
-                </a:r>
-                <a:r>
-                  <a:rPr lang="en-GB" sz="1300" dirty="0">
-                    <a:solidFill>
-                      <a:srgbClr val="6E0918"/>
-                    </a:solidFill>
-                    <a:latin typeface="Raleway" pitchFamily="2" charset="77"/>
-                  </a:rPr>
-                  <a:t>Limited applicability of such protocols</a:t>
                 </a:r>
               </a:p>
               <a:p>
@@ -19430,7 +15621,7 @@
             </p:txBody>
           </p:sp>
         </mc:Choice>
-        <mc:Fallback xmlns="">
+        <mc:Fallback>
           <p:sp>
             <p:nvSpPr>
               <p:cNvPr id="82" name="Google Shape;82;p8"/>
@@ -19450,7 +15641,7 @@
                 <a:avLst/>
               </a:prstGeom>
               <a:blipFill>
-                <a:blip r:embed="rId3"/>
+                <a:blip r:embed="rId4"/>
                 <a:stretch>
                   <a:fillRect/>
                 </a:stretch>
@@ -19915,8 +16106,8 @@
           </a:p>
         </p:txBody>
       </p:sp>
-      <mc:AlternateContent xmlns:mc="http://schemas.openxmlformats.org/markup-compatibility/2006" xmlns:a14="http://schemas.microsoft.com/office/drawing/2010/main">
-        <mc:Choice Requires="a14">
+      <mc:AlternateContent xmlns:mc="http://schemas.openxmlformats.org/markup-compatibility/2006">
+        <mc:Choice xmlns:a14="http://schemas.microsoft.com/office/drawing/2010/main" Requires="a14">
           <p:sp>
             <p:nvSpPr>
               <p:cNvPr id="82" name="Google Shape;82;p8"/>
@@ -21767,117 +17958,6 @@
                       </a:rPr>
                       <m:t>∞</m:t>
                     </m:r>
-                  </m:oMath>
-                </a14:m>
-                <a:r>
-                  <a:rPr lang="it" sz="1600" dirty="0">
-                    <a:solidFill>
-                      <a:srgbClr val="6E0918"/>
-                    </a:solidFill>
-                    <a:latin typeface="Raleway" pitchFamily="2" charset="77"/>
-                  </a:rPr>
-                  <a:t>, </a:t>
-                </a:r>
-                <a14:m>
-                  <m:oMath xmlns:m="http://schemas.openxmlformats.org/officeDocument/2006/math">
-                    <m:sSub>
-                      <m:sSubPr>
-                        <m:ctrlPr>
-                          <a:rPr lang="it-IT" sz="1600" i="1">
-                            <a:latin typeface="Cambria Math" panose="02040503050406030204" pitchFamily="18" charset="0"/>
-                            <a:ea typeface="Cambria Math" panose="02040503050406030204" pitchFamily="18" charset="0"/>
-                          </a:rPr>
-                        </m:ctrlPr>
-                      </m:sSubPr>
-                      <m:e>
-                        <m:r>
-                          <a:rPr lang="it-IT" sz="1600" i="1">
-                            <a:latin typeface="Cambria Math" panose="02040503050406030204" pitchFamily="18" charset="0"/>
-                            <a:ea typeface="Cambria Math" panose="02040503050406030204" pitchFamily="18" charset="0"/>
-                          </a:rPr>
-                          <m:t>𝑥</m:t>
-                        </m:r>
-                      </m:e>
-                      <m:sub>
-                        <m:r>
-                          <a:rPr lang="it-IT" sz="1600" i="1">
-                            <a:latin typeface="Cambria Math" panose="02040503050406030204" pitchFamily="18" charset="0"/>
-                            <a:ea typeface="Cambria Math" panose="02040503050406030204" pitchFamily="18" charset="0"/>
-                          </a:rPr>
-                          <m:t>𝑠</m:t>
-                        </m:r>
-                      </m:sub>
-                    </m:sSub>
-                    <m:r>
-                      <a:rPr lang="it-IT" sz="1600" b="0" i="1" smtClean="0">
-                        <a:latin typeface="Cambria Math" panose="02040503050406030204" pitchFamily="18" charset="0"/>
-                        <a:ea typeface="Cambria Math" panose="02040503050406030204" pitchFamily="18" charset="0"/>
-                      </a:rPr>
-                      <m:t>=</m:t>
-                    </m:r>
-                    <m:sSubSup>
-                      <m:sSubSupPr>
-                        <m:ctrlPr>
-                          <a:rPr lang="it-IT" sz="1600" b="0" i="1" smtClean="0">
-                            <a:latin typeface="Cambria Math" panose="02040503050406030204" pitchFamily="18" charset="0"/>
-                            <a:ea typeface="Cambria Math" panose="02040503050406030204" pitchFamily="18" charset="0"/>
-                          </a:rPr>
-                        </m:ctrlPr>
-                      </m:sSubSupPr>
-                      <m:e>
-                        <m:r>
-                          <a:rPr lang="it-IT" sz="1600" b="0" i="1" smtClean="0">
-                            <a:latin typeface="Cambria Math" panose="02040503050406030204" pitchFamily="18" charset="0"/>
-                            <a:ea typeface="Cambria Math" panose="02040503050406030204" pitchFamily="18" charset="0"/>
-                          </a:rPr>
-                          <m:t>𝓋</m:t>
-                        </m:r>
-                      </m:e>
-                      <m:sub>
-                        <m:r>
-                          <a:rPr lang="it-IT" sz="1600" b="0" i="1" smtClean="0">
-                            <a:latin typeface="Cambria Math" panose="02040503050406030204" pitchFamily="18" charset="0"/>
-                            <a:ea typeface="Cambria Math" panose="02040503050406030204" pitchFamily="18" charset="0"/>
-                          </a:rPr>
-                          <m:t>1</m:t>
-                        </m:r>
-                      </m:sub>
-                      <m:sup>
-                        <m:r>
-                          <a:rPr lang="it-IT" sz="1600" b="0" i="1" smtClean="0">
-                            <a:latin typeface="Cambria Math" panose="02040503050406030204" pitchFamily="18" charset="0"/>
-                            <a:ea typeface="Cambria Math" panose="02040503050406030204" pitchFamily="18" charset="0"/>
-                          </a:rPr>
-                          <m:t>𝑇</m:t>
-                        </m:r>
-                      </m:sup>
-                    </m:sSubSup>
-                    <m:r>
-                      <a:rPr lang="it-IT" sz="1600" b="0" i="1" smtClean="0">
-                        <a:latin typeface="Cambria Math" panose="02040503050406030204" pitchFamily="18" charset="0"/>
-                        <a:ea typeface="Cambria Math" panose="02040503050406030204" pitchFamily="18" charset="0"/>
-                      </a:rPr>
-                      <m:t>𝑥</m:t>
-                    </m:r>
-                    <m:d>
-                      <m:dPr>
-                        <m:ctrlPr>
-                          <a:rPr lang="it-IT" sz="1600" b="0" i="1" smtClean="0">
-                            <a:latin typeface="Cambria Math" panose="02040503050406030204" pitchFamily="18" charset="0"/>
-                            <a:ea typeface="Cambria Math" panose="02040503050406030204" pitchFamily="18" charset="0"/>
-                          </a:rPr>
-                        </m:ctrlPr>
-                      </m:dPr>
-                      <m:e>
-                        <m:r>
-                          <a:rPr lang="it-IT" sz="1600" b="0" i="1" smtClean="0">
-                            <a:latin typeface="Cambria Math" panose="02040503050406030204" pitchFamily="18" charset="0"/>
-                            <a:ea typeface="Cambria Math" panose="02040503050406030204" pitchFamily="18" charset="0"/>
-                          </a:rPr>
-                          <m:t>0</m:t>
-                        </m:r>
-                      </m:e>
-                    </m:d>
                     <m:r>
                       <a:rPr lang="it-IT" sz="1600" b="0" i="1" smtClean="0">
                         <a:latin typeface="Cambria Math" panose="02040503050406030204" pitchFamily="18" charset="0"/>
@@ -21949,7 +18029,7 @@
             </p:txBody>
           </p:sp>
         </mc:Choice>
-        <mc:Fallback xmlns="">
+        <mc:Fallback>
           <p:sp>
             <p:nvSpPr>
               <p:cNvPr id="82" name="Google Shape;82;p8"/>
@@ -22434,8 +18514,8 @@
           </a:p>
         </p:txBody>
       </p:sp>
-      <mc:AlternateContent xmlns:mc="http://schemas.openxmlformats.org/markup-compatibility/2006" xmlns:a14="http://schemas.microsoft.com/office/drawing/2010/main">
-        <mc:Choice Requires="a14">
+      <mc:AlternateContent xmlns:mc="http://schemas.openxmlformats.org/markup-compatibility/2006">
+        <mc:Choice xmlns:a14="http://schemas.microsoft.com/office/drawing/2010/main" Requires="a14">
           <p:sp>
             <p:nvSpPr>
               <p:cNvPr id="82" name="Google Shape;82;p8"/>
@@ -22469,13 +18549,13 @@
                 <a14:m>
                   <m:oMath xmlns:m="http://schemas.openxmlformats.org/officeDocument/2006/math">
                     <m:r>
-                      <a:rPr lang="it-IT" sz="1600" b="0" i="1" smtClean="0">
+                      <a:rPr lang="it-IT" sz="1800" b="0" i="1" smtClean="0">
                         <a:latin typeface="Cambria Math" panose="02040503050406030204" pitchFamily="18" charset="0"/>
                       </a:rPr>
                       <m:t>𝑔</m:t>
                     </m:r>
                     <m:r>
-                      <a:rPr lang="it-IT" sz="1600" b="0" i="1" smtClean="0">
+                      <a:rPr lang="it-IT" sz="1800" b="0" i="1" smtClean="0">
                         <a:latin typeface="Cambria Math" panose="02040503050406030204" pitchFamily="18" charset="0"/>
                       </a:rPr>
                       <m:t>=</m:t>
@@ -22483,14 +18563,14 @@
                     <m:f>
                       <m:fPr>
                         <m:ctrlPr>
-                          <a:rPr lang="it-IT" sz="1600" b="0" i="1" smtClean="0">
+                          <a:rPr lang="it-IT" sz="1800" b="0" i="1" smtClean="0">
                             <a:latin typeface="Cambria Math" panose="02040503050406030204" pitchFamily="18" charset="0"/>
                           </a:rPr>
                         </m:ctrlPr>
                       </m:fPr>
                       <m:num>
                         <m:r>
-                          <a:rPr lang="it-IT" sz="1600" b="0" i="1" smtClean="0">
+                          <a:rPr lang="it-IT" sz="1800" b="0" i="1" smtClean="0">
                             <a:latin typeface="Cambria Math" panose="02040503050406030204" pitchFamily="18" charset="0"/>
                           </a:rPr>
                           <m:t>1</m:t>
@@ -22498,7 +18578,7 @@
                       </m:num>
                       <m:den>
                         <m:r>
-                          <a:rPr lang="it-IT" sz="1600" b="0" i="1" smtClean="0">
+                          <a:rPr lang="it-IT" sz="1800" b="0" i="1" smtClean="0">
                             <a:latin typeface="Cambria Math" panose="02040503050406030204" pitchFamily="18" charset="0"/>
                           </a:rPr>
                           <m:t>2</m:t>
@@ -22506,7 +18586,7 @@
                       </m:den>
                     </m:f>
                     <m:r>
-                      <a:rPr lang="it-IT" sz="1600" b="0" i="0" smtClean="0">
+                      <a:rPr lang="it-IT" sz="1800" b="0" i="0" smtClean="0">
                         <a:latin typeface="Cambria Math" panose="02040503050406030204" pitchFamily="18" charset="0"/>
                       </a:rPr>
                       <m:t>:</m:t>
@@ -22514,7 +18594,7 @@
                   </m:oMath>
                 </a14:m>
                 <a:r>
-                  <a:rPr lang="it-IT" sz="1600" dirty="0">
+                  <a:rPr lang="it-IT" sz="1800" dirty="0">
                     <a:latin typeface="Raleway" pitchFamily="2" charset="77"/>
                   </a:rPr>
                   <a:t> </a:t>
@@ -22524,7 +18604,7 @@
                     <m:sSub>
                       <m:sSubPr>
                         <m:ctrlPr>
-                          <a:rPr lang="it-IT" sz="1600" i="1" dirty="0">
+                          <a:rPr lang="it-IT" sz="1800" i="1" dirty="0">
                             <a:latin typeface="Cambria Math" panose="02040503050406030204" pitchFamily="18" charset="0"/>
                             <a:ea typeface="Cambria Math" panose="02040503050406030204" pitchFamily="18" charset="0"/>
                           </a:rPr>
@@ -22532,7 +18612,7 @@
                       </m:sSubPr>
                       <m:e>
                         <m:r>
-                          <a:rPr lang="it-IT" sz="1600" i="1" dirty="0">
+                          <a:rPr lang="it-IT" sz="1800" i="1" dirty="0">
                             <a:latin typeface="Cambria Math" panose="02040503050406030204" pitchFamily="18" charset="0"/>
                             <a:ea typeface="Cambria Math" panose="02040503050406030204" pitchFamily="18" charset="0"/>
                           </a:rPr>
@@ -22541,7 +18621,7 @@
                       </m:e>
                       <m:sub>
                         <m:r>
-                          <a:rPr lang="it-IT" sz="1600" i="1" dirty="0">
+                          <a:rPr lang="it-IT" sz="1800" i="1" dirty="0">
                             <a:latin typeface="Cambria Math" panose="02040503050406030204" pitchFamily="18" charset="0"/>
                             <a:ea typeface="Cambria Math" panose="02040503050406030204" pitchFamily="18" charset="0"/>
                           </a:rPr>
@@ -22552,7 +18632,7 @@
                     <m:d>
                       <m:dPr>
                         <m:ctrlPr>
-                          <a:rPr lang="it-IT" sz="1600" i="1" dirty="0">
+                          <a:rPr lang="it-IT" sz="1800" i="1" dirty="0">
                             <a:latin typeface="Cambria Math" panose="02040503050406030204" pitchFamily="18" charset="0"/>
                             <a:ea typeface="Cambria Math" panose="02040503050406030204" pitchFamily="18" charset="0"/>
                           </a:rPr>
@@ -22562,7 +18642,7 @@
                         <m:f>
                           <m:fPr>
                             <m:ctrlPr>
-                              <a:rPr lang="it-IT" sz="1600" i="1" dirty="0">
+                              <a:rPr lang="it-IT" sz="1800" i="1" dirty="0">
                                 <a:latin typeface="Cambria Math" panose="02040503050406030204" pitchFamily="18" charset="0"/>
                                 <a:ea typeface="Cambria Math" panose="02040503050406030204" pitchFamily="18" charset="0"/>
                               </a:rPr>
@@ -22570,7 +18650,7 @@
                           </m:fPr>
                           <m:num>
                             <m:r>
-                              <a:rPr lang="it-IT" sz="1600" i="1" dirty="0">
+                              <a:rPr lang="it-IT" sz="1800" i="1" dirty="0">
                                 <a:latin typeface="Cambria Math" panose="02040503050406030204" pitchFamily="18" charset="0"/>
                                 <a:ea typeface="Cambria Math" panose="02040503050406030204" pitchFamily="18" charset="0"/>
                               </a:rPr>
@@ -22579,7 +18659,7 @@
                           </m:num>
                           <m:den>
                             <m:r>
-                              <a:rPr lang="it-IT" sz="1600" i="1" dirty="0">
+                              <a:rPr lang="it-IT" sz="1800" i="1" dirty="0">
                                 <a:latin typeface="Cambria Math" panose="02040503050406030204" pitchFamily="18" charset="0"/>
                                 <a:ea typeface="Cambria Math" panose="02040503050406030204" pitchFamily="18" charset="0"/>
                               </a:rPr>
@@ -22588,14 +18668,14 @@
                           </m:den>
                         </m:f>
                         <m:r>
-                          <a:rPr lang="it-IT" sz="1600" i="1" dirty="0">
+                          <a:rPr lang="it-IT" sz="1800" i="1" dirty="0">
                             <a:latin typeface="Cambria Math" panose="02040503050406030204" pitchFamily="18" charset="0"/>
                             <a:ea typeface="Cambria Math" panose="02040503050406030204" pitchFamily="18" charset="0"/>
                           </a:rPr>
                           <m:t>,</m:t>
                         </m:r>
                         <m:r>
-                          <a:rPr lang="it-IT" sz="1600" i="1">
+                          <a:rPr lang="it-IT" sz="1800" i="1">
                             <a:latin typeface="Cambria Math" panose="02040503050406030204" pitchFamily="18" charset="0"/>
                             <a:ea typeface="Cambria Math" panose="02040503050406030204" pitchFamily="18" charset="0"/>
                           </a:rPr>
@@ -22604,7 +18684,7 @@
                       </m:e>
                     </m:d>
                     <m:r>
-                      <a:rPr lang="it-IT" sz="1600" i="1" dirty="0">
+                      <a:rPr lang="it-IT" sz="1800" i="1" dirty="0">
                         <a:latin typeface="Cambria Math" panose="02040503050406030204" pitchFamily="18" charset="0"/>
                         <a:ea typeface="Cambria Math" panose="02040503050406030204" pitchFamily="18" charset="0"/>
                       </a:rPr>
@@ -22613,7 +18693,7 @@
                     <m:f>
                       <m:fPr>
                         <m:ctrlPr>
-                          <a:rPr lang="it-IT" sz="1600" i="1" dirty="0">
+                          <a:rPr lang="it-IT" sz="1800" i="1" dirty="0">
                             <a:latin typeface="Cambria Math" panose="02040503050406030204" pitchFamily="18" charset="0"/>
                             <a:ea typeface="Cambria Math" panose="02040503050406030204" pitchFamily="18" charset="0"/>
                           </a:rPr>
@@ -22621,21 +18701,21 @@
                       </m:fPr>
                       <m:num>
                         <m:r>
-                          <a:rPr lang="it-IT" sz="1600" i="1" dirty="0">
+                          <a:rPr lang="it-IT" sz="1800" i="1" dirty="0">
                             <a:latin typeface="Cambria Math" panose="02040503050406030204" pitchFamily="18" charset="0"/>
                             <a:ea typeface="Cambria Math" panose="02040503050406030204" pitchFamily="18" charset="0"/>
                           </a:rPr>
                           <m:t>1</m:t>
                         </m:r>
                         <m:r>
-                          <a:rPr lang="it-IT" sz="1600" b="0" i="1" dirty="0" smtClean="0">
+                          <a:rPr lang="it-IT" sz="1800" b="0" i="1" dirty="0" smtClean="0">
                             <a:latin typeface="Cambria Math" panose="02040503050406030204" pitchFamily="18" charset="0"/>
                             <a:ea typeface="Cambria Math" panose="02040503050406030204" pitchFamily="18" charset="0"/>
                           </a:rPr>
                           <m:t>−0.5</m:t>
                         </m:r>
                         <m:r>
-                          <a:rPr lang="it-IT" sz="1600" i="1" smtClean="0">
+                          <a:rPr lang="it-IT" sz="1800" i="1" smtClean="0">
                             <a:latin typeface="Cambria Math" panose="02040503050406030204" pitchFamily="18" charset="0"/>
                             <a:ea typeface="Cambria Math" panose="02040503050406030204" pitchFamily="18" charset="0"/>
                           </a:rPr>
@@ -22644,7 +18724,7 @@
                         <m:sSub>
                           <m:sSubPr>
                             <m:ctrlPr>
-                              <a:rPr lang="it-IT" sz="1600" i="1" dirty="0">
+                              <a:rPr lang="it-IT" sz="1800" i="1" dirty="0">
                                 <a:latin typeface="Cambria Math" panose="02040503050406030204" pitchFamily="18" charset="0"/>
                                 <a:ea typeface="Cambria Math" panose="02040503050406030204" pitchFamily="18" charset="0"/>
                               </a:rPr>
@@ -22652,7 +18732,7 @@
                           </m:sSubPr>
                           <m:e>
                             <m:r>
-                              <a:rPr lang="it-IT" sz="1600" i="1" dirty="0">
+                              <a:rPr lang="it-IT" sz="1800" i="1" dirty="0">
                                 <a:latin typeface="Cambria Math" panose="02040503050406030204" pitchFamily="18" charset="0"/>
                                 <a:ea typeface="Cambria Math" panose="02040503050406030204" pitchFamily="18" charset="0"/>
                               </a:rPr>
@@ -22661,7 +18741,7 @@
                           </m:e>
                           <m:sub>
                             <m:r>
-                              <a:rPr lang="it-IT" sz="1600" i="1" dirty="0">
+                              <a:rPr lang="it-IT" sz="1800" i="1" dirty="0">
                                 <a:latin typeface="Cambria Math" panose="02040503050406030204" pitchFamily="18" charset="0"/>
                                 <a:ea typeface="Cambria Math" panose="02040503050406030204" pitchFamily="18" charset="0"/>
                               </a:rPr>
@@ -22672,21 +18752,21 @@
                       </m:num>
                       <m:den>
                         <m:r>
-                          <a:rPr lang="it-IT" sz="1600" i="1" dirty="0">
+                          <a:rPr lang="it-IT" sz="1800" i="1" dirty="0">
                             <a:latin typeface="Cambria Math" panose="02040503050406030204" pitchFamily="18" charset="0"/>
                             <a:ea typeface="Cambria Math" panose="02040503050406030204" pitchFamily="18" charset="0"/>
                           </a:rPr>
                           <m:t>1+</m:t>
                         </m:r>
                         <m:r>
-                          <a:rPr lang="it-IT" sz="1600" b="0" i="1" dirty="0" smtClean="0">
+                          <a:rPr lang="it-IT" sz="1800" b="0" i="1" dirty="0" smtClean="0">
                             <a:latin typeface="Cambria Math" panose="02040503050406030204" pitchFamily="18" charset="0"/>
                             <a:ea typeface="Cambria Math" panose="02040503050406030204" pitchFamily="18" charset="0"/>
                           </a:rPr>
                           <m:t>0.5</m:t>
                         </m:r>
                         <m:r>
-                          <a:rPr lang="it-IT" sz="1600" i="1">
+                          <a:rPr lang="it-IT" sz="1800" i="1">
                             <a:latin typeface="Cambria Math" panose="02040503050406030204" pitchFamily="18" charset="0"/>
                             <a:ea typeface="Cambria Math" panose="02040503050406030204" pitchFamily="18" charset="0"/>
                           </a:rPr>
@@ -22695,7 +18775,7 @@
                         <m:sSub>
                           <m:sSubPr>
                             <m:ctrlPr>
-                              <a:rPr lang="it-IT" sz="1600" i="1" dirty="0">
+                              <a:rPr lang="it-IT" sz="1800" i="1" dirty="0">
                                 <a:latin typeface="Cambria Math" panose="02040503050406030204" pitchFamily="18" charset="0"/>
                                 <a:ea typeface="Cambria Math" panose="02040503050406030204" pitchFamily="18" charset="0"/>
                               </a:rPr>
@@ -22703,7 +18783,7 @@
                           </m:sSubPr>
                           <m:e>
                             <m:r>
-                              <a:rPr lang="it-IT" sz="1600" i="1" dirty="0">
+                              <a:rPr lang="it-IT" sz="1800" i="1" dirty="0">
                                 <a:latin typeface="Cambria Math" panose="02040503050406030204" pitchFamily="18" charset="0"/>
                                 <a:ea typeface="Cambria Math" panose="02040503050406030204" pitchFamily="18" charset="0"/>
                               </a:rPr>
@@ -22712,7 +18792,7 @@
                           </m:e>
                           <m:sub>
                             <m:r>
-                              <a:rPr lang="it-IT" sz="1600" i="1" dirty="0">
+                              <a:rPr lang="it-IT" sz="1800" i="1" dirty="0">
                                 <a:latin typeface="Cambria Math" panose="02040503050406030204" pitchFamily="18" charset="0"/>
                                 <a:ea typeface="Cambria Math" panose="02040503050406030204" pitchFamily="18" charset="0"/>
                               </a:rPr>
@@ -22725,7 +18805,7 @@
                   </m:oMath>
                 </a14:m>
                 <a:r>
-                  <a:rPr lang="it-IT" sz="1600" dirty="0">
+                  <a:rPr lang="it-IT" sz="1800" dirty="0">
                     <a:latin typeface="Raleway" pitchFamily="2" charset="77"/>
                   </a:rPr>
                   <a:t> </a:t>
@@ -22733,7 +18813,7 @@
                 <a14:m>
                   <m:oMath xmlns:m="http://schemas.openxmlformats.org/officeDocument/2006/math">
                     <m:r>
-                      <a:rPr lang="it-IT" sz="1600" i="1" dirty="0">
+                      <a:rPr lang="it-IT" sz="1800" i="1" dirty="0">
                         <a:latin typeface="Cambria Math" panose="02040503050406030204" pitchFamily="18" charset="0"/>
                         <a:ea typeface="Cambria Math" panose="02040503050406030204" pitchFamily="18" charset="0"/>
                       </a:rPr>
@@ -22742,7 +18822,7 @@
                   </m:oMath>
                 </a14:m>
                 <a:r>
-                  <a:rPr lang="it-IT" sz="1600" dirty="0">
+                  <a:rPr lang="it-IT" sz="1800" dirty="0">
                     <a:latin typeface="Raleway" pitchFamily="2" charset="77"/>
                   </a:rPr>
                   <a:t> </a:t>
@@ -22768,6 +18848,9 @@
               </a:p>
               <a:p>
                 <a:pPr marL="285750" indent="-285750">
+                  <a:lnSpc>
+                    <a:spcPct val="200000"/>
+                  </a:lnSpc>
                   <a:spcAft>
                     <a:spcPts val="1600"/>
                   </a:spcAft>
@@ -22775,31 +18858,31 @@
                 <a14:m>
                   <m:oMath xmlns:m="http://schemas.openxmlformats.org/officeDocument/2006/math">
                     <m:r>
-                      <a:rPr lang="it-IT" sz="1600" i="1">
+                      <a:rPr lang="it-IT" sz="1800" i="1">
                         <a:latin typeface="Cambria Math" panose="02040503050406030204" pitchFamily="18" charset="0"/>
                       </a:rPr>
                       <m:t>𝑔</m:t>
                     </m:r>
                     <m:r>
-                      <a:rPr lang="it-IT" sz="1600" i="1">
+                      <a:rPr lang="it-IT" sz="1800" i="1">
                         <a:latin typeface="Cambria Math" panose="02040503050406030204" pitchFamily="18" charset="0"/>
                       </a:rPr>
                       <m:t>=</m:t>
                     </m:r>
                     <m:r>
-                      <a:rPr lang="it-IT" sz="1600" b="0" i="0" smtClean="0">
+                      <a:rPr lang="it-IT" sz="1800" b="0" i="0" smtClean="0">
                         <a:latin typeface="Cambria Math" panose="02040503050406030204" pitchFamily="18" charset="0"/>
                       </a:rPr>
                       <m:t>1</m:t>
                     </m:r>
                     <m:r>
-                      <a:rPr lang="it-IT" sz="1600" smtClean="0">
+                      <a:rPr lang="it-IT" sz="1800" smtClean="0">
                         <a:latin typeface="Cambria Math" panose="02040503050406030204" pitchFamily="18" charset="0"/>
                       </a:rPr>
                       <m:t>:</m:t>
                     </m:r>
                     <m:r>
-                      <a:rPr lang="it-IT" sz="1600" i="1" smtClean="0">
+                      <a:rPr lang="it-IT" sz="1800" i="1" smtClean="0">
                         <a:latin typeface="Cambria Math" panose="02040503050406030204" pitchFamily="18" charset="0"/>
                       </a:rPr>
                       <m:t> </m:t>
@@ -22807,7 +18890,7 @@
                     <m:sSub>
                       <m:sSubPr>
                         <m:ctrlPr>
-                          <a:rPr lang="it-IT" sz="1600" i="1" dirty="0">
+                          <a:rPr lang="it-IT" sz="1800" i="1" dirty="0">
                             <a:latin typeface="Cambria Math" panose="02040503050406030204" pitchFamily="18" charset="0"/>
                             <a:ea typeface="Cambria Math" panose="02040503050406030204" pitchFamily="18" charset="0"/>
                           </a:rPr>
@@ -22815,7 +18898,7 @@
                       </m:sSubPr>
                       <m:e>
                         <m:r>
-                          <a:rPr lang="it-IT" sz="1600" i="1" dirty="0">
+                          <a:rPr lang="it-IT" sz="1800" i="1" dirty="0">
                             <a:latin typeface="Cambria Math" panose="02040503050406030204" pitchFamily="18" charset="0"/>
                             <a:ea typeface="Cambria Math" panose="02040503050406030204" pitchFamily="18" charset="0"/>
                           </a:rPr>
@@ -22824,7 +18907,7 @@
                       </m:e>
                       <m:sub>
                         <m:r>
-                          <a:rPr lang="it-IT" sz="1600" i="1" dirty="0">
+                          <a:rPr lang="it-IT" sz="1800" i="1" dirty="0">
                             <a:latin typeface="Cambria Math" panose="02040503050406030204" pitchFamily="18" charset="0"/>
                             <a:ea typeface="Cambria Math" panose="02040503050406030204" pitchFamily="18" charset="0"/>
                           </a:rPr>
@@ -22833,35 +18916,35 @@
                       </m:sub>
                     </m:sSub>
                     <m:r>
-                      <a:rPr lang="it-IT" sz="1600" i="1" dirty="0">
+                      <a:rPr lang="it-IT" sz="1800" i="1" dirty="0">
                         <a:latin typeface="Cambria Math" panose="02040503050406030204" pitchFamily="18" charset="0"/>
                         <a:ea typeface="Cambria Math" panose="02040503050406030204" pitchFamily="18" charset="0"/>
                       </a:rPr>
                       <m:t>(</m:t>
                     </m:r>
                     <m:r>
-                      <a:rPr lang="it-IT" sz="1600" b="0" i="1" dirty="0" smtClean="0">
+                      <a:rPr lang="it-IT" sz="1800" b="0" i="1" dirty="0" smtClean="0">
                         <a:latin typeface="Cambria Math" panose="02040503050406030204" pitchFamily="18" charset="0"/>
                         <a:ea typeface="Cambria Math" panose="02040503050406030204" pitchFamily="18" charset="0"/>
                       </a:rPr>
                       <m:t>1</m:t>
                     </m:r>
                     <m:r>
-                      <a:rPr lang="it-IT" sz="1600" i="1" dirty="0">
+                      <a:rPr lang="it-IT" sz="1800" i="1" dirty="0">
                         <a:latin typeface="Cambria Math" panose="02040503050406030204" pitchFamily="18" charset="0"/>
                         <a:ea typeface="Cambria Math" panose="02040503050406030204" pitchFamily="18" charset="0"/>
                       </a:rPr>
                       <m:t>,</m:t>
                     </m:r>
                     <m:r>
-                      <a:rPr lang="it-IT" sz="1600" i="1">
+                      <a:rPr lang="it-IT" sz="1800" i="1">
                         <a:latin typeface="Cambria Math" panose="02040503050406030204" pitchFamily="18" charset="0"/>
                         <a:ea typeface="Cambria Math" panose="02040503050406030204" pitchFamily="18" charset="0"/>
                       </a:rPr>
                       <m:t>𝜅</m:t>
                     </m:r>
                     <m:r>
-                      <a:rPr lang="it-IT" sz="1600" i="1" dirty="0">
+                      <a:rPr lang="it-IT" sz="1800" i="1" dirty="0">
                         <a:latin typeface="Cambria Math" panose="02040503050406030204" pitchFamily="18" charset="0"/>
                         <a:ea typeface="Cambria Math" panose="02040503050406030204" pitchFamily="18" charset="0"/>
                       </a:rPr>
@@ -22870,7 +18953,7 @@
                   </m:oMath>
                 </a14:m>
                 <a:r>
-                  <a:rPr lang="it-IT" sz="1600" dirty="0">
+                  <a:rPr lang="it-IT" sz="1800" dirty="0">
                     <a:latin typeface="Raleway" pitchFamily="2" charset="77"/>
                     <a:ea typeface="Cambria Math" panose="02040503050406030204" pitchFamily="18" charset="0"/>
                   </a:rPr>
@@ -22881,7 +18964,7 @@
                     <m:f>
                       <m:fPr>
                         <m:ctrlPr>
-                          <a:rPr lang="it-IT" sz="1600" i="1" dirty="0">
+                          <a:rPr lang="it-IT" sz="1800" i="1" dirty="0">
                             <a:latin typeface="Cambria Math" panose="02040503050406030204" pitchFamily="18" charset="0"/>
                             <a:ea typeface="Cambria Math" panose="02040503050406030204" pitchFamily="18" charset="0"/>
                           </a:rPr>
@@ -22889,14 +18972,14 @@
                       </m:fPr>
                       <m:num>
                         <m:r>
-                          <a:rPr lang="it-IT" sz="1600" i="1" dirty="0">
+                          <a:rPr lang="it-IT" sz="1800" i="1" dirty="0">
                             <a:latin typeface="Cambria Math" panose="02040503050406030204" pitchFamily="18" charset="0"/>
                             <a:ea typeface="Cambria Math" panose="02040503050406030204" pitchFamily="18" charset="0"/>
                           </a:rPr>
                           <m:t>1+</m:t>
                         </m:r>
                         <m:r>
-                          <a:rPr lang="it-IT" sz="1600" i="1">
+                          <a:rPr lang="it-IT" sz="1800" i="1">
                             <a:latin typeface="Cambria Math" panose="02040503050406030204" pitchFamily="18" charset="0"/>
                             <a:ea typeface="Cambria Math" panose="02040503050406030204" pitchFamily="18" charset="0"/>
                           </a:rPr>
@@ -22905,7 +18988,7 @@
                         <m:d>
                           <m:dPr>
                             <m:ctrlPr>
-                              <a:rPr lang="it-IT" sz="1600" i="1" dirty="0">
+                              <a:rPr lang="it-IT" sz="1800" i="1" dirty="0">
                                 <a:latin typeface="Cambria Math" panose="02040503050406030204" pitchFamily="18" charset="0"/>
                                 <a:ea typeface="Cambria Math" panose="02040503050406030204" pitchFamily="18" charset="0"/>
                               </a:rPr>
@@ -22913,14 +18996,14 @@
                           </m:dPr>
                           <m:e>
                             <m:r>
-                              <a:rPr lang="it-IT" sz="1600" b="0" i="1" dirty="0" smtClean="0">
+                              <a:rPr lang="it-IT" sz="1800" b="0" i="1" dirty="0" smtClean="0">
                                 <a:latin typeface="Cambria Math" panose="02040503050406030204" pitchFamily="18" charset="0"/>
                                 <a:ea typeface="Cambria Math" panose="02040503050406030204" pitchFamily="18" charset="0"/>
                               </a:rPr>
                               <m:t>1</m:t>
                             </m:r>
                             <m:r>
-                              <a:rPr lang="it-IT" sz="1600" i="1" dirty="0">
+                              <a:rPr lang="it-IT" sz="1800" i="1" dirty="0">
                                 <a:latin typeface="Cambria Math" panose="02040503050406030204" pitchFamily="18" charset="0"/>
                                 <a:ea typeface="Cambria Math" panose="02040503050406030204" pitchFamily="18" charset="0"/>
                               </a:rPr>
@@ -22931,7 +19014,7 @@
                         <m:sSub>
                           <m:sSubPr>
                             <m:ctrlPr>
-                              <a:rPr lang="it-IT" sz="1600" i="1" dirty="0">
+                              <a:rPr lang="it-IT" sz="1800" i="1" dirty="0">
                                 <a:latin typeface="Cambria Math" panose="02040503050406030204" pitchFamily="18" charset="0"/>
                                 <a:ea typeface="Cambria Math" panose="02040503050406030204" pitchFamily="18" charset="0"/>
                               </a:rPr>
@@ -22939,7 +19022,7 @@
                           </m:sSubPr>
                           <m:e>
                             <m:r>
-                              <a:rPr lang="it-IT" sz="1600" i="1" dirty="0">
+                              <a:rPr lang="it-IT" sz="1800" i="1" dirty="0">
                                 <a:latin typeface="Cambria Math" panose="02040503050406030204" pitchFamily="18" charset="0"/>
                                 <a:ea typeface="Cambria Math" panose="02040503050406030204" pitchFamily="18" charset="0"/>
                               </a:rPr>
@@ -22948,7 +19031,7 @@
                           </m:e>
                           <m:sub>
                             <m:r>
-                              <a:rPr lang="it-IT" sz="1600" i="1" dirty="0">
+                              <a:rPr lang="it-IT" sz="1800" i="1" dirty="0">
                                 <a:latin typeface="Cambria Math" panose="02040503050406030204" pitchFamily="18" charset="0"/>
                                 <a:ea typeface="Cambria Math" panose="02040503050406030204" pitchFamily="18" charset="0"/>
                               </a:rPr>
@@ -22959,14 +19042,14 @@
                       </m:num>
                       <m:den>
                         <m:r>
-                          <a:rPr lang="it-IT" sz="1600" i="1" dirty="0">
+                          <a:rPr lang="it-IT" sz="1800" i="1" dirty="0">
                             <a:latin typeface="Cambria Math" panose="02040503050406030204" pitchFamily="18" charset="0"/>
                             <a:ea typeface="Cambria Math" panose="02040503050406030204" pitchFamily="18" charset="0"/>
                           </a:rPr>
                           <m:t>1+</m:t>
                         </m:r>
                         <m:r>
-                          <a:rPr lang="it-IT" sz="1600" i="1">
+                          <a:rPr lang="it-IT" sz="1800" i="1">
                             <a:latin typeface="Cambria Math" panose="02040503050406030204" pitchFamily="18" charset="0"/>
                             <a:ea typeface="Cambria Math" panose="02040503050406030204" pitchFamily="18" charset="0"/>
                           </a:rPr>
@@ -22975,7 +19058,7 @@
                         <m:sSub>
                           <m:sSubPr>
                             <m:ctrlPr>
-                              <a:rPr lang="it-IT" sz="1600" i="1" dirty="0">
+                              <a:rPr lang="it-IT" sz="1800" i="1" dirty="0">
                                 <a:latin typeface="Cambria Math" panose="02040503050406030204" pitchFamily="18" charset="0"/>
                                 <a:ea typeface="Cambria Math" panose="02040503050406030204" pitchFamily="18" charset="0"/>
                               </a:rPr>
@@ -22983,14 +19066,14 @@
                           </m:sSubPr>
                           <m:e>
                             <m:r>
-                              <a:rPr lang="it-IT" sz="1600" b="0" i="1" dirty="0" smtClean="0">
+                              <a:rPr lang="it-IT" sz="1800" b="0" i="1" dirty="0" smtClean="0">
                                 <a:latin typeface="Cambria Math" panose="02040503050406030204" pitchFamily="18" charset="0"/>
                                 <a:ea typeface="Cambria Math" panose="02040503050406030204" pitchFamily="18" charset="0"/>
                               </a:rPr>
                               <m:t>1</m:t>
                             </m:r>
                             <m:r>
-                              <a:rPr lang="it-IT" sz="1600" i="1" dirty="0">
+                              <a:rPr lang="it-IT" sz="1800" i="1" dirty="0">
                                 <a:latin typeface="Cambria Math" panose="02040503050406030204" pitchFamily="18" charset="0"/>
                                 <a:ea typeface="Cambria Math" panose="02040503050406030204" pitchFamily="18" charset="0"/>
                               </a:rPr>
@@ -22999,7 +19082,7 @@
                           </m:e>
                           <m:sub>
                             <m:r>
-                              <a:rPr lang="it-IT" sz="1600" i="1" dirty="0">
+                              <a:rPr lang="it-IT" sz="1800" i="1" dirty="0">
                                 <a:latin typeface="Cambria Math" panose="02040503050406030204" pitchFamily="18" charset="0"/>
                                 <a:ea typeface="Cambria Math" panose="02040503050406030204" pitchFamily="18" charset="0"/>
                               </a:rPr>
@@ -23010,7 +19093,7 @@
                       </m:den>
                     </m:f>
                     <m:r>
-                      <a:rPr lang="it-IT" sz="1600" b="0" i="1" dirty="0" smtClean="0">
+                      <a:rPr lang="it-IT" sz="1800" b="0" i="1" dirty="0" smtClean="0">
                         <a:latin typeface="Cambria Math" panose="02040503050406030204" pitchFamily="18" charset="0"/>
                         <a:ea typeface="Cambria Math" panose="02040503050406030204" pitchFamily="18" charset="0"/>
                       </a:rPr>
@@ -23019,7 +19102,7 @@
                     <m:f>
                       <m:fPr>
                         <m:ctrlPr>
-                          <a:rPr lang="it-IT" sz="1600" i="1" dirty="0">
+                          <a:rPr lang="it-IT" sz="1800" i="1" dirty="0">
                             <a:latin typeface="Cambria Math" panose="02040503050406030204" pitchFamily="18" charset="0"/>
                             <a:ea typeface="Cambria Math" panose="02040503050406030204" pitchFamily="18" charset="0"/>
                           </a:rPr>
@@ -23027,7 +19110,7 @@
                       </m:fPr>
                       <m:num>
                         <m:r>
-                          <a:rPr lang="it-IT" sz="1600" b="0" i="1" dirty="0" smtClean="0">
+                          <a:rPr lang="it-IT" sz="1800" b="0" i="1" dirty="0" smtClean="0">
                             <a:latin typeface="Cambria Math" panose="02040503050406030204" pitchFamily="18" charset="0"/>
                             <a:ea typeface="Cambria Math" panose="02040503050406030204" pitchFamily="18" charset="0"/>
                           </a:rPr>
@@ -23036,14 +19119,14 @@
                       </m:num>
                       <m:den>
                         <m:r>
-                          <a:rPr lang="it-IT" sz="1600" i="1" dirty="0">
+                          <a:rPr lang="it-IT" sz="1800" i="1" dirty="0">
                             <a:latin typeface="Cambria Math" panose="02040503050406030204" pitchFamily="18" charset="0"/>
                             <a:ea typeface="Cambria Math" panose="02040503050406030204" pitchFamily="18" charset="0"/>
                           </a:rPr>
                           <m:t>1+</m:t>
                         </m:r>
                         <m:r>
-                          <a:rPr lang="it-IT" sz="1600" i="1">
+                          <a:rPr lang="it-IT" sz="1800" i="1">
                             <a:latin typeface="Cambria Math" panose="02040503050406030204" pitchFamily="18" charset="0"/>
                             <a:ea typeface="Cambria Math" panose="02040503050406030204" pitchFamily="18" charset="0"/>
                           </a:rPr>
@@ -23052,7 +19135,7 @@
                         <m:sSub>
                           <m:sSubPr>
                             <m:ctrlPr>
-                              <a:rPr lang="it-IT" sz="1600" i="1" dirty="0">
+                              <a:rPr lang="it-IT" sz="1800" i="1" dirty="0">
                                 <a:latin typeface="Cambria Math" panose="02040503050406030204" pitchFamily="18" charset="0"/>
                                 <a:ea typeface="Cambria Math" panose="02040503050406030204" pitchFamily="18" charset="0"/>
                               </a:rPr>
@@ -23060,7 +19143,7 @@
                           </m:sSubPr>
                           <m:e>
                             <m:r>
-                              <a:rPr lang="it-IT" sz="1600" i="1" dirty="0">
+                              <a:rPr lang="it-IT" sz="1800" i="1" dirty="0">
                                 <a:latin typeface="Cambria Math" panose="02040503050406030204" pitchFamily="18" charset="0"/>
                                 <a:ea typeface="Cambria Math" panose="02040503050406030204" pitchFamily="18" charset="0"/>
                               </a:rPr>
@@ -23069,7 +19152,7 @@
                           </m:e>
                           <m:sub>
                             <m:r>
-                              <a:rPr lang="it-IT" sz="1600" i="1" dirty="0">
+                              <a:rPr lang="it-IT" sz="1800" i="1" dirty="0">
                                 <a:latin typeface="Cambria Math" panose="02040503050406030204" pitchFamily="18" charset="0"/>
                                 <a:ea typeface="Cambria Math" panose="02040503050406030204" pitchFamily="18" charset="0"/>
                               </a:rPr>
@@ -23080,7 +19163,7 @@
                       </m:den>
                     </m:f>
                     <m:r>
-                      <a:rPr lang="it-IT" sz="1600" i="1" dirty="0" smtClean="0">
+                      <a:rPr lang="it-IT" sz="1800" i="1" dirty="0" smtClean="0">
                         <a:latin typeface="Cambria Math" panose="02040503050406030204" pitchFamily="18" charset="0"/>
                         <a:ea typeface="Cambria Math" panose="02040503050406030204" pitchFamily="18" charset="0"/>
                       </a:rPr>
@@ -23089,7 +19172,7 @@
                   </m:oMath>
                 </a14:m>
                 <a:r>
-                  <a:rPr lang="it-IT" sz="1600" dirty="0">
+                  <a:rPr lang="it-IT" sz="1800" dirty="0">
                     <a:latin typeface="Raleway" pitchFamily="2" charset="77"/>
                   </a:rPr>
                   <a:t> </a:t>
@@ -23127,7 +19210,7 @@
               <a:p>
                 <a:pPr marL="285750" indent="-285750">
                   <a:lnSpc>
-                    <a:spcPct val="100000"/>
+                    <a:spcPct val="200000"/>
                   </a:lnSpc>
                   <a:spcAft>
                     <a:spcPts val="1600"/>
@@ -23200,890 +19283,24 @@
                   <a:rPr lang="it" sz="1600" dirty="0">
                     <a:latin typeface="Raleway" pitchFamily="2" charset="77"/>
                   </a:rPr>
-                  <a:t>values: around 1 [Fig. 4]</a:t>
-                </a:r>
-              </a:p>
-              <a:p>
-                <a:pPr marL="285750" indent="-285750">
-                  <a:lnSpc>
-                    <a:spcPct val="100000"/>
-                  </a:lnSpc>
-                  <a:spcAft>
-                    <a:spcPts val="400"/>
-                  </a:spcAft>
-                </a:pPr>
-                <a:r>
-                  <a:rPr lang="it" sz="1600" dirty="0">
-                    <a:latin typeface="Raleway" pitchFamily="2" charset="77"/>
-                  </a:rPr>
-                  <a:t>Passivity: Fixed storage function </a:t>
-                </a:r>
-                <a14:m>
-                  <m:oMath xmlns:m="http://schemas.openxmlformats.org/officeDocument/2006/math">
-                    <m:r>
-                      <a:rPr lang="it-IT" sz="1600" b="0" i="1" smtClean="0">
-                        <a:latin typeface="Cambria Math" panose="02040503050406030204" pitchFamily="18" charset="0"/>
-                      </a:rPr>
-                      <m:t>𝑆</m:t>
-                    </m:r>
-                    <m:d>
-                      <m:dPr>
-                        <m:ctrlPr>
-                          <a:rPr lang="it-IT" sz="1600" b="0" i="1" smtClean="0">
-                            <a:latin typeface="Cambria Math" panose="02040503050406030204" pitchFamily="18" charset="0"/>
-                          </a:rPr>
-                        </m:ctrlPr>
-                      </m:dPr>
-                      <m:e>
-                        <m:sSub>
-                          <m:sSubPr>
-                            <m:ctrlPr>
-                              <a:rPr lang="it-IT" sz="1600" b="0" i="1" smtClean="0">
-                                <a:latin typeface="Cambria Math" panose="02040503050406030204" pitchFamily="18" charset="0"/>
-                              </a:rPr>
-                            </m:ctrlPr>
-                          </m:sSubPr>
-                          <m:e>
-                            <m:r>
-                              <a:rPr lang="it-IT" sz="1600" b="0" i="1" smtClean="0">
-                                <a:latin typeface="Cambria Math" panose="02040503050406030204" pitchFamily="18" charset="0"/>
-                              </a:rPr>
-                              <m:t>𝑥</m:t>
-                            </m:r>
-                          </m:e>
-                          <m:sub>
-                            <m:r>
-                              <a:rPr lang="it-IT" sz="1600" b="0" i="1" smtClean="0">
-                                <a:latin typeface="Cambria Math" panose="02040503050406030204" pitchFamily="18" charset="0"/>
-                              </a:rPr>
-                              <m:t>𝑖</m:t>
-                            </m:r>
-                          </m:sub>
-                        </m:sSub>
-                      </m:e>
-                    </m:d>
-                    <m:r>
-                      <a:rPr lang="it-IT" sz="1600" b="0" i="1" smtClean="0">
-                        <a:latin typeface="Cambria Math" panose="02040503050406030204" pitchFamily="18" charset="0"/>
-                      </a:rPr>
-                      <m:t>=</m:t>
-                    </m:r>
-                    <m:f>
-                      <m:fPr>
-                        <m:ctrlPr>
-                          <a:rPr lang="it-IT" sz="1600" b="0" i="1" smtClean="0">
-                            <a:latin typeface="Cambria Math" panose="02040503050406030204" pitchFamily="18" charset="0"/>
-                          </a:rPr>
-                        </m:ctrlPr>
-                      </m:fPr>
-                      <m:num>
-                        <m:r>
-                          <a:rPr lang="it-IT" sz="1600" b="0" i="1" smtClean="0">
-                            <a:latin typeface="Cambria Math" panose="02040503050406030204" pitchFamily="18" charset="0"/>
-                          </a:rPr>
-                          <m:t>1</m:t>
-                        </m:r>
-                      </m:num>
-                      <m:den>
-                        <m:r>
-                          <a:rPr lang="it-IT" sz="1600" b="0" i="1" smtClean="0">
-                            <a:latin typeface="Cambria Math" panose="02040503050406030204" pitchFamily="18" charset="0"/>
-                          </a:rPr>
-                          <m:t>2</m:t>
-                        </m:r>
-                      </m:den>
-                    </m:f>
-                    <m:sSubSup>
-                      <m:sSubSupPr>
-                        <m:ctrlPr>
-                          <a:rPr lang="it-IT" sz="1600" b="0" i="1" smtClean="0">
-                            <a:latin typeface="Cambria Math" panose="02040503050406030204" pitchFamily="18" charset="0"/>
-                          </a:rPr>
-                        </m:ctrlPr>
-                      </m:sSubSupPr>
-                      <m:e>
-                        <m:r>
-                          <a:rPr lang="it-IT" sz="1600" b="0" i="1" smtClean="0">
-                            <a:latin typeface="Cambria Math" panose="02040503050406030204" pitchFamily="18" charset="0"/>
-                          </a:rPr>
-                          <m:t>𝑥</m:t>
-                        </m:r>
-                      </m:e>
-                      <m:sub>
-                        <m:r>
-                          <a:rPr lang="it-IT" sz="1600" b="0" i="1" smtClean="0">
-                            <a:latin typeface="Cambria Math" panose="02040503050406030204" pitchFamily="18" charset="0"/>
-                          </a:rPr>
-                          <m:t>𝑖</m:t>
-                        </m:r>
-                      </m:sub>
-                      <m:sup>
-                        <m:r>
-                          <a:rPr lang="it-IT" sz="1600" b="0" i="1" smtClean="0">
-                            <a:latin typeface="Cambria Math" panose="02040503050406030204" pitchFamily="18" charset="0"/>
-                          </a:rPr>
-                          <m:t>2</m:t>
-                        </m:r>
-                      </m:sup>
-                    </m:sSubSup>
-                    <m:r>
-                      <a:rPr lang="it" sz="1600" dirty="0">
-                        <a:latin typeface="Cambria Math" panose="02040503050406030204" pitchFamily="18" charset="0"/>
-                        <a:ea typeface="Cambria Math" panose="02040503050406030204" pitchFamily="18" charset="0"/>
-                      </a:rPr>
-                      <m:t>⟹</m:t>
-                    </m:r>
-                    <m:r>
-                      <m:rPr>
-                        <m:sty m:val="p"/>
-                      </m:rPr>
-                      <a:rPr lang="el-GR" sz="1600" i="1" dirty="0" smtClean="0">
-                        <a:latin typeface="Cambria Math" panose="02040503050406030204" pitchFamily="18" charset="0"/>
-                        <a:ea typeface="Cambria Math" panose="02040503050406030204" pitchFamily="18" charset="0"/>
-                      </a:rPr>
-                      <m:t>Δ</m:t>
-                    </m:r>
-                    <m:r>
-                      <a:rPr lang="it-IT" sz="1600" i="1">
-                        <a:latin typeface="Cambria Math" panose="02040503050406030204" pitchFamily="18" charset="0"/>
-                      </a:rPr>
-                      <m:t>𝑆</m:t>
-                    </m:r>
-                    <m:d>
-                      <m:dPr>
-                        <m:ctrlPr>
-                          <a:rPr lang="it-IT" sz="1600" i="1" smtClean="0">
-                            <a:latin typeface="Cambria Math" panose="02040503050406030204" pitchFamily="18" charset="0"/>
-                          </a:rPr>
-                        </m:ctrlPr>
-                      </m:dPr>
-                      <m:e>
-                        <m:sSub>
-                          <m:sSubPr>
-                            <m:ctrlPr>
-                              <a:rPr lang="it-IT" sz="1600" i="1">
-                                <a:latin typeface="Cambria Math" panose="02040503050406030204" pitchFamily="18" charset="0"/>
-                              </a:rPr>
-                            </m:ctrlPr>
-                          </m:sSubPr>
-                          <m:e>
-                            <m:r>
-                              <a:rPr lang="it-IT" sz="1600" i="1">
-                                <a:latin typeface="Cambria Math" panose="02040503050406030204" pitchFamily="18" charset="0"/>
-                              </a:rPr>
-                              <m:t>𝑥</m:t>
-                            </m:r>
-                          </m:e>
-                          <m:sub>
-                            <m:r>
-                              <a:rPr lang="it-IT" sz="1600" i="1">
-                                <a:latin typeface="Cambria Math" panose="02040503050406030204" pitchFamily="18" charset="0"/>
-                              </a:rPr>
-                              <m:t>𝑖</m:t>
-                            </m:r>
-                          </m:sub>
-                        </m:sSub>
-                      </m:e>
-                    </m:d>
-                    <m:r>
-                      <a:rPr lang="it-IT" sz="1600" b="0" i="1" smtClean="0">
-                        <a:latin typeface="Cambria Math" panose="02040503050406030204" pitchFamily="18" charset="0"/>
-                      </a:rPr>
-                      <m:t>=</m:t>
-                    </m:r>
-                    <m:sSub>
-                      <m:sSubPr>
-                        <m:ctrlPr>
-                          <a:rPr lang="it-IT" sz="1600" i="1" smtClean="0">
-                            <a:latin typeface="Cambria Math" panose="02040503050406030204" pitchFamily="18" charset="0"/>
-                            <a:ea typeface="Cambria Math" panose="02040503050406030204" pitchFamily="18" charset="0"/>
-                          </a:rPr>
-                        </m:ctrlPr>
-                      </m:sSubPr>
-                      <m:e>
-                        <m:r>
-                          <a:rPr lang="it-IT" sz="1600" b="0" i="1" smtClean="0">
-                            <a:latin typeface="Cambria Math" panose="02040503050406030204" pitchFamily="18" charset="0"/>
-                            <a:ea typeface="Cambria Math" panose="02040503050406030204" pitchFamily="18" charset="0"/>
-                          </a:rPr>
-                          <m:t>𝑢</m:t>
-                        </m:r>
-                      </m:e>
-                      <m:sub>
-                        <m:r>
-                          <a:rPr lang="it-IT" sz="1600" b="0" i="1" smtClean="0">
-                            <a:latin typeface="Cambria Math" panose="02040503050406030204" pitchFamily="18" charset="0"/>
-                            <a:ea typeface="Cambria Math" panose="02040503050406030204" pitchFamily="18" charset="0"/>
-                          </a:rPr>
-                          <m:t>𝑖</m:t>
-                        </m:r>
-                      </m:sub>
-                    </m:sSub>
-                    <m:sSub>
-                      <m:sSubPr>
-                        <m:ctrlPr>
-                          <a:rPr lang="it-IT" sz="1600" i="1" smtClean="0">
-                            <a:latin typeface="Cambria Math" panose="02040503050406030204" pitchFamily="18" charset="0"/>
-                            <a:ea typeface="Cambria Math" panose="02040503050406030204" pitchFamily="18" charset="0"/>
-                          </a:rPr>
-                        </m:ctrlPr>
-                      </m:sSubPr>
-                      <m:e>
-                        <m:r>
-                          <a:rPr lang="it-IT" sz="1600" b="0" i="1" smtClean="0">
-                            <a:latin typeface="Cambria Math" panose="02040503050406030204" pitchFamily="18" charset="0"/>
-                            <a:ea typeface="Cambria Math" panose="02040503050406030204" pitchFamily="18" charset="0"/>
-                          </a:rPr>
-                          <m:t>𝑦</m:t>
-                        </m:r>
-                      </m:e>
-                      <m:sub>
-                        <m:r>
-                          <a:rPr lang="it-IT" sz="1600" b="0" i="1" smtClean="0">
-                            <a:latin typeface="Cambria Math" panose="02040503050406030204" pitchFamily="18" charset="0"/>
-                            <a:ea typeface="Cambria Math" panose="02040503050406030204" pitchFamily="18" charset="0"/>
-                          </a:rPr>
-                          <m:t>𝑖</m:t>
-                        </m:r>
-                      </m:sub>
-                    </m:sSub>
-                    <m:r>
-                      <a:rPr lang="it-IT" sz="1600" b="0" i="1" smtClean="0">
-                        <a:latin typeface="Cambria Math" panose="02040503050406030204" pitchFamily="18" charset="0"/>
-                        <a:ea typeface="Cambria Math" panose="02040503050406030204" pitchFamily="18" charset="0"/>
-                      </a:rPr>
-                      <m:t>−</m:t>
-                    </m:r>
-                    <m:d>
-                      <m:dPr>
-                        <m:ctrlPr>
-                          <a:rPr lang="it-IT" sz="1600" i="1" dirty="0">
-                            <a:latin typeface="Cambria Math" panose="02040503050406030204" pitchFamily="18" charset="0"/>
-                            <a:ea typeface="Cambria Math" panose="02040503050406030204" pitchFamily="18" charset="0"/>
-                          </a:rPr>
-                        </m:ctrlPr>
-                      </m:dPr>
-                      <m:e>
-                        <m:r>
-                          <a:rPr lang="it-IT" sz="1600" i="1">
-                            <a:latin typeface="Cambria Math" panose="02040503050406030204" pitchFamily="18" charset="0"/>
-                            <a:ea typeface="Cambria Math" panose="02040503050406030204" pitchFamily="18" charset="0"/>
-                          </a:rPr>
-                          <m:t>𝑔</m:t>
-                        </m:r>
-                        <m:r>
-                          <a:rPr lang="it-IT" sz="1600" i="1">
-                            <a:latin typeface="Cambria Math" panose="02040503050406030204" pitchFamily="18" charset="0"/>
-                            <a:ea typeface="Cambria Math" panose="02040503050406030204" pitchFamily="18" charset="0"/>
-                          </a:rPr>
-                          <m:t>−</m:t>
-                        </m:r>
-                        <m:f>
-                          <m:fPr>
-                            <m:ctrlPr>
-                              <a:rPr lang="it-IT" sz="1600" i="1">
-                                <a:latin typeface="Cambria Math" panose="02040503050406030204" pitchFamily="18" charset="0"/>
-                                <a:ea typeface="Cambria Math" panose="02040503050406030204" pitchFamily="18" charset="0"/>
-                              </a:rPr>
-                            </m:ctrlPr>
-                          </m:fPr>
-                          <m:num>
-                            <m:r>
-                              <a:rPr lang="it-IT" sz="1600" i="1">
-                                <a:latin typeface="Cambria Math" panose="02040503050406030204" pitchFamily="18" charset="0"/>
-                                <a:ea typeface="Cambria Math" panose="02040503050406030204" pitchFamily="18" charset="0"/>
-                              </a:rPr>
-                              <m:t>1</m:t>
-                            </m:r>
-                          </m:num>
-                          <m:den>
-                            <m:r>
-                              <a:rPr lang="it-IT" sz="1600" i="1">
-                                <a:latin typeface="Cambria Math" panose="02040503050406030204" pitchFamily="18" charset="0"/>
-                                <a:ea typeface="Cambria Math" panose="02040503050406030204" pitchFamily="18" charset="0"/>
-                              </a:rPr>
-                              <m:t>2</m:t>
-                            </m:r>
-                          </m:den>
-                        </m:f>
-                      </m:e>
-                    </m:d>
-                    <m:sSubSup>
-                      <m:sSubSupPr>
-                        <m:ctrlPr>
-                          <a:rPr lang="it-IT" sz="1600" b="0" i="1" smtClean="0">
-                            <a:latin typeface="Cambria Math" panose="02040503050406030204" pitchFamily="18" charset="0"/>
-                            <a:ea typeface="Cambria Math" panose="02040503050406030204" pitchFamily="18" charset="0"/>
-                          </a:rPr>
-                        </m:ctrlPr>
-                      </m:sSubSupPr>
-                      <m:e>
-                        <m:r>
-                          <a:rPr lang="it-IT" sz="1600" b="0" i="1" smtClean="0">
-                            <a:latin typeface="Cambria Math" panose="02040503050406030204" pitchFamily="18" charset="0"/>
-                            <a:ea typeface="Cambria Math" panose="02040503050406030204" pitchFamily="18" charset="0"/>
-                          </a:rPr>
-                          <m:t>𝑢</m:t>
-                        </m:r>
-                      </m:e>
-                      <m:sub>
-                        <m:r>
-                          <a:rPr lang="it-IT" sz="1600" b="0" i="1" smtClean="0">
-                            <a:latin typeface="Cambria Math" panose="02040503050406030204" pitchFamily="18" charset="0"/>
-                            <a:ea typeface="Cambria Math" panose="02040503050406030204" pitchFamily="18" charset="0"/>
-                          </a:rPr>
-                          <m:t>𝑖</m:t>
-                        </m:r>
-                      </m:sub>
-                      <m:sup>
-                        <m:r>
-                          <a:rPr lang="it-IT" sz="1600" b="0" i="1" smtClean="0">
-                            <a:latin typeface="Cambria Math" panose="02040503050406030204" pitchFamily="18" charset="0"/>
-                            <a:ea typeface="Cambria Math" panose="02040503050406030204" pitchFamily="18" charset="0"/>
-                          </a:rPr>
-                          <m:t>2</m:t>
-                        </m:r>
-                      </m:sup>
-                    </m:sSubSup>
-                  </m:oMath>
-                </a14:m>
-                <a:endParaRPr lang="it" sz="1600" dirty="0">
-                  <a:latin typeface="Raleway" pitchFamily="2" charset="77"/>
-                </a:endParaRPr>
-              </a:p>
-              <a:p>
-                <a:pPr marL="742950" lvl="1" indent="-285750">
-                  <a:spcBef>
-                    <a:spcPts val="0"/>
-                  </a:spcBef>
-                  <a:spcAft>
-                    <a:spcPts val="1600"/>
-                  </a:spcAft>
-                </a:pPr>
-                <a14:m>
-                  <m:oMath xmlns:m="http://schemas.openxmlformats.org/officeDocument/2006/math">
-                    <m:r>
-                      <a:rPr lang="it-IT" sz="1200" b="0" i="1" smtClean="0">
-                        <a:latin typeface="Cambria Math" panose="02040503050406030204" pitchFamily="18" charset="0"/>
-                        <a:ea typeface="Cambria Math" panose="02040503050406030204" pitchFamily="18" charset="0"/>
-                      </a:rPr>
-                      <m:t>𝑔</m:t>
-                    </m:r>
-                    <m:r>
-                      <a:rPr lang="it-IT" sz="1200" b="0" i="1" smtClean="0">
-                        <a:latin typeface="Cambria Math" panose="02040503050406030204" pitchFamily="18" charset="0"/>
-                        <a:ea typeface="Cambria Math" panose="02040503050406030204" pitchFamily="18" charset="0"/>
-                      </a:rPr>
-                      <m:t>=</m:t>
-                    </m:r>
-                    <m:f>
-                      <m:fPr>
-                        <m:ctrlPr>
-                          <a:rPr lang="it-IT" sz="1200" b="0" i="1" smtClean="0">
-                            <a:latin typeface="Cambria Math" panose="02040503050406030204" pitchFamily="18" charset="0"/>
-                            <a:ea typeface="Cambria Math" panose="02040503050406030204" pitchFamily="18" charset="0"/>
-                          </a:rPr>
-                        </m:ctrlPr>
-                      </m:fPr>
-                      <m:num>
-                        <m:r>
-                          <a:rPr lang="it-IT" sz="1200" b="0" i="1" smtClean="0">
-                            <a:latin typeface="Cambria Math" panose="02040503050406030204" pitchFamily="18" charset="0"/>
-                            <a:ea typeface="Cambria Math" panose="02040503050406030204" pitchFamily="18" charset="0"/>
-                          </a:rPr>
-                          <m:t>1</m:t>
-                        </m:r>
-                      </m:num>
-                      <m:den>
-                        <m:r>
-                          <a:rPr lang="it-IT" sz="1200" b="0" i="1" smtClean="0">
-                            <a:latin typeface="Cambria Math" panose="02040503050406030204" pitchFamily="18" charset="0"/>
-                            <a:ea typeface="Cambria Math" panose="02040503050406030204" pitchFamily="18" charset="0"/>
-                          </a:rPr>
-                          <m:t>2</m:t>
-                        </m:r>
-                      </m:den>
-                    </m:f>
-                    <m:r>
-                      <a:rPr lang="it-IT" sz="1200" b="0" i="1" smtClean="0">
-                        <a:latin typeface="Cambria Math" panose="02040503050406030204" pitchFamily="18" charset="0"/>
-                        <a:ea typeface="Cambria Math" panose="02040503050406030204" pitchFamily="18" charset="0"/>
-                      </a:rPr>
-                      <m:t>:</m:t>
-                    </m:r>
-                  </m:oMath>
-                </a14:m>
-                <a:r>
-                  <a:rPr lang="it-IT" sz="1200" i="1" dirty="0">
-                    <a:latin typeface="Raleway" pitchFamily="2" charset="77"/>
-                    <a:ea typeface="Cambria Math" panose="02040503050406030204" pitchFamily="18" charset="0"/>
-                  </a:rPr>
-                  <a:t> </a:t>
+                  <a:t>values: around 1 </a:t>
                 </a:r>
                 <a:r>
-                  <a:rPr lang="it-IT" sz="1200" dirty="0">
+                  <a:rPr lang="it" sz="1600" b="1" dirty="0">
+                    <a:solidFill>
+                      <a:srgbClr val="016778"/>
+                    </a:solidFill>
                     <a:latin typeface="Raleway" pitchFamily="2" charset="77"/>
+                    <a:hlinkClick r:id="rId3" action="ppaction://hlinksldjump">
+                      <a:extLst>
+                        <a:ext uri="{A12FA001-AC4F-418D-AE19-62706E023703}">
+                          <ahyp:hlinkClr xmlns:ahyp="http://schemas.microsoft.com/office/drawing/2018/hyperlinkcolor" val="tx"/>
+                        </a:ext>
+                      </a:extLst>
+                    </a:hlinkClick>
                   </a:rPr>
-                  <a:t>a</a:t>
+                  <a:t>[Fig. 4]</a:t>
                 </a:r>
-                <a:r>
-                  <a:rPr lang="it" sz="1200" dirty="0">
-                    <a:latin typeface="Raleway" pitchFamily="2" charset="77"/>
-                  </a:rPr>
-                  <a:t>gents are loseless: </a:t>
-                </a:r>
-                <a14:m>
-                  <m:oMath xmlns:m="http://schemas.openxmlformats.org/officeDocument/2006/math">
-                    <m:r>
-                      <m:rPr>
-                        <m:sty m:val="p"/>
-                      </m:rPr>
-                      <a:rPr lang="el-GR" sz="1200" i="1" dirty="0">
-                        <a:latin typeface="Cambria Math" panose="02040503050406030204" pitchFamily="18" charset="0"/>
-                        <a:ea typeface="Cambria Math" panose="02040503050406030204" pitchFamily="18" charset="0"/>
-                      </a:rPr>
-                      <m:t>Δ</m:t>
-                    </m:r>
-                    <m:r>
-                      <a:rPr lang="it-IT" sz="1200" i="1">
-                        <a:latin typeface="Cambria Math" panose="02040503050406030204" pitchFamily="18" charset="0"/>
-                      </a:rPr>
-                      <m:t>𝑆</m:t>
-                    </m:r>
-                    <m:d>
-                      <m:dPr>
-                        <m:ctrlPr>
-                          <a:rPr lang="it-IT" sz="1200" i="1">
-                            <a:latin typeface="Cambria Math" panose="02040503050406030204" pitchFamily="18" charset="0"/>
-                          </a:rPr>
-                        </m:ctrlPr>
-                      </m:dPr>
-                      <m:e>
-                        <m:sSub>
-                          <m:sSubPr>
-                            <m:ctrlPr>
-                              <a:rPr lang="it-IT" sz="1200" i="1">
-                                <a:latin typeface="Cambria Math" panose="02040503050406030204" pitchFamily="18" charset="0"/>
-                              </a:rPr>
-                            </m:ctrlPr>
-                          </m:sSubPr>
-                          <m:e>
-                            <m:r>
-                              <a:rPr lang="it-IT" sz="1200" i="1">
-                                <a:latin typeface="Cambria Math" panose="02040503050406030204" pitchFamily="18" charset="0"/>
-                              </a:rPr>
-                              <m:t>𝑥</m:t>
-                            </m:r>
-                          </m:e>
-                          <m:sub>
-                            <m:r>
-                              <a:rPr lang="it-IT" sz="1200" i="1">
-                                <a:latin typeface="Cambria Math" panose="02040503050406030204" pitchFamily="18" charset="0"/>
-                              </a:rPr>
-                              <m:t>𝑖</m:t>
-                            </m:r>
-                          </m:sub>
-                        </m:sSub>
-                      </m:e>
-                    </m:d>
-                    <m:r>
-                      <a:rPr lang="it-IT" sz="1200" b="0" i="1" smtClean="0">
-                        <a:latin typeface="Cambria Math" panose="02040503050406030204" pitchFamily="18" charset="0"/>
-                      </a:rPr>
-                      <m:t>=</m:t>
-                    </m:r>
-                    <m:sSub>
-                      <m:sSubPr>
-                        <m:ctrlPr>
-                          <a:rPr lang="it-IT" sz="1200" i="1">
-                            <a:latin typeface="Cambria Math" panose="02040503050406030204" pitchFamily="18" charset="0"/>
-                            <a:ea typeface="Cambria Math" panose="02040503050406030204" pitchFamily="18" charset="0"/>
-                          </a:rPr>
-                        </m:ctrlPr>
-                      </m:sSubPr>
-                      <m:e>
-                        <m:r>
-                          <a:rPr lang="it-IT" sz="1200" i="1">
-                            <a:latin typeface="Cambria Math" panose="02040503050406030204" pitchFamily="18" charset="0"/>
-                            <a:ea typeface="Cambria Math" panose="02040503050406030204" pitchFamily="18" charset="0"/>
-                          </a:rPr>
-                          <m:t>𝑢</m:t>
-                        </m:r>
-                      </m:e>
-                      <m:sub>
-                        <m:r>
-                          <a:rPr lang="it-IT" sz="1200" i="1">
-                            <a:latin typeface="Cambria Math" panose="02040503050406030204" pitchFamily="18" charset="0"/>
-                            <a:ea typeface="Cambria Math" panose="02040503050406030204" pitchFamily="18" charset="0"/>
-                          </a:rPr>
-                          <m:t>𝑖</m:t>
-                        </m:r>
-                      </m:sub>
-                    </m:sSub>
-                    <m:sSub>
-                      <m:sSubPr>
-                        <m:ctrlPr>
-                          <a:rPr lang="it-IT" sz="1200" i="1">
-                            <a:latin typeface="Cambria Math" panose="02040503050406030204" pitchFamily="18" charset="0"/>
-                            <a:ea typeface="Cambria Math" panose="02040503050406030204" pitchFamily="18" charset="0"/>
-                          </a:rPr>
-                        </m:ctrlPr>
-                      </m:sSubPr>
-                      <m:e>
-                        <m:r>
-                          <a:rPr lang="it-IT" sz="1200" i="1">
-                            <a:latin typeface="Cambria Math" panose="02040503050406030204" pitchFamily="18" charset="0"/>
-                            <a:ea typeface="Cambria Math" panose="02040503050406030204" pitchFamily="18" charset="0"/>
-                          </a:rPr>
-                          <m:t>𝑦</m:t>
-                        </m:r>
-                      </m:e>
-                      <m:sub>
-                        <m:r>
-                          <a:rPr lang="it-IT" sz="1200" i="1">
-                            <a:latin typeface="Cambria Math" panose="02040503050406030204" pitchFamily="18" charset="0"/>
-                            <a:ea typeface="Cambria Math" panose="02040503050406030204" pitchFamily="18" charset="0"/>
-                          </a:rPr>
-                          <m:t>𝑖</m:t>
-                        </m:r>
-                      </m:sub>
-                    </m:sSub>
-                  </m:oMath>
-                </a14:m>
-                <a:endParaRPr lang="it-IT" sz="1200" i="1" dirty="0">
-                  <a:latin typeface="Raleway" pitchFamily="2" charset="77"/>
-                  <a:ea typeface="Cambria Math" panose="02040503050406030204" pitchFamily="18" charset="0"/>
-                </a:endParaRPr>
-              </a:p>
-              <a:p>
-                <a:pPr marL="742950" lvl="1" indent="-285750">
-                  <a:spcBef>
-                    <a:spcPts val="0"/>
-                  </a:spcBef>
-                  <a:spcAft>
-                    <a:spcPts val="1600"/>
-                  </a:spcAft>
-                </a:pPr>
-                <a14:m>
-                  <m:oMath xmlns:m="http://schemas.openxmlformats.org/officeDocument/2006/math">
-                    <m:r>
-                      <a:rPr lang="it-IT" sz="1200" i="1">
-                        <a:latin typeface="Cambria Math" panose="02040503050406030204" pitchFamily="18" charset="0"/>
-                        <a:ea typeface="Cambria Math" panose="02040503050406030204" pitchFamily="18" charset="0"/>
-                      </a:rPr>
-                      <m:t>𝑔</m:t>
-                    </m:r>
-                    <m:r>
-                      <a:rPr lang="it-IT" sz="1200" b="0" i="1" smtClean="0">
-                        <a:latin typeface="Cambria Math" panose="02040503050406030204" pitchFamily="18" charset="0"/>
-                        <a:ea typeface="Cambria Math" panose="02040503050406030204" pitchFamily="18" charset="0"/>
-                      </a:rPr>
-                      <m:t>&gt;</m:t>
-                    </m:r>
-                    <m:f>
-                      <m:fPr>
-                        <m:ctrlPr>
-                          <a:rPr lang="it-IT" sz="1200" i="1">
-                            <a:latin typeface="Cambria Math" panose="02040503050406030204" pitchFamily="18" charset="0"/>
-                            <a:ea typeface="Cambria Math" panose="02040503050406030204" pitchFamily="18" charset="0"/>
-                          </a:rPr>
-                        </m:ctrlPr>
-                      </m:fPr>
-                      <m:num>
-                        <m:r>
-                          <a:rPr lang="it-IT" sz="1200" i="1">
-                            <a:latin typeface="Cambria Math" panose="02040503050406030204" pitchFamily="18" charset="0"/>
-                            <a:ea typeface="Cambria Math" panose="02040503050406030204" pitchFamily="18" charset="0"/>
-                          </a:rPr>
-                          <m:t>1</m:t>
-                        </m:r>
-                      </m:num>
-                      <m:den>
-                        <m:r>
-                          <a:rPr lang="it-IT" sz="1200" i="1">
-                            <a:latin typeface="Cambria Math" panose="02040503050406030204" pitchFamily="18" charset="0"/>
-                            <a:ea typeface="Cambria Math" panose="02040503050406030204" pitchFamily="18" charset="0"/>
-                          </a:rPr>
-                          <m:t>2</m:t>
-                        </m:r>
-                      </m:den>
-                    </m:f>
-                    <m:r>
-                      <a:rPr lang="it-IT" sz="1200" b="0" i="1" smtClean="0">
-                        <a:latin typeface="Cambria Math" panose="02040503050406030204" pitchFamily="18" charset="0"/>
-                        <a:ea typeface="Cambria Math" panose="02040503050406030204" pitchFamily="18" charset="0"/>
-                      </a:rPr>
-                      <m:t>:</m:t>
-                    </m:r>
-                  </m:oMath>
-                </a14:m>
-                <a:r>
-                  <a:rPr lang="it" sz="1200" dirty="0">
-                    <a:latin typeface="Raleway" pitchFamily="2" charset="77"/>
-                  </a:rPr>
-                  <a:t> agents are input strictly passive: </a:t>
-                </a:r>
-                <a14:m>
-                  <m:oMath xmlns:m="http://schemas.openxmlformats.org/officeDocument/2006/math">
-                    <m:r>
-                      <m:rPr>
-                        <m:sty m:val="p"/>
-                      </m:rPr>
-                      <a:rPr lang="el-GR" sz="1200" i="1" dirty="0">
-                        <a:latin typeface="Cambria Math" panose="02040503050406030204" pitchFamily="18" charset="0"/>
-                        <a:ea typeface="Cambria Math" panose="02040503050406030204" pitchFamily="18" charset="0"/>
-                      </a:rPr>
-                      <m:t>Δ</m:t>
-                    </m:r>
-                    <m:r>
-                      <a:rPr lang="it-IT" sz="1200" i="1">
-                        <a:latin typeface="Cambria Math" panose="02040503050406030204" pitchFamily="18" charset="0"/>
-                      </a:rPr>
-                      <m:t>𝑆</m:t>
-                    </m:r>
-                    <m:d>
-                      <m:dPr>
-                        <m:ctrlPr>
-                          <a:rPr lang="it-IT" sz="1200" i="1">
-                            <a:latin typeface="Cambria Math" panose="02040503050406030204" pitchFamily="18" charset="0"/>
-                          </a:rPr>
-                        </m:ctrlPr>
-                      </m:dPr>
-                      <m:e>
-                        <m:sSub>
-                          <m:sSubPr>
-                            <m:ctrlPr>
-                              <a:rPr lang="it-IT" sz="1200" i="1">
-                                <a:latin typeface="Cambria Math" panose="02040503050406030204" pitchFamily="18" charset="0"/>
-                              </a:rPr>
-                            </m:ctrlPr>
-                          </m:sSubPr>
-                          <m:e>
-                            <m:r>
-                              <a:rPr lang="it-IT" sz="1200" i="1">
-                                <a:latin typeface="Cambria Math" panose="02040503050406030204" pitchFamily="18" charset="0"/>
-                              </a:rPr>
-                              <m:t>𝑥</m:t>
-                            </m:r>
-                          </m:e>
-                          <m:sub>
-                            <m:r>
-                              <a:rPr lang="it-IT" sz="1200" i="1">
-                                <a:latin typeface="Cambria Math" panose="02040503050406030204" pitchFamily="18" charset="0"/>
-                              </a:rPr>
-                              <m:t>𝑖</m:t>
-                            </m:r>
-                          </m:sub>
-                        </m:sSub>
-                      </m:e>
-                    </m:d>
-                    <m:r>
-                      <a:rPr lang="it-IT" sz="1200" b="0" i="1" smtClean="0">
-                        <a:latin typeface="Cambria Math" panose="02040503050406030204" pitchFamily="18" charset="0"/>
-                      </a:rPr>
-                      <m:t>=</m:t>
-                    </m:r>
-                    <m:sSub>
-                      <m:sSubPr>
-                        <m:ctrlPr>
-                          <a:rPr lang="it-IT" sz="1200" i="1">
-                            <a:latin typeface="Cambria Math" panose="02040503050406030204" pitchFamily="18" charset="0"/>
-                            <a:ea typeface="Cambria Math" panose="02040503050406030204" pitchFamily="18" charset="0"/>
-                          </a:rPr>
-                        </m:ctrlPr>
-                      </m:sSubPr>
-                      <m:e>
-                        <m:r>
-                          <a:rPr lang="it-IT" sz="1200" i="1">
-                            <a:latin typeface="Cambria Math" panose="02040503050406030204" pitchFamily="18" charset="0"/>
-                            <a:ea typeface="Cambria Math" panose="02040503050406030204" pitchFamily="18" charset="0"/>
-                          </a:rPr>
-                          <m:t>𝑢</m:t>
-                        </m:r>
-                      </m:e>
-                      <m:sub>
-                        <m:r>
-                          <a:rPr lang="it-IT" sz="1200" i="1">
-                            <a:latin typeface="Cambria Math" panose="02040503050406030204" pitchFamily="18" charset="0"/>
-                            <a:ea typeface="Cambria Math" panose="02040503050406030204" pitchFamily="18" charset="0"/>
-                          </a:rPr>
-                          <m:t>𝑖</m:t>
-                        </m:r>
-                      </m:sub>
-                    </m:sSub>
-                    <m:sSub>
-                      <m:sSubPr>
-                        <m:ctrlPr>
-                          <a:rPr lang="it-IT" sz="1200" i="1">
-                            <a:latin typeface="Cambria Math" panose="02040503050406030204" pitchFamily="18" charset="0"/>
-                            <a:ea typeface="Cambria Math" panose="02040503050406030204" pitchFamily="18" charset="0"/>
-                          </a:rPr>
-                        </m:ctrlPr>
-                      </m:sSubPr>
-                      <m:e>
-                        <m:r>
-                          <a:rPr lang="it-IT" sz="1200" i="1">
-                            <a:latin typeface="Cambria Math" panose="02040503050406030204" pitchFamily="18" charset="0"/>
-                            <a:ea typeface="Cambria Math" panose="02040503050406030204" pitchFamily="18" charset="0"/>
-                          </a:rPr>
-                          <m:t>𝑦</m:t>
-                        </m:r>
-                      </m:e>
-                      <m:sub>
-                        <m:r>
-                          <a:rPr lang="it-IT" sz="1200" i="1">
-                            <a:latin typeface="Cambria Math" panose="02040503050406030204" pitchFamily="18" charset="0"/>
-                            <a:ea typeface="Cambria Math" panose="02040503050406030204" pitchFamily="18" charset="0"/>
-                          </a:rPr>
-                          <m:t>𝑖</m:t>
-                        </m:r>
-                      </m:sub>
-                    </m:sSub>
-                    <m:r>
-                      <a:rPr lang="it-IT" sz="1200" i="1">
-                        <a:latin typeface="Cambria Math" panose="02040503050406030204" pitchFamily="18" charset="0"/>
-                        <a:ea typeface="Cambria Math" panose="02040503050406030204" pitchFamily="18" charset="0"/>
-                      </a:rPr>
-                      <m:t>−</m:t>
-                    </m:r>
-                    <m:r>
-                      <a:rPr lang="it-IT" sz="1200" i="1" smtClean="0">
-                        <a:latin typeface="Cambria Math" panose="02040503050406030204" pitchFamily="18" charset="0"/>
-                        <a:ea typeface="Cambria Math" panose="02040503050406030204" pitchFamily="18" charset="0"/>
-                      </a:rPr>
-                      <m:t>𝛿</m:t>
-                    </m:r>
-                    <m:sSubSup>
-                      <m:sSubSupPr>
-                        <m:ctrlPr>
-                          <a:rPr lang="it-IT" sz="1200" i="1">
-                            <a:latin typeface="Cambria Math" panose="02040503050406030204" pitchFamily="18" charset="0"/>
-                            <a:ea typeface="Cambria Math" panose="02040503050406030204" pitchFamily="18" charset="0"/>
-                          </a:rPr>
-                        </m:ctrlPr>
-                      </m:sSubSupPr>
-                      <m:e>
-                        <m:r>
-                          <a:rPr lang="it-IT" sz="1200" i="1">
-                            <a:latin typeface="Cambria Math" panose="02040503050406030204" pitchFamily="18" charset="0"/>
-                            <a:ea typeface="Cambria Math" panose="02040503050406030204" pitchFamily="18" charset="0"/>
-                          </a:rPr>
-                          <m:t>𝑢</m:t>
-                        </m:r>
-                      </m:e>
-                      <m:sub>
-                        <m:r>
-                          <a:rPr lang="it-IT" sz="1200" i="1">
-                            <a:latin typeface="Cambria Math" panose="02040503050406030204" pitchFamily="18" charset="0"/>
-                            <a:ea typeface="Cambria Math" panose="02040503050406030204" pitchFamily="18" charset="0"/>
-                          </a:rPr>
-                          <m:t>𝑖</m:t>
-                        </m:r>
-                      </m:sub>
-                      <m:sup>
-                        <m:r>
-                          <a:rPr lang="it-IT" sz="1200" i="1">
-                            <a:latin typeface="Cambria Math" panose="02040503050406030204" pitchFamily="18" charset="0"/>
-                            <a:ea typeface="Cambria Math" panose="02040503050406030204" pitchFamily="18" charset="0"/>
-                          </a:rPr>
-                          <m:t>2</m:t>
-                        </m:r>
-                      </m:sup>
-                    </m:sSubSup>
-                    <m:r>
-                      <a:rPr lang="it-IT" sz="1200" b="0" i="1" smtClean="0">
-                        <a:latin typeface="Cambria Math" panose="02040503050406030204" pitchFamily="18" charset="0"/>
-                        <a:ea typeface="Cambria Math" panose="02040503050406030204" pitchFamily="18" charset="0"/>
-                      </a:rPr>
-                      <m:t>,   </m:t>
-                    </m:r>
-                    <m:r>
-                      <a:rPr lang="it-IT" sz="1200" b="0" i="1" smtClean="0">
-                        <a:latin typeface="Cambria Math" panose="02040503050406030204" pitchFamily="18" charset="0"/>
-                        <a:ea typeface="Cambria Math" panose="02040503050406030204" pitchFamily="18" charset="0"/>
-                      </a:rPr>
-                      <m:t>𝛿</m:t>
-                    </m:r>
-                    <m:r>
-                      <a:rPr lang="it-IT" sz="1200" b="0" i="1" smtClean="0">
-                        <a:latin typeface="Cambria Math" panose="02040503050406030204" pitchFamily="18" charset="0"/>
-                        <a:ea typeface="Cambria Math" panose="02040503050406030204" pitchFamily="18" charset="0"/>
-                      </a:rPr>
-                      <m:t>=</m:t>
-                    </m:r>
-                    <m:d>
-                      <m:dPr>
-                        <m:ctrlPr>
-                          <a:rPr lang="it-IT" sz="1200" b="0" i="1" smtClean="0">
-                            <a:latin typeface="Cambria Math" panose="02040503050406030204" pitchFamily="18" charset="0"/>
-                            <a:ea typeface="Cambria Math" panose="02040503050406030204" pitchFamily="18" charset="0"/>
-                          </a:rPr>
-                        </m:ctrlPr>
-                      </m:dPr>
-                      <m:e>
-                        <m:r>
-                          <a:rPr lang="it-IT" sz="1200" i="1">
-                            <a:latin typeface="Cambria Math" panose="02040503050406030204" pitchFamily="18" charset="0"/>
-                            <a:ea typeface="Cambria Math" panose="02040503050406030204" pitchFamily="18" charset="0"/>
-                          </a:rPr>
-                          <m:t>𝑔</m:t>
-                        </m:r>
-                        <m:r>
-                          <a:rPr lang="it-IT" sz="1200" i="1">
-                            <a:latin typeface="Cambria Math" panose="02040503050406030204" pitchFamily="18" charset="0"/>
-                            <a:ea typeface="Cambria Math" panose="02040503050406030204" pitchFamily="18" charset="0"/>
-                          </a:rPr>
-                          <m:t>−</m:t>
-                        </m:r>
-                        <m:f>
-                          <m:fPr>
-                            <m:ctrlPr>
-                              <a:rPr lang="it-IT" sz="1200" i="1">
-                                <a:latin typeface="Cambria Math" panose="02040503050406030204" pitchFamily="18" charset="0"/>
-                                <a:ea typeface="Cambria Math" panose="02040503050406030204" pitchFamily="18" charset="0"/>
-                              </a:rPr>
-                            </m:ctrlPr>
-                          </m:fPr>
-                          <m:num>
-                            <m:r>
-                              <a:rPr lang="it-IT" sz="1200" i="1">
-                                <a:latin typeface="Cambria Math" panose="02040503050406030204" pitchFamily="18" charset="0"/>
-                                <a:ea typeface="Cambria Math" panose="02040503050406030204" pitchFamily="18" charset="0"/>
-                              </a:rPr>
-                              <m:t>1</m:t>
-                            </m:r>
-                          </m:num>
-                          <m:den>
-                            <m:r>
-                              <a:rPr lang="it-IT" sz="1200" i="1">
-                                <a:latin typeface="Cambria Math" panose="02040503050406030204" pitchFamily="18" charset="0"/>
-                                <a:ea typeface="Cambria Math" panose="02040503050406030204" pitchFamily="18" charset="0"/>
-                              </a:rPr>
-                              <m:t>2</m:t>
-                            </m:r>
-                          </m:den>
-                        </m:f>
-                      </m:e>
-                    </m:d>
-                    <m:r>
-                      <a:rPr lang="it-IT" sz="1200" b="0" i="1" smtClean="0">
-                        <a:latin typeface="Cambria Math" panose="02040503050406030204" pitchFamily="18" charset="0"/>
-                        <a:ea typeface="Cambria Math" panose="02040503050406030204" pitchFamily="18" charset="0"/>
-                      </a:rPr>
-                      <m:t>&gt;0</m:t>
-                    </m:r>
-                  </m:oMath>
-                </a14:m>
-                <a:endParaRPr lang="it" sz="1200" dirty="0">
-                  <a:latin typeface="Raleway" pitchFamily="2" charset="77"/>
-                </a:endParaRPr>
-              </a:p>
-              <a:p>
-                <a:pPr marL="285750" indent="-285750">
-                  <a:spcAft>
-                    <a:spcPts val="1600"/>
-                  </a:spcAft>
-                </a:pPr>
                 <a:endParaRPr lang="it-IT" sz="1600" dirty="0">
                   <a:latin typeface="Raleway" pitchFamily="2" charset="77"/>
                 </a:endParaRPr>
@@ -24101,7 +19318,7 @@
             </p:txBody>
           </p:sp>
         </mc:Choice>
-        <mc:Fallback xmlns="">
+        <mc:Fallback>
           <p:sp>
             <p:nvSpPr>
               <p:cNvPr id="82" name="Google Shape;82;p8"/>
@@ -24121,7 +19338,7 @@
                 <a:avLst/>
               </a:prstGeom>
               <a:blipFill>
-                <a:blip r:embed="rId3"/>
+                <a:blip r:embed="rId4"/>
                 <a:stretch>
                   <a:fillRect/>
                 </a:stretch>
@@ -24540,6 +19757,35 @@
           <a:chExt cx="0" cy="0"/>
         </a:xfrm>
       </p:grpSpPr>
+      <p:pic>
+        <p:nvPicPr>
+          <p:cNvPr id="6" name="Immagine 5" descr="Immagine che contiene testo, diagramma, linea, Diagramma&#10;&#10;Descrizione generata automaticamente">
+            <a:extLst>
+              <a:ext uri="{FF2B5EF4-FFF2-40B4-BE49-F238E27FC236}">
+                <a16:creationId xmlns:a16="http://schemas.microsoft.com/office/drawing/2014/main" id="{CBAE9F1F-F758-34CD-AB9F-DEF7BB65DB3E}"/>
+              </a:ext>
+            </a:extLst>
+          </p:cNvPr>
+          <p:cNvPicPr>
+            <a:picLocks noChangeAspect="1"/>
+          </p:cNvPicPr>
+          <p:nvPr/>
+        </p:nvPicPr>
+        <p:blipFill rotWithShape="1">
+          <a:blip r:embed="rId2"/>
+          <a:srcRect l="2951" t="9900" r="7861" b="4921"/>
+          <a:stretch/>
+        </p:blipFill>
+        <p:spPr>
+          <a:xfrm>
+            <a:off x="994926" y="1313917"/>
+            <a:ext cx="3047236" cy="2910269"/>
+          </a:xfrm>
+          <a:prstGeom prst="rect">
+            <a:avLst/>
+          </a:prstGeom>
+        </p:spPr>
+      </p:pic>
       <p:sp>
         <p:nvSpPr>
           <p:cNvPr id="4" name="Segnaposto numero diapositiva 3">
@@ -24638,7 +19884,7 @@
           <p:nvPr/>
         </p:nvPicPr>
         <p:blipFill>
-          <a:blip r:embed="rId2"/>
+          <a:blip r:embed="rId3"/>
           <a:stretch>
             <a:fillRect/>
           </a:stretch>
@@ -24688,6 +19934,13 @@
                     <a:solidFill>
                       <a:srgbClr val="6E0918"/>
                     </a:solidFill>
+                    <a:hlinkClick r:id="rId4" action="ppaction://hlinksldjump">
+                      <a:extLst>
+                        <a:ext uri="{A12FA001-AC4F-418D-AE19-62706E023703}">
+                          <ahyp:hlinkClr xmlns:ahyp="http://schemas.microsoft.com/office/drawing/2018/hyperlinkcolor" val="tx"/>
+                        </a:ext>
+                      </a:extLst>
+                    </a:hlinkClick>
                   </a:rPr>
                   <a:t>Fig. 3</a:t>
                 </a:r>
@@ -24696,6 +19949,13 @@
                     <a:solidFill>
                       <a:srgbClr val="6E0918"/>
                     </a:solidFill>
+                    <a:hlinkClick r:id="rId4" action="ppaction://hlinksldjump">
+                      <a:extLst>
+                        <a:ext uri="{A12FA001-AC4F-418D-AE19-62706E023703}">
+                          <ahyp:hlinkClr xmlns:ahyp="http://schemas.microsoft.com/office/drawing/2018/hyperlinkcolor" val="tx"/>
+                        </a:ext>
+                      </a:extLst>
+                    </a:hlinkClick>
                   </a:rPr>
                   <a:t>: </a:t>
                 </a:r>
@@ -24768,7 +20028,7 @@
                 <a:avLst/>
               </a:prstGeom>
               <a:blipFill>
-                <a:blip r:embed="rId4"/>
+                <a:blip r:embed="rId5"/>
                 <a:stretch>
                   <a:fillRect b="-8571"/>
                 </a:stretch>
@@ -24824,6 +20084,13 @@
                     <a:solidFill>
                       <a:srgbClr val="6E0918"/>
                     </a:solidFill>
+                    <a:hlinkClick r:id="rId6" action="ppaction://hlinksldjump">
+                      <a:extLst>
+                        <a:ext uri="{A12FA001-AC4F-418D-AE19-62706E023703}">
+                          <ahyp:hlinkClr xmlns:ahyp="http://schemas.microsoft.com/office/drawing/2018/hyperlinkcolor" val="tx"/>
+                        </a:ext>
+                      </a:extLst>
+                    </a:hlinkClick>
                   </a:rPr>
                   <a:t>Fig. 4</a:t>
                 </a:r>
@@ -24832,6 +20099,13 @@
                     <a:solidFill>
                       <a:srgbClr val="6E0918"/>
                     </a:solidFill>
+                    <a:hlinkClick r:id="rId6" action="ppaction://hlinksldjump">
+                      <a:extLst>
+                        <a:ext uri="{A12FA001-AC4F-418D-AE19-62706E023703}">
+                          <ahyp:hlinkClr xmlns:ahyp="http://schemas.microsoft.com/office/drawing/2018/hyperlinkcolor" val="tx"/>
+                        </a:ext>
+                      </a:extLst>
+                    </a:hlinkClick>
                   </a:rPr>
                   <a:t>: </a:t>
                 </a:r>
@@ -24918,7 +20192,7 @@
                 <a:avLst/>
               </a:prstGeom>
               <a:blipFill>
-                <a:blip r:embed="rId5"/>
+                <a:blip r:embed="rId7"/>
                 <a:stretch>
                   <a:fillRect b="-11429"/>
                 </a:stretch>
@@ -24991,35 +20265,6 @@
           </a:p>
         </p:txBody>
       </p:sp>
-      <p:pic>
-        <p:nvPicPr>
-          <p:cNvPr id="3" name="Immagine 2" descr="Immagine che contiene testo, diagramma, linea, Diagramma&#10;&#10;Descrizione generata automaticamente">
-            <a:extLst>
-              <a:ext uri="{FF2B5EF4-FFF2-40B4-BE49-F238E27FC236}">
-                <a16:creationId xmlns:a16="http://schemas.microsoft.com/office/drawing/2014/main" id="{CF6042B1-108F-7697-2217-195DFAC2FBD1}"/>
-              </a:ext>
-            </a:extLst>
-          </p:cNvPr>
-          <p:cNvPicPr>
-            <a:picLocks noChangeAspect="1"/>
-          </p:cNvPicPr>
-          <p:nvPr/>
-        </p:nvPicPr>
-        <p:blipFill rotWithShape="1">
-          <a:blip r:embed="rId6"/>
-          <a:srcRect l="2704" t="10838" r="8303" b="4258"/>
-          <a:stretch/>
-        </p:blipFill>
-        <p:spPr>
-          <a:xfrm>
-            <a:off x="994926" y="1337733"/>
-            <a:ext cx="3047237" cy="2907230"/>
-          </a:xfrm>
-          <a:prstGeom prst="rect">
-            <a:avLst/>
-          </a:prstGeom>
-        </p:spPr>
-      </p:pic>
     </p:spTree>
     <p:extLst>
       <p:ext uri="{BB962C8B-B14F-4D97-AF65-F5344CB8AC3E}">

--- a/CAMS_Presentation.pptx
+++ b/CAMS_Presentation.pptx
@@ -6571,8 +6571,8 @@
           </a:p>
         </p:txBody>
       </p:sp>
-      <mc:AlternateContent xmlns:mc="http://schemas.openxmlformats.org/markup-compatibility/2006">
-        <mc:Choice xmlns:a14="http://schemas.microsoft.com/office/drawing/2010/main" Requires="a14">
+      <mc:AlternateContent xmlns:mc="http://schemas.openxmlformats.org/markup-compatibility/2006" xmlns:a14="http://schemas.microsoft.com/office/drawing/2010/main">
+        <mc:Choice Requires="a14">
           <p:sp>
             <p:nvSpPr>
               <p:cNvPr id="82" name="Google Shape;82;p8"/>
@@ -6601,6 +6601,39 @@
                 <a:pPr marL="285750" indent="-285750">
                   <a:lnSpc>
                     <a:spcPct val="150000"/>
+                  </a:lnSpc>
+                  <a:spcAft>
+                    <a:spcPts val="1600"/>
+                  </a:spcAft>
+                </a:pPr>
+                <a:r>
+                  <a:rPr lang="en-GB" sz="1500" dirty="0">
+                    <a:latin typeface="Raleway" pitchFamily="2" charset="77"/>
+                  </a:rPr>
+                  <a:t>Assumption: </a:t>
+                </a:r>
+                <a14:m>
+                  <m:oMath xmlns:m="http://schemas.openxmlformats.org/officeDocument/2006/math">
+                    <m:r>
+                      <a:rPr lang="it" sz="1400" i="1" smtClean="0">
+                        <a:latin typeface="Cambria Math" panose="02040503050406030204" pitchFamily="18" charset="0"/>
+                        <a:ea typeface="Cambria Math" panose="02040503050406030204" pitchFamily="18" charset="0"/>
+                      </a:rPr>
+                      <m:t>ℊ</m:t>
+                    </m:r>
+                  </m:oMath>
+                </a14:m>
+                <a:r>
+                  <a:rPr lang="en-GB" sz="1500" dirty="0">
+                    <a:latin typeface="Raleway" pitchFamily="2" charset="77"/>
+                  </a:rPr>
+                  <a:t> is connected/strongly connected</a:t>
+                </a:r>
+              </a:p>
+              <a:p>
+                <a:pPr marL="285750" indent="-285750">
+                  <a:lnSpc>
+                    <a:spcPct val="100000"/>
                   </a:lnSpc>
                   <a:spcAft>
                     <a:spcPts val="1600"/>
@@ -8178,19 +8211,223 @@
                     <a:spcPts val="1600"/>
                   </a:spcAft>
                 </a:pPr>
+                <a14:m>
+                  <m:oMath xmlns:m="http://schemas.openxmlformats.org/officeDocument/2006/math">
+                    <m:sSup>
+                      <m:sSupPr>
+                        <m:ctrlPr>
+                          <a:rPr lang="en-GB" sz="1400" i="1" smtClean="0">
+                            <a:latin typeface="Cambria Math" panose="02040503050406030204" pitchFamily="18" charset="0"/>
+                            <a:ea typeface="Cambria Math" panose="02040503050406030204" pitchFamily="18" charset="0"/>
+                          </a:rPr>
+                        </m:ctrlPr>
+                      </m:sSupPr>
+                      <m:e>
+                        <m:r>
+                          <a:rPr lang="it-IT" sz="1400" b="0" i="1" smtClean="0">
+                            <a:latin typeface="Cambria Math" panose="02040503050406030204" pitchFamily="18" charset="0"/>
+                            <a:ea typeface="Cambria Math" panose="02040503050406030204" pitchFamily="18" charset="0"/>
+                          </a:rPr>
+                          <m:t>3</m:t>
+                        </m:r>
+                      </m:e>
+                      <m:sup>
+                        <m:r>
+                          <a:rPr lang="it-IT" sz="1400" b="0" i="1" smtClean="0">
+                            <a:latin typeface="Cambria Math" panose="02040503050406030204" pitchFamily="18" charset="0"/>
+                            <a:ea typeface="Cambria Math" panose="02040503050406030204" pitchFamily="18" charset="0"/>
+                          </a:rPr>
+                          <m:t>𝑟𝑑</m:t>
+                        </m:r>
+                      </m:sup>
+                    </m:sSup>
+                  </m:oMath>
+                </a14:m>
                 <a:r>
                   <a:rPr lang="en-GB" sz="1400" dirty="0">
                     <a:latin typeface="Raleway" pitchFamily="2" charset="77"/>
                   </a:rPr>
-                  <a:t>By induction:  </a:t>
+                  <a:t> result</a:t>
+                </a:r>
+                <a:r>
+                  <a:rPr lang="en-GB" sz="1200" dirty="0">
+                    <a:latin typeface="Raleway" pitchFamily="2" charset="77"/>
+                  </a:rPr>
+                  <a:t>: </a:t>
                 </a:r>
                 <a14:m>
                   <m:oMath xmlns:m="http://schemas.openxmlformats.org/officeDocument/2006/math">
                     <m:r>
+                      <a:rPr lang="it-IT" sz="1200" b="0" i="0" smtClean="0">
+                        <a:latin typeface="Cambria Math" panose="02040503050406030204" pitchFamily="18" charset="0"/>
+                        <a:ea typeface="Cambria Math" panose="02040503050406030204" pitchFamily="18" charset="0"/>
+                      </a:rPr>
+                      <m:t> </m:t>
+                    </m:r>
+                    <m:r>
+                      <a:rPr lang="it-IT" sz="1200" i="1">
+                        <a:latin typeface="Cambria Math" panose="02040503050406030204" pitchFamily="18" charset="0"/>
+                        <a:ea typeface="Cambria Math" panose="02040503050406030204" pitchFamily="18" charset="0"/>
+                      </a:rPr>
+                      <m:t>𝜅</m:t>
+                    </m:r>
+                    <m:r>
+                      <a:rPr lang="it-IT" sz="1200" b="0" i="1" smtClean="0">
+                        <a:latin typeface="Cambria Math" panose="02040503050406030204" pitchFamily="18" charset="0"/>
+                        <a:ea typeface="Cambria Math" panose="02040503050406030204" pitchFamily="18" charset="0"/>
+                      </a:rPr>
+                      <m:t>𝑔</m:t>
+                    </m:r>
+                    <m:r>
+                      <a:rPr lang="it-IT" sz="1200" b="0" i="1" smtClean="0">
+                        <a:latin typeface="Cambria Math" panose="02040503050406030204" pitchFamily="18" charset="0"/>
+                        <a:ea typeface="Cambria Math" panose="02040503050406030204" pitchFamily="18" charset="0"/>
+                      </a:rPr>
+                      <m:t>≥1</m:t>
+                    </m:r>
+                    <m:r>
+                      <a:rPr lang="en-GB" sz="1200" dirty="0">
+                        <a:latin typeface="Cambria Math" panose="02040503050406030204" pitchFamily="18" charset="0"/>
+                        <a:ea typeface="Cambria Math" panose="02040503050406030204" pitchFamily="18" charset="0"/>
+                      </a:rPr>
+                      <m:t>⇒</m:t>
+                    </m:r>
+                  </m:oMath>
+                </a14:m>
+                <a:r>
+                  <a:rPr lang="en-GB" sz="1200" dirty="0">
+                    <a:latin typeface="Raleway" pitchFamily="2" charset="77"/>
+                  </a:rPr>
+                  <a:t> </a:t>
+                </a:r>
+                <a14:m>
+                  <m:oMath xmlns:m="http://schemas.openxmlformats.org/officeDocument/2006/math">
+                    <m:r>
+                      <a:rPr lang="it-IT" sz="1200" i="1">
+                        <a:latin typeface="Cambria Math" panose="02040503050406030204" pitchFamily="18" charset="0"/>
+                      </a:rPr>
+                      <m:t>𝑉</m:t>
+                    </m:r>
+                    <m:d>
+                      <m:dPr>
+                        <m:ctrlPr>
+                          <a:rPr lang="it-IT" sz="1200" i="1">
+                            <a:latin typeface="Cambria Math" panose="02040503050406030204" pitchFamily="18" charset="0"/>
+                          </a:rPr>
+                        </m:ctrlPr>
+                      </m:dPr>
+                      <m:e>
+                        <m:r>
+                          <a:rPr lang="it-IT" sz="1200" i="1">
+                            <a:latin typeface="Cambria Math" panose="02040503050406030204" pitchFamily="18" charset="0"/>
+                          </a:rPr>
+                          <m:t>𝑡</m:t>
+                        </m:r>
+                        <m:r>
+                          <a:rPr lang="it-IT" sz="1200" i="1">
+                            <a:latin typeface="Cambria Math" panose="02040503050406030204" pitchFamily="18" charset="0"/>
+                          </a:rPr>
+                          <m:t>,</m:t>
+                        </m:r>
+                        <m:r>
+                          <a:rPr lang="en-GB" sz="1200" i="1">
+                            <a:latin typeface="Cambria Math" panose="02040503050406030204" pitchFamily="18" charset="0"/>
+                            <a:ea typeface="Cambria Math" panose="02040503050406030204" pitchFamily="18" charset="0"/>
+                          </a:rPr>
+                          <m:t>𝛾</m:t>
+                        </m:r>
+                      </m:e>
+                    </m:d>
+                    <m:r>
+                      <a:rPr lang="en-GB" sz="1200" i="1">
+                        <a:latin typeface="Cambria Math" panose="02040503050406030204" pitchFamily="18" charset="0"/>
+                        <a:ea typeface="Cambria Math" panose="02040503050406030204" pitchFamily="18" charset="0"/>
+                      </a:rPr>
+                      <m:t>→</m:t>
+                    </m:r>
+                    <m:r>
+                      <a:rPr lang="it-IT" sz="1200" i="1">
+                        <a:latin typeface="Cambria Math" panose="02040503050406030204" pitchFamily="18" charset="0"/>
+                      </a:rPr>
+                      <m:t>𝑢</m:t>
+                    </m:r>
+                    <m:d>
+                      <m:dPr>
+                        <m:ctrlPr>
+                          <a:rPr lang="it-IT" sz="1200" i="1">
+                            <a:latin typeface="Cambria Math" panose="02040503050406030204" pitchFamily="18" charset="0"/>
+                          </a:rPr>
+                        </m:ctrlPr>
+                      </m:dPr>
+                      <m:e>
+                        <m:r>
+                          <a:rPr lang="it-IT" sz="1200" i="1">
+                            <a:latin typeface="Cambria Math" panose="02040503050406030204" pitchFamily="18" charset="0"/>
+                          </a:rPr>
+                          <m:t>𝑡</m:t>
+                        </m:r>
+                      </m:e>
+                    </m:d>
+                    <m:r>
+                      <a:rPr lang="it-IT" sz="1200" b="0" i="1" smtClean="0">
+                        <a:latin typeface="Cambria Math" panose="02040503050406030204" pitchFamily="18" charset="0"/>
+                      </a:rPr>
+                      <m:t>  </m:t>
+                    </m:r>
+                    <m:r>
+                      <a:rPr lang="it-IT" sz="1200" b="0" i="1" smtClean="0">
+                        <a:latin typeface="Cambria Math" panose="02040503050406030204" pitchFamily="18" charset="0"/>
+                        <a:ea typeface="Cambria Math" panose="02040503050406030204" pitchFamily="18" charset="0"/>
+                      </a:rPr>
+                      <m:t>∀</m:t>
+                    </m:r>
+                    <m:r>
+                      <a:rPr lang="en-GB" sz="1200" i="1">
+                        <a:latin typeface="Cambria Math" panose="02040503050406030204" pitchFamily="18" charset="0"/>
+                        <a:ea typeface="Cambria Math" panose="02040503050406030204" pitchFamily="18" charset="0"/>
+                      </a:rPr>
+                      <m:t>𝛾</m:t>
+                    </m:r>
+                    <m:r>
+                      <a:rPr lang="it-IT" sz="1200" i="1">
+                        <a:latin typeface="Cambria Math" panose="02040503050406030204" pitchFamily="18" charset="0"/>
+                        <a:ea typeface="Cambria Math" panose="02040503050406030204" pitchFamily="18" charset="0"/>
+                      </a:rPr>
+                      <m:t>≥</m:t>
+                    </m:r>
+                    <m:r>
+                      <a:rPr lang="en-GB" sz="1200" i="1">
+                        <a:latin typeface="Cambria Math" panose="02040503050406030204" pitchFamily="18" charset="0"/>
+                        <a:ea typeface="Cambria Math" panose="02040503050406030204" pitchFamily="18" charset="0"/>
+                      </a:rPr>
+                      <m:t>0</m:t>
+                    </m:r>
+                    <m:r>
+                      <a:rPr lang="it-IT" sz="1200" b="0" i="0" smtClean="0">
+                        <a:latin typeface="Cambria Math" panose="02040503050406030204" pitchFamily="18" charset="0"/>
+                        <a:ea typeface="Cambria Math" panose="02040503050406030204" pitchFamily="18" charset="0"/>
+                      </a:rPr>
+                      <m:t>  </m:t>
+                    </m:r>
+                    <m:r>
+                      <a:rPr lang="en-GB" sz="1200" dirty="0">
+                        <a:latin typeface="Cambria Math" panose="02040503050406030204" pitchFamily="18" charset="0"/>
+                        <a:ea typeface="Cambria Math" panose="02040503050406030204" pitchFamily="18" charset="0"/>
+                      </a:rPr>
+                      <m:t>⇒</m:t>
+                    </m:r>
+                    <m:r>
+                      <a:rPr lang="it-IT" sz="1200" b="0" i="1" dirty="0" smtClean="0">
+                        <a:latin typeface="Cambria Math" panose="02040503050406030204" pitchFamily="18" charset="0"/>
+                        <a:ea typeface="Cambria Math" panose="02040503050406030204" pitchFamily="18" charset="0"/>
+                      </a:rPr>
+                      <m:t>  </m:t>
+                    </m:r>
+                    <m:r>
                       <m:rPr>
                         <m:sty m:val="p"/>
                       </m:rPr>
-                      <a:rPr lang="el-GR" sz="1400" i="1" smtClean="0">
+                      <a:rPr lang="el-GR" sz="1200" i="1">
                         <a:latin typeface="Cambria Math" panose="02040503050406030204" pitchFamily="18" charset="0"/>
                         <a:ea typeface="Cambria Math" panose="02040503050406030204" pitchFamily="18" charset="0"/>
                       </a:rPr>
@@ -8199,7 +8436,7 @@
                     <m:d>
                       <m:dPr>
                         <m:ctrlPr>
-                          <a:rPr lang="it-IT" sz="1400" i="1">
+                          <a:rPr lang="it-IT" sz="1200" i="1">
                             <a:latin typeface="Cambria Math" panose="02040503050406030204" pitchFamily="18" charset="0"/>
                             <a:ea typeface="Cambria Math" panose="02040503050406030204" pitchFamily="18" charset="0"/>
                           </a:rPr>
@@ -8207,35 +8444,35 @@
                       </m:dPr>
                       <m:e>
                         <m:r>
-                          <a:rPr lang="it-IT" sz="1400" i="1">
+                          <a:rPr lang="it-IT" sz="1200" i="1">
                             <a:latin typeface="Cambria Math" panose="02040503050406030204" pitchFamily="18" charset="0"/>
                             <a:ea typeface="Cambria Math" panose="02040503050406030204" pitchFamily="18" charset="0"/>
                           </a:rPr>
                           <m:t>𝜅</m:t>
                         </m:r>
                         <m:r>
-                          <a:rPr lang="it-IT" sz="1400" i="1">
+                          <a:rPr lang="it-IT" sz="1200" i="1">
                             <a:latin typeface="Cambria Math" panose="02040503050406030204" pitchFamily="18" charset="0"/>
                             <a:ea typeface="Cambria Math" panose="02040503050406030204" pitchFamily="18" charset="0"/>
                           </a:rPr>
                           <m:t>,</m:t>
                         </m:r>
                         <m:r>
-                          <a:rPr lang="it-IT" sz="1400" i="1">
+                          <a:rPr lang="it-IT" sz="1200" i="1">
                             <a:latin typeface="Cambria Math" panose="02040503050406030204" pitchFamily="18" charset="0"/>
                             <a:ea typeface="Cambria Math" panose="02040503050406030204" pitchFamily="18" charset="0"/>
                           </a:rPr>
                           <m:t>𝑔</m:t>
                         </m:r>
                         <m:r>
-                          <a:rPr lang="it-IT" sz="1400" i="1">
+                          <a:rPr lang="it-IT" sz="1200" i="1">
                             <a:latin typeface="Cambria Math" panose="02040503050406030204" pitchFamily="18" charset="0"/>
                             <a:ea typeface="Cambria Math" panose="02040503050406030204" pitchFamily="18" charset="0"/>
                           </a:rPr>
                           <m:t>,</m:t>
                         </m:r>
                         <m:r>
-                          <a:rPr lang="it-IT" sz="1400" i="1">
+                          <a:rPr lang="it-IT" sz="1200" i="1">
                             <a:latin typeface="Cambria Math" panose="02040503050406030204" pitchFamily="18" charset="0"/>
                             <a:ea typeface="Cambria Math" panose="02040503050406030204" pitchFamily="18" charset="0"/>
                           </a:rPr>
@@ -8244,21 +8481,21 @@
                       </m:e>
                     </m:d>
                     <m:r>
-                      <a:rPr lang="it-IT" sz="1400" b="0" i="1" smtClean="0">
+                      <a:rPr lang="it-IT" sz="1200" i="1">
                         <a:latin typeface="Cambria Math" panose="02040503050406030204" pitchFamily="18" charset="0"/>
                         <a:ea typeface="Cambria Math" panose="02040503050406030204" pitchFamily="18" charset="0"/>
                       </a:rPr>
                       <m:t>=</m:t>
                     </m:r>
                     <m:r>
-                      <a:rPr lang="it-IT" sz="1400" b="0" i="1" smtClean="0">
+                      <a:rPr lang="it-IT" sz="1200" i="1">
                         <a:latin typeface="Cambria Math" panose="02040503050406030204" pitchFamily="18" charset="0"/>
                         <a:ea typeface="Cambria Math" panose="02040503050406030204" pitchFamily="18" charset="0"/>
                       </a:rPr>
                       <m:t>𝐼</m:t>
                     </m:r>
                     <m:r>
-                      <a:rPr lang="it-IT" sz="1400" b="0" i="1" smtClean="0">
+                      <a:rPr lang="it-IT" sz="1200" i="1">
                         <a:latin typeface="Cambria Math" panose="02040503050406030204" pitchFamily="18" charset="0"/>
                         <a:ea typeface="Cambria Math" panose="02040503050406030204" pitchFamily="18" charset="0"/>
                       </a:rPr>
@@ -8267,7 +8504,7 @@
                     <m:f>
                       <m:fPr>
                         <m:ctrlPr>
-                          <a:rPr lang="it-IT" sz="1400" b="0" i="1" smtClean="0">
+                          <a:rPr lang="it-IT" sz="1200" i="1">
                             <a:latin typeface="Cambria Math" panose="02040503050406030204" pitchFamily="18" charset="0"/>
                             <a:ea typeface="Cambria Math" panose="02040503050406030204" pitchFamily="18" charset="0"/>
                           </a:rPr>
@@ -8275,7 +8512,7 @@
                       </m:fPr>
                       <m:num>
                         <m:r>
-                          <a:rPr lang="it-IT" sz="1400" b="0" i="1" smtClean="0">
+                          <a:rPr lang="it-IT" sz="1200" i="1">
                             <a:latin typeface="Cambria Math" panose="02040503050406030204" pitchFamily="18" charset="0"/>
                             <a:ea typeface="Cambria Math" panose="02040503050406030204" pitchFamily="18" charset="0"/>
                           </a:rPr>
@@ -8284,7 +8521,7 @@
                       </m:num>
                       <m:den>
                         <m:r>
-                          <a:rPr lang="it-IT" sz="1400" b="0" i="1" smtClean="0">
+                          <a:rPr lang="it-IT" sz="1200" i="1">
                             <a:latin typeface="Cambria Math" panose="02040503050406030204" pitchFamily="18" charset="0"/>
                             <a:ea typeface="Cambria Math" panose="02040503050406030204" pitchFamily="18" charset="0"/>
                           </a:rPr>
@@ -8295,7 +8532,7 @@
                     <m:d>
                       <m:dPr>
                         <m:ctrlPr>
-                          <a:rPr lang="it-IT" sz="1400" b="0" i="1" smtClean="0">
+                          <a:rPr lang="it-IT" sz="1200" i="1">
                             <a:latin typeface="Cambria Math" panose="02040503050406030204" pitchFamily="18" charset="0"/>
                             <a:ea typeface="Cambria Math" panose="02040503050406030204" pitchFamily="18" charset="0"/>
                           </a:rPr>
@@ -8303,21 +8540,21 @@
                       </m:dPr>
                       <m:e>
                         <m:r>
-                          <a:rPr lang="it-IT" sz="1400" b="0" i="1" smtClean="0">
+                          <a:rPr lang="it-IT" sz="1200" i="1">
                             <a:latin typeface="Cambria Math" panose="02040503050406030204" pitchFamily="18" charset="0"/>
                             <a:ea typeface="Cambria Math" panose="02040503050406030204" pitchFamily="18" charset="0"/>
                           </a:rPr>
                           <m:t>𝐼</m:t>
                         </m:r>
                         <m:r>
-                          <a:rPr lang="it-IT" sz="1400" b="0" i="1" smtClean="0">
+                          <a:rPr lang="it-IT" sz="1200" i="1">
                             <a:latin typeface="Cambria Math" panose="02040503050406030204" pitchFamily="18" charset="0"/>
                             <a:ea typeface="Cambria Math" panose="02040503050406030204" pitchFamily="18" charset="0"/>
                           </a:rPr>
                           <m:t>−</m:t>
                         </m:r>
                         <m:r>
-                          <a:rPr lang="it-IT" sz="1400" b="0" i="1" smtClean="0">
+                          <a:rPr lang="it-IT" sz="1200" i="1">
                             <a:latin typeface="Cambria Math" panose="02040503050406030204" pitchFamily="18" charset="0"/>
                             <a:ea typeface="Cambria Math" panose="02040503050406030204" pitchFamily="18" charset="0"/>
                           </a:rPr>
@@ -8326,7 +8563,7 @@
                         <m:d>
                           <m:dPr>
                             <m:ctrlPr>
-                              <a:rPr lang="it-IT" sz="1400" b="0" i="1" smtClean="0">
+                              <a:rPr lang="it-IT" sz="1200" i="1">
                                 <a:latin typeface="Cambria Math" panose="02040503050406030204" pitchFamily="18" charset="0"/>
                                 <a:ea typeface="Cambria Math" panose="02040503050406030204" pitchFamily="18" charset="0"/>
                               </a:rPr>
@@ -8334,21 +8571,21 @@
                           </m:dPr>
                           <m:e>
                             <m:r>
-                              <a:rPr lang="it-IT" sz="1400" b="0" i="1" smtClean="0">
+                              <a:rPr lang="it-IT" sz="1200" i="1">
                                 <a:latin typeface="Cambria Math" panose="02040503050406030204" pitchFamily="18" charset="0"/>
                                 <a:ea typeface="Cambria Math" panose="02040503050406030204" pitchFamily="18" charset="0"/>
                               </a:rPr>
                               <m:t>𝑔</m:t>
                             </m:r>
                             <m:r>
-                              <a:rPr lang="it-IT" sz="1400" b="0" i="1" smtClean="0">
+                              <a:rPr lang="it-IT" sz="1200" i="1">
                                 <a:latin typeface="Cambria Math" panose="02040503050406030204" pitchFamily="18" charset="0"/>
                                 <a:ea typeface="Cambria Math" panose="02040503050406030204" pitchFamily="18" charset="0"/>
                               </a:rPr>
                               <m:t>,</m:t>
                             </m:r>
                             <m:r>
-                              <a:rPr lang="it-IT" sz="1400" i="1">
+                              <a:rPr lang="it-IT" sz="1200" i="1">
                                 <a:latin typeface="Cambria Math" panose="02040503050406030204" pitchFamily="18" charset="0"/>
                                 <a:ea typeface="Cambria Math" panose="02040503050406030204" pitchFamily="18" charset="0"/>
                               </a:rPr>
@@ -8359,7 +8596,7 @@
                       </m:e>
                     </m:d>
                     <m:r>
-                      <a:rPr lang="it-IT" sz="1400" b="0" i="1" smtClean="0">
+                      <a:rPr lang="it-IT" sz="1200" i="1">
                         <a:latin typeface="Cambria Math" panose="02040503050406030204" pitchFamily="18" charset="0"/>
                         <a:ea typeface="Cambria Math" panose="02040503050406030204" pitchFamily="18" charset="0"/>
                       </a:rPr>
@@ -8368,7 +8605,7 @@
                     <m:f>
                       <m:fPr>
                         <m:ctrlPr>
-                          <a:rPr lang="it-IT" sz="1400" i="1">
+                          <a:rPr lang="it-IT" sz="1200" i="1">
                             <a:latin typeface="Cambria Math" panose="02040503050406030204" pitchFamily="18" charset="0"/>
                             <a:ea typeface="Cambria Math" panose="02040503050406030204" pitchFamily="18" charset="0"/>
                           </a:rPr>
@@ -8376,7 +8613,7 @@
                       </m:fPr>
                       <m:num>
                         <m:r>
-                          <a:rPr lang="it-IT" sz="1400" i="1">
+                          <a:rPr lang="it-IT" sz="1200" i="1">
                             <a:latin typeface="Cambria Math" panose="02040503050406030204" pitchFamily="18" charset="0"/>
                             <a:ea typeface="Cambria Math" panose="02040503050406030204" pitchFamily="18" charset="0"/>
                           </a:rPr>
@@ -8385,7 +8622,7 @@
                       </m:num>
                       <m:den>
                         <m:r>
-                          <a:rPr lang="it-IT" sz="1400" i="1">
+                          <a:rPr lang="it-IT" sz="1200" i="1">
                             <a:latin typeface="Cambria Math" panose="02040503050406030204" pitchFamily="18" charset="0"/>
                             <a:ea typeface="Cambria Math" panose="02040503050406030204" pitchFamily="18" charset="0"/>
                           </a:rPr>
@@ -8396,7 +8633,7 @@
                     <m:sSup>
                       <m:sSupPr>
                         <m:ctrlPr>
-                          <a:rPr lang="it-IT" sz="1400" i="1" smtClean="0">
+                          <a:rPr lang="it-IT" sz="1200" i="1">
                             <a:latin typeface="Cambria Math" panose="02040503050406030204" pitchFamily="18" charset="0"/>
                             <a:ea typeface="Cambria Math" panose="02040503050406030204" pitchFamily="18" charset="0"/>
                           </a:rPr>
@@ -8404,7 +8641,7 @@
                       </m:sSupPr>
                       <m:e>
                         <m:r>
-                          <a:rPr lang="it-IT" sz="1400" b="0" i="1" smtClean="0">
+                          <a:rPr lang="it-IT" sz="1200" i="1">
                             <a:latin typeface="Cambria Math" panose="02040503050406030204" pitchFamily="18" charset="0"/>
                             <a:ea typeface="Cambria Math" panose="02040503050406030204" pitchFamily="18" charset="0"/>
                           </a:rPr>
@@ -8413,14 +8650,14 @@
                       </m:e>
                       <m:sup>
                         <m:r>
-                          <a:rPr lang="it-IT" sz="1400" i="1" smtClean="0">
+                          <a:rPr lang="it-IT" sz="1200" i="1">
                             <a:latin typeface="Cambria Math" panose="02040503050406030204" pitchFamily="18" charset="0"/>
                             <a:ea typeface="Cambria Math" panose="02040503050406030204" pitchFamily="18" charset="0"/>
                           </a:rPr>
                           <m:t>𝛾</m:t>
                         </m:r>
                         <m:r>
-                          <a:rPr lang="it-IT" sz="1400" b="0" i="1" smtClean="0">
+                          <a:rPr lang="it-IT" sz="1200" i="1">
                             <a:latin typeface="Cambria Math" panose="02040503050406030204" pitchFamily="18" charset="0"/>
                             <a:ea typeface="Cambria Math" panose="02040503050406030204" pitchFamily="18" charset="0"/>
                           </a:rPr>
@@ -8429,42 +8666,42 @@
                       </m:sup>
                     </m:sSup>
                     <m:r>
-                      <a:rPr lang="it-IT" sz="1400" b="0" i="1" smtClean="0">
+                      <a:rPr lang="it-IT" sz="1200" i="1">
                         <a:latin typeface="Cambria Math" panose="02040503050406030204" pitchFamily="18" charset="0"/>
                         <a:ea typeface="Cambria Math" panose="02040503050406030204" pitchFamily="18" charset="0"/>
                       </a:rPr>
                       <m:t>(</m:t>
                     </m:r>
                     <m:r>
-                      <a:rPr lang="it-IT" sz="1400" b="0" i="1" smtClean="0">
+                      <a:rPr lang="it-IT" sz="1200" i="1">
                         <a:latin typeface="Cambria Math" panose="02040503050406030204" pitchFamily="18" charset="0"/>
                         <a:ea typeface="Cambria Math" panose="02040503050406030204" pitchFamily="18" charset="0"/>
                       </a:rPr>
                       <m:t>𝐼</m:t>
                     </m:r>
                     <m:r>
-                      <a:rPr lang="it-IT" sz="1400" b="0" i="1" smtClean="0">
+                      <a:rPr lang="it-IT" sz="1200" i="1">
                         <a:latin typeface="Cambria Math" panose="02040503050406030204" pitchFamily="18" charset="0"/>
                         <a:ea typeface="Cambria Math" panose="02040503050406030204" pitchFamily="18" charset="0"/>
                       </a:rPr>
                       <m:t>−</m:t>
                     </m:r>
                     <m:r>
-                      <a:rPr lang="it-IT" sz="1400" b="0" i="1" smtClean="0">
+                      <a:rPr lang="it-IT" sz="1200" i="1">
                         <a:latin typeface="Cambria Math" panose="02040503050406030204" pitchFamily="18" charset="0"/>
                         <a:ea typeface="Cambria Math" panose="02040503050406030204" pitchFamily="18" charset="0"/>
                       </a:rPr>
                       <m:t>𝐺</m:t>
                     </m:r>
                     <m:r>
-                      <a:rPr lang="it-IT" sz="1400" b="0" i="1" smtClean="0">
+                      <a:rPr lang="it-IT" sz="1200" i="1">
                         <a:latin typeface="Cambria Math" panose="02040503050406030204" pitchFamily="18" charset="0"/>
                         <a:ea typeface="Cambria Math" panose="02040503050406030204" pitchFamily="18" charset="0"/>
                       </a:rPr>
                       <m:t>)</m:t>
                     </m:r>
                     <m:r>
-                      <a:rPr lang="it-IT" sz="1400" i="1">
+                      <a:rPr lang="it-IT" sz="1200" i="1">
                         <a:latin typeface="Cambria Math" panose="02040503050406030204" pitchFamily="18" charset="0"/>
                         <a:ea typeface="Cambria Math" panose="02040503050406030204" pitchFamily="18" charset="0"/>
                       </a:rPr>
@@ -8473,7 +8710,7 @@
                     <m:d>
                       <m:dPr>
                         <m:ctrlPr>
-                          <a:rPr lang="it-IT" sz="1400" i="1">
+                          <a:rPr lang="it-IT" sz="1200" i="1">
                             <a:latin typeface="Cambria Math" panose="02040503050406030204" pitchFamily="18" charset="0"/>
                             <a:ea typeface="Cambria Math" panose="02040503050406030204" pitchFamily="18" charset="0"/>
                           </a:rPr>
@@ -8481,21 +8718,21 @@
                       </m:dPr>
                       <m:e>
                         <m:r>
-                          <a:rPr lang="it-IT" sz="1400" i="1">
+                          <a:rPr lang="it-IT" sz="1200" i="1">
                             <a:latin typeface="Cambria Math" panose="02040503050406030204" pitchFamily="18" charset="0"/>
                             <a:ea typeface="Cambria Math" panose="02040503050406030204" pitchFamily="18" charset="0"/>
                           </a:rPr>
                           <m:t>𝑔</m:t>
                         </m:r>
                         <m:r>
-                          <a:rPr lang="it-IT" sz="1400" i="1">
+                          <a:rPr lang="it-IT" sz="1200" i="1">
                             <a:latin typeface="Cambria Math" panose="02040503050406030204" pitchFamily="18" charset="0"/>
                             <a:ea typeface="Cambria Math" panose="02040503050406030204" pitchFamily="18" charset="0"/>
                           </a:rPr>
                           <m:t>,</m:t>
                         </m:r>
                         <m:r>
-                          <a:rPr lang="it-IT" sz="1400" i="1">
+                          <a:rPr lang="it-IT" sz="1200" i="1">
                             <a:latin typeface="Cambria Math" panose="02040503050406030204" pitchFamily="18" charset="0"/>
                             <a:ea typeface="Cambria Math" panose="02040503050406030204" pitchFamily="18" charset="0"/>
                           </a:rPr>
@@ -8505,214 +8742,7 @@
                     </m:d>
                   </m:oMath>
                 </a14:m>
-                <a:endParaRPr lang="en-GB" sz="1400" dirty="0">
-                  <a:latin typeface="Raleway" pitchFamily="2" charset="77"/>
-                </a:endParaRPr>
-              </a:p>
-              <a:p>
-                <a:pPr marL="285750" indent="-285750">
-                  <a:lnSpc>
-                    <a:spcPct val="100000"/>
-                  </a:lnSpc>
-                  <a:spcAft>
-                    <a:spcPts val="1600"/>
-                  </a:spcAft>
-                </a:pPr>
-                <a14:m>
-                  <m:oMath xmlns:m="http://schemas.openxmlformats.org/officeDocument/2006/math">
-                    <m:sSup>
-                      <m:sSupPr>
-                        <m:ctrlPr>
-                          <a:rPr lang="en-GB" sz="1400" i="1" smtClean="0">
-                            <a:latin typeface="Cambria Math" panose="02040503050406030204" pitchFamily="18" charset="0"/>
-                            <a:ea typeface="Cambria Math" panose="02040503050406030204" pitchFamily="18" charset="0"/>
-                          </a:rPr>
-                        </m:ctrlPr>
-                      </m:sSupPr>
-                      <m:e>
-                        <m:r>
-                          <a:rPr lang="it-IT" sz="1400" b="0" i="1" smtClean="0">
-                            <a:latin typeface="Cambria Math" panose="02040503050406030204" pitchFamily="18" charset="0"/>
-                            <a:ea typeface="Cambria Math" panose="02040503050406030204" pitchFamily="18" charset="0"/>
-                          </a:rPr>
-                          <m:t>3</m:t>
-                        </m:r>
-                      </m:e>
-                      <m:sup>
-                        <m:r>
-                          <a:rPr lang="it-IT" sz="1400" b="0" i="1" smtClean="0">
-                            <a:latin typeface="Cambria Math" panose="02040503050406030204" pitchFamily="18" charset="0"/>
-                            <a:ea typeface="Cambria Math" panose="02040503050406030204" pitchFamily="18" charset="0"/>
-                          </a:rPr>
-                          <m:t>𝑟𝑑</m:t>
-                        </m:r>
-                      </m:sup>
-                    </m:sSup>
-                  </m:oMath>
-                </a14:m>
-                <a:r>
-                  <a:rPr lang="en-GB" sz="1400" dirty="0">
-                    <a:latin typeface="Raleway" pitchFamily="2" charset="77"/>
-                  </a:rPr>
-                  <a:t> result: </a:t>
-                </a:r>
-                <a14:m>
-                  <m:oMath xmlns:m="http://schemas.openxmlformats.org/officeDocument/2006/math">
-                    <m:r>
-                      <a:rPr lang="it-IT" sz="1400" b="0" i="0" smtClean="0">
-                        <a:latin typeface="Cambria Math" panose="02040503050406030204" pitchFamily="18" charset="0"/>
-                        <a:ea typeface="Cambria Math" panose="02040503050406030204" pitchFamily="18" charset="0"/>
-                      </a:rPr>
-                      <m:t> </m:t>
-                    </m:r>
-                    <m:r>
-                      <a:rPr lang="it-IT" sz="1400" i="1">
-                        <a:latin typeface="Cambria Math" panose="02040503050406030204" pitchFamily="18" charset="0"/>
-                        <a:ea typeface="Cambria Math" panose="02040503050406030204" pitchFamily="18" charset="0"/>
-                      </a:rPr>
-                      <m:t>𝜅</m:t>
-                    </m:r>
-                    <m:r>
-                      <a:rPr lang="it-IT" sz="1400" b="0" i="1" smtClean="0">
-                        <a:latin typeface="Cambria Math" panose="02040503050406030204" pitchFamily="18" charset="0"/>
-                        <a:ea typeface="Cambria Math" panose="02040503050406030204" pitchFamily="18" charset="0"/>
-                      </a:rPr>
-                      <m:t>𝑔</m:t>
-                    </m:r>
-                    <m:r>
-                      <a:rPr lang="it-IT" sz="1400" b="0" i="1" smtClean="0">
-                        <a:latin typeface="Cambria Math" panose="02040503050406030204" pitchFamily="18" charset="0"/>
-                        <a:ea typeface="Cambria Math" panose="02040503050406030204" pitchFamily="18" charset="0"/>
-                      </a:rPr>
-                      <m:t>≥1</m:t>
-                    </m:r>
-                    <m:r>
-                      <a:rPr lang="en-GB" sz="1400" dirty="0">
-                        <a:latin typeface="Cambria Math" panose="02040503050406030204" pitchFamily="18" charset="0"/>
-                        <a:ea typeface="Cambria Math" panose="02040503050406030204" pitchFamily="18" charset="0"/>
-                      </a:rPr>
-                      <m:t>⇒</m:t>
-                    </m:r>
-                  </m:oMath>
-                </a14:m>
-                <a:r>
-                  <a:rPr lang="en-GB" sz="1400" dirty="0">
-                    <a:latin typeface="Raleway" pitchFamily="2" charset="77"/>
-                  </a:rPr>
-                  <a:t> </a:t>
-                </a:r>
-                <a14:m>
-                  <m:oMath xmlns:m="http://schemas.openxmlformats.org/officeDocument/2006/math">
-                    <m:r>
-                      <a:rPr lang="it-IT" sz="1400" i="1">
-                        <a:latin typeface="Cambria Math" panose="02040503050406030204" pitchFamily="18" charset="0"/>
-                      </a:rPr>
-                      <m:t>𝑉</m:t>
-                    </m:r>
-                    <m:d>
-                      <m:dPr>
-                        <m:ctrlPr>
-                          <a:rPr lang="it-IT" sz="1400" i="1">
-                            <a:latin typeface="Cambria Math" panose="02040503050406030204" pitchFamily="18" charset="0"/>
-                          </a:rPr>
-                        </m:ctrlPr>
-                      </m:dPr>
-                      <m:e>
-                        <m:r>
-                          <a:rPr lang="it-IT" sz="1400" i="1">
-                            <a:latin typeface="Cambria Math" panose="02040503050406030204" pitchFamily="18" charset="0"/>
-                          </a:rPr>
-                          <m:t>𝑡</m:t>
-                        </m:r>
-                        <m:r>
-                          <a:rPr lang="it-IT" sz="1400" i="1">
-                            <a:latin typeface="Cambria Math" panose="02040503050406030204" pitchFamily="18" charset="0"/>
-                          </a:rPr>
-                          <m:t>,</m:t>
-                        </m:r>
-                        <m:r>
-                          <a:rPr lang="en-GB" sz="1400" i="1">
-                            <a:latin typeface="Cambria Math" panose="02040503050406030204" pitchFamily="18" charset="0"/>
-                            <a:ea typeface="Cambria Math" panose="02040503050406030204" pitchFamily="18" charset="0"/>
-                          </a:rPr>
-                          <m:t>𝛾</m:t>
-                        </m:r>
-                      </m:e>
-                    </m:d>
-                    <m:r>
-                      <a:rPr lang="en-GB" sz="1400" i="1">
-                        <a:latin typeface="Cambria Math" panose="02040503050406030204" pitchFamily="18" charset="0"/>
-                        <a:ea typeface="Cambria Math" panose="02040503050406030204" pitchFamily="18" charset="0"/>
-                      </a:rPr>
-                      <m:t>→</m:t>
-                    </m:r>
-                    <m:r>
-                      <a:rPr lang="it-IT" sz="1400" i="1">
-                        <a:latin typeface="Cambria Math" panose="02040503050406030204" pitchFamily="18" charset="0"/>
-                      </a:rPr>
-                      <m:t>𝑢</m:t>
-                    </m:r>
-                    <m:d>
-                      <m:dPr>
-                        <m:ctrlPr>
-                          <a:rPr lang="it-IT" sz="1400" i="1">
-                            <a:latin typeface="Cambria Math" panose="02040503050406030204" pitchFamily="18" charset="0"/>
-                          </a:rPr>
-                        </m:ctrlPr>
-                      </m:dPr>
-                      <m:e>
-                        <m:r>
-                          <a:rPr lang="it-IT" sz="1400" i="1">
-                            <a:latin typeface="Cambria Math" panose="02040503050406030204" pitchFamily="18" charset="0"/>
-                          </a:rPr>
-                          <m:t>𝑡</m:t>
-                        </m:r>
-                      </m:e>
-                    </m:d>
-                    <m:r>
-                      <a:rPr lang="it-IT" sz="1400" b="0" i="1" smtClean="0">
-                        <a:latin typeface="Cambria Math" panose="02040503050406030204" pitchFamily="18" charset="0"/>
-                      </a:rPr>
-                      <m:t>  </m:t>
-                    </m:r>
-                    <m:r>
-                      <a:rPr lang="it-IT" sz="1400" b="0" i="1" smtClean="0">
-                        <a:latin typeface="Cambria Math" panose="02040503050406030204" pitchFamily="18" charset="0"/>
-                        <a:ea typeface="Cambria Math" panose="02040503050406030204" pitchFamily="18" charset="0"/>
-                      </a:rPr>
-                      <m:t>∀</m:t>
-                    </m:r>
-                    <m:r>
-                      <a:rPr lang="en-GB" sz="1400" i="1">
-                        <a:latin typeface="Cambria Math" panose="02040503050406030204" pitchFamily="18" charset="0"/>
-                        <a:ea typeface="Cambria Math" panose="02040503050406030204" pitchFamily="18" charset="0"/>
-                      </a:rPr>
-                      <m:t>𝛾</m:t>
-                    </m:r>
-                    <m:r>
-                      <a:rPr lang="it-IT" sz="1400" i="1">
-                        <a:latin typeface="Cambria Math" panose="02040503050406030204" pitchFamily="18" charset="0"/>
-                        <a:ea typeface="Cambria Math" panose="02040503050406030204" pitchFamily="18" charset="0"/>
-                      </a:rPr>
-                      <m:t>≥</m:t>
-                    </m:r>
-                    <m:r>
-                      <a:rPr lang="en-GB" sz="1400" i="1">
-                        <a:latin typeface="Cambria Math" panose="02040503050406030204" pitchFamily="18" charset="0"/>
-                        <a:ea typeface="Cambria Math" panose="02040503050406030204" pitchFamily="18" charset="0"/>
-                      </a:rPr>
-                      <m:t>0</m:t>
-                    </m:r>
-                    <m:r>
-                      <a:rPr lang="it-IT" sz="1400" i="1">
-                        <a:latin typeface="Cambria Math" panose="02040503050406030204" pitchFamily="18" charset="0"/>
-                        <a:ea typeface="Cambria Math" panose="02040503050406030204" pitchFamily="18" charset="0"/>
-                      </a:rPr>
-                      <m:t>  </m:t>
-                    </m:r>
-                  </m:oMath>
-                </a14:m>
-                <a:endParaRPr lang="en-GB" sz="1400" dirty="0">
+                <a:endParaRPr lang="en-GB" sz="1200" dirty="0">
                   <a:latin typeface="Raleway" pitchFamily="2" charset="77"/>
                 </a:endParaRPr>
               </a:p>
@@ -8739,7 +8769,7 @@
             </p:txBody>
           </p:sp>
         </mc:Choice>
-        <mc:Fallback>
+        <mc:Fallback xmlns="">
           <p:sp>
             <p:nvSpPr>
               <p:cNvPr id="82" name="Google Shape;82;p8"/>
@@ -8761,7 +8791,7 @@
               <a:blipFill>
                 <a:blip r:embed="rId3"/>
                 <a:stretch>
-                  <a:fillRect t="-7004"/>
+                  <a:fillRect b="-8171"/>
                 </a:stretch>
               </a:blipFill>
             </p:spPr>
@@ -14756,8 +14786,8 @@
           </a:p>
         </p:txBody>
       </p:sp>
-      <mc:AlternateContent xmlns:mc="http://schemas.openxmlformats.org/markup-compatibility/2006">
-        <mc:Choice xmlns:a14="http://schemas.microsoft.com/office/drawing/2010/main" Requires="a14">
+      <mc:AlternateContent xmlns:mc="http://schemas.openxmlformats.org/markup-compatibility/2006" xmlns:a14="http://schemas.microsoft.com/office/drawing/2010/main">
+        <mc:Choice Requires="a14">
           <p:sp>
             <p:nvSpPr>
               <p:cNvPr id="82" name="Google Shape;82;p8"/>
@@ -15621,7 +15651,7 @@
             </p:txBody>
           </p:sp>
         </mc:Choice>
-        <mc:Fallback>
+        <mc:Fallback xmlns="">
           <p:sp>
             <p:nvSpPr>
               <p:cNvPr id="82" name="Google Shape;82;p8"/>
@@ -16106,8 +16136,8 @@
           </a:p>
         </p:txBody>
       </p:sp>
-      <mc:AlternateContent xmlns:mc="http://schemas.openxmlformats.org/markup-compatibility/2006">
-        <mc:Choice xmlns:a14="http://schemas.microsoft.com/office/drawing/2010/main" Requires="a14">
+      <mc:AlternateContent xmlns:mc="http://schemas.openxmlformats.org/markup-compatibility/2006" xmlns:a14="http://schemas.microsoft.com/office/drawing/2010/main">
+        <mc:Choice Requires="a14">
           <p:sp>
             <p:nvSpPr>
               <p:cNvPr id="82" name="Google Shape;82;p8"/>
@@ -18029,7 +18059,7 @@
             </p:txBody>
           </p:sp>
         </mc:Choice>
-        <mc:Fallback>
+        <mc:Fallback xmlns="">
           <p:sp>
             <p:nvSpPr>
               <p:cNvPr id="82" name="Google Shape;82;p8"/>
@@ -18514,8 +18544,8 @@
           </a:p>
         </p:txBody>
       </p:sp>
-      <mc:AlternateContent xmlns:mc="http://schemas.openxmlformats.org/markup-compatibility/2006">
-        <mc:Choice xmlns:a14="http://schemas.microsoft.com/office/drawing/2010/main" Requires="a14">
+      <mc:AlternateContent xmlns:mc="http://schemas.openxmlformats.org/markup-compatibility/2006" xmlns:a14="http://schemas.microsoft.com/office/drawing/2010/main">
+        <mc:Choice Requires="a14">
           <p:sp>
             <p:nvSpPr>
               <p:cNvPr id="82" name="Google Shape;82;p8"/>
@@ -19318,7 +19348,7 @@
             </p:txBody>
           </p:sp>
         </mc:Choice>
-        <mc:Fallback>
+        <mc:Fallback xmlns="">
           <p:sp>
             <p:nvSpPr>
               <p:cNvPr id="82" name="Google Shape;82;p8"/>
@@ -21937,17 +21967,26 @@
                 <a14:m>
                   <m:oMath xmlns:m="http://schemas.openxmlformats.org/officeDocument/2006/math">
                     <m:r>
-                      <a:rPr lang="en-GB" b="0" i="1" smtClean="0">
+                      <a:rPr lang="en-GB" b="1" i="1" smtClean="0">
                         <a:solidFill>
-                          <a:schemeClr val="accent1"/>
+                          <a:srgbClr val="016778"/>
                         </a:solidFill>
                         <a:latin typeface="Cambria Math" panose="02040503050406030204" pitchFamily="18" charset="0"/>
                         <a:ea typeface="Cambria Math" panose="02040503050406030204" pitchFamily="18" charset="0"/>
                       </a:rPr>
-                      <m:t>𝛾</m:t>
+                      <m:t>𝜸</m:t>
                     </m:r>
                   </m:oMath>
                 </a14:m>
+                <a:r>
+                  <a:rPr lang="en-GB" b="1" dirty="0">
+                    <a:solidFill>
+                      <a:srgbClr val="016778"/>
+                    </a:solidFill>
+                    <a:latin typeface="Raleway" pitchFamily="2" charset="77"/>
+                  </a:rPr>
+                  <a:t> intra-consensus iterations</a:t>
+                </a:r>
                 <a:r>
                   <a:rPr lang="en-GB" dirty="0">
                     <a:solidFill>
@@ -21955,7 +21994,7 @@
                     </a:solidFill>
                     <a:latin typeface="Raleway" pitchFamily="2" charset="77"/>
                   </a:rPr>
-                  <a:t> intra-consensus iterations. </a:t>
+                  <a:t>. </a:t>
                 </a:r>
                 <a14:m>
                   <m:oMath xmlns:m="http://schemas.openxmlformats.org/officeDocument/2006/math">

--- a/CAMS_Presentation.pptx
+++ b/CAMS_Presentation.pptx
@@ -12191,7 +12191,7 @@
                 <a:cs typeface="Raleway"/>
                 <a:sym typeface="Raleway"/>
               </a:rPr>
-              <a:t>Conclusions and future works</a:t>
+              <a:t>Thank you</a:t>
             </a:r>
             <a:endParaRPr sz="1800" dirty="0">
               <a:latin typeface="Raleway"/>
@@ -19787,35 +19787,6 @@
           <a:chExt cx="0" cy="0"/>
         </a:xfrm>
       </p:grpSpPr>
-      <p:pic>
-        <p:nvPicPr>
-          <p:cNvPr id="6" name="Immagine 5" descr="Immagine che contiene testo, diagramma, linea, Diagramma&#10;&#10;Descrizione generata automaticamente">
-            <a:extLst>
-              <a:ext uri="{FF2B5EF4-FFF2-40B4-BE49-F238E27FC236}">
-                <a16:creationId xmlns:a16="http://schemas.microsoft.com/office/drawing/2014/main" id="{CBAE9F1F-F758-34CD-AB9F-DEF7BB65DB3E}"/>
-              </a:ext>
-            </a:extLst>
-          </p:cNvPr>
-          <p:cNvPicPr>
-            <a:picLocks noChangeAspect="1"/>
-          </p:cNvPicPr>
-          <p:nvPr/>
-        </p:nvPicPr>
-        <p:blipFill rotWithShape="1">
-          <a:blip r:embed="rId2"/>
-          <a:srcRect l="2951" t="9900" r="7861" b="4921"/>
-          <a:stretch/>
-        </p:blipFill>
-        <p:spPr>
-          <a:xfrm>
-            <a:off x="994926" y="1313917"/>
-            <a:ext cx="3047236" cy="2910269"/>
-          </a:xfrm>
-          <a:prstGeom prst="rect">
-            <a:avLst/>
-          </a:prstGeom>
-        </p:spPr>
-      </p:pic>
       <p:sp>
         <p:nvSpPr>
           <p:cNvPr id="4" name="Segnaposto numero diapositiva 3">
@@ -19914,7 +19885,7 @@
           <p:nvPr/>
         </p:nvPicPr>
         <p:blipFill>
-          <a:blip r:embed="rId3"/>
+          <a:blip r:embed="rId2"/>
           <a:stretch>
             <a:fillRect/>
           </a:stretch>
@@ -19964,7 +19935,7 @@
                     <a:solidFill>
                       <a:srgbClr val="6E0918"/>
                     </a:solidFill>
-                    <a:hlinkClick r:id="rId4" action="ppaction://hlinksldjump">
+                    <a:hlinkClick r:id="rId3" action="ppaction://hlinksldjump">
                       <a:extLst>
                         <a:ext uri="{A12FA001-AC4F-418D-AE19-62706E023703}">
                           <ahyp:hlinkClr xmlns:ahyp="http://schemas.microsoft.com/office/drawing/2018/hyperlinkcolor" val="tx"/>
@@ -19979,7 +19950,7 @@
                     <a:solidFill>
                       <a:srgbClr val="6E0918"/>
                     </a:solidFill>
-                    <a:hlinkClick r:id="rId4" action="ppaction://hlinksldjump">
+                    <a:hlinkClick r:id="rId3" action="ppaction://hlinksldjump">
                       <a:extLst>
                         <a:ext uri="{A12FA001-AC4F-418D-AE19-62706E023703}">
                           <ahyp:hlinkClr xmlns:ahyp="http://schemas.microsoft.com/office/drawing/2018/hyperlinkcolor" val="tx"/>
@@ -20295,6 +20266,35 @@
           </a:p>
         </p:txBody>
       </p:sp>
+      <p:pic>
+        <p:nvPicPr>
+          <p:cNvPr id="3" name="Immagine 2" descr="Immagine che contiene testo, diagramma, linea, Diagramma&#10;&#10;Descrizione generata automaticamente">
+            <a:extLst>
+              <a:ext uri="{FF2B5EF4-FFF2-40B4-BE49-F238E27FC236}">
+                <a16:creationId xmlns:a16="http://schemas.microsoft.com/office/drawing/2014/main" id="{D7C45A66-F743-7769-5C56-E9287FD0AB34}"/>
+              </a:ext>
+            </a:extLst>
+          </p:cNvPr>
+          <p:cNvPicPr>
+            <a:picLocks noChangeAspect="1"/>
+          </p:cNvPicPr>
+          <p:nvPr/>
+        </p:nvPicPr>
+        <p:blipFill rotWithShape="1">
+          <a:blip r:embed="rId8"/>
+          <a:srcRect l="2734" t="11660" r="9241" b="3850"/>
+          <a:stretch/>
+        </p:blipFill>
+        <p:spPr>
+          <a:xfrm>
+            <a:off x="994927" y="1397000"/>
+            <a:ext cx="2989955" cy="2869897"/>
+          </a:xfrm>
+          <a:prstGeom prst="rect">
+            <a:avLst/>
+          </a:prstGeom>
+        </p:spPr>
+      </p:pic>
     </p:spTree>
     <p:extLst>
       <p:ext uri="{BB962C8B-B14F-4D97-AF65-F5344CB8AC3E}">
